--- a/PowerPoint.pptx
+++ b/PowerPoint.pptx
@@ -183,7 +183,7 @@
           <p:cNvPr id="2" name="Header Placeholder 1">
             <a:extLst>
               <a:ext uri="{FF2B5EF4-FFF2-40B4-BE49-F238E27FC236}">
-                <a16:creationId xmlns="" xmlns:a16="http://schemas.microsoft.com/office/drawing/2014/main" id="{643DAE18-FF53-43C8-B129-B2254E0CD35F}"/>
+                <a16:creationId xmlns:a16="http://schemas.microsoft.com/office/drawing/2014/main" xmlns="" id="{643DAE18-FF53-43C8-B129-B2254E0CD35F}"/>
               </a:ext>
             </a:extLst>
           </p:cNvPr>
@@ -220,7 +220,7 @@
           <p:cNvPr id="3" name="Date Placeholder 2">
             <a:extLst>
               <a:ext uri="{FF2B5EF4-FFF2-40B4-BE49-F238E27FC236}">
-                <a16:creationId xmlns="" xmlns:a16="http://schemas.microsoft.com/office/drawing/2014/main" id="{A84C594C-BB62-4D1A-AA15-460CAB02688B}"/>
+                <a16:creationId xmlns:a16="http://schemas.microsoft.com/office/drawing/2014/main" xmlns="" id="{A84C594C-BB62-4D1A-AA15-460CAB02688B}"/>
               </a:ext>
             </a:extLst>
           </p:cNvPr>
@@ -250,7 +250,7 @@
           <a:p>
             <a:fld id="{0BAB0719-0C0B-4FCD-8C42-A758D216E1BD}" type="datetimeFigureOut">
               <a:rPr lang="en-US" smtClean="0"/>
-              <a:t>5/29/2022</a:t>
+              <a:t>6/3/2022</a:t>
             </a:fld>
             <a:endParaRPr lang="en-US" dirty="0"/>
           </a:p>
@@ -261,7 +261,7 @@
           <p:cNvPr id="4" name="Footer Placeholder 3">
             <a:extLst>
               <a:ext uri="{FF2B5EF4-FFF2-40B4-BE49-F238E27FC236}">
-                <a16:creationId xmlns="" xmlns:a16="http://schemas.microsoft.com/office/drawing/2014/main" id="{377CD9E3-2F3C-4226-A22C-6BC586ACB341}"/>
+                <a16:creationId xmlns:a16="http://schemas.microsoft.com/office/drawing/2014/main" xmlns="" id="{377CD9E3-2F3C-4226-A22C-6BC586ACB341}"/>
               </a:ext>
             </a:extLst>
           </p:cNvPr>
@@ -298,7 +298,7 @@
           <p:cNvPr id="5" name="Slide Number Placeholder 4">
             <a:extLst>
               <a:ext uri="{FF2B5EF4-FFF2-40B4-BE49-F238E27FC236}">
-                <a16:creationId xmlns="" xmlns:a16="http://schemas.microsoft.com/office/drawing/2014/main" id="{257FA062-CF80-4049-B333-6A99FEE14BB9}"/>
+                <a16:creationId xmlns:a16="http://schemas.microsoft.com/office/drawing/2014/main" xmlns="" id="{257FA062-CF80-4049-B333-6A99FEE14BB9}"/>
               </a:ext>
             </a:extLst>
           </p:cNvPr>
@@ -428,7 +428,7 @@
             <a:fld id="{925A17EF-115B-4BB9-BF42-426DFD9E898A}" type="datetimeFigureOut">
               <a:rPr lang="en-US" smtClean="0"/>
               <a:pPr/>
-              <a:t>5/29/2022</a:t>
+              <a:t>6/3/2022</a:t>
             </a:fld>
             <a:endParaRPr lang="en-US" dirty="0"/>
           </a:p>
@@ -2563,7 +2563,7 @@
           <p:cNvPr id="10" name="Group 9">
             <a:extLst>
               <a:ext uri="{FF2B5EF4-FFF2-40B4-BE49-F238E27FC236}">
-                <a16:creationId xmlns="" xmlns:a16="http://schemas.microsoft.com/office/drawing/2014/main" id="{E770D99E-2869-438B-B483-1F6CCD5437EE}"/>
+                <a16:creationId xmlns:a16="http://schemas.microsoft.com/office/drawing/2014/main" xmlns="" id="{E770D99E-2869-438B-B483-1F6CCD5437EE}"/>
               </a:ext>
             </a:extLst>
           </p:cNvPr>
@@ -2583,7 +2583,7 @@
             <p:cNvPr id="11" name="Graphic 10">
               <a:extLst>
                 <a:ext uri="{FF2B5EF4-FFF2-40B4-BE49-F238E27FC236}">
-                  <a16:creationId xmlns="" xmlns:a16="http://schemas.microsoft.com/office/drawing/2014/main" id="{F66236F9-EA1F-4D2A-84DE-EC04F9972C4F}"/>
+                  <a16:creationId xmlns:a16="http://schemas.microsoft.com/office/drawing/2014/main" xmlns="" id="{F66236F9-EA1F-4D2A-84DE-EC04F9972C4F}"/>
                 </a:ext>
               </a:extLst>
             </p:cNvPr>
@@ -2603,7 +2603,7 @@
               </a:duotone>
               <a:extLst>
                 <a:ext uri="{96DAC541-7B7A-43D3-8B79-37D633B846F1}">
-                  <asvg:svgBlip xmlns="" xmlns:asvg="http://schemas.microsoft.com/office/drawing/2016/SVG/main" r:embed="rId4"/>
+                  <asvg:svgBlip xmlns:asvg="http://schemas.microsoft.com/office/drawing/2016/SVG/main" xmlns="" r:embed="rId4"/>
                 </a:ext>
               </a:extLst>
             </a:blip>
@@ -2626,7 +2626,7 @@
             <p:cNvPr id="13" name="Graphic 12">
               <a:extLst>
                 <a:ext uri="{FF2B5EF4-FFF2-40B4-BE49-F238E27FC236}">
-                  <a16:creationId xmlns="" xmlns:a16="http://schemas.microsoft.com/office/drawing/2014/main" id="{A14E049B-6FD4-487E-927B-506983629A35}"/>
+                  <a16:creationId xmlns:a16="http://schemas.microsoft.com/office/drawing/2014/main" xmlns="" id="{A14E049B-6FD4-487E-927B-506983629A35}"/>
                 </a:ext>
               </a:extLst>
             </p:cNvPr>
@@ -2646,7 +2646,7 @@
               </a:duotone>
               <a:extLst>
                 <a:ext uri="{96DAC541-7B7A-43D3-8B79-37D633B846F1}">
-                  <asvg:svgBlip xmlns="" xmlns:asvg="http://schemas.microsoft.com/office/drawing/2016/SVG/main" r:embed="rId7"/>
+                  <asvg:svgBlip xmlns:asvg="http://schemas.microsoft.com/office/drawing/2016/SVG/main" xmlns="" r:embed="rId7"/>
                 </a:ext>
               </a:extLst>
             </a:blip>
@@ -2669,7 +2669,7 @@
             <p:cNvPr id="14" name="Graphic 13">
               <a:extLst>
                 <a:ext uri="{FF2B5EF4-FFF2-40B4-BE49-F238E27FC236}">
-                  <a16:creationId xmlns="" xmlns:a16="http://schemas.microsoft.com/office/drawing/2014/main" id="{EF27E3F5-0D4D-492C-8A3E-50BC30CEFD28}"/>
+                  <a16:creationId xmlns:a16="http://schemas.microsoft.com/office/drawing/2014/main" xmlns="" id="{EF27E3F5-0D4D-492C-8A3E-50BC30CEFD28}"/>
                 </a:ext>
               </a:extLst>
             </p:cNvPr>
@@ -2689,7 +2689,7 @@
               </a:duotone>
               <a:extLst>
                 <a:ext uri="{96DAC541-7B7A-43D3-8B79-37D633B846F1}">
-                  <asvg:svgBlip xmlns="" xmlns:asvg="http://schemas.microsoft.com/office/drawing/2016/SVG/main" r:embed="rId9"/>
+                  <asvg:svgBlip xmlns:asvg="http://schemas.microsoft.com/office/drawing/2016/SVG/main" xmlns="" r:embed="rId9"/>
                 </a:ext>
               </a:extLst>
             </a:blip>
@@ -2712,7 +2712,7 @@
             <p:cNvPr id="15" name="Graphic 14">
               <a:extLst>
                 <a:ext uri="{FF2B5EF4-FFF2-40B4-BE49-F238E27FC236}">
-                  <a16:creationId xmlns="" xmlns:a16="http://schemas.microsoft.com/office/drawing/2014/main" id="{36D4FF91-8818-4598-AC9F-B8C2FA867C0F}"/>
+                  <a16:creationId xmlns:a16="http://schemas.microsoft.com/office/drawing/2014/main" xmlns="" id="{36D4FF91-8818-4598-AC9F-B8C2FA867C0F}"/>
                 </a:ext>
               </a:extLst>
             </p:cNvPr>
@@ -2732,7 +2732,7 @@
               </a:duotone>
               <a:extLst>
                 <a:ext uri="{96DAC541-7B7A-43D3-8B79-37D633B846F1}">
-                  <asvg:svgBlip xmlns="" xmlns:asvg="http://schemas.microsoft.com/office/drawing/2016/SVG/main" r:embed="rId11"/>
+                  <asvg:svgBlip xmlns:asvg="http://schemas.microsoft.com/office/drawing/2016/SVG/main" xmlns="" r:embed="rId11"/>
                 </a:ext>
               </a:extLst>
             </a:blip>
@@ -2936,6 +2936,13 @@
   <p:clrMapOvr>
     <a:masterClrMapping/>
   </p:clrMapOvr>
+  <p:timing>
+    <p:tnLst>
+      <p:par>
+        <p:cTn id="1" dur="indefinite" restart="never" nodeType="tmRoot"/>
+      </p:par>
+    </p:tnLst>
+  </p:timing>
 </p:sldLayout>
 </file>
 
@@ -3108,7 +3115,7 @@
           <p:cNvPr id="11" name="Group 10">
             <a:extLst>
               <a:ext uri="{FF2B5EF4-FFF2-40B4-BE49-F238E27FC236}">
-                <a16:creationId xmlns="" xmlns:a16="http://schemas.microsoft.com/office/drawing/2014/main" id="{CABB0C64-AD16-4270-8323-3B986F4CAD10}"/>
+                <a16:creationId xmlns:a16="http://schemas.microsoft.com/office/drawing/2014/main" xmlns="" id="{CABB0C64-AD16-4270-8323-3B986F4CAD10}"/>
               </a:ext>
             </a:extLst>
           </p:cNvPr>
@@ -3128,7 +3135,7 @@
             <p:cNvPr id="12" name="Graphic 11">
               <a:extLst>
                 <a:ext uri="{FF2B5EF4-FFF2-40B4-BE49-F238E27FC236}">
-                  <a16:creationId xmlns="" xmlns:a16="http://schemas.microsoft.com/office/drawing/2014/main" id="{323EE1CF-2D6B-4E08-B98D-D9F9B9196806}"/>
+                  <a16:creationId xmlns:a16="http://schemas.microsoft.com/office/drawing/2014/main" xmlns="" id="{323EE1CF-2D6B-4E08-B98D-D9F9B9196806}"/>
                 </a:ext>
               </a:extLst>
             </p:cNvPr>
@@ -3141,7 +3148,7 @@
             <a:blip r:embed="rId2">
               <a:extLst>
                 <a:ext uri="{96DAC541-7B7A-43D3-8B79-37D633B846F1}">
-                  <asvg:svgBlip xmlns="" xmlns:asvg="http://schemas.microsoft.com/office/drawing/2016/SVG/main" r:embed="rId3"/>
+                  <asvg:svgBlip xmlns:asvg="http://schemas.microsoft.com/office/drawing/2016/SVG/main" xmlns="" r:embed="rId3"/>
                 </a:ext>
               </a:extLst>
             </a:blip>
@@ -3164,7 +3171,7 @@
             <p:cNvPr id="13" name="Graphic 12">
               <a:extLst>
                 <a:ext uri="{FF2B5EF4-FFF2-40B4-BE49-F238E27FC236}">
-                  <a16:creationId xmlns="" xmlns:a16="http://schemas.microsoft.com/office/drawing/2014/main" id="{2AA44434-8959-4391-901A-0B056114A270}"/>
+                  <a16:creationId xmlns:a16="http://schemas.microsoft.com/office/drawing/2014/main" xmlns="" id="{2AA44434-8959-4391-901A-0B056114A270}"/>
                 </a:ext>
               </a:extLst>
             </p:cNvPr>
@@ -3184,7 +3191,7 @@
               </a:duotone>
               <a:extLst>
                 <a:ext uri="{96DAC541-7B7A-43D3-8B79-37D633B846F1}">
-                  <asvg:svgBlip xmlns="" xmlns:asvg="http://schemas.microsoft.com/office/drawing/2016/SVG/main" r:embed="rId5"/>
+                  <asvg:svgBlip xmlns:asvg="http://schemas.microsoft.com/office/drawing/2016/SVG/main" xmlns="" r:embed="rId5"/>
                 </a:ext>
               </a:extLst>
             </a:blip>
@@ -3208,7 +3215,7 @@
           <p:cNvPr id="4" name="Slide Number Placeholder 3">
             <a:extLst>
               <a:ext uri="{FF2B5EF4-FFF2-40B4-BE49-F238E27FC236}">
-                <a16:creationId xmlns="" xmlns:a16="http://schemas.microsoft.com/office/drawing/2014/main" id="{04FC6F67-BAE4-413D-8066-1E361D58912A}"/>
+                <a16:creationId xmlns:a16="http://schemas.microsoft.com/office/drawing/2014/main" xmlns="" id="{04FC6F67-BAE4-413D-8066-1E361D58912A}"/>
               </a:ext>
             </a:extLst>
           </p:cNvPr>
@@ -3244,7 +3251,7 @@
           <p:cNvPr id="14" name="Content Placeholder 2">
             <a:extLst>
               <a:ext uri="{FF2B5EF4-FFF2-40B4-BE49-F238E27FC236}">
-                <a16:creationId xmlns="" xmlns:a16="http://schemas.microsoft.com/office/drawing/2014/main" id="{DF566D8F-E696-41DE-BA1C-A8D0C7F03EDA}"/>
+                <a16:creationId xmlns:a16="http://schemas.microsoft.com/office/drawing/2014/main" xmlns="" id="{DF566D8F-E696-41DE-BA1C-A8D0C7F03EDA}"/>
               </a:ext>
             </a:extLst>
           </p:cNvPr>
@@ -3304,7 +3311,7 @@
           <p:cNvPr id="10" name="Picture 9">
             <a:extLst>
               <a:ext uri="{FF2B5EF4-FFF2-40B4-BE49-F238E27FC236}">
-                <a16:creationId xmlns="" xmlns:a16="http://schemas.microsoft.com/office/drawing/2014/main" id="{229BCFD6-0FEA-470B-8D1B-2003D04546A9}"/>
+                <a16:creationId xmlns:a16="http://schemas.microsoft.com/office/drawing/2014/main" xmlns="" id="{229BCFD6-0FEA-470B-8D1B-2003D04546A9}"/>
               </a:ext>
             </a:extLst>
           </p:cNvPr>
@@ -3334,7 +3341,7 @@
           <p:cNvPr id="16" name="Title 1">
             <a:extLst>
               <a:ext uri="{FF2B5EF4-FFF2-40B4-BE49-F238E27FC236}">
-                <a16:creationId xmlns="" xmlns:a16="http://schemas.microsoft.com/office/drawing/2014/main" id="{46DBB272-DB65-45A5-B783-3A77775D8D95}"/>
+                <a16:creationId xmlns:a16="http://schemas.microsoft.com/office/drawing/2014/main" xmlns="" id="{46DBB272-DB65-45A5-B783-3A77775D8D95}"/>
               </a:ext>
             </a:extLst>
           </p:cNvPr>
@@ -3401,7 +3408,7 @@
           <p:cNvPr id="17" name="Title 3">
             <a:extLst>
               <a:ext uri="{FF2B5EF4-FFF2-40B4-BE49-F238E27FC236}">
-                <a16:creationId xmlns="" xmlns:a16="http://schemas.microsoft.com/office/drawing/2014/main" id="{CC871976-F98C-4912-A4AD-158D0A2D9CE3}"/>
+                <a16:creationId xmlns:a16="http://schemas.microsoft.com/office/drawing/2014/main" xmlns="" id="{CC871976-F98C-4912-A4AD-158D0A2D9CE3}"/>
               </a:ext>
             </a:extLst>
           </p:cNvPr>
@@ -3412,8 +3419,8 @@
         </p:nvSpPr>
         <p:spPr>
           <a:xfrm>
-            <a:off x="-110910" y="37628"/>
-            <a:ext cx="4149510" cy="976946"/>
+            <a:off x="0" y="37628"/>
+            <a:ext cx="3886200" cy="976946"/>
           </a:xfrm>
           <a:prstGeom prst="rect">
             <a:avLst/>
@@ -3447,18 +3454,18 @@
             <a:pPr algn="r"/>
             <a:r>
               <a:rPr lang="fa-IR" sz="2400" dirty="0" smtClean="0">
-                <a:cs typeface="B Titr" panose="00000700000000000000" pitchFamily="2" charset="-78"/>
+                <a:cs typeface="B Kourosh" panose="00000400000000000000" pitchFamily="2" charset="-78"/>
               </a:rPr>
               <a:t>رویکرد مبتنی بر مدل برای پردازش داده ها در بستر اينترنت اشياء </a:t>
             </a:r>
             <a:r>
               <a:rPr lang="en-US" sz="2400" dirty="0" err="1" smtClean="0">
-                <a:cs typeface="B Titr" panose="00000700000000000000" pitchFamily="2" charset="-78"/>
+                <a:cs typeface="B Kourosh" panose="00000400000000000000" pitchFamily="2" charset="-78"/>
               </a:rPr>
               <a:t>IoT</a:t>
             </a:r>
             <a:endParaRPr lang="en-US" sz="2400" dirty="0">
-              <a:cs typeface="B Titr" panose="00000700000000000000" pitchFamily="2" charset="-78"/>
+              <a:cs typeface="B Kourosh" panose="00000400000000000000" pitchFamily="2" charset="-78"/>
             </a:endParaRPr>
           </a:p>
         </p:txBody>
@@ -3664,7 +3671,7 @@
           <p:cNvPr id="9" name="Slide Number Placeholder 6">
             <a:extLst>
               <a:ext uri="{FF2B5EF4-FFF2-40B4-BE49-F238E27FC236}">
-                <a16:creationId xmlns="" xmlns:a16="http://schemas.microsoft.com/office/drawing/2014/main" id="{B32CA5EA-865E-4EF0-89BB-61FD6EFE265C}"/>
+                <a16:creationId xmlns:a16="http://schemas.microsoft.com/office/drawing/2014/main" xmlns="" id="{B32CA5EA-865E-4EF0-89BB-61FD6EFE265C}"/>
               </a:ext>
             </a:extLst>
           </p:cNvPr>
@@ -3958,7 +3965,7 @@
           <p:cNvPr id="9" name="Slide Number Placeholder 6">
             <a:extLst>
               <a:ext uri="{FF2B5EF4-FFF2-40B4-BE49-F238E27FC236}">
-                <a16:creationId xmlns="" xmlns:a16="http://schemas.microsoft.com/office/drawing/2014/main" id="{BD5BE3E6-AFB3-460C-834B-D73EE2A7C06F}"/>
+                <a16:creationId xmlns:a16="http://schemas.microsoft.com/office/drawing/2014/main" xmlns="" id="{BD5BE3E6-AFB3-460C-834B-D73EE2A7C06F}"/>
               </a:ext>
             </a:extLst>
           </p:cNvPr>
@@ -4093,7 +4100,7 @@
           <p:cNvPr id="21" name="Graphic 20">
             <a:extLst>
               <a:ext uri="{FF2B5EF4-FFF2-40B4-BE49-F238E27FC236}">
-                <a16:creationId xmlns="" xmlns:a16="http://schemas.microsoft.com/office/drawing/2014/main" id="{41E45D2D-0469-4652-A090-C4D13F3C1502}"/>
+                <a16:creationId xmlns:a16="http://schemas.microsoft.com/office/drawing/2014/main" xmlns="" id="{41E45D2D-0469-4652-A090-C4D13F3C1502}"/>
               </a:ext>
             </a:extLst>
           </p:cNvPr>
@@ -4113,7 +4120,7 @@
             </a:duotone>
             <a:extLst>
               <a:ext uri="{96DAC541-7B7A-43D3-8B79-37D633B846F1}">
-                <asvg:svgBlip xmlns="" xmlns:asvg="http://schemas.microsoft.com/office/drawing/2016/SVG/main" r:embed="rId8"/>
+                <asvg:svgBlip xmlns:asvg="http://schemas.microsoft.com/office/drawing/2016/SVG/main" xmlns="" r:embed="rId8"/>
               </a:ext>
             </a:extLst>
           </a:blip>
@@ -4136,7 +4143,7 @@
           <p:cNvPr id="27" name="Graphic 26">
             <a:extLst>
               <a:ext uri="{FF2B5EF4-FFF2-40B4-BE49-F238E27FC236}">
-                <a16:creationId xmlns="" xmlns:a16="http://schemas.microsoft.com/office/drawing/2014/main" id="{16C04FF8-AE2F-4C75-8657-A2201B951971}"/>
+                <a16:creationId xmlns:a16="http://schemas.microsoft.com/office/drawing/2014/main" xmlns="" id="{16C04FF8-AE2F-4C75-8657-A2201B951971}"/>
               </a:ext>
             </a:extLst>
           </p:cNvPr>
@@ -4156,7 +4163,7 @@
             </a:duotone>
             <a:extLst>
               <a:ext uri="{96DAC541-7B7A-43D3-8B79-37D633B846F1}">
-                <asvg:svgBlip xmlns="" xmlns:asvg="http://schemas.microsoft.com/office/drawing/2016/SVG/main" r:embed="rId10"/>
+                <asvg:svgBlip xmlns:asvg="http://schemas.microsoft.com/office/drawing/2016/SVG/main" xmlns="" r:embed="rId10"/>
               </a:ext>
             </a:extLst>
           </a:blip>
@@ -4222,7 +4229,7 @@
           <p:cNvPr id="11" name="Title 1">
             <a:extLst>
               <a:ext uri="{FF2B5EF4-FFF2-40B4-BE49-F238E27FC236}">
-                <a16:creationId xmlns="" xmlns:a16="http://schemas.microsoft.com/office/drawing/2014/main" id="{46DBB272-DB65-45A5-B783-3A77775D8D95}"/>
+                <a16:creationId xmlns:a16="http://schemas.microsoft.com/office/drawing/2014/main" xmlns="" id="{46DBB272-DB65-45A5-B783-3A77775D8D95}"/>
               </a:ext>
             </a:extLst>
           </p:cNvPr>
@@ -4295,7 +4302,7 @@
           <p:cNvPr id="12" name="Picture 11">
             <a:extLst>
               <a:ext uri="{FF2B5EF4-FFF2-40B4-BE49-F238E27FC236}">
-                <a16:creationId xmlns="" xmlns:a16="http://schemas.microsoft.com/office/drawing/2014/main" id="{CDFF6DDB-A06E-4930-8214-DCBB47A399D1}"/>
+                <a16:creationId xmlns:a16="http://schemas.microsoft.com/office/drawing/2014/main" xmlns="" id="{CDFF6DDB-A06E-4930-8214-DCBB47A399D1}"/>
               </a:ext>
             </a:extLst>
           </p:cNvPr>
@@ -4325,7 +4332,7 @@
           <p:cNvPr id="15" name="Group 14">
             <a:extLst>
               <a:ext uri="{FF2B5EF4-FFF2-40B4-BE49-F238E27FC236}">
-                <a16:creationId xmlns="" xmlns:a16="http://schemas.microsoft.com/office/drawing/2014/main" id="{E2851BF9-D8D7-4D39-99D6-6ADB37445A93}"/>
+                <a16:creationId xmlns:a16="http://schemas.microsoft.com/office/drawing/2014/main" xmlns="" id="{E2851BF9-D8D7-4D39-99D6-6ADB37445A93}"/>
               </a:ext>
             </a:extLst>
           </p:cNvPr>
@@ -4345,7 +4352,7 @@
             <p:cNvPr id="16" name="Graphic 15">
               <a:extLst>
                 <a:ext uri="{FF2B5EF4-FFF2-40B4-BE49-F238E27FC236}">
-                  <a16:creationId xmlns="" xmlns:a16="http://schemas.microsoft.com/office/drawing/2014/main" id="{05DC98D5-D807-466C-9222-516E0DCFEE07}"/>
+                  <a16:creationId xmlns:a16="http://schemas.microsoft.com/office/drawing/2014/main" xmlns="" id="{05DC98D5-D807-466C-9222-516E0DCFEE07}"/>
                 </a:ext>
               </a:extLst>
             </p:cNvPr>
@@ -4358,7 +4365,7 @@
             <a:blip r:embed="rId12">
               <a:extLst>
                 <a:ext uri="{96DAC541-7B7A-43D3-8B79-37D633B846F1}">
-                  <asvg:svgBlip xmlns="" xmlns:asvg="http://schemas.microsoft.com/office/drawing/2016/SVG/main" r:embed="rId13"/>
+                  <asvg:svgBlip xmlns:asvg="http://schemas.microsoft.com/office/drawing/2016/SVG/main" xmlns="" r:embed="rId13"/>
                 </a:ext>
               </a:extLst>
             </a:blip>
@@ -4381,7 +4388,7 @@
             <p:cNvPr id="17" name="Graphic 16">
               <a:extLst>
                 <a:ext uri="{FF2B5EF4-FFF2-40B4-BE49-F238E27FC236}">
-                  <a16:creationId xmlns="" xmlns:a16="http://schemas.microsoft.com/office/drawing/2014/main" id="{B27FD9EB-99CD-4D90-8A0C-7912F994E69E}"/>
+                  <a16:creationId xmlns:a16="http://schemas.microsoft.com/office/drawing/2014/main" xmlns="" id="{B27FD9EB-99CD-4D90-8A0C-7912F994E69E}"/>
                 </a:ext>
               </a:extLst>
             </p:cNvPr>
@@ -4401,7 +4408,7 @@
               </a:duotone>
               <a:extLst>
                 <a:ext uri="{96DAC541-7B7A-43D3-8B79-37D633B846F1}">
-                  <asvg:svgBlip xmlns="" xmlns:asvg="http://schemas.microsoft.com/office/drawing/2016/SVG/main" r:embed="rId15"/>
+                  <asvg:svgBlip xmlns:asvg="http://schemas.microsoft.com/office/drawing/2016/SVG/main" xmlns="" r:embed="rId15"/>
                 </a:ext>
               </a:extLst>
             </a:blip>
@@ -4425,7 +4432,7 @@
           <p:cNvPr id="22" name="Title 3">
             <a:extLst>
               <a:ext uri="{FF2B5EF4-FFF2-40B4-BE49-F238E27FC236}">
-                <a16:creationId xmlns="" xmlns:a16="http://schemas.microsoft.com/office/drawing/2014/main" id="{CC871976-F98C-4912-A4AD-158D0A2D9CE3}"/>
+                <a16:creationId xmlns:a16="http://schemas.microsoft.com/office/drawing/2014/main" xmlns="" id="{CC871976-F98C-4912-A4AD-158D0A2D9CE3}"/>
               </a:ext>
             </a:extLst>
           </p:cNvPr>
@@ -4436,8 +4443,8 @@
         </p:nvSpPr>
         <p:spPr>
           <a:xfrm>
-            <a:off x="-110910" y="37628"/>
-            <a:ext cx="4149510" cy="976946"/>
+            <a:off x="0" y="37628"/>
+            <a:ext cx="3886200" cy="976946"/>
           </a:xfrm>
           <a:prstGeom prst="rect">
             <a:avLst/>
@@ -4471,18 +4478,18 @@
             <a:pPr algn="r"/>
             <a:r>
               <a:rPr lang="fa-IR" sz="2400" dirty="0" smtClean="0">
-                <a:cs typeface="B Titr" panose="00000700000000000000" pitchFamily="2" charset="-78"/>
+                <a:cs typeface="B Kourosh" panose="00000400000000000000" pitchFamily="2" charset="-78"/>
               </a:rPr>
               <a:t>رویکرد مبتنی بر مدل برای پردازش داده ها در بستر اينترنت اشياء </a:t>
             </a:r>
             <a:r>
               <a:rPr lang="en-US" sz="2400" dirty="0" err="1" smtClean="0">
-                <a:cs typeface="B Titr" panose="00000700000000000000" pitchFamily="2" charset="-78"/>
+                <a:cs typeface="B Kourosh" panose="00000400000000000000" pitchFamily="2" charset="-78"/>
               </a:rPr>
               <a:t>IoT</a:t>
             </a:r>
             <a:endParaRPr lang="en-US" sz="2400" dirty="0">
-              <a:cs typeface="B Titr" panose="00000700000000000000" pitchFamily="2" charset="-78"/>
+              <a:cs typeface="B Kourosh" panose="00000400000000000000" pitchFamily="2" charset="-78"/>
             </a:endParaRPr>
           </a:p>
         </p:txBody>
@@ -4833,7 +4840,7 @@
           <p:cNvPr id="2" name="Title 1">
             <a:extLst>
               <a:ext uri="{FF2B5EF4-FFF2-40B4-BE49-F238E27FC236}">
-                <a16:creationId xmlns="" xmlns:a16="http://schemas.microsoft.com/office/drawing/2014/main" id="{01BDA835-FDD7-479B-B9C4-2B54D983457E}"/>
+                <a16:creationId xmlns:a16="http://schemas.microsoft.com/office/drawing/2014/main" xmlns="" id="{01BDA835-FDD7-479B-B9C4-2B54D983457E}"/>
               </a:ext>
             </a:extLst>
           </p:cNvPr>
@@ -4996,7 +5003,7 @@
           <p:cNvPr id="3" name="Subtitle 2">
             <a:extLst>
               <a:ext uri="{FF2B5EF4-FFF2-40B4-BE49-F238E27FC236}">
-                <a16:creationId xmlns="" xmlns:a16="http://schemas.microsoft.com/office/drawing/2014/main" id="{B31CB0E0-0553-4F76-B893-A9CC81A97AC6}"/>
+                <a16:creationId xmlns:a16="http://schemas.microsoft.com/office/drawing/2014/main" xmlns="" id="{B31CB0E0-0553-4F76-B893-A9CC81A97AC6}"/>
               </a:ext>
             </a:extLst>
           </p:cNvPr>
@@ -5186,7 +5193,7 @@
           <p:cNvPr id="8" name="Title 3">
             <a:extLst>
               <a:ext uri="{FF2B5EF4-FFF2-40B4-BE49-F238E27FC236}">
-                <a16:creationId xmlns="" xmlns:a16="http://schemas.microsoft.com/office/drawing/2014/main" id="{249FB50D-D3FF-4C9D-B418-705D4EA2D891}"/>
+                <a16:creationId xmlns:a16="http://schemas.microsoft.com/office/drawing/2014/main" xmlns="" id="{249FB50D-D3FF-4C9D-B418-705D4EA2D891}"/>
               </a:ext>
             </a:extLst>
           </p:cNvPr>
@@ -5260,7 +5267,7 @@
           <p:cNvPr id="9" name="Content Placeholder 2">
             <a:extLst>
               <a:ext uri="{FF2B5EF4-FFF2-40B4-BE49-F238E27FC236}">
-                <a16:creationId xmlns="" xmlns:a16="http://schemas.microsoft.com/office/drawing/2014/main" id="{7D394C99-B323-47B7-BCC2-501C0B3CAD6E}"/>
+                <a16:creationId xmlns:a16="http://schemas.microsoft.com/office/drawing/2014/main" xmlns="" id="{7D394C99-B323-47B7-BCC2-501C0B3CAD6E}"/>
               </a:ext>
             </a:extLst>
           </p:cNvPr>
@@ -5273,22 +5280,25 @@
         </p:nvSpPr>
         <p:spPr>
           <a:xfrm>
-            <a:off x="762000" y="1752600"/>
-            <a:ext cx="8153400" cy="4800600"/>
+            <a:off x="228600" y="1752600"/>
+            <a:ext cx="8686800" cy="2285999"/>
           </a:xfrm>
         </p:spPr>
         <p:txBody>
           <a:bodyPr>
-            <a:normAutofit/>
+            <a:normAutofit lnSpcReduction="10000"/>
           </a:bodyPr>
           <a:lstStyle/>
           <a:p>
-            <a:pPr marL="406908" indent="-342900" algn="just">
+            <a:pPr marL="406908" indent="-342900">
               <a:buFont typeface="Wingdings" panose="05000000000000000000" pitchFamily="2" charset="2"/>
               <a:buChar char="q"/>
+              <a:tabLst>
+                <a:tab pos="6459538" algn="l"/>
+              </a:tabLst>
             </a:pPr>
             <a:r>
-              <a:rPr lang="fa-IR" dirty="0" smtClean="0">
+              <a:rPr lang="fa-IR" sz="1800" dirty="0">
                 <a:ln w="0"/>
                 <a:solidFill>
                   <a:schemeClr val="bg2">
@@ -5304,9 +5314,443 @@
                 </a:effectLst>
                 <a:cs typeface="B Nazanin" panose="00000400000000000000" pitchFamily="2" charset="-78"/>
               </a:rPr>
-              <a:t>..</a:t>
-            </a:r>
-            <a:endParaRPr lang="en-US" sz="2100" dirty="0">
+              <a:t>پیشرفت مستمر در فناوری‌های حسگر و شبکه، </a:t>
+            </a:r>
+            <a:r>
+              <a:rPr lang="fa-IR" sz="1800" dirty="0" smtClean="0">
+                <a:ln w="0"/>
+                <a:solidFill>
+                  <a:schemeClr val="bg2">
+                    <a:lumMod val="50000"/>
+                  </a:schemeClr>
+                </a:solidFill>
+                <a:effectLst>
+                  <a:outerShdw blurRad="38100" dist="25400" dir="5400000" algn="ctr" rotWithShape="0">
+                    <a:srgbClr val="6E747A">
+                      <a:alpha val="43000"/>
+                    </a:srgbClr>
+                  </a:outerShdw>
+                </a:effectLst>
+                <a:cs typeface="B Nazanin" panose="00000400000000000000" pitchFamily="2" charset="-78"/>
+              </a:rPr>
+              <a:t>محیطی شامل </a:t>
+            </a:r>
+            <a:r>
+              <a:rPr lang="fa-IR" sz="1800" dirty="0">
+                <a:ln w="0"/>
+                <a:solidFill>
+                  <a:schemeClr val="bg2">
+                    <a:lumMod val="50000"/>
+                  </a:schemeClr>
+                </a:solidFill>
+                <a:effectLst>
+                  <a:outerShdw blurRad="38100" dist="25400" dir="5400000" algn="ctr" rotWithShape="0">
+                    <a:srgbClr val="6E747A">
+                      <a:alpha val="43000"/>
+                    </a:srgbClr>
+                  </a:outerShdw>
+                </a:effectLst>
+                <a:cs typeface="B Nazanin" panose="00000400000000000000" pitchFamily="2" charset="-78"/>
+              </a:rPr>
+              <a:t>یک </a:t>
+            </a:r>
+            <a:r>
+              <a:rPr lang="fa-IR" sz="1800" dirty="0" smtClean="0">
+                <a:ln w="0"/>
+                <a:solidFill>
+                  <a:schemeClr val="bg2">
+                    <a:lumMod val="50000"/>
+                  </a:schemeClr>
+                </a:solidFill>
+                <a:effectLst>
+                  <a:outerShdw blurRad="38100" dist="25400" dir="5400000" algn="ctr" rotWithShape="0">
+                    <a:srgbClr val="6E747A">
+                      <a:alpha val="43000"/>
+                    </a:srgbClr>
+                  </a:outerShdw>
+                </a:effectLst>
+                <a:cs typeface="B Nazanin" panose="00000400000000000000" pitchFamily="2" charset="-78"/>
+              </a:rPr>
+              <a:t>یا </a:t>
+            </a:r>
+            <a:r>
+              <a:rPr lang="fa-IR" sz="1800" dirty="0">
+                <a:ln w="0"/>
+                <a:solidFill>
+                  <a:schemeClr val="bg2">
+                    <a:lumMod val="50000"/>
+                  </a:schemeClr>
+                </a:solidFill>
+                <a:effectLst>
+                  <a:outerShdw blurRad="38100" dist="25400" dir="5400000" algn="ctr" rotWithShape="0">
+                    <a:srgbClr val="6E747A">
+                      <a:alpha val="43000"/>
+                    </a:srgbClr>
+                  </a:outerShdw>
+                </a:effectLst>
+                <a:cs typeface="B Nazanin" panose="00000400000000000000" pitchFamily="2" charset="-78"/>
+              </a:rPr>
+              <a:t>چند </a:t>
+            </a:r>
+            <a:r>
+              <a:rPr lang="fa-IR" sz="1800" dirty="0" smtClean="0">
+                <a:ln w="0"/>
+                <a:solidFill>
+                  <a:schemeClr val="bg2">
+                    <a:lumMod val="50000"/>
+                  </a:schemeClr>
+                </a:solidFill>
+                <a:effectLst>
+                  <a:outerShdw blurRad="38100" dist="25400" dir="5400000" algn="ctr" rotWithShape="0">
+                    <a:srgbClr val="6E747A">
+                      <a:alpha val="43000"/>
+                    </a:srgbClr>
+                  </a:outerShdw>
+                </a:effectLst>
+                <a:cs typeface="B Nazanin" panose="00000400000000000000" pitchFamily="2" charset="-78"/>
+              </a:rPr>
+              <a:t>دستگاه</a:t>
+            </a:r>
+          </a:p>
+          <a:p>
+            <a:pPr marL="406908" indent="-342900">
+              <a:buFont typeface="Wingdings" panose="05000000000000000000" pitchFamily="2" charset="2"/>
+              <a:buChar char="q"/>
+              <a:tabLst>
+                <a:tab pos="6459538" algn="l"/>
+              </a:tabLst>
+            </a:pPr>
+            <a:r>
+              <a:rPr lang="fa-IR" sz="1800" dirty="0" smtClean="0">
+                <a:ln w="0"/>
+                <a:solidFill>
+                  <a:schemeClr val="bg2">
+                    <a:lumMod val="50000"/>
+                  </a:schemeClr>
+                </a:solidFill>
+                <a:effectLst>
+                  <a:outerShdw blurRad="38100" dist="25400" dir="5400000" algn="ctr" rotWithShape="0">
+                    <a:srgbClr val="6E747A">
+                      <a:alpha val="43000"/>
+                    </a:srgbClr>
+                  </a:outerShdw>
+                </a:effectLst>
+                <a:cs typeface="B Nazanin" panose="00000400000000000000" pitchFamily="2" charset="-78"/>
+              </a:rPr>
+              <a:t>رويكردهاي جاري : </a:t>
+            </a:r>
+            <a:r>
+              <a:rPr lang="en-US" sz="1800" dirty="0" smtClean="0">
+                <a:ln w="0"/>
+                <a:solidFill>
+                  <a:schemeClr val="bg2">
+                    <a:lumMod val="50000"/>
+                  </a:schemeClr>
+                </a:solidFill>
+                <a:effectLst>
+                  <a:outerShdw blurRad="38100" dist="25400" dir="5400000" algn="ctr" rotWithShape="0">
+                    <a:srgbClr val="6E747A">
+                      <a:alpha val="43000"/>
+                    </a:srgbClr>
+                  </a:outerShdw>
+                </a:effectLst>
+                <a:cs typeface="B Nazanin" panose="00000400000000000000" pitchFamily="2" charset="-78"/>
+              </a:rPr>
+              <a:t>IEEE  </a:t>
+            </a:r>
+            <a:r>
+              <a:rPr lang="en-US" sz="1800" dirty="0">
+                <a:ln w="0"/>
+                <a:solidFill>
+                  <a:schemeClr val="bg2">
+                    <a:lumMod val="50000"/>
+                  </a:schemeClr>
+                </a:solidFill>
+                <a:effectLst>
+                  <a:outerShdw blurRad="38100" dist="25400" dir="5400000" algn="ctr" rotWithShape="0">
+                    <a:srgbClr val="6E747A">
+                      <a:alpha val="43000"/>
+                    </a:srgbClr>
+                  </a:outerShdw>
+                </a:effectLst>
+                <a:cs typeface="B Nazanin" panose="00000400000000000000" pitchFamily="2" charset="-78"/>
+              </a:rPr>
+              <a:t>1451  ,  </a:t>
+            </a:r>
+            <a:r>
+              <a:rPr lang="en-US" sz="1800" dirty="0" err="1">
+                <a:ln w="0"/>
+                <a:solidFill>
+                  <a:schemeClr val="bg2">
+                    <a:lumMod val="50000"/>
+                  </a:schemeClr>
+                </a:solidFill>
+                <a:effectLst>
+                  <a:outerShdw blurRad="38100" dist="25400" dir="5400000" algn="ctr" rotWithShape="0">
+                    <a:srgbClr val="6E747A">
+                      <a:alpha val="43000"/>
+                    </a:srgbClr>
+                  </a:outerShdw>
+                </a:effectLst>
+                <a:cs typeface="B Nazanin" panose="00000400000000000000" pitchFamily="2" charset="-78"/>
+              </a:rPr>
+              <a:t>IoT</a:t>
+            </a:r>
+            <a:r>
+              <a:rPr lang="en-US" sz="1800" dirty="0">
+                <a:ln w="0"/>
+                <a:solidFill>
+                  <a:schemeClr val="bg2">
+                    <a:lumMod val="50000"/>
+                  </a:schemeClr>
+                </a:solidFill>
+                <a:effectLst>
+                  <a:outerShdw blurRad="38100" dist="25400" dir="5400000" algn="ctr" rotWithShape="0">
+                    <a:srgbClr val="6E747A">
+                      <a:alpha val="43000"/>
+                    </a:srgbClr>
+                  </a:outerShdw>
+                </a:effectLst>
+                <a:cs typeface="B Nazanin" panose="00000400000000000000" pitchFamily="2" charset="-78"/>
+              </a:rPr>
+              <a:t> ARM  ,  </a:t>
+            </a:r>
+            <a:r>
+              <a:rPr lang="en-US" sz="1800" dirty="0" err="1">
+                <a:ln w="0"/>
+                <a:solidFill>
+                  <a:schemeClr val="bg2">
+                    <a:lumMod val="50000"/>
+                  </a:schemeClr>
+                </a:solidFill>
+                <a:effectLst>
+                  <a:outerShdw blurRad="38100" dist="25400" dir="5400000" algn="ctr" rotWithShape="0">
+                    <a:srgbClr val="6E747A">
+                      <a:alpha val="43000"/>
+                    </a:srgbClr>
+                  </a:outerShdw>
+                </a:effectLst>
+                <a:cs typeface="B Nazanin" panose="00000400000000000000" pitchFamily="2" charset="-78"/>
+              </a:rPr>
+              <a:t>IoT</a:t>
+            </a:r>
+            <a:r>
+              <a:rPr lang="en-US" sz="1800" dirty="0">
+                <a:ln w="0"/>
+                <a:solidFill>
+                  <a:schemeClr val="bg2">
+                    <a:lumMod val="50000"/>
+                  </a:schemeClr>
+                </a:solidFill>
+                <a:effectLst>
+                  <a:outerShdw blurRad="38100" dist="25400" dir="5400000" algn="ctr" rotWithShape="0">
+                    <a:srgbClr val="6E747A">
+                      <a:alpha val="43000"/>
+                    </a:srgbClr>
+                  </a:outerShdw>
+                </a:effectLst>
+                <a:cs typeface="B Nazanin" panose="00000400000000000000" pitchFamily="2" charset="-78"/>
+              </a:rPr>
+              <a:t>-Lite  ,  </a:t>
+            </a:r>
+            <a:r>
+              <a:rPr lang="en-US" sz="1800" dirty="0" err="1">
+                <a:ln w="0"/>
+                <a:solidFill>
+                  <a:schemeClr val="bg2">
+                    <a:lumMod val="50000"/>
+                  </a:schemeClr>
+                </a:solidFill>
+                <a:effectLst>
+                  <a:outerShdw blurRad="38100" dist="25400" dir="5400000" algn="ctr" rotWithShape="0">
+                    <a:srgbClr val="6E747A">
+                      <a:alpha val="43000"/>
+                    </a:srgbClr>
+                  </a:outerShdw>
+                </a:effectLst>
+                <a:cs typeface="B Nazanin" panose="00000400000000000000" pitchFamily="2" charset="-78"/>
+              </a:rPr>
+              <a:t>IoT</a:t>
+            </a:r>
+            <a:r>
+              <a:rPr lang="en-US" sz="1800" dirty="0">
+                <a:ln w="0"/>
+                <a:solidFill>
+                  <a:schemeClr val="bg2">
+                    <a:lumMod val="50000"/>
+                  </a:schemeClr>
+                </a:solidFill>
+                <a:effectLst>
+                  <a:outerShdw blurRad="38100" dist="25400" dir="5400000" algn="ctr" rotWithShape="0">
+                    <a:srgbClr val="6E747A">
+                      <a:alpha val="43000"/>
+                    </a:srgbClr>
+                  </a:outerShdw>
+                </a:effectLst>
+                <a:cs typeface="B Nazanin" panose="00000400000000000000" pitchFamily="2" charset="-78"/>
+              </a:rPr>
+              <a:t> MC</a:t>
+            </a:r>
+          </a:p>
+          <a:p>
+            <a:pPr>
+              <a:tabLst>
+                <a:tab pos="6459538" algn="l"/>
+              </a:tabLst>
+            </a:pPr>
+            <a:r>
+              <a:rPr lang="en-US" sz="1800" dirty="0" smtClean="0">
+                <a:ln w="0"/>
+                <a:solidFill>
+                  <a:schemeClr val="bg2">
+                    <a:lumMod val="50000"/>
+                  </a:schemeClr>
+                </a:solidFill>
+                <a:effectLst>
+                  <a:outerShdw blurRad="38100" dist="25400" dir="5400000" algn="ctr" rotWithShape="0">
+                    <a:srgbClr val="6E747A">
+                      <a:alpha val="43000"/>
+                    </a:srgbClr>
+                  </a:outerShdw>
+                </a:effectLst>
+                <a:cs typeface="B Nazanin" panose="00000400000000000000" pitchFamily="2" charset="-78"/>
+              </a:rPr>
+              <a:t>Nexus  </a:t>
+            </a:r>
+            <a:r>
+              <a:rPr lang="en-US" sz="1800" dirty="0">
+                <a:ln w="0"/>
+                <a:solidFill>
+                  <a:schemeClr val="bg2">
+                    <a:lumMod val="50000"/>
+                  </a:schemeClr>
+                </a:solidFill>
+                <a:effectLst>
+                  <a:outerShdw blurRad="38100" dist="25400" dir="5400000" algn="ctr" rotWithShape="0">
+                    <a:srgbClr val="6E747A">
+                      <a:alpha val="43000"/>
+                    </a:srgbClr>
+                  </a:outerShdw>
+                </a:effectLst>
+                <a:cs typeface="B Nazanin" panose="00000400000000000000" pitchFamily="2" charset="-78"/>
+              </a:rPr>
+              <a:t>,  oneM2M  ,  OPC-UA  ,  </a:t>
+            </a:r>
+            <a:r>
+              <a:rPr lang="en-US" sz="1800" dirty="0" err="1">
+                <a:ln w="0"/>
+                <a:solidFill>
+                  <a:schemeClr val="bg2">
+                    <a:lumMod val="50000"/>
+                  </a:schemeClr>
+                </a:solidFill>
+                <a:effectLst>
+                  <a:outerShdw blurRad="38100" dist="25400" dir="5400000" algn="ctr" rotWithShape="0">
+                    <a:srgbClr val="6E747A">
+                      <a:alpha val="43000"/>
+                    </a:srgbClr>
+                  </a:outerShdw>
+                </a:effectLst>
+                <a:cs typeface="B Nazanin" panose="00000400000000000000" pitchFamily="2" charset="-78"/>
+              </a:rPr>
+              <a:t>SenML</a:t>
+            </a:r>
+            <a:r>
+              <a:rPr lang="en-US" sz="1800" dirty="0">
+                <a:ln w="0"/>
+                <a:solidFill>
+                  <a:schemeClr val="bg2">
+                    <a:lumMod val="50000"/>
+                  </a:schemeClr>
+                </a:solidFill>
+                <a:effectLst>
+                  <a:outerShdw blurRad="38100" dist="25400" dir="5400000" algn="ctr" rotWithShape="0">
+                    <a:srgbClr val="6E747A">
+                      <a:alpha val="43000"/>
+                    </a:srgbClr>
+                  </a:outerShdw>
+                </a:effectLst>
+                <a:cs typeface="B Nazanin" panose="00000400000000000000" pitchFamily="2" charset="-78"/>
+              </a:rPr>
+              <a:t>  ,  </a:t>
+            </a:r>
+            <a:r>
+              <a:rPr lang="en-US" sz="1800" dirty="0" err="1" smtClean="0">
+                <a:ln w="0"/>
+                <a:solidFill>
+                  <a:schemeClr val="bg2">
+                    <a:lumMod val="50000"/>
+                  </a:schemeClr>
+                </a:solidFill>
+                <a:effectLst>
+                  <a:outerShdw blurRad="38100" dist="25400" dir="5400000" algn="ctr" rotWithShape="0">
+                    <a:srgbClr val="6E747A">
+                      <a:alpha val="43000"/>
+                    </a:srgbClr>
+                  </a:outerShdw>
+                </a:effectLst>
+                <a:cs typeface="B Nazanin" panose="00000400000000000000" pitchFamily="2" charset="-78"/>
+              </a:rPr>
+              <a:t>SensorML</a:t>
+            </a:r>
+            <a:r>
+              <a:rPr lang="en-US" sz="1800" dirty="0" smtClean="0">
+                <a:ln w="0"/>
+                <a:solidFill>
+                  <a:schemeClr val="bg2">
+                    <a:lumMod val="50000"/>
+                  </a:schemeClr>
+                </a:solidFill>
+                <a:effectLst>
+                  <a:outerShdw blurRad="38100" dist="25400" dir="5400000" algn="ctr" rotWithShape="0">
+                    <a:srgbClr val="6E747A">
+                      <a:alpha val="43000"/>
+                    </a:srgbClr>
+                  </a:outerShdw>
+                </a:effectLst>
+                <a:cs typeface="B Nazanin" panose="00000400000000000000" pitchFamily="2" charset="-78"/>
+              </a:rPr>
+              <a:t> , </a:t>
+            </a:r>
+            <a:r>
+              <a:rPr lang="en-US" sz="1800" dirty="0" err="1" smtClean="0">
+                <a:ln w="0"/>
+                <a:solidFill>
+                  <a:schemeClr val="bg2">
+                    <a:lumMod val="50000"/>
+                  </a:schemeClr>
+                </a:solidFill>
+                <a:effectLst>
+                  <a:outerShdw blurRad="38100" dist="25400" dir="5400000" algn="ctr" rotWithShape="0">
+                    <a:srgbClr val="6E747A">
+                      <a:alpha val="43000"/>
+                    </a:srgbClr>
+                  </a:outerShdw>
+                </a:effectLst>
+                <a:cs typeface="B Nazanin" panose="00000400000000000000" pitchFamily="2" charset="-78"/>
+              </a:rPr>
+              <a:t>homeML</a:t>
+            </a:r>
+            <a:r>
+              <a:rPr lang="en-US" sz="1800" dirty="0" smtClean="0">
+                <a:ln w="0"/>
+                <a:solidFill>
+                  <a:schemeClr val="bg2">
+                    <a:lumMod val="50000"/>
+                  </a:schemeClr>
+                </a:solidFill>
+                <a:effectLst>
+                  <a:outerShdw blurRad="38100" dist="25400" dir="5400000" algn="ctr" rotWithShape="0">
+                    <a:srgbClr val="6E747A">
+                      <a:alpha val="43000"/>
+                    </a:srgbClr>
+                  </a:outerShdw>
+                </a:effectLst>
+                <a:cs typeface="B Nazanin" panose="00000400000000000000" pitchFamily="2" charset="-78"/>
+              </a:rPr>
+              <a:t>    </a:t>
+            </a:r>
+            <a:endParaRPr lang="en-US" sz="1800" dirty="0">
               <a:ln w="0"/>
               <a:solidFill>
                 <a:schemeClr val="bg2">
@@ -5323,6 +5767,273 @@
               <a:cs typeface="B Nazanin" panose="00000400000000000000" pitchFamily="2" charset="-78"/>
             </a:endParaRPr>
           </a:p>
+          <a:p>
+            <a:pPr>
+              <a:tabLst>
+                <a:tab pos="6459538" algn="l"/>
+              </a:tabLst>
+            </a:pPr>
+            <a:r>
+              <a:rPr lang="en-US" sz="1800" dirty="0" smtClean="0">
+                <a:ln w="0"/>
+                <a:solidFill>
+                  <a:schemeClr val="bg2">
+                    <a:lumMod val="50000"/>
+                  </a:schemeClr>
+                </a:solidFill>
+                <a:effectLst>
+                  <a:outerShdw blurRad="38100" dist="25400" dir="5400000" algn="ctr" rotWithShape="0">
+                    <a:srgbClr val="6E747A">
+                      <a:alpha val="43000"/>
+                    </a:srgbClr>
+                  </a:outerShdw>
+                </a:effectLst>
+                <a:cs typeface="B Nazanin" panose="00000400000000000000" pitchFamily="2" charset="-78"/>
+              </a:rPr>
+              <a:t>SSN  </a:t>
+            </a:r>
+            <a:r>
+              <a:rPr lang="en-US" sz="1800" dirty="0">
+                <a:ln w="0"/>
+                <a:solidFill>
+                  <a:schemeClr val="bg2">
+                    <a:lumMod val="50000"/>
+                  </a:schemeClr>
+                </a:solidFill>
+                <a:effectLst>
+                  <a:outerShdw blurRad="38100" dist="25400" dir="5400000" algn="ctr" rotWithShape="0">
+                    <a:srgbClr val="6E747A">
+                      <a:alpha val="43000"/>
+                    </a:srgbClr>
+                  </a:outerShdw>
+                </a:effectLst>
+                <a:cs typeface="B Nazanin" panose="00000400000000000000" pitchFamily="2" charset="-78"/>
+              </a:rPr>
+              <a:t>,  </a:t>
+            </a:r>
+            <a:r>
+              <a:rPr lang="en-US" sz="1800" dirty="0" err="1">
+                <a:ln w="0"/>
+                <a:solidFill>
+                  <a:schemeClr val="bg2">
+                    <a:lumMod val="50000"/>
+                  </a:schemeClr>
+                </a:solidFill>
+                <a:effectLst>
+                  <a:outerShdw blurRad="38100" dist="25400" dir="5400000" algn="ctr" rotWithShape="0">
+                    <a:srgbClr val="6E747A">
+                      <a:alpha val="43000"/>
+                    </a:srgbClr>
+                  </a:outerShdw>
+                </a:effectLst>
+                <a:cs typeface="B Nazanin" panose="00000400000000000000" pitchFamily="2" charset="-78"/>
+              </a:rPr>
+              <a:t>TDLIoT</a:t>
+            </a:r>
+            <a:r>
+              <a:rPr lang="en-US" sz="1800" dirty="0">
+                <a:ln w="0"/>
+                <a:solidFill>
+                  <a:schemeClr val="bg2">
+                    <a:lumMod val="50000"/>
+                  </a:schemeClr>
+                </a:solidFill>
+                <a:effectLst>
+                  <a:outerShdw blurRad="38100" dist="25400" dir="5400000" algn="ctr" rotWithShape="0">
+                    <a:srgbClr val="6E747A">
+                      <a:alpha val="43000"/>
+                    </a:srgbClr>
+                  </a:outerShdw>
+                </a:effectLst>
+                <a:cs typeface="B Nazanin" panose="00000400000000000000" pitchFamily="2" charset="-78"/>
+              </a:rPr>
+              <a:t>  ,  </a:t>
+            </a:r>
+            <a:r>
+              <a:rPr lang="en-US" sz="1800" dirty="0" err="1" smtClean="0">
+                <a:ln w="0"/>
+                <a:solidFill>
+                  <a:schemeClr val="bg2">
+                    <a:lumMod val="50000"/>
+                  </a:schemeClr>
+                </a:solidFill>
+                <a:effectLst>
+                  <a:outerShdw blurRad="38100" dist="25400" dir="5400000" algn="ctr" rotWithShape="0">
+                    <a:srgbClr val="6E747A">
+                      <a:alpha val="43000"/>
+                    </a:srgbClr>
+                  </a:outerShdw>
+                </a:effectLst>
+                <a:cs typeface="B Nazanin" panose="00000400000000000000" pitchFamily="2" charset="-78"/>
+              </a:rPr>
+              <a:t>Vorto</a:t>
+            </a:r>
+            <a:r>
+              <a:rPr lang="en-US" sz="1800" dirty="0" smtClean="0">
+                <a:ln w="0"/>
+                <a:solidFill>
+                  <a:schemeClr val="bg2">
+                    <a:lumMod val="50000"/>
+                  </a:schemeClr>
+                </a:solidFill>
+                <a:effectLst>
+                  <a:outerShdw blurRad="38100" dist="25400" dir="5400000" algn="ctr" rotWithShape="0">
+                    <a:srgbClr val="6E747A">
+                      <a:alpha val="43000"/>
+                    </a:srgbClr>
+                  </a:outerShdw>
+                </a:effectLst>
+                <a:cs typeface="B Nazanin" panose="00000400000000000000" pitchFamily="2" charset="-78"/>
+              </a:rPr>
+              <a:t>     </a:t>
+            </a:r>
+            <a:r>
+              <a:rPr lang="fa-IR" sz="1800" dirty="0" smtClean="0">
+                <a:ln w="0"/>
+                <a:solidFill>
+                  <a:schemeClr val="bg2">
+                    <a:lumMod val="50000"/>
+                  </a:schemeClr>
+                </a:solidFill>
+                <a:effectLst>
+                  <a:outerShdw blurRad="38100" dist="25400" dir="5400000" algn="ctr" rotWithShape="0">
+                    <a:srgbClr val="6E747A">
+                      <a:alpha val="43000"/>
+                    </a:srgbClr>
+                  </a:outerShdw>
+                </a:effectLst>
+                <a:cs typeface="B Nazanin" panose="00000400000000000000" pitchFamily="2" charset="-78"/>
+              </a:rPr>
+              <a:t>  </a:t>
+            </a:r>
+            <a:r>
+              <a:rPr lang="en-US" sz="1800" dirty="0">
+                <a:ln w="0"/>
+                <a:solidFill>
+                  <a:schemeClr val="bg2">
+                    <a:lumMod val="50000"/>
+                  </a:schemeClr>
+                </a:solidFill>
+                <a:effectLst>
+                  <a:outerShdw blurRad="38100" dist="25400" dir="5400000" algn="ctr" rotWithShape="0">
+                    <a:srgbClr val="6E747A">
+                      <a:alpha val="43000"/>
+                    </a:srgbClr>
+                  </a:outerShdw>
+                </a:effectLst>
+                <a:cs typeface="B Nazanin" panose="00000400000000000000" pitchFamily="2" charset="-78"/>
+              </a:rPr>
+              <a:t> </a:t>
+            </a:r>
+            <a:r>
+              <a:rPr lang="en-US" sz="1800" dirty="0" err="1">
+                <a:ln w="0"/>
+                <a:solidFill>
+                  <a:schemeClr val="bg2">
+                    <a:lumMod val="50000"/>
+                  </a:schemeClr>
+                </a:solidFill>
+                <a:effectLst>
+                  <a:outerShdw blurRad="38100" dist="25400" dir="5400000" algn="ctr" rotWithShape="0">
+                    <a:srgbClr val="6E747A">
+                      <a:alpha val="43000"/>
+                    </a:srgbClr>
+                  </a:outerShdw>
+                </a:effectLst>
+                <a:cs typeface="B Nazanin" panose="00000400000000000000" pitchFamily="2" charset="-78"/>
+              </a:rPr>
+              <a:t>IoT</a:t>
+            </a:r>
+            <a:r>
+              <a:rPr lang="en-US" sz="1800" dirty="0">
+                <a:ln w="0"/>
+                <a:solidFill>
+                  <a:schemeClr val="bg2">
+                    <a:lumMod val="50000"/>
+                  </a:schemeClr>
+                </a:solidFill>
+                <a:effectLst>
+                  <a:outerShdw blurRad="38100" dist="25400" dir="5400000" algn="ctr" rotWithShape="0">
+                    <a:srgbClr val="6E747A">
+                      <a:alpha val="43000"/>
+                    </a:srgbClr>
+                  </a:outerShdw>
+                </a:effectLst>
+                <a:cs typeface="B Nazanin" panose="00000400000000000000" pitchFamily="2" charset="-78"/>
+              </a:rPr>
+              <a:t>-O  , </a:t>
+            </a:r>
+          </a:p>
+          <a:p>
+            <a:pPr marL="406908" indent="-342900">
+              <a:buFont typeface="Wingdings" panose="05000000000000000000" pitchFamily="2" charset="2"/>
+              <a:buChar char="q"/>
+              <a:tabLst>
+                <a:tab pos="6459538" algn="l"/>
+              </a:tabLst>
+            </a:pPr>
+            <a:r>
+              <a:rPr lang="fa-IR" dirty="0">
+                <a:ln w="0"/>
+                <a:solidFill>
+                  <a:schemeClr val="bg2">
+                    <a:lumMod val="50000"/>
+                  </a:schemeClr>
+                </a:solidFill>
+                <a:effectLst>
+                  <a:outerShdw blurRad="38100" dist="25400" dir="5400000" algn="ctr" rotWithShape="0">
+                    <a:srgbClr val="6E747A">
+                      <a:alpha val="43000"/>
+                    </a:srgbClr>
+                  </a:outerShdw>
+                </a:effectLst>
+                <a:cs typeface="B Nazanin" panose="00000400000000000000" pitchFamily="2" charset="-78"/>
+              </a:rPr>
+              <a:t>معيارهاي مقايسه مدل ها : تكامل - سلسله </a:t>
+            </a:r>
+            <a:r>
+              <a:rPr lang="fa-IR" dirty="0" smtClean="0">
+                <a:ln w="0"/>
+                <a:solidFill>
+                  <a:schemeClr val="bg2">
+                    <a:lumMod val="50000"/>
+                  </a:schemeClr>
+                </a:solidFill>
+                <a:effectLst>
+                  <a:outerShdw blurRad="38100" dist="25400" dir="5400000" algn="ctr" rotWithShape="0">
+                    <a:srgbClr val="6E747A">
+                      <a:alpha val="43000"/>
+                    </a:srgbClr>
+                  </a:outerShdw>
+                </a:effectLst>
+                <a:cs typeface="B Nazanin" panose="00000400000000000000" pitchFamily="2" charset="-78"/>
+              </a:rPr>
+              <a:t>مراتبي - دسترس بودن - پياده سازي - موقعيت جغرافيايي</a:t>
+            </a:r>
+          </a:p>
+          <a:p>
+            <a:pPr>
+              <a:tabLst>
+                <a:tab pos="6459538" algn="l"/>
+              </a:tabLst>
+            </a:pPr>
+            <a:endParaRPr lang="en-US" dirty="0">
+              <a:ln w="0"/>
+              <a:solidFill>
+                <a:schemeClr val="bg2">
+                  <a:lumMod val="50000"/>
+                </a:schemeClr>
+              </a:solidFill>
+              <a:effectLst>
+                <a:outerShdw blurRad="38100" dist="25400" dir="5400000" algn="ctr" rotWithShape="0">
+                  <a:srgbClr val="6E747A">
+                    <a:alpha val="43000"/>
+                  </a:srgbClr>
+                </a:outerShdw>
+              </a:effectLst>
+              <a:cs typeface="B Nazanin" panose="00000400000000000000" pitchFamily="2" charset="-78"/>
+            </a:endParaRPr>
+          </a:p>
         </p:txBody>
       </p:sp>
       <p:pic>
@@ -5330,7 +6041,7 @@
           <p:cNvPr id="13" name="Picture 12">
             <a:extLst>
               <a:ext uri="{FF2B5EF4-FFF2-40B4-BE49-F238E27FC236}">
-                <a16:creationId xmlns="" xmlns:a16="http://schemas.microsoft.com/office/drawing/2014/main" id="{6C7DFF70-CCA0-4714-A8D4-3E24AC2445C7}"/>
+                <a16:creationId xmlns:a16="http://schemas.microsoft.com/office/drawing/2014/main" xmlns="" id="{6C7DFF70-CCA0-4714-A8D4-3E24AC2445C7}"/>
               </a:ext>
             </a:extLst>
           </p:cNvPr>
@@ -5360,7 +6071,7 @@
           <p:cNvPr id="2" name="Slide Number Placeholder 1">
             <a:extLst>
               <a:ext uri="{FF2B5EF4-FFF2-40B4-BE49-F238E27FC236}">
-                <a16:creationId xmlns="" xmlns:a16="http://schemas.microsoft.com/office/drawing/2014/main" id="{3A9F13B3-A864-47EA-9914-524B6CB023E9}"/>
+                <a16:creationId xmlns:a16="http://schemas.microsoft.com/office/drawing/2014/main" xmlns="" id="{3A9F13B3-A864-47EA-9914-524B6CB023E9}"/>
               </a:ext>
             </a:extLst>
           </p:cNvPr>
@@ -5403,6 +6114,54 @@
           <a:xfrm>
             <a:off x="0" y="1219201"/>
             <a:ext cx="2531327" cy="1371600"/>
+          </a:xfrm>
+          <a:prstGeom prst="rect">
+            <a:avLst/>
+          </a:prstGeom>
+        </p:spPr>
+      </p:pic>
+      <p:pic>
+        <p:nvPicPr>
+          <p:cNvPr id="3" name="Picture 2"/>
+          <p:cNvPicPr>
+            <a:picLocks noChangeAspect="1"/>
+          </p:cNvPicPr>
+          <p:nvPr/>
+        </p:nvPicPr>
+        <p:blipFill>
+          <a:blip r:embed="rId6"/>
+          <a:stretch>
+            <a:fillRect/>
+          </a:stretch>
+        </p:blipFill>
+        <p:spPr>
+          <a:xfrm>
+            <a:off x="914400" y="3886200"/>
+            <a:ext cx="3048000" cy="2659743"/>
+          </a:xfrm>
+          <a:prstGeom prst="rect">
+            <a:avLst/>
+          </a:prstGeom>
+        </p:spPr>
+      </p:pic>
+      <p:pic>
+        <p:nvPicPr>
+          <p:cNvPr id="4" name="Picture 3"/>
+          <p:cNvPicPr>
+            <a:picLocks noChangeAspect="1"/>
+          </p:cNvPicPr>
+          <p:nvPr/>
+        </p:nvPicPr>
+        <p:blipFill>
+          <a:blip r:embed="rId7"/>
+          <a:stretch>
+            <a:fillRect/>
+          </a:stretch>
+        </p:blipFill>
+        <p:spPr>
+          <a:xfrm>
+            <a:off x="4533900" y="3886201"/>
+            <a:ext cx="3467100" cy="2613644"/>
           </a:xfrm>
           <a:prstGeom prst="rect">
             <a:avLst/>
@@ -5590,7 +6349,7 @@
           <p:cNvPr id="8" name="Title 3">
             <a:extLst>
               <a:ext uri="{FF2B5EF4-FFF2-40B4-BE49-F238E27FC236}">
-                <a16:creationId xmlns="" xmlns:a16="http://schemas.microsoft.com/office/drawing/2014/main" id="{249FB50D-D3FF-4C9D-B418-705D4EA2D891}"/>
+                <a16:creationId xmlns:a16="http://schemas.microsoft.com/office/drawing/2014/main" xmlns="" id="{249FB50D-D3FF-4C9D-B418-705D4EA2D891}"/>
               </a:ext>
             </a:extLst>
           </p:cNvPr>
@@ -5664,7 +6423,7 @@
           <p:cNvPr id="9" name="Content Placeholder 2">
             <a:extLst>
               <a:ext uri="{FF2B5EF4-FFF2-40B4-BE49-F238E27FC236}">
-                <a16:creationId xmlns="" xmlns:a16="http://schemas.microsoft.com/office/drawing/2014/main" id="{7D394C99-B323-47B7-BCC2-501C0B3CAD6E}"/>
+                <a16:creationId xmlns:a16="http://schemas.microsoft.com/office/drawing/2014/main" xmlns="" id="{7D394C99-B323-47B7-BCC2-501C0B3CAD6E}"/>
               </a:ext>
             </a:extLst>
           </p:cNvPr>
@@ -5678,7 +6437,7 @@
         <p:spPr>
           <a:xfrm>
             <a:off x="762000" y="1752600"/>
-            <a:ext cx="8153400" cy="4800600"/>
+            <a:ext cx="8153400" cy="2362200"/>
           </a:xfrm>
         </p:spPr>
         <p:txBody>
@@ -5692,7 +6451,7 @@
               <a:buChar char="q"/>
             </a:pPr>
             <a:r>
-              <a:rPr lang="fa-IR" dirty="0" smtClean="0">
+              <a:rPr lang="fa-IR" sz="2100" dirty="0">
                 <a:ln w="0"/>
                 <a:solidFill>
                   <a:schemeClr val="bg2">
@@ -5708,7 +6467,193 @@
                 </a:effectLst>
                 <a:cs typeface="B Nazanin" panose="00000400000000000000" pitchFamily="2" charset="-78"/>
               </a:rPr>
-              <a:t>..</a:t>
+              <a:t>سه لایه </a:t>
+            </a:r>
+            <a:r>
+              <a:rPr lang="fa-IR" sz="2100" dirty="0" smtClean="0">
+                <a:ln w="0"/>
+                <a:solidFill>
+                  <a:schemeClr val="bg2">
+                    <a:lumMod val="50000"/>
+                  </a:schemeClr>
+                </a:solidFill>
+                <a:effectLst>
+                  <a:outerShdw blurRad="38100" dist="25400" dir="5400000" algn="ctr" rotWithShape="0">
+                    <a:srgbClr val="6E747A">
+                      <a:alpha val="43000"/>
+                    </a:srgbClr>
+                  </a:outerShdw>
+                </a:effectLst>
+                <a:cs typeface="B Nazanin" panose="00000400000000000000" pitchFamily="2" charset="-78"/>
+              </a:rPr>
+              <a:t>: </a:t>
+            </a:r>
+          </a:p>
+          <a:p>
+            <a:pPr marL="521208" indent="-457200" algn="just">
+              <a:buFont typeface="+mj-lt"/>
+              <a:buAutoNum type="arabicParenR"/>
+            </a:pPr>
+            <a:r>
+              <a:rPr lang="fa-IR" sz="2100" dirty="0" smtClean="0">
+                <a:ln w="0"/>
+                <a:solidFill>
+                  <a:schemeClr val="bg2">
+                    <a:lumMod val="50000"/>
+                  </a:schemeClr>
+                </a:solidFill>
+                <a:effectLst>
+                  <a:outerShdw blurRad="38100" dist="25400" dir="5400000" algn="ctr" rotWithShape="0">
+                    <a:srgbClr val="6E747A">
+                      <a:alpha val="43000"/>
+                    </a:srgbClr>
+                  </a:outerShdw>
+                </a:effectLst>
+                <a:cs typeface="B Nazanin" panose="00000400000000000000" pitchFamily="2" charset="-78"/>
+              </a:rPr>
+              <a:t>لایه محیط فیزیکی</a:t>
+            </a:r>
+            <a:r>
+              <a:rPr lang="en-US" sz="2100" dirty="0" smtClean="0">
+                <a:ln w="0"/>
+                <a:solidFill>
+                  <a:schemeClr val="bg2">
+                    <a:lumMod val="50000"/>
+                  </a:schemeClr>
+                </a:solidFill>
+                <a:effectLst>
+                  <a:outerShdw blurRad="38100" dist="25400" dir="5400000" algn="ctr" rotWithShape="0">
+                    <a:srgbClr val="6E747A">
+                      <a:alpha val="43000"/>
+                    </a:srgbClr>
+                  </a:outerShdw>
+                </a:effectLst>
+                <a:cs typeface="B Nazanin" panose="00000400000000000000" pitchFamily="2" charset="-78"/>
+              </a:rPr>
+              <a:t> </a:t>
+            </a:r>
+            <a:endParaRPr lang="fa-IR" sz="2100" dirty="0" smtClean="0">
+              <a:ln w="0"/>
+              <a:solidFill>
+                <a:schemeClr val="bg2">
+                  <a:lumMod val="50000"/>
+                </a:schemeClr>
+              </a:solidFill>
+              <a:effectLst>
+                <a:outerShdw blurRad="38100" dist="25400" dir="5400000" algn="ctr" rotWithShape="0">
+                  <a:srgbClr val="6E747A">
+                    <a:alpha val="43000"/>
+                  </a:srgbClr>
+                </a:outerShdw>
+              </a:effectLst>
+              <a:cs typeface="B Nazanin" panose="00000400000000000000" pitchFamily="2" charset="-78"/>
+            </a:endParaRPr>
+          </a:p>
+          <a:p>
+            <a:pPr marL="521208" indent="-457200" algn="just">
+              <a:buFont typeface="+mj-lt"/>
+              <a:buAutoNum type="arabicParenR"/>
+            </a:pPr>
+            <a:r>
+              <a:rPr lang="fa-IR" sz="2100" dirty="0" smtClean="0">
+                <a:ln w="0"/>
+                <a:solidFill>
+                  <a:schemeClr val="bg2">
+                    <a:lumMod val="50000"/>
+                  </a:schemeClr>
+                </a:solidFill>
+                <a:effectLst>
+                  <a:outerShdw blurRad="38100" dist="25400" dir="5400000" algn="ctr" rotWithShape="0">
+                    <a:srgbClr val="6E747A">
+                      <a:alpha val="43000"/>
+                    </a:srgbClr>
+                  </a:outerShdw>
+                </a:effectLst>
+                <a:cs typeface="B Nazanin" panose="00000400000000000000" pitchFamily="2" charset="-78"/>
+              </a:rPr>
+              <a:t>لایه برنامه </a:t>
+            </a:r>
+            <a:r>
+              <a:rPr lang="fa-IR" sz="2100" dirty="0">
+                <a:ln w="0"/>
+                <a:solidFill>
+                  <a:schemeClr val="bg2">
+                    <a:lumMod val="50000"/>
+                  </a:schemeClr>
+                </a:solidFill>
+                <a:effectLst>
+                  <a:outerShdw blurRad="38100" dist="25400" dir="5400000" algn="ctr" rotWithShape="0">
+                    <a:srgbClr val="6E747A">
+                      <a:alpha val="43000"/>
+                    </a:srgbClr>
+                  </a:outerShdw>
+                </a:effectLst>
+                <a:cs typeface="B Nazanin" panose="00000400000000000000" pitchFamily="2" charset="-78"/>
+              </a:rPr>
+              <a:t>کاربردی </a:t>
+            </a:r>
+          </a:p>
+          <a:p>
+            <a:pPr marL="521208" indent="-457200" algn="just">
+              <a:buFont typeface="+mj-lt"/>
+              <a:buAutoNum type="arabicParenR"/>
+            </a:pPr>
+            <a:r>
+              <a:rPr lang="fa-IR" sz="2100" dirty="0" smtClean="0">
+                <a:ln w="0"/>
+                <a:solidFill>
+                  <a:schemeClr val="bg2">
+                    <a:lumMod val="50000"/>
+                  </a:schemeClr>
+                </a:solidFill>
+                <a:effectLst>
+                  <a:outerShdw blurRad="38100" dist="25400" dir="5400000" algn="ctr" rotWithShape="0">
+                    <a:srgbClr val="6E747A">
+                      <a:alpha val="43000"/>
+                    </a:srgbClr>
+                  </a:outerShdw>
+                </a:effectLst>
+                <a:cs typeface="B Nazanin" panose="00000400000000000000" pitchFamily="2" charset="-78"/>
+              </a:rPr>
+              <a:t>لایه </a:t>
+            </a:r>
+            <a:r>
+              <a:rPr lang="fa-IR" sz="2100" dirty="0">
+                <a:ln w="0"/>
+                <a:solidFill>
+                  <a:schemeClr val="bg2">
+                    <a:lumMod val="50000"/>
+                  </a:schemeClr>
+                </a:solidFill>
+                <a:effectLst>
+                  <a:outerShdw blurRad="38100" dist="25400" dir="5400000" algn="ctr" rotWithShape="0">
+                    <a:srgbClr val="6E747A">
+                      <a:alpha val="43000"/>
+                    </a:srgbClr>
+                  </a:outerShdw>
+                </a:effectLst>
+                <a:cs typeface="B Nazanin" panose="00000400000000000000" pitchFamily="2" charset="-78"/>
+              </a:rPr>
+              <a:t>پلتفرم </a:t>
+            </a:r>
+            <a:r>
+              <a:rPr lang="fa-IR" sz="2100" dirty="0" smtClean="0">
+                <a:ln w="0"/>
+                <a:solidFill>
+                  <a:schemeClr val="bg2">
+                    <a:lumMod val="50000"/>
+                  </a:schemeClr>
+                </a:solidFill>
+                <a:effectLst>
+                  <a:outerShdw blurRad="38100" dist="25400" dir="5400000" algn="ctr" rotWithShape="0">
+                    <a:srgbClr val="6E747A">
+                      <a:alpha val="43000"/>
+                    </a:srgbClr>
+                  </a:outerShdw>
+                </a:effectLst>
+                <a:cs typeface="B Nazanin" panose="00000400000000000000" pitchFamily="2" charset="-78"/>
+              </a:rPr>
+              <a:t>اتصال</a:t>
             </a:r>
             <a:endParaRPr lang="en-US" sz="2100" dirty="0">
               <a:ln w="0"/>
@@ -5734,7 +6679,7 @@
           <p:cNvPr id="13" name="Picture 12">
             <a:extLst>
               <a:ext uri="{FF2B5EF4-FFF2-40B4-BE49-F238E27FC236}">
-                <a16:creationId xmlns="" xmlns:a16="http://schemas.microsoft.com/office/drawing/2014/main" id="{6C7DFF70-CCA0-4714-A8D4-3E24AC2445C7}"/>
+                <a16:creationId xmlns:a16="http://schemas.microsoft.com/office/drawing/2014/main" xmlns="" id="{6C7DFF70-CCA0-4714-A8D4-3E24AC2445C7}"/>
               </a:ext>
             </a:extLst>
           </p:cNvPr>
@@ -5764,7 +6709,7 @@
           <p:cNvPr id="2" name="Slide Number Placeholder 1">
             <a:extLst>
               <a:ext uri="{FF2B5EF4-FFF2-40B4-BE49-F238E27FC236}">
-                <a16:creationId xmlns="" xmlns:a16="http://schemas.microsoft.com/office/drawing/2014/main" id="{3A9F13B3-A864-47EA-9914-524B6CB023E9}"/>
+                <a16:creationId xmlns:a16="http://schemas.microsoft.com/office/drawing/2014/main" xmlns="" id="{3A9F13B3-A864-47EA-9914-524B6CB023E9}"/>
               </a:ext>
             </a:extLst>
           </p:cNvPr>
@@ -5807,6 +6752,34 @@
           <a:xfrm>
             <a:off x="0" y="1219201"/>
             <a:ext cx="2531327" cy="1371600"/>
+          </a:xfrm>
+          <a:prstGeom prst="rect">
+            <a:avLst/>
+          </a:prstGeom>
+        </p:spPr>
+      </p:pic>
+      <p:pic>
+        <p:nvPicPr>
+          <p:cNvPr id="10" name="Picture 9"/>
+          <p:cNvPicPr/>
+          <p:nvPr/>
+        </p:nvPicPr>
+        <p:blipFill>
+          <a:blip r:embed="rId6">
+            <a:extLst>
+              <a:ext uri="{28A0092B-C50C-407E-A947-70E740481C1C}">
+                <a14:useLocalDpi xmlns:a14="http://schemas.microsoft.com/office/drawing/2010/main" val="0"/>
+              </a:ext>
+            </a:extLst>
+          </a:blip>
+          <a:stretch>
+            <a:fillRect/>
+          </a:stretch>
+        </p:blipFill>
+        <p:spPr>
+          <a:xfrm>
+            <a:off x="2399665" y="2039619"/>
+            <a:ext cx="4229735" cy="4460225"/>
           </a:xfrm>
           <a:prstGeom prst="rect">
             <a:avLst/>
@@ -5994,7 +6967,7 @@
           <p:cNvPr id="8" name="Title 3">
             <a:extLst>
               <a:ext uri="{FF2B5EF4-FFF2-40B4-BE49-F238E27FC236}">
-                <a16:creationId xmlns="" xmlns:a16="http://schemas.microsoft.com/office/drawing/2014/main" id="{249FB50D-D3FF-4C9D-B418-705D4EA2D891}"/>
+                <a16:creationId xmlns:a16="http://schemas.microsoft.com/office/drawing/2014/main" xmlns="" id="{249FB50D-D3FF-4C9D-B418-705D4EA2D891}"/>
               </a:ext>
             </a:extLst>
           </p:cNvPr>
@@ -6068,7 +7041,7 @@
           <p:cNvPr id="9" name="Content Placeholder 2">
             <a:extLst>
               <a:ext uri="{FF2B5EF4-FFF2-40B4-BE49-F238E27FC236}">
-                <a16:creationId xmlns="" xmlns:a16="http://schemas.microsoft.com/office/drawing/2014/main" id="{7D394C99-B323-47B7-BCC2-501C0B3CAD6E}"/>
+                <a16:creationId xmlns:a16="http://schemas.microsoft.com/office/drawing/2014/main" xmlns="" id="{7D394C99-B323-47B7-BCC2-501C0B3CAD6E}"/>
               </a:ext>
             </a:extLst>
           </p:cNvPr>
@@ -6096,7 +7069,7 @@
               <a:buChar char="q"/>
             </a:pPr>
             <a:r>
-              <a:rPr lang="fa-IR" dirty="0" smtClean="0">
+              <a:rPr lang="fa-IR" sz="2100" dirty="0">
                 <a:ln w="0"/>
                 <a:solidFill>
                   <a:schemeClr val="bg2">
@@ -6112,7 +7085,26 @@
                 </a:effectLst>
                 <a:cs typeface="B Nazanin" panose="00000400000000000000" pitchFamily="2" charset="-78"/>
               </a:rPr>
-              <a:t>..</a:t>
+              <a:t>مدل ساز و مدیر </a:t>
+            </a:r>
+            <a:r>
+              <a:rPr lang="en-US" sz="2100" dirty="0" smtClean="0">
+                <a:ln w="0"/>
+                <a:solidFill>
+                  <a:schemeClr val="bg2">
+                    <a:lumMod val="50000"/>
+                  </a:schemeClr>
+                </a:solidFill>
+                <a:effectLst>
+                  <a:outerShdw blurRad="38100" dist="25400" dir="5400000" algn="ctr" rotWithShape="0">
+                    <a:srgbClr val="6E747A">
+                      <a:alpha val="43000"/>
+                    </a:srgbClr>
+                  </a:outerShdw>
+                </a:effectLst>
+                <a:cs typeface="B Nazanin" panose="00000400000000000000" pitchFamily="2" charset="-78"/>
+              </a:rPr>
+              <a:t>DSPM</a:t>
             </a:r>
             <a:endParaRPr lang="en-US" sz="2100" dirty="0">
               <a:ln w="0"/>
@@ -6138,7 +7130,7 @@
           <p:cNvPr id="13" name="Picture 12">
             <a:extLst>
               <a:ext uri="{FF2B5EF4-FFF2-40B4-BE49-F238E27FC236}">
-                <a16:creationId xmlns="" xmlns:a16="http://schemas.microsoft.com/office/drawing/2014/main" id="{6C7DFF70-CCA0-4714-A8D4-3E24AC2445C7}"/>
+                <a16:creationId xmlns:a16="http://schemas.microsoft.com/office/drawing/2014/main" xmlns="" id="{6C7DFF70-CCA0-4714-A8D4-3E24AC2445C7}"/>
               </a:ext>
             </a:extLst>
           </p:cNvPr>
@@ -6168,7 +7160,7 @@
           <p:cNvPr id="2" name="Slide Number Placeholder 1">
             <a:extLst>
               <a:ext uri="{FF2B5EF4-FFF2-40B4-BE49-F238E27FC236}">
-                <a16:creationId xmlns="" xmlns:a16="http://schemas.microsoft.com/office/drawing/2014/main" id="{3A9F13B3-A864-47EA-9914-524B6CB023E9}"/>
+                <a16:creationId xmlns:a16="http://schemas.microsoft.com/office/drawing/2014/main" xmlns="" id="{3A9F13B3-A864-47EA-9914-524B6CB023E9}"/>
               </a:ext>
             </a:extLst>
           </p:cNvPr>
@@ -6211,6 +7203,30 @@
           <a:xfrm>
             <a:off x="0" y="1219201"/>
             <a:ext cx="2531327" cy="1371600"/>
+          </a:xfrm>
+          <a:prstGeom prst="rect">
+            <a:avLst/>
+          </a:prstGeom>
+        </p:spPr>
+      </p:pic>
+      <p:pic>
+        <p:nvPicPr>
+          <p:cNvPr id="3" name="Picture 2"/>
+          <p:cNvPicPr>
+            <a:picLocks noChangeAspect="1"/>
+          </p:cNvPicPr>
+          <p:nvPr/>
+        </p:nvPicPr>
+        <p:blipFill>
+          <a:blip r:embed="rId6"/>
+          <a:stretch>
+            <a:fillRect/>
+          </a:stretch>
+        </p:blipFill>
+        <p:spPr>
+          <a:xfrm>
+            <a:off x="2038350" y="2308033"/>
+            <a:ext cx="5600700" cy="4105275"/>
           </a:xfrm>
           <a:prstGeom prst="rect">
             <a:avLst/>
@@ -6398,7 +7414,7 @@
           <p:cNvPr id="8" name="Title 3">
             <a:extLst>
               <a:ext uri="{FF2B5EF4-FFF2-40B4-BE49-F238E27FC236}">
-                <a16:creationId xmlns="" xmlns:a16="http://schemas.microsoft.com/office/drawing/2014/main" id="{249FB50D-D3FF-4C9D-B418-705D4EA2D891}"/>
+                <a16:creationId xmlns:a16="http://schemas.microsoft.com/office/drawing/2014/main" xmlns="" id="{249FB50D-D3FF-4C9D-B418-705D4EA2D891}"/>
               </a:ext>
             </a:extLst>
           </p:cNvPr>
@@ -6561,7 +7577,7 @@
           <p:cNvPr id="9" name="Content Placeholder 2">
             <a:extLst>
               <a:ext uri="{FF2B5EF4-FFF2-40B4-BE49-F238E27FC236}">
-                <a16:creationId xmlns="" xmlns:a16="http://schemas.microsoft.com/office/drawing/2014/main" id="{7D394C99-B323-47B7-BCC2-501C0B3CAD6E}"/>
+                <a16:creationId xmlns:a16="http://schemas.microsoft.com/office/drawing/2014/main" xmlns="" id="{7D394C99-B323-47B7-BCC2-501C0B3CAD6E}"/>
               </a:ext>
             </a:extLst>
           </p:cNvPr>
@@ -6605,14 +7621,153 @@
                 </a:effectLst>
                 <a:cs typeface="B Nazanin" panose="00000400000000000000" pitchFamily="2" charset="-78"/>
               </a:rPr>
-              <a:t>..</a:t>
-            </a:r>
-            <a:endParaRPr lang="en-US" sz="2100" dirty="0">
+              <a:t>رويكرد خودكار</a:t>
+            </a:r>
+          </a:p>
+          <a:p>
+            <a:pPr algn="just"/>
+            <a:r>
+              <a:rPr lang="fa-IR" dirty="0">
+                <a:ln w="0"/>
+                <a:solidFill>
+                  <a:schemeClr val="bg2">
+                    <a:lumMod val="50000"/>
+                  </a:schemeClr>
+                </a:solidFill>
+                <a:effectLst>
+                  <a:outerShdw blurRad="38100" dist="25400" dir="5400000" algn="ctr" rotWithShape="0">
+                    <a:srgbClr val="6E747A">
+                      <a:alpha val="43000"/>
+                    </a:srgbClr>
+                  </a:outerShdw>
+                </a:effectLst>
+                <a:cs typeface="B Nazanin" panose="00000400000000000000" pitchFamily="2" charset="-78"/>
+              </a:rPr>
+              <a:t>    </a:t>
+            </a:r>
+            <a:r>
+              <a:rPr lang="fa-IR" sz="1800" dirty="0" smtClean="0">
+                <a:ln w="0"/>
+                <a:solidFill>
+                  <a:schemeClr val="bg1"/>
+                </a:solidFill>
+                <a:effectLst>
+                  <a:outerShdw blurRad="38100" dist="25400" dir="5400000" algn="ctr" rotWithShape="0">
+                    <a:srgbClr val="6E747A">
+                      <a:alpha val="43000"/>
+                    </a:srgbClr>
+                  </a:outerShdw>
+                </a:effectLst>
+                <a:cs typeface="B Nazanin" panose="00000400000000000000" pitchFamily="2" charset="-78"/>
+              </a:rPr>
+              <a:t>استفاده از الگوریتم‌های </a:t>
+            </a:r>
+            <a:r>
+              <a:rPr lang="fa-IR" sz="1800" dirty="0">
+                <a:ln w="0"/>
+                <a:solidFill>
+                  <a:schemeClr val="bg1"/>
+                </a:solidFill>
+                <a:effectLst>
+                  <a:outerShdw blurRad="38100" dist="25400" dir="5400000" algn="ctr" rotWithShape="0">
+                    <a:srgbClr val="6E747A">
+                      <a:alpha val="43000"/>
+                    </a:srgbClr>
+                  </a:outerShdw>
+                </a:effectLst>
+                <a:cs typeface="B Nazanin" panose="00000400000000000000" pitchFamily="2" charset="-78"/>
+              </a:rPr>
+              <a:t>ابتکاری، مانند </a:t>
+            </a:r>
+            <a:r>
+              <a:rPr lang="fa-IR" sz="1800" dirty="0" smtClean="0">
+                <a:ln w="0"/>
+                <a:solidFill>
+                  <a:schemeClr val="bg1"/>
+                </a:solidFill>
+                <a:effectLst>
+                  <a:outerShdw blurRad="38100" dist="25400" dir="5400000" algn="ctr" rotWithShape="0">
+                    <a:srgbClr val="6E747A">
+                      <a:alpha val="43000"/>
+                    </a:srgbClr>
+                  </a:outerShdw>
+                </a:effectLst>
+                <a:cs typeface="B Nazanin" panose="00000400000000000000" pitchFamily="2" charset="-78"/>
+              </a:rPr>
+              <a:t>الگوریتم‌هایی که توسط </a:t>
+            </a:r>
+            <a:r>
+              <a:rPr lang="en-US" sz="1800" dirty="0" smtClean="0">
+                <a:ln w="0"/>
+                <a:solidFill>
+                  <a:schemeClr val="bg1"/>
+                </a:solidFill>
+                <a:effectLst>
+                  <a:outerShdw blurRad="38100" dist="25400" dir="5400000" algn="ctr" rotWithShape="0">
+                    <a:srgbClr val="6E747A">
+                      <a:alpha val="43000"/>
+                    </a:srgbClr>
+                  </a:outerShdw>
+                </a:effectLst>
+                <a:cs typeface="B Nazanin" panose="00000400000000000000" pitchFamily="2" charset="-78"/>
+              </a:rPr>
+              <a:t>V.M</a:t>
+            </a:r>
+            <a:r>
+              <a:rPr lang="en-US" sz="1800" dirty="0">
+                <a:ln w="0"/>
+                <a:solidFill>
+                  <a:schemeClr val="bg1"/>
+                </a:solidFill>
+                <a:effectLst>
+                  <a:outerShdw blurRad="38100" dist="25400" dir="5400000" algn="ctr" rotWithShape="0">
+                    <a:srgbClr val="6E747A">
+                      <a:alpha val="43000"/>
+                    </a:srgbClr>
+                  </a:outerShdw>
+                </a:effectLst>
+                <a:cs typeface="B Nazanin" panose="00000400000000000000" pitchFamily="2" charset="-78"/>
+              </a:rPr>
+              <a:t>. </a:t>
+            </a:r>
+            <a:r>
+              <a:rPr lang="en-US" sz="1800" dirty="0" smtClean="0">
+                <a:ln w="0"/>
+                <a:solidFill>
+                  <a:schemeClr val="bg1"/>
+                </a:solidFill>
+                <a:effectLst>
+                  <a:outerShdw blurRad="38100" dist="25400" dir="5400000" algn="ctr" rotWithShape="0">
+                    <a:srgbClr val="6E747A">
+                      <a:alpha val="43000"/>
+                    </a:srgbClr>
+                  </a:outerShdw>
+                </a:effectLst>
+                <a:cs typeface="B Nazanin" panose="00000400000000000000" pitchFamily="2" charset="-78"/>
+              </a:rPr>
+              <a:t>Lo</a:t>
+            </a:r>
+            <a:r>
+              <a:rPr lang="fa-IR" sz="1800" dirty="0" smtClean="0">
+                <a:ln w="0"/>
+                <a:solidFill>
+                  <a:schemeClr val="bg1"/>
+                </a:solidFill>
+                <a:effectLst>
+                  <a:outerShdw blurRad="38100" dist="25400" dir="5400000" algn="ctr" rotWithShape="0">
+                    <a:srgbClr val="6E747A">
+                      <a:alpha val="43000"/>
+                    </a:srgbClr>
+                  </a:outerShdw>
+                </a:effectLst>
+                <a:cs typeface="B Nazanin" panose="00000400000000000000" pitchFamily="2" charset="-78"/>
+              </a:rPr>
+              <a:t> ارائه شده</a:t>
+            </a:r>
+            <a:endParaRPr lang="en-US" sz="1800" dirty="0" smtClean="0">
               <a:ln w="0"/>
               <a:solidFill>
-                <a:schemeClr val="bg2">
-                  <a:lumMod val="50000"/>
-                </a:schemeClr>
+                <a:schemeClr val="bg1"/>
               </a:solidFill>
               <a:effectLst>
                 <a:outerShdw blurRad="38100" dist="25400" dir="5400000" algn="ctr" rotWithShape="0">
@@ -6624,6 +7779,302 @@
               <a:cs typeface="B Nazanin" panose="00000400000000000000" pitchFamily="2" charset="-78"/>
             </a:endParaRPr>
           </a:p>
+          <a:p>
+            <a:pPr algn="just"/>
+            <a:r>
+              <a:rPr lang="en-US" sz="1800" dirty="0">
+                <a:ln w="0"/>
+                <a:solidFill>
+                  <a:schemeClr val="bg1"/>
+                </a:solidFill>
+                <a:effectLst>
+                  <a:outerShdw blurRad="38100" dist="25400" dir="5400000" algn="ctr" rotWithShape="0">
+                    <a:srgbClr val="6E747A">
+                      <a:alpha val="43000"/>
+                    </a:srgbClr>
+                  </a:outerShdw>
+                </a:effectLst>
+                <a:cs typeface="B Nazanin" panose="00000400000000000000" pitchFamily="2" charset="-78"/>
+              </a:rPr>
+              <a:t> </a:t>
+            </a:r>
+            <a:r>
+              <a:rPr lang="en-US" sz="1800" dirty="0" smtClean="0">
+                <a:ln w="0"/>
+                <a:solidFill>
+                  <a:schemeClr val="bg1"/>
+                </a:solidFill>
+                <a:effectLst>
+                  <a:outerShdw blurRad="38100" dist="25400" dir="5400000" algn="ctr" rotWithShape="0">
+                    <a:srgbClr val="6E747A">
+                      <a:alpha val="43000"/>
+                    </a:srgbClr>
+                  </a:outerShdw>
+                </a:effectLst>
+                <a:cs typeface="B Nazanin" panose="00000400000000000000" pitchFamily="2" charset="-78"/>
+              </a:rPr>
+              <a:t>   </a:t>
+            </a:r>
+            <a:r>
+              <a:rPr lang="fa-IR" sz="1800" dirty="0" smtClean="0">
+                <a:ln w="0"/>
+                <a:solidFill>
+                  <a:schemeClr val="bg1"/>
+                </a:solidFill>
+                <a:effectLst>
+                  <a:outerShdw blurRad="38100" dist="25400" dir="5400000" algn="ctr" rotWithShape="0">
+                    <a:srgbClr val="6E747A">
+                      <a:alpha val="43000"/>
+                    </a:srgbClr>
+                  </a:outerShdw>
+                </a:effectLst>
+                <a:cs typeface="B Nazanin" panose="00000400000000000000" pitchFamily="2" charset="-78"/>
+              </a:rPr>
+              <a:t>الگوریتم برای حل مسئله قرارگیری اپراتور </a:t>
+            </a:r>
+            <a:r>
+              <a:rPr lang="en-US" sz="1800" dirty="0" smtClean="0">
+                <a:ln w="0"/>
+                <a:solidFill>
+                  <a:schemeClr val="bg1"/>
+                </a:solidFill>
+                <a:effectLst>
+                  <a:outerShdw blurRad="38100" dist="25400" dir="5400000" algn="ctr" rotWithShape="0">
+                    <a:srgbClr val="6E747A">
+                      <a:alpha val="43000"/>
+                    </a:srgbClr>
+                  </a:outerShdw>
+                </a:effectLst>
+                <a:cs typeface="B Nazanin" panose="00000400000000000000" pitchFamily="2" charset="-78"/>
+              </a:rPr>
+              <a:t>DSPM </a:t>
+            </a:r>
+            <a:r>
+              <a:rPr lang="fa-IR" sz="1800" dirty="0" smtClean="0">
+                <a:ln w="0"/>
+                <a:solidFill>
+                  <a:schemeClr val="bg1"/>
+                </a:solidFill>
+                <a:effectLst>
+                  <a:outerShdw blurRad="38100" dist="25400" dir="5400000" algn="ctr" rotWithShape="0">
+                    <a:srgbClr val="6E747A">
+                      <a:alpha val="43000"/>
+                    </a:srgbClr>
+                  </a:outerShdw>
+                </a:effectLst>
+                <a:cs typeface="B Nazanin" panose="00000400000000000000" pitchFamily="2" charset="-78"/>
+              </a:rPr>
+              <a:t> : روش حریصانه و عقبگرد</a:t>
+            </a:r>
+          </a:p>
+          <a:p>
+            <a:pPr algn="just"/>
+            <a:endParaRPr lang="fa-IR" sz="1800" dirty="0" smtClean="0">
+              <a:ln w="0"/>
+              <a:solidFill>
+                <a:schemeClr val="bg1"/>
+              </a:solidFill>
+              <a:effectLst>
+                <a:outerShdw blurRad="38100" dist="25400" dir="5400000" algn="ctr" rotWithShape="0">
+                  <a:srgbClr val="6E747A">
+                    <a:alpha val="43000"/>
+                  </a:srgbClr>
+                </a:outerShdw>
+              </a:effectLst>
+              <a:cs typeface="B Nazanin" panose="00000400000000000000" pitchFamily="2" charset="-78"/>
+            </a:endParaRPr>
+          </a:p>
+          <a:p>
+            <a:pPr marL="406908" indent="-342900" algn="just">
+              <a:spcBef>
+                <a:spcPts val="0"/>
+              </a:spcBef>
+              <a:buFont typeface="Wingdings" panose="05000000000000000000" pitchFamily="2" charset="2"/>
+              <a:buChar char="q"/>
+            </a:pPr>
+            <a:r>
+              <a:rPr lang="fa-IR" sz="2100" dirty="0" smtClean="0">
+                <a:ln w="0"/>
+                <a:solidFill>
+                  <a:schemeClr val="bg2">
+                    <a:lumMod val="50000"/>
+                  </a:schemeClr>
+                </a:solidFill>
+                <a:effectLst>
+                  <a:outerShdw blurRad="38100" dist="25400" dir="5400000" algn="ctr" rotWithShape="0">
+                    <a:srgbClr val="6E747A">
+                      <a:alpha val="43000"/>
+                    </a:srgbClr>
+                  </a:outerShdw>
+                </a:effectLst>
+                <a:cs typeface="B Nazanin" panose="00000400000000000000" pitchFamily="2" charset="-78"/>
+              </a:rPr>
+              <a:t>رويكرد دستي</a:t>
+            </a:r>
+          </a:p>
+          <a:p>
+            <a:pPr algn="just">
+              <a:spcBef>
+                <a:spcPts val="0"/>
+              </a:spcBef>
+            </a:pPr>
+            <a:r>
+              <a:rPr lang="fa-IR" sz="2400" dirty="0" smtClean="0">
+                <a:ln w="0"/>
+                <a:solidFill>
+                  <a:schemeClr val="bg2">
+                    <a:lumMod val="50000"/>
+                  </a:schemeClr>
+                </a:solidFill>
+                <a:effectLst>
+                  <a:outerShdw blurRad="38100" dist="25400" dir="5400000" algn="ctr" rotWithShape="0">
+                    <a:srgbClr val="6E747A">
+                      <a:alpha val="43000"/>
+                    </a:srgbClr>
+                  </a:outerShdw>
+                </a:effectLst>
+                <a:cs typeface="B Nazanin" panose="00000400000000000000" pitchFamily="2" charset="-78"/>
+              </a:rPr>
+              <a:t>    </a:t>
+            </a:r>
+            <a:r>
+              <a:rPr lang="fa-IR" sz="1800" dirty="0">
+                <a:ln w="0"/>
+                <a:solidFill>
+                  <a:schemeClr val="bg1"/>
+                </a:solidFill>
+                <a:effectLst>
+                  <a:outerShdw blurRad="38100" dist="25400" dir="5400000" algn="ctr" rotWithShape="0">
+                    <a:srgbClr val="6E747A">
+                      <a:alpha val="43000"/>
+                    </a:srgbClr>
+                  </a:outerShdw>
+                </a:effectLst>
+                <a:cs typeface="B Nazanin" panose="00000400000000000000" pitchFamily="2" charset="-78"/>
+              </a:rPr>
+              <a:t>طرح نگاشت به صورت </a:t>
+            </a:r>
+            <a:r>
+              <a:rPr lang="fa-IR" sz="1800" dirty="0" smtClean="0">
+                <a:ln w="0"/>
+                <a:solidFill>
+                  <a:schemeClr val="bg1"/>
+                </a:solidFill>
+                <a:effectLst>
+                  <a:outerShdw blurRad="38100" dist="25400" dir="5400000" algn="ctr" rotWithShape="0">
+                    <a:srgbClr val="6E747A">
+                      <a:alpha val="43000"/>
+                    </a:srgbClr>
+                  </a:outerShdw>
+                </a:effectLst>
+                <a:cs typeface="B Nazanin" panose="00000400000000000000" pitchFamily="2" charset="-78"/>
+              </a:rPr>
+              <a:t>دستی </a:t>
+            </a:r>
+            <a:r>
+              <a:rPr lang="fa-IR" sz="1800" dirty="0">
+                <a:ln w="0"/>
+                <a:solidFill>
+                  <a:schemeClr val="bg1"/>
+                </a:solidFill>
+                <a:effectLst>
+                  <a:outerShdw blurRad="38100" dist="25400" dir="5400000" algn="ctr" rotWithShape="0">
+                    <a:srgbClr val="6E747A">
+                      <a:alpha val="43000"/>
+                    </a:srgbClr>
+                  </a:outerShdw>
+                </a:effectLst>
+                <a:cs typeface="B Nazanin" panose="00000400000000000000" pitchFamily="2" charset="-78"/>
+              </a:rPr>
+              <a:t>توسط تحلیلگران دامنه ایجاد می شود </a:t>
+            </a:r>
+            <a:endParaRPr lang="fa-IR" sz="1800" dirty="0" smtClean="0">
+              <a:ln w="0"/>
+              <a:solidFill>
+                <a:schemeClr val="bg1"/>
+              </a:solidFill>
+              <a:effectLst>
+                <a:outerShdw blurRad="38100" dist="25400" dir="5400000" algn="ctr" rotWithShape="0">
+                  <a:srgbClr val="6E747A">
+                    <a:alpha val="43000"/>
+                  </a:srgbClr>
+                </a:outerShdw>
+              </a:effectLst>
+              <a:cs typeface="B Nazanin" panose="00000400000000000000" pitchFamily="2" charset="-78"/>
+            </a:endParaRPr>
+          </a:p>
+          <a:p>
+            <a:pPr algn="just">
+              <a:spcBef>
+                <a:spcPts val="0"/>
+              </a:spcBef>
+            </a:pPr>
+            <a:r>
+              <a:rPr lang="fa-IR" sz="1800" dirty="0" smtClean="0">
+                <a:ln w="0"/>
+                <a:solidFill>
+                  <a:schemeClr val="bg1"/>
+                </a:solidFill>
+                <a:effectLst>
+                  <a:outerShdw blurRad="38100" dist="25400" dir="5400000" algn="ctr" rotWithShape="0">
+                    <a:srgbClr val="6E747A">
+                      <a:alpha val="43000"/>
+                    </a:srgbClr>
+                  </a:outerShdw>
+                </a:effectLst>
+                <a:cs typeface="B Nazanin" panose="00000400000000000000" pitchFamily="2" charset="-78"/>
+              </a:rPr>
+              <a:t>     استاندارد از </a:t>
+            </a:r>
+            <a:r>
+              <a:rPr lang="en-US" sz="1800" dirty="0" smtClean="0">
+                <a:ln w="0"/>
+                <a:solidFill>
+                  <a:schemeClr val="bg1"/>
+                </a:solidFill>
+                <a:effectLst>
+                  <a:outerShdw blurRad="38100" dist="25400" dir="5400000" algn="ctr" rotWithShape="0">
+                    <a:srgbClr val="6E747A">
+                      <a:alpha val="43000"/>
+                    </a:srgbClr>
+                  </a:outerShdw>
+                </a:effectLst>
+                <a:cs typeface="B Nazanin" panose="00000400000000000000" pitchFamily="2" charset="-78"/>
+              </a:rPr>
+              <a:t>TOSCA </a:t>
+            </a:r>
+            <a:r>
+              <a:rPr lang="fa-IR" sz="1800" dirty="0">
+                <a:ln w="0"/>
+                <a:solidFill>
+                  <a:schemeClr val="bg1"/>
+                </a:solidFill>
+                <a:effectLst>
+                  <a:outerShdw blurRad="38100" dist="25400" dir="5400000" algn="ctr" rotWithShape="0">
+                    <a:srgbClr val="6E747A">
+                      <a:alpha val="43000"/>
+                    </a:srgbClr>
+                  </a:outerShdw>
+                </a:effectLst>
+                <a:cs typeface="B Nazanin" panose="00000400000000000000" pitchFamily="2" charset="-78"/>
+              </a:rPr>
+              <a:t>برای ایجاد نقشه های نگاشت به صورت دستی </a:t>
+            </a:r>
+            <a:endParaRPr lang="fa-IR" sz="1800" dirty="0" smtClean="0">
+              <a:ln w="0"/>
+              <a:solidFill>
+                <a:schemeClr val="bg1"/>
+              </a:solidFill>
+              <a:effectLst>
+                <a:outerShdw blurRad="38100" dist="25400" dir="5400000" algn="ctr" rotWithShape="0">
+                  <a:srgbClr val="6E747A">
+                    <a:alpha val="43000"/>
+                  </a:srgbClr>
+                </a:outerShdw>
+              </a:effectLst>
+              <a:cs typeface="B Nazanin" panose="00000400000000000000" pitchFamily="2" charset="-78"/>
+            </a:endParaRPr>
+          </a:p>
         </p:txBody>
       </p:sp>
       <p:pic>
@@ -6631,7 +8082,7 @@
           <p:cNvPr id="13" name="Picture 12">
             <a:extLst>
               <a:ext uri="{FF2B5EF4-FFF2-40B4-BE49-F238E27FC236}">
-                <a16:creationId xmlns="" xmlns:a16="http://schemas.microsoft.com/office/drawing/2014/main" id="{6C7DFF70-CCA0-4714-A8D4-3E24AC2445C7}"/>
+                <a16:creationId xmlns:a16="http://schemas.microsoft.com/office/drawing/2014/main" xmlns="" id="{6C7DFF70-CCA0-4714-A8D4-3E24AC2445C7}"/>
               </a:ext>
             </a:extLst>
           </p:cNvPr>
@@ -6661,7 +8112,7 @@
           <p:cNvPr id="2" name="Slide Number Placeholder 1">
             <a:extLst>
               <a:ext uri="{FF2B5EF4-FFF2-40B4-BE49-F238E27FC236}">
-                <a16:creationId xmlns="" xmlns:a16="http://schemas.microsoft.com/office/drawing/2014/main" id="{3A9F13B3-A864-47EA-9914-524B6CB023E9}"/>
+                <a16:creationId xmlns:a16="http://schemas.microsoft.com/office/drawing/2014/main" xmlns="" id="{3A9F13B3-A864-47EA-9914-524B6CB023E9}"/>
               </a:ext>
             </a:extLst>
           </p:cNvPr>
@@ -6891,7 +8342,7 @@
           <p:cNvPr id="8" name="Title 3">
             <a:extLst>
               <a:ext uri="{FF2B5EF4-FFF2-40B4-BE49-F238E27FC236}">
-                <a16:creationId xmlns="" xmlns:a16="http://schemas.microsoft.com/office/drawing/2014/main" id="{249FB50D-D3FF-4C9D-B418-705D4EA2D891}"/>
+                <a16:creationId xmlns:a16="http://schemas.microsoft.com/office/drawing/2014/main" xmlns="" id="{249FB50D-D3FF-4C9D-B418-705D4EA2D891}"/>
               </a:ext>
             </a:extLst>
           </p:cNvPr>
@@ -6990,7 +8441,7 @@
           <p:cNvPr id="9" name="Content Placeholder 2">
             <a:extLst>
               <a:ext uri="{FF2B5EF4-FFF2-40B4-BE49-F238E27FC236}">
-                <a16:creationId xmlns="" xmlns:a16="http://schemas.microsoft.com/office/drawing/2014/main" id="{7D394C99-B323-47B7-BCC2-501C0B3CAD6E}"/>
+                <a16:creationId xmlns:a16="http://schemas.microsoft.com/office/drawing/2014/main" xmlns="" id="{7D394C99-B323-47B7-BCC2-501C0B3CAD6E}"/>
               </a:ext>
             </a:extLst>
           </p:cNvPr>
@@ -7018,7 +8469,7 @@
               <a:buChar char="q"/>
             </a:pPr>
             <a:r>
-              <a:rPr lang="fa-IR" dirty="0" smtClean="0">
+              <a:rPr lang="fa-IR" sz="2100" dirty="0">
                 <a:ln w="0"/>
                 <a:solidFill>
                   <a:schemeClr val="bg2">
@@ -7034,8 +8485,836 @@
                 </a:effectLst>
                 <a:cs typeface="B Nazanin" panose="00000400000000000000" pitchFamily="2" charset="-78"/>
               </a:rPr>
-              <a:t>..</a:t>
-            </a:r>
+              <a:t>رويكرد خودكار</a:t>
+            </a:r>
+          </a:p>
+          <a:p>
+            <a:pPr algn="just"/>
+            <a:r>
+              <a:rPr lang="fa-IR" sz="1800" dirty="0">
+                <a:ln w="0"/>
+                <a:solidFill>
+                  <a:schemeClr val="bg1"/>
+                </a:solidFill>
+                <a:effectLst>
+                  <a:outerShdw blurRad="38100" dist="25400" dir="5400000" algn="ctr" rotWithShape="0">
+                    <a:srgbClr val="6E747A">
+                      <a:alpha val="43000"/>
+                    </a:srgbClr>
+                  </a:outerShdw>
+                </a:effectLst>
+                <a:cs typeface="B Nazanin" panose="00000400000000000000" pitchFamily="2" charset="-78"/>
+              </a:rPr>
+              <a:t>   </a:t>
+            </a:r>
+            <a:r>
+              <a:rPr lang="fa-IR" sz="1800" dirty="0" smtClean="0">
+                <a:ln w="0"/>
+                <a:solidFill>
+                  <a:schemeClr val="bg1"/>
+                </a:solidFill>
+                <a:effectLst>
+                  <a:outerShdw blurRad="38100" dist="25400" dir="5400000" algn="ctr" rotWithShape="0">
+                    <a:srgbClr val="6E747A">
+                      <a:alpha val="43000"/>
+                    </a:srgbClr>
+                  </a:outerShdw>
+                </a:effectLst>
+                <a:cs typeface="B Nazanin" panose="00000400000000000000" pitchFamily="2" charset="-78"/>
+              </a:rPr>
+              <a:t> نمايش </a:t>
+            </a:r>
+            <a:r>
+              <a:rPr lang="fa-IR" sz="1800" dirty="0">
+                <a:ln w="0"/>
+                <a:solidFill>
+                  <a:schemeClr val="bg1"/>
+                </a:solidFill>
+                <a:effectLst>
+                  <a:outerShdw blurRad="38100" dist="25400" dir="5400000" algn="ctr" rotWithShape="0">
+                    <a:srgbClr val="6E747A">
+                      <a:alpha val="43000"/>
+                    </a:srgbClr>
+                  </a:outerShdw>
+                </a:effectLst>
+                <a:cs typeface="B Nazanin" panose="00000400000000000000" pitchFamily="2" charset="-78"/>
+              </a:rPr>
+              <a:t>اپراتور </a:t>
+            </a:r>
+            <a:r>
+              <a:rPr lang="fa-IR" sz="1800" dirty="0" smtClean="0">
+                <a:ln w="0"/>
+                <a:solidFill>
+                  <a:schemeClr val="bg1"/>
+                </a:solidFill>
+                <a:effectLst>
+                  <a:outerShdw blurRad="38100" dist="25400" dir="5400000" algn="ctr" rotWithShape="0">
+                    <a:srgbClr val="6E747A">
+                      <a:alpha val="43000"/>
+                    </a:srgbClr>
+                  </a:outerShdw>
+                </a:effectLst>
+                <a:cs typeface="B Nazanin" panose="00000400000000000000" pitchFamily="2" charset="-78"/>
+              </a:rPr>
+              <a:t>که </a:t>
+            </a:r>
+            <a:r>
+              <a:rPr lang="fa-IR" sz="1800" dirty="0">
+                <a:ln w="0"/>
+                <a:solidFill>
+                  <a:schemeClr val="bg1"/>
+                </a:solidFill>
+                <a:effectLst>
+                  <a:outerShdw blurRad="38100" dist="25400" dir="5400000" algn="ctr" rotWithShape="0">
+                    <a:srgbClr val="6E747A">
+                      <a:alpha val="43000"/>
+                    </a:srgbClr>
+                  </a:outerShdw>
+                </a:effectLst>
+                <a:cs typeface="B Nazanin" panose="00000400000000000000" pitchFamily="2" charset="-78"/>
+              </a:rPr>
+              <a:t>اپراتورهای </a:t>
+            </a:r>
+            <a:r>
+              <a:rPr lang="fa-IR" sz="1800" dirty="0" smtClean="0">
+                <a:ln w="0"/>
+                <a:solidFill>
+                  <a:schemeClr val="bg1"/>
+                </a:solidFill>
+                <a:effectLst>
+                  <a:outerShdw blurRad="38100" dist="25400" dir="5400000" algn="ctr" rotWithShape="0">
+                    <a:srgbClr val="6E747A">
+                      <a:alpha val="43000"/>
+                    </a:srgbClr>
+                  </a:outerShdw>
+                </a:effectLst>
+                <a:cs typeface="B Nazanin" panose="00000400000000000000" pitchFamily="2" charset="-78"/>
+              </a:rPr>
+              <a:t>یک</a:t>
+            </a:r>
+            <a:r>
+              <a:rPr lang="en-US" sz="1800" dirty="0" smtClean="0">
+                <a:ln w="0"/>
+                <a:solidFill>
+                  <a:schemeClr val="bg1"/>
+                </a:solidFill>
+                <a:effectLst>
+                  <a:outerShdw blurRad="38100" dist="25400" dir="5400000" algn="ctr" rotWithShape="0">
+                    <a:srgbClr val="6E747A">
+                      <a:alpha val="43000"/>
+                    </a:srgbClr>
+                  </a:outerShdw>
+                </a:effectLst>
+                <a:cs typeface="B Nazanin" panose="00000400000000000000" pitchFamily="2" charset="-78"/>
+              </a:rPr>
+              <a:t>DSPM </a:t>
+            </a:r>
+            <a:r>
+              <a:rPr lang="fa-IR" sz="1800" dirty="0" smtClean="0">
+                <a:ln w="0"/>
+                <a:solidFill>
+                  <a:schemeClr val="bg1"/>
+                </a:solidFill>
+                <a:effectLst>
+                  <a:outerShdw blurRad="38100" dist="25400" dir="5400000" algn="ctr" rotWithShape="0">
+                    <a:srgbClr val="6E747A">
+                      <a:alpha val="43000"/>
+                    </a:srgbClr>
+                  </a:outerShdw>
+                </a:effectLst>
+                <a:cs typeface="B Nazanin" panose="00000400000000000000" pitchFamily="2" charset="-78"/>
+              </a:rPr>
+              <a:t> را </a:t>
+            </a:r>
+            <a:r>
+              <a:rPr lang="fa-IR" sz="1800" dirty="0">
+                <a:ln w="0"/>
+                <a:solidFill>
+                  <a:schemeClr val="bg1"/>
+                </a:solidFill>
+                <a:effectLst>
+                  <a:outerShdw blurRad="38100" dist="25400" dir="5400000" algn="ctr" rotWithShape="0">
+                    <a:srgbClr val="6E747A">
+                      <a:alpha val="43000"/>
+                    </a:srgbClr>
+                  </a:outerShdw>
+                </a:effectLst>
+                <a:cs typeface="B Nazanin" panose="00000400000000000000" pitchFamily="2" charset="-78"/>
+              </a:rPr>
+              <a:t>به اشیاء</a:t>
+            </a:r>
+            <a:r>
+              <a:rPr lang="en-US" sz="1800" dirty="0" err="1">
+                <a:ln w="0"/>
+                <a:solidFill>
+                  <a:schemeClr val="bg1"/>
+                </a:solidFill>
+                <a:effectLst>
+                  <a:outerShdw blurRad="38100" dist="25400" dir="5400000" algn="ctr" rotWithShape="0">
+                    <a:srgbClr val="6E747A">
+                      <a:alpha val="43000"/>
+                    </a:srgbClr>
+                  </a:outerShdw>
+                </a:effectLst>
+                <a:cs typeface="B Nazanin" panose="00000400000000000000" pitchFamily="2" charset="-78"/>
+              </a:rPr>
+              <a:t>IoT</a:t>
+            </a:r>
+            <a:r>
+              <a:rPr lang="en-US" sz="1800" dirty="0">
+                <a:ln w="0"/>
+                <a:solidFill>
+                  <a:schemeClr val="bg1"/>
+                </a:solidFill>
+                <a:effectLst>
+                  <a:outerShdw blurRad="38100" dist="25400" dir="5400000" algn="ctr" rotWithShape="0">
+                    <a:srgbClr val="6E747A">
+                      <a:alpha val="43000"/>
+                    </a:srgbClr>
+                  </a:outerShdw>
+                </a:effectLst>
+                <a:cs typeface="B Nazanin" panose="00000400000000000000" pitchFamily="2" charset="-78"/>
+              </a:rPr>
+              <a:t>  </a:t>
+            </a:r>
+            <a:r>
+              <a:rPr lang="fa-IR" sz="1800" dirty="0" smtClean="0">
+                <a:ln w="0"/>
+                <a:solidFill>
+                  <a:schemeClr val="bg1"/>
+                </a:solidFill>
+                <a:effectLst>
+                  <a:outerShdw blurRad="38100" dist="25400" dir="5400000" algn="ctr" rotWithShape="0">
+                    <a:srgbClr val="6E747A">
+                      <a:alpha val="43000"/>
+                    </a:srgbClr>
+                  </a:outerShdw>
+                </a:effectLst>
+                <a:cs typeface="B Nazanin" panose="00000400000000000000" pitchFamily="2" charset="-78"/>
+              </a:rPr>
+              <a:t> مدل </a:t>
+            </a:r>
+            <a:r>
+              <a:rPr lang="fa-IR" sz="1800" dirty="0">
+                <a:ln w="0"/>
+                <a:solidFill>
+                  <a:schemeClr val="bg1"/>
+                </a:solidFill>
+                <a:effectLst>
+                  <a:outerShdw blurRad="38100" dist="25400" dir="5400000" algn="ctr" rotWithShape="0">
+                    <a:srgbClr val="6E747A">
+                      <a:alpha val="43000"/>
+                    </a:srgbClr>
+                  </a:outerShdw>
+                </a:effectLst>
+                <a:cs typeface="B Nazanin" panose="00000400000000000000" pitchFamily="2" charset="-78"/>
+              </a:rPr>
+              <a:t>اختصاص می دهد</a:t>
+            </a:r>
+          </a:p>
+          <a:p>
+            <a:pPr algn="just"/>
+            <a:r>
+              <a:rPr lang="fa-IR" sz="1800" dirty="0" smtClean="0">
+                <a:ln w="0"/>
+                <a:solidFill>
+                  <a:schemeClr val="bg1"/>
+                </a:solidFill>
+                <a:effectLst>
+                  <a:outerShdw blurRad="38100" dist="25400" dir="5400000" algn="ctr" rotWithShape="0">
+                    <a:srgbClr val="6E747A">
+                      <a:alpha val="43000"/>
+                    </a:srgbClr>
+                  </a:outerShdw>
+                </a:effectLst>
+                <a:cs typeface="B Nazanin" panose="00000400000000000000" pitchFamily="2" charset="-78"/>
+              </a:rPr>
+              <a:t>    با </a:t>
+            </a:r>
+            <a:r>
+              <a:rPr lang="fa-IR" sz="1800" dirty="0">
+                <a:ln w="0"/>
+                <a:solidFill>
+                  <a:schemeClr val="bg1"/>
+                </a:solidFill>
+                <a:effectLst>
+                  <a:outerShdw blurRad="38100" dist="25400" dir="5400000" algn="ctr" rotWithShape="0">
+                    <a:srgbClr val="6E747A">
+                      <a:alpha val="43000"/>
+                    </a:srgbClr>
+                  </a:outerShdw>
+                </a:effectLst>
+                <a:cs typeface="B Nazanin" panose="00000400000000000000" pitchFamily="2" charset="-78"/>
+              </a:rPr>
+              <a:t>استفاده از موتور استقرار مبتنی بر</a:t>
+            </a:r>
+            <a:r>
+              <a:rPr lang="en-US" sz="1800" dirty="0">
+                <a:ln w="0"/>
+                <a:solidFill>
+                  <a:schemeClr val="bg1"/>
+                </a:solidFill>
+                <a:effectLst>
+                  <a:outerShdw blurRad="38100" dist="25400" dir="5400000" algn="ctr" rotWithShape="0">
+                    <a:srgbClr val="6E747A">
+                      <a:alpha val="43000"/>
+                    </a:srgbClr>
+                  </a:outerShdw>
+                </a:effectLst>
+                <a:cs typeface="B Nazanin" panose="00000400000000000000" pitchFamily="2" charset="-78"/>
+              </a:rPr>
+              <a:t>TOSCA  </a:t>
+            </a:r>
+            <a:r>
+              <a:rPr lang="fa-IR" sz="1800" dirty="0">
+                <a:ln w="0"/>
+                <a:solidFill>
+                  <a:schemeClr val="bg1"/>
+                </a:solidFill>
+                <a:effectLst>
+                  <a:outerShdw blurRad="38100" dist="25400" dir="5400000" algn="ctr" rotWithShape="0">
+                    <a:srgbClr val="6E747A">
+                      <a:alpha val="43000"/>
+                    </a:srgbClr>
+                  </a:outerShdw>
+                </a:effectLst>
+                <a:cs typeface="B Nazanin" panose="00000400000000000000" pitchFamily="2" charset="-78"/>
+              </a:rPr>
+              <a:t>بنام</a:t>
+            </a:r>
+            <a:r>
+              <a:rPr lang="en-US" sz="1800" dirty="0" err="1">
+                <a:ln w="0"/>
+                <a:solidFill>
+                  <a:schemeClr val="bg1"/>
+                </a:solidFill>
+                <a:effectLst>
+                  <a:outerShdw blurRad="38100" dist="25400" dir="5400000" algn="ctr" rotWithShape="0">
+                    <a:srgbClr val="6E747A">
+                      <a:alpha val="43000"/>
+                    </a:srgbClr>
+                  </a:outerShdw>
+                </a:effectLst>
+                <a:cs typeface="B Nazanin" panose="00000400000000000000" pitchFamily="2" charset="-78"/>
+              </a:rPr>
+              <a:t>OpenTOSCA</a:t>
+            </a:r>
+            <a:r>
+              <a:rPr lang="en-US" sz="1800" dirty="0">
+                <a:ln w="0"/>
+                <a:solidFill>
+                  <a:schemeClr val="bg1"/>
+                </a:solidFill>
+                <a:effectLst>
+                  <a:outerShdw blurRad="38100" dist="25400" dir="5400000" algn="ctr" rotWithShape="0">
+                    <a:srgbClr val="6E747A">
+                      <a:alpha val="43000"/>
+                    </a:srgbClr>
+                  </a:outerShdw>
+                </a:effectLst>
+                <a:cs typeface="B Nazanin" panose="00000400000000000000" pitchFamily="2" charset="-78"/>
+              </a:rPr>
+              <a:t> </a:t>
+            </a:r>
+            <a:endParaRPr lang="en-US" sz="1800" dirty="0" smtClean="0">
+              <a:ln w="0"/>
+              <a:solidFill>
+                <a:schemeClr val="bg1"/>
+              </a:solidFill>
+              <a:effectLst>
+                <a:outerShdw blurRad="38100" dist="25400" dir="5400000" algn="ctr" rotWithShape="0">
+                  <a:srgbClr val="6E747A">
+                    <a:alpha val="43000"/>
+                  </a:srgbClr>
+                </a:outerShdw>
+              </a:effectLst>
+              <a:cs typeface="B Nazanin" panose="00000400000000000000" pitchFamily="2" charset="-78"/>
+            </a:endParaRPr>
+          </a:p>
+          <a:p>
+            <a:pPr algn="just"/>
+            <a:r>
+              <a:rPr lang="fa-IR" sz="1800" dirty="0" smtClean="0">
+                <a:ln w="0"/>
+                <a:solidFill>
+                  <a:schemeClr val="bg1"/>
+                </a:solidFill>
+                <a:effectLst>
+                  <a:outerShdw blurRad="38100" dist="25400" dir="5400000" algn="ctr" rotWithShape="0">
+                    <a:srgbClr val="6E747A">
+                      <a:alpha val="43000"/>
+                    </a:srgbClr>
+                  </a:outerShdw>
+                </a:effectLst>
+                <a:cs typeface="B Nazanin" panose="00000400000000000000" pitchFamily="2" charset="-78"/>
+              </a:rPr>
+              <a:t>    شش </a:t>
+            </a:r>
+            <a:r>
+              <a:rPr lang="fa-IR" sz="1800" dirty="0">
+                <a:ln w="0"/>
+                <a:solidFill>
+                  <a:schemeClr val="bg1"/>
+                </a:solidFill>
+                <a:effectLst>
+                  <a:outerShdw blurRad="38100" dist="25400" dir="5400000" algn="ctr" rotWithShape="0">
+                    <a:srgbClr val="6E747A">
+                      <a:alpha val="43000"/>
+                    </a:srgbClr>
+                  </a:outerShdw>
+                </a:effectLst>
+                <a:cs typeface="B Nazanin" panose="00000400000000000000" pitchFamily="2" charset="-78"/>
+              </a:rPr>
+              <a:t>حالت استقرار </a:t>
+            </a:r>
+            <a:r>
+              <a:rPr lang="fa-IR" sz="1800" dirty="0" smtClean="0">
+                <a:ln w="0"/>
+                <a:solidFill>
+                  <a:schemeClr val="bg1"/>
+                </a:solidFill>
+                <a:effectLst>
+                  <a:outerShdw blurRad="38100" dist="25400" dir="5400000" algn="ctr" rotWithShape="0">
+                    <a:srgbClr val="6E747A">
+                      <a:alpha val="43000"/>
+                    </a:srgbClr>
+                  </a:outerShdw>
+                </a:effectLst>
+                <a:cs typeface="B Nazanin" panose="00000400000000000000" pitchFamily="2" charset="-78"/>
+              </a:rPr>
+              <a:t>: پیکربندی نشده، پیکربندی</a:t>
+            </a:r>
+            <a:r>
+              <a:rPr lang="fa-IR" sz="1800" dirty="0">
+                <a:ln w="0"/>
+                <a:solidFill>
+                  <a:schemeClr val="bg1"/>
+                </a:solidFill>
+                <a:effectLst>
+                  <a:outerShdw blurRad="38100" dist="25400" dir="5400000" algn="ctr" rotWithShape="0">
+                    <a:srgbClr val="6E747A">
+                      <a:alpha val="43000"/>
+                    </a:srgbClr>
+                  </a:outerShdw>
+                </a:effectLst>
+                <a:cs typeface="B Nazanin" panose="00000400000000000000" pitchFamily="2" charset="-78"/>
+              </a:rPr>
+              <a:t>، </a:t>
+            </a:r>
+            <a:r>
+              <a:rPr lang="fa-IR" sz="1800" dirty="0" smtClean="0">
+                <a:ln w="0"/>
+                <a:solidFill>
+                  <a:schemeClr val="bg1"/>
+                </a:solidFill>
+                <a:effectLst>
+                  <a:outerShdw blurRad="38100" dist="25400" dir="5400000" algn="ctr" rotWithShape="0">
+                    <a:srgbClr val="6E747A">
+                      <a:alpha val="43000"/>
+                    </a:srgbClr>
+                  </a:outerShdw>
+                </a:effectLst>
+                <a:cs typeface="B Nazanin" panose="00000400000000000000" pitchFamily="2" charset="-78"/>
+              </a:rPr>
+              <a:t>شروع </a:t>
+            </a:r>
+            <a:r>
+              <a:rPr lang="fa-IR" sz="1800" dirty="0">
+                <a:ln w="0"/>
+                <a:solidFill>
+                  <a:schemeClr val="bg1"/>
+                </a:solidFill>
+                <a:effectLst>
+                  <a:outerShdw blurRad="38100" dist="25400" dir="5400000" algn="ctr" rotWithShape="0">
+                    <a:srgbClr val="6E747A">
+                      <a:alpha val="43000"/>
+                    </a:srgbClr>
+                  </a:outerShdw>
+                </a:effectLst>
+                <a:cs typeface="B Nazanin" panose="00000400000000000000" pitchFamily="2" charset="-78"/>
+              </a:rPr>
+              <a:t>شده، </a:t>
+            </a:r>
+            <a:r>
+              <a:rPr lang="fa-IR" sz="1800" dirty="0" smtClean="0">
+                <a:ln w="0"/>
+                <a:solidFill>
+                  <a:schemeClr val="bg1"/>
+                </a:solidFill>
+                <a:effectLst>
+                  <a:outerShdw blurRad="38100" dist="25400" dir="5400000" algn="ctr" rotWithShape="0">
+                    <a:srgbClr val="6E747A">
+                      <a:alpha val="43000"/>
+                    </a:srgbClr>
+                  </a:outerShdw>
+                </a:effectLst>
+                <a:cs typeface="B Nazanin" panose="00000400000000000000" pitchFamily="2" charset="-78"/>
+              </a:rPr>
+              <a:t>منتشر </a:t>
+            </a:r>
+            <a:r>
+              <a:rPr lang="fa-IR" sz="1800" dirty="0">
+                <a:ln w="0"/>
+                <a:solidFill>
+                  <a:schemeClr val="bg1"/>
+                </a:solidFill>
+                <a:effectLst>
+                  <a:outerShdw blurRad="38100" dist="25400" dir="5400000" algn="ctr" rotWithShape="0">
+                    <a:srgbClr val="6E747A">
+                      <a:alpha val="43000"/>
+                    </a:srgbClr>
+                  </a:outerShdw>
+                </a:effectLst>
+                <a:cs typeface="B Nazanin" panose="00000400000000000000" pitchFamily="2" charset="-78"/>
+              </a:rPr>
+              <a:t>شده، </a:t>
+            </a:r>
+            <a:r>
+              <a:rPr lang="fa-IR" sz="1800" dirty="0" smtClean="0">
+                <a:ln w="0"/>
+                <a:solidFill>
+                  <a:schemeClr val="bg1"/>
+                </a:solidFill>
+                <a:effectLst>
+                  <a:outerShdw blurRad="38100" dist="25400" dir="5400000" algn="ctr" rotWithShape="0">
+                    <a:srgbClr val="6E747A">
+                      <a:alpha val="43000"/>
+                    </a:srgbClr>
+                  </a:outerShdw>
+                </a:effectLst>
+                <a:cs typeface="B Nazanin" panose="00000400000000000000" pitchFamily="2" charset="-78"/>
+              </a:rPr>
+              <a:t>متوقف </a:t>
+            </a:r>
+            <a:r>
+              <a:rPr lang="fa-IR" sz="1800" dirty="0">
+                <a:ln w="0"/>
+                <a:solidFill>
+                  <a:schemeClr val="bg1"/>
+                </a:solidFill>
+                <a:effectLst>
+                  <a:outerShdw blurRad="38100" dist="25400" dir="5400000" algn="ctr" rotWithShape="0">
+                    <a:srgbClr val="6E747A">
+                      <a:alpha val="43000"/>
+                    </a:srgbClr>
+                  </a:outerShdw>
+                </a:effectLst>
+                <a:cs typeface="B Nazanin" panose="00000400000000000000" pitchFamily="2" charset="-78"/>
+              </a:rPr>
+              <a:t>شده، </a:t>
+            </a:r>
+            <a:r>
+              <a:rPr lang="fa-IR" sz="1800" dirty="0" smtClean="0">
+                <a:ln w="0"/>
+                <a:solidFill>
+                  <a:schemeClr val="bg1"/>
+                </a:solidFill>
+                <a:effectLst>
+                  <a:outerShdw blurRad="38100" dist="25400" dir="5400000" algn="ctr" rotWithShape="0">
+                    <a:srgbClr val="6E747A">
+                      <a:alpha val="43000"/>
+                    </a:srgbClr>
+                  </a:outerShdw>
+                </a:effectLst>
+                <a:cs typeface="B Nazanin" panose="00000400000000000000" pitchFamily="2" charset="-78"/>
+              </a:rPr>
+              <a:t>پایان </a:t>
+            </a:r>
+            <a:r>
+              <a:rPr lang="fa-IR" sz="1800" dirty="0">
+                <a:ln w="0"/>
+                <a:solidFill>
+                  <a:schemeClr val="bg1"/>
+                </a:solidFill>
+                <a:effectLst>
+                  <a:outerShdw blurRad="38100" dist="25400" dir="5400000" algn="ctr" rotWithShape="0">
+                    <a:srgbClr val="6E747A">
+                      <a:alpha val="43000"/>
+                    </a:srgbClr>
+                  </a:outerShdw>
+                </a:effectLst>
+                <a:cs typeface="B Nazanin" panose="00000400000000000000" pitchFamily="2" charset="-78"/>
+              </a:rPr>
+              <a:t>یافته</a:t>
+            </a:r>
+            <a:endParaRPr lang="fa-IR" sz="1800" dirty="0" smtClean="0">
+              <a:ln w="0"/>
+              <a:solidFill>
+                <a:schemeClr val="bg1"/>
+              </a:solidFill>
+              <a:effectLst>
+                <a:outerShdw blurRad="38100" dist="25400" dir="5400000" algn="ctr" rotWithShape="0">
+                  <a:srgbClr val="6E747A">
+                    <a:alpha val="43000"/>
+                  </a:srgbClr>
+                </a:outerShdw>
+              </a:effectLst>
+              <a:cs typeface="B Nazanin" panose="00000400000000000000" pitchFamily="2" charset="-78"/>
+            </a:endParaRPr>
+          </a:p>
+          <a:p>
+            <a:pPr marL="406908" indent="-342900" algn="just">
+              <a:buFont typeface="Wingdings" panose="05000000000000000000" pitchFamily="2" charset="2"/>
+              <a:buChar char="q"/>
+            </a:pPr>
+            <a:r>
+              <a:rPr lang="fa-IR" sz="2100" dirty="0" smtClean="0">
+                <a:ln w="0"/>
+                <a:solidFill>
+                  <a:schemeClr val="bg2">
+                    <a:lumMod val="50000"/>
+                  </a:schemeClr>
+                </a:solidFill>
+                <a:effectLst>
+                  <a:outerShdw blurRad="38100" dist="25400" dir="5400000" algn="ctr" rotWithShape="0">
+                    <a:srgbClr val="6E747A">
+                      <a:alpha val="43000"/>
+                    </a:srgbClr>
+                  </a:outerShdw>
+                </a:effectLst>
+                <a:cs typeface="B Nazanin" panose="00000400000000000000" pitchFamily="2" charset="-78"/>
+              </a:rPr>
+              <a:t>استقرار </a:t>
+            </a:r>
+            <a:r>
+              <a:rPr lang="fa-IR" sz="2100" dirty="0">
+                <a:ln w="0"/>
+                <a:solidFill>
+                  <a:schemeClr val="bg2">
+                    <a:lumMod val="50000"/>
+                  </a:schemeClr>
+                </a:solidFill>
+                <a:effectLst>
+                  <a:outerShdw blurRad="38100" dist="25400" dir="5400000" algn="ctr" rotWithShape="0">
+                    <a:srgbClr val="6E747A">
+                      <a:alpha val="43000"/>
+                    </a:srgbClr>
+                  </a:outerShdw>
+                </a:effectLst>
+                <a:cs typeface="B Nazanin" panose="00000400000000000000" pitchFamily="2" charset="-78"/>
+              </a:rPr>
+              <a:t>اپراتور مبتنی بر </a:t>
+            </a:r>
+            <a:r>
+              <a:rPr lang="en-US" sz="2100" dirty="0" smtClean="0">
+                <a:ln w="0"/>
+                <a:solidFill>
+                  <a:schemeClr val="bg2">
+                    <a:lumMod val="50000"/>
+                  </a:schemeClr>
+                </a:solidFill>
+                <a:effectLst>
+                  <a:outerShdw blurRad="38100" dist="25400" dir="5400000" algn="ctr" rotWithShape="0">
+                    <a:srgbClr val="6E747A">
+                      <a:alpha val="43000"/>
+                    </a:srgbClr>
+                  </a:outerShdw>
+                </a:effectLst>
+                <a:cs typeface="B Nazanin" panose="00000400000000000000" pitchFamily="2" charset="-78"/>
+              </a:rPr>
+              <a:t>TOSCA</a:t>
+            </a:r>
+            <a:endParaRPr lang="fa-IR" sz="2100" dirty="0" smtClean="0">
+              <a:ln w="0"/>
+              <a:solidFill>
+                <a:schemeClr val="bg2">
+                  <a:lumMod val="50000"/>
+                </a:schemeClr>
+              </a:solidFill>
+              <a:effectLst>
+                <a:outerShdw blurRad="38100" dist="25400" dir="5400000" algn="ctr" rotWithShape="0">
+                  <a:srgbClr val="6E747A">
+                    <a:alpha val="43000"/>
+                  </a:srgbClr>
+                </a:outerShdw>
+              </a:effectLst>
+              <a:cs typeface="B Nazanin" panose="00000400000000000000" pitchFamily="2" charset="-78"/>
+            </a:endParaRPr>
+          </a:p>
+          <a:p>
+            <a:pPr algn="just"/>
+            <a:r>
+              <a:rPr lang="fa-IR" sz="2400" dirty="0" smtClean="0">
+                <a:ln w="0"/>
+                <a:solidFill>
+                  <a:schemeClr val="bg1"/>
+                </a:solidFill>
+                <a:effectLst>
+                  <a:outerShdw blurRad="38100" dist="25400" dir="5400000" algn="ctr" rotWithShape="0">
+                    <a:srgbClr val="6E747A">
+                      <a:alpha val="43000"/>
+                    </a:srgbClr>
+                  </a:outerShdw>
+                </a:effectLst>
+                <a:cs typeface="B Nazanin" panose="00000400000000000000" pitchFamily="2" charset="-78"/>
+              </a:rPr>
+              <a:t>   </a:t>
+            </a:r>
+            <a:r>
+              <a:rPr lang="fa-IR" sz="1800" dirty="0">
+                <a:ln w="0"/>
+                <a:solidFill>
+                  <a:schemeClr val="bg1"/>
+                </a:solidFill>
+                <a:effectLst>
+                  <a:outerShdw blurRad="38100" dist="25400" dir="5400000" algn="ctr" rotWithShape="0">
+                    <a:srgbClr val="6E747A">
+                      <a:alpha val="43000"/>
+                    </a:srgbClr>
+                  </a:outerShdw>
+                </a:effectLst>
+                <a:cs typeface="B Nazanin" panose="00000400000000000000" pitchFamily="2" charset="-78"/>
+              </a:rPr>
+              <a:t>پیکربندی، نصب، شروع، انتشار، لغو انتشار، توقف و خاتمه</a:t>
+            </a:r>
+            <a:endParaRPr lang="fa-IR" sz="2100" dirty="0" smtClean="0">
+              <a:ln w="0"/>
+              <a:solidFill>
+                <a:schemeClr val="bg2">
+                  <a:lumMod val="50000"/>
+                </a:schemeClr>
+              </a:solidFill>
+              <a:effectLst>
+                <a:outerShdw blurRad="38100" dist="25400" dir="5400000" algn="ctr" rotWithShape="0">
+                  <a:srgbClr val="6E747A">
+                    <a:alpha val="43000"/>
+                  </a:srgbClr>
+                </a:outerShdw>
+              </a:effectLst>
+              <a:cs typeface="B Nazanin" panose="00000400000000000000" pitchFamily="2" charset="-78"/>
+            </a:endParaRPr>
+          </a:p>
+          <a:p>
+            <a:pPr marL="406908" indent="-342900" algn="just">
+              <a:buFont typeface="Wingdings" panose="05000000000000000000" pitchFamily="2" charset="2"/>
+              <a:buChar char="q"/>
+            </a:pPr>
+            <a:r>
+              <a:rPr lang="fa-IR" sz="2100" dirty="0">
+                <a:ln w="0"/>
+                <a:solidFill>
+                  <a:schemeClr val="bg2">
+                    <a:lumMod val="50000"/>
+                  </a:schemeClr>
+                </a:solidFill>
+                <a:effectLst>
+                  <a:outerShdw blurRad="38100" dist="25400" dir="5400000" algn="ctr" rotWithShape="0">
+                    <a:srgbClr val="6E747A">
+                      <a:alpha val="43000"/>
+                    </a:srgbClr>
+                  </a:outerShdw>
+                </a:effectLst>
+                <a:cs typeface="B Nazanin" panose="00000400000000000000" pitchFamily="2" charset="-78"/>
+              </a:rPr>
+              <a:t>رویکرد استقرار نیمه اتوماتیک</a:t>
+            </a:r>
+            <a:endParaRPr lang="fa-IR" sz="2100" dirty="0" smtClean="0">
+              <a:ln w="0"/>
+              <a:solidFill>
+                <a:schemeClr val="bg2">
+                  <a:lumMod val="50000"/>
+                </a:schemeClr>
+              </a:solidFill>
+              <a:effectLst>
+                <a:outerShdw blurRad="38100" dist="25400" dir="5400000" algn="ctr" rotWithShape="0">
+                  <a:srgbClr val="6E747A">
+                    <a:alpha val="43000"/>
+                  </a:srgbClr>
+                </a:outerShdw>
+              </a:effectLst>
+              <a:cs typeface="B Nazanin" panose="00000400000000000000" pitchFamily="2" charset="-78"/>
+            </a:endParaRPr>
+          </a:p>
+          <a:p>
+            <a:pPr algn="just"/>
+            <a:r>
+              <a:rPr lang="fa-IR" sz="1800" dirty="0">
+                <a:ln w="0"/>
+                <a:solidFill>
+                  <a:schemeClr val="bg1"/>
+                </a:solidFill>
+                <a:effectLst>
+                  <a:outerShdw blurRad="38100" dist="25400" dir="5400000" algn="ctr" rotWithShape="0">
+                    <a:srgbClr val="6E747A">
+                      <a:alpha val="43000"/>
+                    </a:srgbClr>
+                  </a:outerShdw>
+                </a:effectLst>
+                <a:cs typeface="B Nazanin" panose="00000400000000000000" pitchFamily="2" charset="-78"/>
+              </a:rPr>
+              <a:t>    استفاده از وظايف انساني بر اساس مشخصات </a:t>
+            </a:r>
+            <a:r>
+              <a:rPr lang="en-US" sz="1800" dirty="0">
+                <a:ln w="0"/>
+                <a:solidFill>
+                  <a:schemeClr val="bg1"/>
+                </a:solidFill>
+                <a:effectLst>
+                  <a:outerShdw blurRad="38100" dist="25400" dir="5400000" algn="ctr" rotWithShape="0">
+                    <a:srgbClr val="6E747A">
+                      <a:alpha val="43000"/>
+                    </a:srgbClr>
+                  </a:outerShdw>
+                </a:effectLst>
+                <a:cs typeface="B Nazanin" panose="00000400000000000000" pitchFamily="2" charset="-78"/>
+              </a:rPr>
+              <a:t>OASIS WS-</a:t>
+            </a:r>
+            <a:r>
+              <a:rPr lang="en-US" sz="1800" dirty="0" err="1">
+                <a:ln w="0"/>
+                <a:solidFill>
+                  <a:schemeClr val="bg1"/>
+                </a:solidFill>
+                <a:effectLst>
+                  <a:outerShdw blurRad="38100" dist="25400" dir="5400000" algn="ctr" rotWithShape="0">
+                    <a:srgbClr val="6E747A">
+                      <a:alpha val="43000"/>
+                    </a:srgbClr>
+                  </a:outerShdw>
+                </a:effectLst>
+                <a:cs typeface="B Nazanin" panose="00000400000000000000" pitchFamily="2" charset="-78"/>
+              </a:rPr>
+              <a:t>HumanTask</a:t>
+            </a:r>
+            <a:r>
+              <a:rPr lang="en-US" sz="1800" dirty="0">
+                <a:ln w="0"/>
+                <a:solidFill>
+                  <a:schemeClr val="bg1"/>
+                </a:solidFill>
+                <a:effectLst>
+                  <a:outerShdw blurRad="38100" dist="25400" dir="5400000" algn="ctr" rotWithShape="0">
+                    <a:srgbClr val="6E747A">
+                      <a:alpha val="43000"/>
+                    </a:srgbClr>
+                  </a:outerShdw>
+                </a:effectLst>
+                <a:cs typeface="B Nazanin" panose="00000400000000000000" pitchFamily="2" charset="-78"/>
+              </a:rPr>
+              <a:t> </a:t>
+            </a:r>
+            <a:endParaRPr lang="fa-IR" sz="1800" dirty="0">
+              <a:ln w="0"/>
+              <a:solidFill>
+                <a:schemeClr val="bg1"/>
+              </a:solidFill>
+              <a:effectLst>
+                <a:outerShdw blurRad="38100" dist="25400" dir="5400000" algn="ctr" rotWithShape="0">
+                  <a:srgbClr val="6E747A">
+                    <a:alpha val="43000"/>
+                  </a:srgbClr>
+                </a:outerShdw>
+              </a:effectLst>
+              <a:cs typeface="B Nazanin" panose="00000400000000000000" pitchFamily="2" charset="-78"/>
+            </a:endParaRPr>
+          </a:p>
+          <a:p>
+            <a:pPr marL="406908" indent="-342900" algn="just">
+              <a:buFont typeface="Wingdings" panose="05000000000000000000" pitchFamily="2" charset="2"/>
+              <a:buChar char="q"/>
+            </a:pPr>
             <a:endParaRPr lang="en-US" sz="2100" dirty="0">
               <a:ln w="0"/>
               <a:solidFill>
@@ -7060,7 +9339,7 @@
           <p:cNvPr id="13" name="Picture 12">
             <a:extLst>
               <a:ext uri="{FF2B5EF4-FFF2-40B4-BE49-F238E27FC236}">
-                <a16:creationId xmlns="" xmlns:a16="http://schemas.microsoft.com/office/drawing/2014/main" id="{6C7DFF70-CCA0-4714-A8D4-3E24AC2445C7}"/>
+                <a16:creationId xmlns:a16="http://schemas.microsoft.com/office/drawing/2014/main" xmlns="" id="{6C7DFF70-CCA0-4714-A8D4-3E24AC2445C7}"/>
               </a:ext>
             </a:extLst>
           </p:cNvPr>
@@ -7090,7 +9369,7 @@
           <p:cNvPr id="2" name="Slide Number Placeholder 1">
             <a:extLst>
               <a:ext uri="{FF2B5EF4-FFF2-40B4-BE49-F238E27FC236}">
-                <a16:creationId xmlns="" xmlns:a16="http://schemas.microsoft.com/office/drawing/2014/main" id="{3A9F13B3-A864-47EA-9914-524B6CB023E9}"/>
+                <a16:creationId xmlns:a16="http://schemas.microsoft.com/office/drawing/2014/main" xmlns="" id="{3A9F13B3-A864-47EA-9914-524B6CB023E9}"/>
               </a:ext>
             </a:extLst>
           </p:cNvPr>
@@ -7320,7 +9599,7 @@
           <p:cNvPr id="8" name="Title 3">
             <a:extLst>
               <a:ext uri="{FF2B5EF4-FFF2-40B4-BE49-F238E27FC236}">
-                <a16:creationId xmlns="" xmlns:a16="http://schemas.microsoft.com/office/drawing/2014/main" id="{249FB50D-D3FF-4C9D-B418-705D4EA2D891}"/>
+                <a16:creationId xmlns:a16="http://schemas.microsoft.com/office/drawing/2014/main" xmlns="" id="{249FB50D-D3FF-4C9D-B418-705D4EA2D891}"/>
               </a:ext>
             </a:extLst>
           </p:cNvPr>
@@ -7394,7 +9673,7 @@
           <p:cNvPr id="9" name="Content Placeholder 2">
             <a:extLst>
               <a:ext uri="{FF2B5EF4-FFF2-40B4-BE49-F238E27FC236}">
-                <a16:creationId xmlns="" xmlns:a16="http://schemas.microsoft.com/office/drawing/2014/main" id="{7D394C99-B323-47B7-BCC2-501C0B3CAD6E}"/>
+                <a16:creationId xmlns:a16="http://schemas.microsoft.com/office/drawing/2014/main" xmlns="" id="{7D394C99-B323-47B7-BCC2-501C0B3CAD6E}"/>
               </a:ext>
             </a:extLst>
           </p:cNvPr>
@@ -7422,7 +9701,7 @@
               <a:buChar char="q"/>
             </a:pPr>
             <a:r>
-              <a:rPr lang="fa-IR" dirty="0" smtClean="0">
+              <a:rPr lang="fa-IR" sz="1800" dirty="0">
                 <a:ln w="0"/>
                 <a:solidFill>
                   <a:schemeClr val="bg2">
@@ -7438,9 +9717,249 @@
                 </a:effectLst>
                 <a:cs typeface="B Nazanin" panose="00000400000000000000" pitchFamily="2" charset="-78"/>
               </a:rPr>
-              <a:t>..</a:t>
-            </a:r>
-            <a:endParaRPr lang="en-US" sz="2100" dirty="0">
+              <a:t>بخش</a:t>
+            </a:r>
+            <a:r>
+              <a:rPr lang="en-US" sz="1800" dirty="0">
+                <a:ln w="0"/>
+                <a:solidFill>
+                  <a:schemeClr val="bg2">
+                    <a:lumMod val="50000"/>
+                  </a:schemeClr>
+                </a:solidFill>
+                <a:effectLst>
+                  <a:outerShdw blurRad="38100" dist="25400" dir="5400000" algn="ctr" rotWithShape="0">
+                    <a:srgbClr val="6E747A">
+                      <a:alpha val="43000"/>
+                    </a:srgbClr>
+                  </a:outerShdw>
+                </a:effectLst>
+                <a:cs typeface="B Nazanin" panose="00000400000000000000" pitchFamily="2" charset="-78"/>
+              </a:rPr>
+              <a:t>Deployment manager </a:t>
+            </a:r>
+            <a:r>
+              <a:rPr lang="fa-IR" sz="1800" dirty="0" smtClean="0">
+                <a:ln w="0"/>
+                <a:solidFill>
+                  <a:schemeClr val="bg2">
+                    <a:lumMod val="50000"/>
+                  </a:schemeClr>
+                </a:solidFill>
+                <a:effectLst>
+                  <a:outerShdw blurRad="38100" dist="25400" dir="5400000" algn="ctr" rotWithShape="0">
+                    <a:srgbClr val="6E747A">
+                      <a:alpha val="43000"/>
+                    </a:srgbClr>
+                  </a:outerShdw>
+                </a:effectLst>
+                <a:cs typeface="B Nazanin" panose="00000400000000000000" pitchFamily="2" charset="-78"/>
+              </a:rPr>
+              <a:t> ابزاری برای </a:t>
+            </a:r>
+            <a:r>
+              <a:rPr lang="fa-IR" sz="1800" dirty="0">
+                <a:ln w="0"/>
+                <a:solidFill>
+                  <a:schemeClr val="bg2">
+                    <a:lumMod val="50000"/>
+                  </a:schemeClr>
+                </a:solidFill>
+                <a:effectLst>
+                  <a:outerShdw blurRad="38100" dist="25400" dir="5400000" algn="ctr" rotWithShape="0">
+                    <a:srgbClr val="6E747A">
+                      <a:alpha val="43000"/>
+                    </a:srgbClr>
+                  </a:outerShdw>
+                </a:effectLst>
+                <a:cs typeface="B Nazanin" panose="00000400000000000000" pitchFamily="2" charset="-78"/>
+              </a:rPr>
+              <a:t>استقرار </a:t>
+            </a:r>
+            <a:r>
+              <a:rPr lang="fa-IR" sz="1800" dirty="0" smtClean="0">
+                <a:ln w="0"/>
+                <a:solidFill>
+                  <a:schemeClr val="bg2">
+                    <a:lumMod val="50000"/>
+                  </a:schemeClr>
+                </a:solidFill>
+                <a:effectLst>
+                  <a:outerShdw blurRad="38100" dist="25400" dir="5400000" algn="ctr" rotWithShape="0">
+                    <a:srgbClr val="6E747A">
+                      <a:alpha val="43000"/>
+                    </a:srgbClr>
+                  </a:outerShdw>
+                </a:effectLst>
+                <a:cs typeface="B Nazanin" panose="00000400000000000000" pitchFamily="2" charset="-78"/>
+              </a:rPr>
+              <a:t>اپراتورها بر روي اشياء</a:t>
+            </a:r>
+          </a:p>
+          <a:p>
+            <a:pPr marL="406908" indent="-342900" algn="just">
+              <a:buFont typeface="Wingdings" panose="05000000000000000000" pitchFamily="2" charset="2"/>
+              <a:buChar char="q"/>
+            </a:pPr>
+            <a:r>
+              <a:rPr lang="fa-IR" sz="1800" dirty="0" smtClean="0">
+                <a:ln w="0"/>
+                <a:solidFill>
+                  <a:schemeClr val="bg2">
+                    <a:lumMod val="50000"/>
+                  </a:schemeClr>
+                </a:solidFill>
+                <a:effectLst>
+                  <a:outerShdw blurRad="38100" dist="25400" dir="5400000" algn="ctr" rotWithShape="0">
+                    <a:srgbClr val="6E747A">
+                      <a:alpha val="43000"/>
+                    </a:srgbClr>
+                  </a:outerShdw>
+                </a:effectLst>
+                <a:cs typeface="B Nazanin" panose="00000400000000000000" pitchFamily="2" charset="-78"/>
+              </a:rPr>
+              <a:t>بخش</a:t>
+            </a:r>
+            <a:r>
+              <a:rPr lang="en-US" sz="1800" dirty="0" smtClean="0">
+                <a:ln w="0"/>
+                <a:solidFill>
+                  <a:schemeClr val="bg2">
+                    <a:lumMod val="50000"/>
+                  </a:schemeClr>
+                </a:solidFill>
+                <a:effectLst>
+                  <a:outerShdw blurRad="38100" dist="25400" dir="5400000" algn="ctr" rotWithShape="0">
+                    <a:srgbClr val="6E747A">
+                      <a:alpha val="43000"/>
+                    </a:srgbClr>
+                  </a:outerShdw>
+                </a:effectLst>
+                <a:cs typeface="B Nazanin" panose="00000400000000000000" pitchFamily="2" charset="-78"/>
+              </a:rPr>
+              <a:t> Deployment </a:t>
+            </a:r>
+            <a:r>
+              <a:rPr lang="en-US" sz="1800" dirty="0">
+                <a:ln w="0"/>
+                <a:solidFill>
+                  <a:schemeClr val="bg2">
+                    <a:lumMod val="50000"/>
+                  </a:schemeClr>
+                </a:solidFill>
+                <a:effectLst>
+                  <a:outerShdw blurRad="38100" dist="25400" dir="5400000" algn="ctr" rotWithShape="0">
+                    <a:srgbClr val="6E747A">
+                      <a:alpha val="43000"/>
+                    </a:srgbClr>
+                  </a:outerShdw>
+                </a:effectLst>
+                <a:cs typeface="B Nazanin" panose="00000400000000000000" pitchFamily="2" charset="-78"/>
+              </a:rPr>
+              <a:t>instance manager </a:t>
+            </a:r>
+            <a:r>
+              <a:rPr lang="fa-IR" sz="1800" dirty="0" smtClean="0">
+                <a:ln w="0"/>
+                <a:solidFill>
+                  <a:schemeClr val="bg2">
+                    <a:lumMod val="50000"/>
+                  </a:schemeClr>
+                </a:solidFill>
+                <a:effectLst>
+                  <a:outerShdw blurRad="38100" dist="25400" dir="5400000" algn="ctr" rotWithShape="0">
+                    <a:srgbClr val="6E747A">
+                      <a:alpha val="43000"/>
+                    </a:srgbClr>
+                  </a:outerShdw>
+                </a:effectLst>
+                <a:cs typeface="B Nazanin" panose="00000400000000000000" pitchFamily="2" charset="-78"/>
+              </a:rPr>
+              <a:t>برای </a:t>
+            </a:r>
+            <a:r>
+              <a:rPr lang="fa-IR" sz="1800" dirty="0">
+                <a:ln w="0"/>
+                <a:solidFill>
+                  <a:schemeClr val="bg2">
+                    <a:lumMod val="50000"/>
+                  </a:schemeClr>
+                </a:solidFill>
+                <a:effectLst>
+                  <a:outerShdw blurRad="38100" dist="25400" dir="5400000" algn="ctr" rotWithShape="0">
+                    <a:srgbClr val="6E747A">
+                      <a:alpha val="43000"/>
+                    </a:srgbClr>
+                  </a:outerShdw>
+                </a:effectLst>
+                <a:cs typeface="B Nazanin" panose="00000400000000000000" pitchFamily="2" charset="-78"/>
+              </a:rPr>
+              <a:t>دریافت مداوم مقادیر </a:t>
+            </a:r>
+            <a:r>
+              <a:rPr lang="fa-IR" sz="1800" dirty="0" smtClean="0">
+                <a:ln w="0"/>
+                <a:solidFill>
+                  <a:schemeClr val="bg2">
+                    <a:lumMod val="50000"/>
+                  </a:schemeClr>
+                </a:solidFill>
+                <a:effectLst>
+                  <a:outerShdw blurRad="38100" dist="25400" dir="5400000" algn="ctr" rotWithShape="0">
+                    <a:srgbClr val="6E747A">
+                      <a:alpha val="43000"/>
+                    </a:srgbClr>
+                  </a:outerShdw>
+                </a:effectLst>
+                <a:cs typeface="B Nazanin" panose="00000400000000000000" pitchFamily="2" charset="-78"/>
+              </a:rPr>
+              <a:t>اشياء</a:t>
+            </a:r>
+          </a:p>
+          <a:p>
+            <a:pPr marL="406908" indent="-342900" algn="just">
+              <a:buFont typeface="Wingdings" panose="05000000000000000000" pitchFamily="2" charset="2"/>
+              <a:buChar char="q"/>
+            </a:pPr>
+            <a:r>
+              <a:rPr lang="en-US" sz="1800" dirty="0" err="1">
+                <a:ln w="0"/>
+                <a:solidFill>
+                  <a:schemeClr val="bg2">
+                    <a:lumMod val="50000"/>
+                  </a:schemeClr>
+                </a:solidFill>
+                <a:effectLst>
+                  <a:outerShdw blurRad="38100" dist="25400" dir="5400000" algn="ctr" rotWithShape="0">
+                    <a:srgbClr val="6E747A">
+                      <a:alpha val="43000"/>
+                    </a:srgbClr>
+                  </a:outerShdw>
+                </a:effectLst>
+                <a:cs typeface="B Nazanin" panose="00000400000000000000" pitchFamily="2" charset="-78"/>
+              </a:rPr>
+              <a:t>OpenTOSCA</a:t>
+            </a:r>
+            <a:r>
+              <a:rPr lang="en-US" sz="1800" dirty="0">
+                <a:ln w="0"/>
+                <a:solidFill>
+                  <a:schemeClr val="bg2">
+                    <a:lumMod val="50000"/>
+                  </a:schemeClr>
+                </a:solidFill>
+                <a:effectLst>
+                  <a:outerShdw blurRad="38100" dist="25400" dir="5400000" algn="ctr" rotWithShape="0">
+                    <a:srgbClr val="6E747A">
+                      <a:alpha val="43000"/>
+                    </a:srgbClr>
+                  </a:outerShdw>
+                </a:effectLst>
+                <a:cs typeface="B Nazanin" panose="00000400000000000000" pitchFamily="2" charset="-78"/>
+              </a:rPr>
+              <a:t> </a:t>
+            </a:r>
+            <a:endParaRPr lang="en-US" sz="1800" dirty="0">
               <a:ln w="0"/>
               <a:solidFill>
                 <a:schemeClr val="bg2">
@@ -7464,7 +9983,7 @@
           <p:cNvPr id="13" name="Picture 12">
             <a:extLst>
               <a:ext uri="{FF2B5EF4-FFF2-40B4-BE49-F238E27FC236}">
-                <a16:creationId xmlns="" xmlns:a16="http://schemas.microsoft.com/office/drawing/2014/main" id="{6C7DFF70-CCA0-4714-A8D4-3E24AC2445C7}"/>
+                <a16:creationId xmlns:a16="http://schemas.microsoft.com/office/drawing/2014/main" xmlns="" id="{6C7DFF70-CCA0-4714-A8D4-3E24AC2445C7}"/>
               </a:ext>
             </a:extLst>
           </p:cNvPr>
@@ -7494,7 +10013,7 @@
           <p:cNvPr id="2" name="Slide Number Placeholder 1">
             <a:extLst>
               <a:ext uri="{FF2B5EF4-FFF2-40B4-BE49-F238E27FC236}">
-                <a16:creationId xmlns="" xmlns:a16="http://schemas.microsoft.com/office/drawing/2014/main" id="{3A9F13B3-A864-47EA-9914-524B6CB023E9}"/>
+                <a16:creationId xmlns:a16="http://schemas.microsoft.com/office/drawing/2014/main" xmlns="" id="{3A9F13B3-A864-47EA-9914-524B6CB023E9}"/>
               </a:ext>
             </a:extLst>
           </p:cNvPr>
@@ -7537,6 +10056,28 @@
           <a:xfrm>
             <a:off x="0" y="1219201"/>
             <a:ext cx="2531327" cy="1371600"/>
+          </a:xfrm>
+          <a:prstGeom prst="rect">
+            <a:avLst/>
+          </a:prstGeom>
+        </p:spPr>
+      </p:pic>
+      <p:pic>
+        <p:nvPicPr>
+          <p:cNvPr id="10" name="Picture 9"/>
+          <p:cNvPicPr/>
+          <p:nvPr/>
+        </p:nvPicPr>
+        <p:blipFill>
+          <a:blip r:embed="rId6"/>
+          <a:stretch>
+            <a:fillRect/>
+          </a:stretch>
+        </p:blipFill>
+        <p:spPr>
+          <a:xfrm>
+            <a:off x="1543050" y="3085105"/>
+            <a:ext cx="6591300" cy="3547473"/>
           </a:xfrm>
           <a:prstGeom prst="rect">
             <a:avLst/>
@@ -7724,7 +10265,7 @@
           <p:cNvPr id="8" name="Title 3">
             <a:extLst>
               <a:ext uri="{FF2B5EF4-FFF2-40B4-BE49-F238E27FC236}">
-                <a16:creationId xmlns="" xmlns:a16="http://schemas.microsoft.com/office/drawing/2014/main" id="{249FB50D-D3FF-4C9D-B418-705D4EA2D891}"/>
+                <a16:creationId xmlns:a16="http://schemas.microsoft.com/office/drawing/2014/main" xmlns="" id="{249FB50D-D3FF-4C9D-B418-705D4EA2D891}"/>
               </a:ext>
             </a:extLst>
           </p:cNvPr>
@@ -7869,7 +10410,7 @@
           <p:cNvPr id="9" name="Content Placeholder 2">
             <a:extLst>
               <a:ext uri="{FF2B5EF4-FFF2-40B4-BE49-F238E27FC236}">
-                <a16:creationId xmlns="" xmlns:a16="http://schemas.microsoft.com/office/drawing/2014/main" id="{7D394C99-B323-47B7-BCC2-501C0B3CAD6E}"/>
+                <a16:creationId xmlns:a16="http://schemas.microsoft.com/office/drawing/2014/main" xmlns="" id="{7D394C99-B323-47B7-BCC2-501C0B3CAD6E}"/>
               </a:ext>
             </a:extLst>
           </p:cNvPr>
@@ -7897,7 +10438,7 @@
               <a:buChar char="q"/>
             </a:pPr>
             <a:r>
-              <a:rPr lang="fa-IR" dirty="0" smtClean="0">
+              <a:rPr lang="fa-IR" sz="2100" dirty="0">
                 <a:ln w="0"/>
                 <a:solidFill>
                   <a:schemeClr val="bg2">
@@ -7913,8 +10454,134 @@
                 </a:effectLst>
                 <a:cs typeface="B Nazanin" panose="00000400000000000000" pitchFamily="2" charset="-78"/>
               </a:rPr>
-              <a:t>..</a:t>
-            </a:r>
+              <a:t>نظارت با استفاده از تکنیک‌های پردازش رویداد پیچیده </a:t>
+            </a:r>
+            <a:r>
+              <a:rPr lang="en-US" sz="2100" dirty="0" smtClean="0">
+                <a:ln w="0"/>
+                <a:solidFill>
+                  <a:schemeClr val="bg2">
+                    <a:lumMod val="50000"/>
+                  </a:schemeClr>
+                </a:solidFill>
+                <a:effectLst>
+                  <a:outerShdw blurRad="38100" dist="25400" dir="5400000" algn="ctr" rotWithShape="0">
+                    <a:srgbClr val="6E747A">
+                      <a:alpha val="43000"/>
+                    </a:srgbClr>
+                  </a:outerShdw>
+                </a:effectLst>
+                <a:cs typeface="B Nazanin" panose="00000400000000000000" pitchFamily="2" charset="-78"/>
+              </a:rPr>
+              <a:t>(CEP)</a:t>
+            </a:r>
+            <a:endParaRPr lang="fa-IR" sz="2100" dirty="0" smtClean="0">
+              <a:ln w="0"/>
+              <a:solidFill>
+                <a:schemeClr val="bg2">
+                  <a:lumMod val="50000"/>
+                </a:schemeClr>
+              </a:solidFill>
+              <a:effectLst>
+                <a:outerShdw blurRad="38100" dist="25400" dir="5400000" algn="ctr" rotWithShape="0">
+                  <a:srgbClr val="6E747A">
+                    <a:alpha val="43000"/>
+                  </a:srgbClr>
+                </a:outerShdw>
+              </a:effectLst>
+              <a:cs typeface="B Nazanin" panose="00000400000000000000" pitchFamily="2" charset="-78"/>
+            </a:endParaRPr>
+          </a:p>
+          <a:p>
+            <a:pPr marL="406908" indent="-342900" algn="just">
+              <a:buFont typeface="Wingdings" panose="05000000000000000000" pitchFamily="2" charset="2"/>
+              <a:buChar char="q"/>
+            </a:pPr>
+            <a:r>
+              <a:rPr lang="fa-IR" sz="2100" dirty="0">
+                <a:ln w="0"/>
+                <a:solidFill>
+                  <a:schemeClr val="bg2">
+                    <a:lumMod val="50000"/>
+                  </a:schemeClr>
+                </a:solidFill>
+                <a:effectLst>
+                  <a:outerShdw blurRad="38100" dist="25400" dir="5400000" algn="ctr" rotWithShape="0">
+                    <a:srgbClr val="6E747A">
+                      <a:alpha val="43000"/>
+                    </a:srgbClr>
+                  </a:outerShdw>
+                </a:effectLst>
+                <a:cs typeface="B Nazanin" panose="00000400000000000000" pitchFamily="2" charset="-78"/>
+              </a:rPr>
+              <a:t>مدل سازی تشخیص اختلال</a:t>
+            </a:r>
+            <a:endParaRPr lang="fa-IR" sz="2100" dirty="0" smtClean="0">
+              <a:ln w="0"/>
+              <a:solidFill>
+                <a:schemeClr val="bg2">
+                  <a:lumMod val="50000"/>
+                </a:schemeClr>
+              </a:solidFill>
+              <a:effectLst>
+                <a:outerShdw blurRad="38100" dist="25400" dir="5400000" algn="ctr" rotWithShape="0">
+                  <a:srgbClr val="6E747A">
+                    <a:alpha val="43000"/>
+                  </a:srgbClr>
+                </a:outerShdw>
+              </a:effectLst>
+              <a:cs typeface="B Nazanin" panose="00000400000000000000" pitchFamily="2" charset="-78"/>
+            </a:endParaRPr>
+          </a:p>
+          <a:p>
+            <a:pPr marL="406908" indent="-342900" algn="just">
+              <a:buFont typeface="Wingdings" panose="05000000000000000000" pitchFamily="2" charset="2"/>
+              <a:buChar char="q"/>
+            </a:pPr>
+            <a:r>
+              <a:rPr lang="fa-IR" sz="2100" dirty="0">
+                <a:ln w="0"/>
+                <a:solidFill>
+                  <a:schemeClr val="bg2">
+                    <a:lumMod val="50000"/>
+                  </a:schemeClr>
+                </a:solidFill>
+                <a:effectLst>
+                  <a:outerShdw blurRad="38100" dist="25400" dir="5400000" algn="ctr" rotWithShape="0">
+                    <a:srgbClr val="6E747A">
+                      <a:alpha val="43000"/>
+                    </a:srgbClr>
+                  </a:outerShdw>
+                </a:effectLst>
+                <a:cs typeface="B Nazanin" panose="00000400000000000000" pitchFamily="2" charset="-78"/>
+              </a:rPr>
+              <a:t>اجرای تشخیص </a:t>
+            </a:r>
+            <a:r>
+              <a:rPr lang="fa-IR" sz="2100" dirty="0" smtClean="0">
+                <a:ln w="0"/>
+                <a:solidFill>
+                  <a:schemeClr val="bg2">
+                    <a:lumMod val="50000"/>
+                  </a:schemeClr>
+                </a:solidFill>
+                <a:effectLst>
+                  <a:outerShdw blurRad="38100" dist="25400" dir="5400000" algn="ctr" rotWithShape="0">
+                    <a:srgbClr val="6E747A">
+                      <a:alpha val="43000"/>
+                    </a:srgbClr>
+                  </a:outerShdw>
+                </a:effectLst>
+                <a:cs typeface="B Nazanin" panose="00000400000000000000" pitchFamily="2" charset="-78"/>
+              </a:rPr>
+              <a:t>اختلال</a:t>
+            </a:r>
+          </a:p>
+          <a:p>
+            <a:pPr marL="406908" indent="-342900" algn="just">
+              <a:buFont typeface="Wingdings" panose="05000000000000000000" pitchFamily="2" charset="2"/>
+              <a:buChar char="q"/>
+            </a:pPr>
             <a:endParaRPr lang="en-US" sz="2100" dirty="0">
               <a:ln w="0"/>
               <a:solidFill>
@@ -7939,7 +10606,7 @@
           <p:cNvPr id="13" name="Picture 12">
             <a:extLst>
               <a:ext uri="{FF2B5EF4-FFF2-40B4-BE49-F238E27FC236}">
-                <a16:creationId xmlns="" xmlns:a16="http://schemas.microsoft.com/office/drawing/2014/main" id="{6C7DFF70-CCA0-4714-A8D4-3E24AC2445C7}"/>
+                <a16:creationId xmlns:a16="http://schemas.microsoft.com/office/drawing/2014/main" xmlns="" id="{6C7DFF70-CCA0-4714-A8D4-3E24AC2445C7}"/>
               </a:ext>
             </a:extLst>
           </p:cNvPr>
@@ -7969,7 +10636,7 @@
           <p:cNvPr id="2" name="Slide Number Placeholder 1">
             <a:extLst>
               <a:ext uri="{FF2B5EF4-FFF2-40B4-BE49-F238E27FC236}">
-                <a16:creationId xmlns="" xmlns:a16="http://schemas.microsoft.com/office/drawing/2014/main" id="{3A9F13B3-A864-47EA-9914-524B6CB023E9}"/>
+                <a16:creationId xmlns:a16="http://schemas.microsoft.com/office/drawing/2014/main" xmlns="" id="{3A9F13B3-A864-47EA-9914-524B6CB023E9}"/>
               </a:ext>
             </a:extLst>
           </p:cNvPr>
@@ -8012,6 +10679,30 @@
           <a:xfrm>
             <a:off x="0" y="1219201"/>
             <a:ext cx="2531327" cy="1371600"/>
+          </a:xfrm>
+          <a:prstGeom prst="rect">
+            <a:avLst/>
+          </a:prstGeom>
+        </p:spPr>
+      </p:pic>
+      <p:pic>
+        <p:nvPicPr>
+          <p:cNvPr id="3" name="Picture 2"/>
+          <p:cNvPicPr>
+            <a:picLocks noChangeAspect="1"/>
+          </p:cNvPicPr>
+          <p:nvPr/>
+        </p:nvPicPr>
+        <p:blipFill>
+          <a:blip r:embed="rId6"/>
+          <a:stretch>
+            <a:fillRect/>
+          </a:stretch>
+        </p:blipFill>
+        <p:spPr>
+          <a:xfrm>
+            <a:off x="2133600" y="2438400"/>
+            <a:ext cx="2584735" cy="3809726"/>
           </a:xfrm>
           <a:prstGeom prst="rect">
             <a:avLst/>
@@ -8199,7 +10890,7 @@
           <p:cNvPr id="8" name="Title 3">
             <a:extLst>
               <a:ext uri="{FF2B5EF4-FFF2-40B4-BE49-F238E27FC236}">
-                <a16:creationId xmlns="" xmlns:a16="http://schemas.microsoft.com/office/drawing/2014/main" id="{249FB50D-D3FF-4C9D-B418-705D4EA2D891}"/>
+                <a16:creationId xmlns:a16="http://schemas.microsoft.com/office/drawing/2014/main" xmlns="" id="{249FB50D-D3FF-4C9D-B418-705D4EA2D891}"/>
               </a:ext>
             </a:extLst>
           </p:cNvPr>
@@ -8273,7 +10964,7 @@
           <p:cNvPr id="9" name="Content Placeholder 2">
             <a:extLst>
               <a:ext uri="{FF2B5EF4-FFF2-40B4-BE49-F238E27FC236}">
-                <a16:creationId xmlns="" xmlns:a16="http://schemas.microsoft.com/office/drawing/2014/main" id="{7D394C99-B323-47B7-BCC2-501C0B3CAD6E}"/>
+                <a16:creationId xmlns:a16="http://schemas.microsoft.com/office/drawing/2014/main" xmlns="" id="{7D394C99-B323-47B7-BCC2-501C0B3CAD6E}"/>
               </a:ext>
             </a:extLst>
           </p:cNvPr>
@@ -8343,7 +11034,7 @@
           <p:cNvPr id="13" name="Picture 12">
             <a:extLst>
               <a:ext uri="{FF2B5EF4-FFF2-40B4-BE49-F238E27FC236}">
-                <a16:creationId xmlns="" xmlns:a16="http://schemas.microsoft.com/office/drawing/2014/main" id="{6C7DFF70-CCA0-4714-A8D4-3E24AC2445C7}"/>
+                <a16:creationId xmlns:a16="http://schemas.microsoft.com/office/drawing/2014/main" xmlns="" id="{6C7DFF70-CCA0-4714-A8D4-3E24AC2445C7}"/>
               </a:ext>
             </a:extLst>
           </p:cNvPr>
@@ -8373,7 +11064,7 @@
           <p:cNvPr id="2" name="Slide Number Placeholder 1">
             <a:extLst>
               <a:ext uri="{FF2B5EF4-FFF2-40B4-BE49-F238E27FC236}">
-                <a16:creationId xmlns="" xmlns:a16="http://schemas.microsoft.com/office/drawing/2014/main" id="{3A9F13B3-A864-47EA-9914-524B6CB023E9}"/>
+                <a16:creationId xmlns:a16="http://schemas.microsoft.com/office/drawing/2014/main" xmlns="" id="{3A9F13B3-A864-47EA-9914-524B6CB023E9}"/>
               </a:ext>
             </a:extLst>
           </p:cNvPr>
@@ -8603,7 +11294,7 @@
           <p:cNvPr id="8" name="Title 3">
             <a:extLst>
               <a:ext uri="{FF2B5EF4-FFF2-40B4-BE49-F238E27FC236}">
-                <a16:creationId xmlns="" xmlns:a16="http://schemas.microsoft.com/office/drawing/2014/main" id="{249FB50D-D3FF-4C9D-B418-705D4EA2D891}"/>
+                <a16:creationId xmlns:a16="http://schemas.microsoft.com/office/drawing/2014/main" xmlns="" id="{249FB50D-D3FF-4C9D-B418-705D4EA2D891}"/>
               </a:ext>
             </a:extLst>
           </p:cNvPr>
@@ -8677,7 +11368,7 @@
           <p:cNvPr id="9" name="Content Placeholder 2">
             <a:extLst>
               <a:ext uri="{FF2B5EF4-FFF2-40B4-BE49-F238E27FC236}">
-                <a16:creationId xmlns="" xmlns:a16="http://schemas.microsoft.com/office/drawing/2014/main" id="{7D394C99-B323-47B7-BCC2-501C0B3CAD6E}"/>
+                <a16:creationId xmlns:a16="http://schemas.microsoft.com/office/drawing/2014/main" xmlns="" id="{7D394C99-B323-47B7-BCC2-501C0B3CAD6E}"/>
               </a:ext>
             </a:extLst>
           </p:cNvPr>
@@ -8747,7 +11438,7 @@
           <p:cNvPr id="13" name="Picture 12">
             <a:extLst>
               <a:ext uri="{FF2B5EF4-FFF2-40B4-BE49-F238E27FC236}">
-                <a16:creationId xmlns="" xmlns:a16="http://schemas.microsoft.com/office/drawing/2014/main" id="{6C7DFF70-CCA0-4714-A8D4-3E24AC2445C7}"/>
+                <a16:creationId xmlns:a16="http://schemas.microsoft.com/office/drawing/2014/main" xmlns="" id="{6C7DFF70-CCA0-4714-A8D4-3E24AC2445C7}"/>
               </a:ext>
             </a:extLst>
           </p:cNvPr>
@@ -8777,7 +11468,7 @@
           <p:cNvPr id="2" name="Slide Number Placeholder 1">
             <a:extLst>
               <a:ext uri="{FF2B5EF4-FFF2-40B4-BE49-F238E27FC236}">
-                <a16:creationId xmlns="" xmlns:a16="http://schemas.microsoft.com/office/drawing/2014/main" id="{3A9F13B3-A864-47EA-9914-524B6CB023E9}"/>
+                <a16:creationId xmlns:a16="http://schemas.microsoft.com/office/drawing/2014/main" xmlns="" id="{3A9F13B3-A864-47EA-9914-524B6CB023E9}"/>
               </a:ext>
             </a:extLst>
           </p:cNvPr>
@@ -9007,7 +11698,7 @@
           <p:cNvPr id="8" name="Title 3">
             <a:extLst>
               <a:ext uri="{FF2B5EF4-FFF2-40B4-BE49-F238E27FC236}">
-                <a16:creationId xmlns="" xmlns:a16="http://schemas.microsoft.com/office/drawing/2014/main" id="{249FB50D-D3FF-4C9D-B418-705D4EA2D891}"/>
+                <a16:creationId xmlns:a16="http://schemas.microsoft.com/office/drawing/2014/main" xmlns="" id="{249FB50D-D3FF-4C9D-B418-705D4EA2D891}"/>
               </a:ext>
             </a:extLst>
           </p:cNvPr>
@@ -9097,7 +11788,7 @@
           <p:cNvPr id="9" name="Content Placeholder 2">
             <a:extLst>
               <a:ext uri="{FF2B5EF4-FFF2-40B4-BE49-F238E27FC236}">
-                <a16:creationId xmlns="" xmlns:a16="http://schemas.microsoft.com/office/drawing/2014/main" id="{7D394C99-B323-47B7-BCC2-501C0B3CAD6E}"/>
+                <a16:creationId xmlns:a16="http://schemas.microsoft.com/office/drawing/2014/main" xmlns="" id="{7D394C99-B323-47B7-BCC2-501C0B3CAD6E}"/>
               </a:ext>
             </a:extLst>
           </p:cNvPr>
@@ -9167,7 +11858,7 @@
           <p:cNvPr id="13" name="Picture 12">
             <a:extLst>
               <a:ext uri="{FF2B5EF4-FFF2-40B4-BE49-F238E27FC236}">
-                <a16:creationId xmlns="" xmlns:a16="http://schemas.microsoft.com/office/drawing/2014/main" id="{6C7DFF70-CCA0-4714-A8D4-3E24AC2445C7}"/>
+                <a16:creationId xmlns:a16="http://schemas.microsoft.com/office/drawing/2014/main" xmlns="" id="{6C7DFF70-CCA0-4714-A8D4-3E24AC2445C7}"/>
               </a:ext>
             </a:extLst>
           </p:cNvPr>
@@ -9197,7 +11888,7 @@
           <p:cNvPr id="2" name="Slide Number Placeholder 1">
             <a:extLst>
               <a:ext uri="{FF2B5EF4-FFF2-40B4-BE49-F238E27FC236}">
-                <a16:creationId xmlns="" xmlns:a16="http://schemas.microsoft.com/office/drawing/2014/main" id="{3A9F13B3-A864-47EA-9914-524B6CB023E9}"/>
+                <a16:creationId xmlns:a16="http://schemas.microsoft.com/office/drawing/2014/main" xmlns="" id="{3A9F13B3-A864-47EA-9914-524B6CB023E9}"/>
               </a:ext>
             </a:extLst>
           </p:cNvPr>
@@ -9427,7 +12118,7 @@
           <p:cNvPr id="3" name="Slide Number Placeholder 2">
             <a:extLst>
               <a:ext uri="{FF2B5EF4-FFF2-40B4-BE49-F238E27FC236}">
-                <a16:creationId xmlns="" xmlns:a16="http://schemas.microsoft.com/office/drawing/2014/main" id="{203347AF-DE76-4502-9835-68153ECAE565}"/>
+                <a16:creationId xmlns:a16="http://schemas.microsoft.com/office/drawing/2014/main" xmlns="" id="{203347AF-DE76-4502-9835-68153ECAE565}"/>
               </a:ext>
             </a:extLst>
           </p:cNvPr>
@@ -9457,7 +12148,7 @@
           <p:cNvPr id="4" name="Content Placeholder 3">
             <a:extLst>
               <a:ext uri="{FF2B5EF4-FFF2-40B4-BE49-F238E27FC236}">
-                <a16:creationId xmlns="" xmlns:a16="http://schemas.microsoft.com/office/drawing/2014/main" id="{C6A787AD-F76D-4189-A016-050512CE167C}"/>
+                <a16:creationId xmlns:a16="http://schemas.microsoft.com/office/drawing/2014/main" xmlns="" id="{C6A787AD-F76D-4189-A016-050512CE167C}"/>
               </a:ext>
             </a:extLst>
           </p:cNvPr>
@@ -9617,7 +12308,7 @@
           <p:cNvPr id="10" name="Picture 9">
             <a:extLst>
               <a:ext uri="{FF2B5EF4-FFF2-40B4-BE49-F238E27FC236}">
-                <a16:creationId xmlns="" xmlns:a16="http://schemas.microsoft.com/office/drawing/2014/main" id="{4DE097B0-34C9-48AE-B96C-AC8EBD14061F}"/>
+                <a16:creationId xmlns:a16="http://schemas.microsoft.com/office/drawing/2014/main" xmlns="" id="{4DE097B0-34C9-48AE-B96C-AC8EBD14061F}"/>
               </a:ext>
             </a:extLst>
           </p:cNvPr>
@@ -9647,7 +12338,7 @@
           <p:cNvPr id="2" name="TextBox 1">
             <a:extLst>
               <a:ext uri="{FF2B5EF4-FFF2-40B4-BE49-F238E27FC236}">
-                <a16:creationId xmlns="" xmlns:a16="http://schemas.microsoft.com/office/drawing/2014/main" id="{55CB02CB-1454-4C30-8942-0723AC0E202A}"/>
+                <a16:creationId xmlns:a16="http://schemas.microsoft.com/office/drawing/2014/main" xmlns="" id="{55CB02CB-1454-4C30-8942-0723AC0E202A}"/>
               </a:ext>
             </a:extLst>
           </p:cNvPr>
@@ -9749,7 +12440,7 @@
           <p:cNvPr id="4" name="Title 3">
             <a:extLst>
               <a:ext uri="{FF2B5EF4-FFF2-40B4-BE49-F238E27FC236}">
-                <a16:creationId xmlns="" xmlns:a16="http://schemas.microsoft.com/office/drawing/2014/main" id="{0D213B8E-B257-46B0-AD6E-8769531E79AF}"/>
+                <a16:creationId xmlns:a16="http://schemas.microsoft.com/office/drawing/2014/main" xmlns="" id="{0D213B8E-B257-46B0-AD6E-8769531E79AF}"/>
               </a:ext>
             </a:extLst>
           </p:cNvPr>
@@ -9784,13 +12475,7 @@
               <a:rPr lang="fa-IR" sz="5400" dirty="0" smtClean="0">
                 <a:cs typeface="B Titr" panose="00000700000000000000" pitchFamily="2" charset="-78"/>
               </a:rPr>
-              <a:t>فصل </a:t>
-            </a:r>
-            <a:r>
-              <a:rPr lang="fa-IR" sz="5400" dirty="0" smtClean="0">
-                <a:cs typeface="B Titr" panose="00000700000000000000" pitchFamily="2" charset="-78"/>
-              </a:rPr>
-              <a:t>چهارم</a:t>
+              <a:t>فصل چهارم</a:t>
             </a:r>
             <a:endParaRPr lang="en-US" sz="5400" dirty="0">
               <a:cs typeface="B Titr" panose="00000700000000000000" pitchFamily="2" charset="-78"/>
@@ -9803,7 +12488,7 @@
           <p:cNvPr id="5" name="Slide Number Placeholder 4">
             <a:extLst>
               <a:ext uri="{FF2B5EF4-FFF2-40B4-BE49-F238E27FC236}">
-                <a16:creationId xmlns="" xmlns:a16="http://schemas.microsoft.com/office/drawing/2014/main" id="{BD1A4646-3DBE-406A-A504-167B5A92F786}"/>
+                <a16:creationId xmlns:a16="http://schemas.microsoft.com/office/drawing/2014/main" xmlns="" id="{BD1A4646-3DBE-406A-A504-167B5A92F786}"/>
               </a:ext>
             </a:extLst>
           </p:cNvPr>
@@ -9833,7 +12518,7 @@
           <p:cNvPr id="6" name="Title 3">
             <a:extLst>
               <a:ext uri="{FF2B5EF4-FFF2-40B4-BE49-F238E27FC236}">
-                <a16:creationId xmlns="" xmlns:a16="http://schemas.microsoft.com/office/drawing/2014/main" id="{0D213B8E-B257-46B0-AD6E-8769531E79AF}"/>
+                <a16:creationId xmlns:a16="http://schemas.microsoft.com/office/drawing/2014/main" xmlns="" id="{0D213B8E-B257-46B0-AD6E-8769531E79AF}"/>
               </a:ext>
             </a:extLst>
           </p:cNvPr>
@@ -10088,7 +12773,7 @@
           <p:cNvPr id="8" name="Title 3">
             <a:extLst>
               <a:ext uri="{FF2B5EF4-FFF2-40B4-BE49-F238E27FC236}">
-                <a16:creationId xmlns="" xmlns:a16="http://schemas.microsoft.com/office/drawing/2014/main" id="{249FB50D-D3FF-4C9D-B418-705D4EA2D891}"/>
+                <a16:creationId xmlns:a16="http://schemas.microsoft.com/office/drawing/2014/main" xmlns="" id="{249FB50D-D3FF-4C9D-B418-705D4EA2D891}"/>
               </a:ext>
             </a:extLst>
           </p:cNvPr>
@@ -10164,7 +12849,7 @@
           <p:cNvPr id="9" name="Content Placeholder 2">
             <a:extLst>
               <a:ext uri="{FF2B5EF4-FFF2-40B4-BE49-F238E27FC236}">
-                <a16:creationId xmlns="" xmlns:a16="http://schemas.microsoft.com/office/drawing/2014/main" id="{7D394C99-B323-47B7-BCC2-501C0B3CAD6E}"/>
+                <a16:creationId xmlns:a16="http://schemas.microsoft.com/office/drawing/2014/main" xmlns="" id="{7D394C99-B323-47B7-BCC2-501C0B3CAD6E}"/>
               </a:ext>
             </a:extLst>
           </p:cNvPr>
@@ -10407,7 +13092,7 @@
           <p:cNvPr id="13" name="Picture 12">
             <a:extLst>
               <a:ext uri="{FF2B5EF4-FFF2-40B4-BE49-F238E27FC236}">
-                <a16:creationId xmlns="" xmlns:a16="http://schemas.microsoft.com/office/drawing/2014/main" id="{6C7DFF70-CCA0-4714-A8D4-3E24AC2445C7}"/>
+                <a16:creationId xmlns:a16="http://schemas.microsoft.com/office/drawing/2014/main" xmlns="" id="{6C7DFF70-CCA0-4714-A8D4-3E24AC2445C7}"/>
               </a:ext>
             </a:extLst>
           </p:cNvPr>
@@ -10437,7 +13122,7 @@
           <p:cNvPr id="2" name="Slide Number Placeholder 1">
             <a:extLst>
               <a:ext uri="{FF2B5EF4-FFF2-40B4-BE49-F238E27FC236}">
-                <a16:creationId xmlns="" xmlns:a16="http://schemas.microsoft.com/office/drawing/2014/main" id="{3A9F13B3-A864-47EA-9914-524B6CB023E9}"/>
+                <a16:creationId xmlns:a16="http://schemas.microsoft.com/office/drawing/2014/main" xmlns="" id="{3A9F13B3-A864-47EA-9914-524B6CB023E9}"/>
               </a:ext>
             </a:extLst>
           </p:cNvPr>
@@ -10667,7 +13352,7 @@
           <p:cNvPr id="4" name="Title 3">
             <a:extLst>
               <a:ext uri="{FF2B5EF4-FFF2-40B4-BE49-F238E27FC236}">
-                <a16:creationId xmlns="" xmlns:a16="http://schemas.microsoft.com/office/drawing/2014/main" id="{9657C57D-9BE8-43B5-A97D-E73655A33FEB}"/>
+                <a16:creationId xmlns:a16="http://schemas.microsoft.com/office/drawing/2014/main" xmlns="" id="{9657C57D-9BE8-43B5-A97D-E73655A33FEB}"/>
               </a:ext>
             </a:extLst>
           </p:cNvPr>
@@ -10761,7 +13446,7 @@
           <p:cNvPr id="4" name="Title 3">
             <a:extLst>
               <a:ext uri="{FF2B5EF4-FFF2-40B4-BE49-F238E27FC236}">
-                <a16:creationId xmlns="" xmlns:a16="http://schemas.microsoft.com/office/drawing/2014/main" id="{0D213B8E-B257-46B0-AD6E-8769531E79AF}"/>
+                <a16:creationId xmlns:a16="http://schemas.microsoft.com/office/drawing/2014/main" xmlns="" id="{0D213B8E-B257-46B0-AD6E-8769531E79AF}"/>
               </a:ext>
             </a:extLst>
           </p:cNvPr>
@@ -10809,7 +13494,7 @@
           <p:cNvPr id="5" name="Slide Number Placeholder 4">
             <a:extLst>
               <a:ext uri="{FF2B5EF4-FFF2-40B4-BE49-F238E27FC236}">
-                <a16:creationId xmlns="" xmlns:a16="http://schemas.microsoft.com/office/drawing/2014/main" id="{BD1A4646-3DBE-406A-A504-167B5A92F786}"/>
+                <a16:creationId xmlns:a16="http://schemas.microsoft.com/office/drawing/2014/main" xmlns="" id="{BD1A4646-3DBE-406A-A504-167B5A92F786}"/>
               </a:ext>
             </a:extLst>
           </p:cNvPr>
@@ -10839,7 +13524,7 @@
           <p:cNvPr id="6" name="Title 3">
             <a:extLst>
               <a:ext uri="{FF2B5EF4-FFF2-40B4-BE49-F238E27FC236}">
-                <a16:creationId xmlns="" xmlns:a16="http://schemas.microsoft.com/office/drawing/2014/main" id="{0D213B8E-B257-46B0-AD6E-8769531E79AF}"/>
+                <a16:creationId xmlns:a16="http://schemas.microsoft.com/office/drawing/2014/main" xmlns="" id="{0D213B8E-B257-46B0-AD6E-8769531E79AF}"/>
               </a:ext>
             </a:extLst>
           </p:cNvPr>
@@ -11114,7 +13799,7 @@
           <p:cNvPr id="8" name="Title 3">
             <a:extLst>
               <a:ext uri="{FF2B5EF4-FFF2-40B4-BE49-F238E27FC236}">
-                <a16:creationId xmlns="" xmlns:a16="http://schemas.microsoft.com/office/drawing/2014/main" id="{249FB50D-D3FF-4C9D-B418-705D4EA2D891}"/>
+                <a16:creationId xmlns:a16="http://schemas.microsoft.com/office/drawing/2014/main" xmlns="" id="{249FB50D-D3FF-4C9D-B418-705D4EA2D891}"/>
               </a:ext>
             </a:extLst>
           </p:cNvPr>
@@ -11190,7 +13875,7 @@
           <p:cNvPr id="9" name="Content Placeholder 2">
             <a:extLst>
               <a:ext uri="{FF2B5EF4-FFF2-40B4-BE49-F238E27FC236}">
-                <a16:creationId xmlns="" xmlns:a16="http://schemas.microsoft.com/office/drawing/2014/main" id="{7D394C99-B323-47B7-BCC2-501C0B3CAD6E}"/>
+                <a16:creationId xmlns:a16="http://schemas.microsoft.com/office/drawing/2014/main" xmlns="" id="{7D394C99-B323-47B7-BCC2-501C0B3CAD6E}"/>
               </a:ext>
             </a:extLst>
           </p:cNvPr>
@@ -11521,7 +14206,7 @@
           <p:cNvPr id="13" name="Picture 12">
             <a:extLst>
               <a:ext uri="{FF2B5EF4-FFF2-40B4-BE49-F238E27FC236}">
-                <a16:creationId xmlns="" xmlns:a16="http://schemas.microsoft.com/office/drawing/2014/main" id="{6C7DFF70-CCA0-4714-A8D4-3E24AC2445C7}"/>
+                <a16:creationId xmlns:a16="http://schemas.microsoft.com/office/drawing/2014/main" xmlns="" id="{6C7DFF70-CCA0-4714-A8D4-3E24AC2445C7}"/>
               </a:ext>
             </a:extLst>
           </p:cNvPr>
@@ -11551,7 +14236,7 @@
           <p:cNvPr id="2" name="Slide Number Placeholder 1">
             <a:extLst>
               <a:ext uri="{FF2B5EF4-FFF2-40B4-BE49-F238E27FC236}">
-                <a16:creationId xmlns="" xmlns:a16="http://schemas.microsoft.com/office/drawing/2014/main" id="{3A9F13B3-A864-47EA-9914-524B6CB023E9}"/>
+                <a16:creationId xmlns:a16="http://schemas.microsoft.com/office/drawing/2014/main" xmlns="" id="{3A9F13B3-A864-47EA-9914-524B6CB023E9}"/>
               </a:ext>
             </a:extLst>
           </p:cNvPr>
@@ -11801,7 +14486,7 @@
           <p:cNvPr id="4" name="Title 3">
             <a:extLst>
               <a:ext uri="{FF2B5EF4-FFF2-40B4-BE49-F238E27FC236}">
-                <a16:creationId xmlns="" xmlns:a16="http://schemas.microsoft.com/office/drawing/2014/main" id="{0D213B8E-B257-46B0-AD6E-8769531E79AF}"/>
+                <a16:creationId xmlns:a16="http://schemas.microsoft.com/office/drawing/2014/main" xmlns="" id="{0D213B8E-B257-46B0-AD6E-8769531E79AF}"/>
               </a:ext>
             </a:extLst>
           </p:cNvPr>
@@ -11849,7 +14534,7 @@
           <p:cNvPr id="5" name="Slide Number Placeholder 4">
             <a:extLst>
               <a:ext uri="{FF2B5EF4-FFF2-40B4-BE49-F238E27FC236}">
-                <a16:creationId xmlns="" xmlns:a16="http://schemas.microsoft.com/office/drawing/2014/main" id="{BD1A4646-3DBE-406A-A504-167B5A92F786}"/>
+                <a16:creationId xmlns:a16="http://schemas.microsoft.com/office/drawing/2014/main" xmlns="" id="{BD1A4646-3DBE-406A-A504-167B5A92F786}"/>
               </a:ext>
             </a:extLst>
           </p:cNvPr>
@@ -11879,7 +14564,7 @@
           <p:cNvPr id="6" name="Title 3">
             <a:extLst>
               <a:ext uri="{FF2B5EF4-FFF2-40B4-BE49-F238E27FC236}">
-                <a16:creationId xmlns="" xmlns:a16="http://schemas.microsoft.com/office/drawing/2014/main" id="{0D213B8E-B257-46B0-AD6E-8769531E79AF}"/>
+                <a16:creationId xmlns:a16="http://schemas.microsoft.com/office/drawing/2014/main" xmlns="" id="{0D213B8E-B257-46B0-AD6E-8769531E79AF}"/>
               </a:ext>
             </a:extLst>
           </p:cNvPr>
@@ -12134,7 +14819,7 @@
           <p:cNvPr id="8" name="Title 3">
             <a:extLst>
               <a:ext uri="{FF2B5EF4-FFF2-40B4-BE49-F238E27FC236}">
-                <a16:creationId xmlns="" xmlns:a16="http://schemas.microsoft.com/office/drawing/2014/main" id="{249FB50D-D3FF-4C9D-B418-705D4EA2D891}"/>
+                <a16:creationId xmlns:a16="http://schemas.microsoft.com/office/drawing/2014/main" xmlns="" id="{249FB50D-D3FF-4C9D-B418-705D4EA2D891}"/>
               </a:ext>
             </a:extLst>
           </p:cNvPr>
@@ -12210,7 +14895,7 @@
           <p:cNvPr id="9" name="Content Placeholder 2">
             <a:extLst>
               <a:ext uri="{FF2B5EF4-FFF2-40B4-BE49-F238E27FC236}">
-                <a16:creationId xmlns="" xmlns:a16="http://schemas.microsoft.com/office/drawing/2014/main" id="{7D394C99-B323-47B7-BCC2-501C0B3CAD6E}"/>
+                <a16:creationId xmlns:a16="http://schemas.microsoft.com/office/drawing/2014/main" xmlns="" id="{7D394C99-B323-47B7-BCC2-501C0B3CAD6E}"/>
               </a:ext>
             </a:extLst>
           </p:cNvPr>
@@ -12647,7 +15332,7 @@
           <p:cNvPr id="13" name="Picture 12">
             <a:extLst>
               <a:ext uri="{FF2B5EF4-FFF2-40B4-BE49-F238E27FC236}">
-                <a16:creationId xmlns="" xmlns:a16="http://schemas.microsoft.com/office/drawing/2014/main" id="{6C7DFF70-CCA0-4714-A8D4-3E24AC2445C7}"/>
+                <a16:creationId xmlns:a16="http://schemas.microsoft.com/office/drawing/2014/main" xmlns="" id="{6C7DFF70-CCA0-4714-A8D4-3E24AC2445C7}"/>
               </a:ext>
             </a:extLst>
           </p:cNvPr>
@@ -12677,7 +15362,7 @@
           <p:cNvPr id="2" name="Slide Number Placeholder 1">
             <a:extLst>
               <a:ext uri="{FF2B5EF4-FFF2-40B4-BE49-F238E27FC236}">
-                <a16:creationId xmlns="" xmlns:a16="http://schemas.microsoft.com/office/drawing/2014/main" id="{3A9F13B3-A864-47EA-9914-524B6CB023E9}"/>
+                <a16:creationId xmlns:a16="http://schemas.microsoft.com/office/drawing/2014/main" xmlns="" id="{3A9F13B3-A864-47EA-9914-524B6CB023E9}"/>
               </a:ext>
             </a:extLst>
           </p:cNvPr>
@@ -12907,7 +15592,7 @@
           <p:cNvPr id="8" name="Title 3">
             <a:extLst>
               <a:ext uri="{FF2B5EF4-FFF2-40B4-BE49-F238E27FC236}">
-                <a16:creationId xmlns="" xmlns:a16="http://schemas.microsoft.com/office/drawing/2014/main" id="{249FB50D-D3FF-4C9D-B418-705D4EA2D891}"/>
+                <a16:creationId xmlns:a16="http://schemas.microsoft.com/office/drawing/2014/main" xmlns="" id="{249FB50D-D3FF-4C9D-B418-705D4EA2D891}"/>
               </a:ext>
             </a:extLst>
           </p:cNvPr>
@@ -12983,7 +15668,7 @@
           <p:cNvPr id="9" name="Content Placeholder 2">
             <a:extLst>
               <a:ext uri="{FF2B5EF4-FFF2-40B4-BE49-F238E27FC236}">
-                <a16:creationId xmlns="" xmlns:a16="http://schemas.microsoft.com/office/drawing/2014/main" id="{7D394C99-B323-47B7-BCC2-501C0B3CAD6E}"/>
+                <a16:creationId xmlns:a16="http://schemas.microsoft.com/office/drawing/2014/main" xmlns="" id="{7D394C99-B323-47B7-BCC2-501C0B3CAD6E}"/>
               </a:ext>
             </a:extLst>
           </p:cNvPr>
@@ -13305,7 +15990,7 @@
           <p:cNvPr id="13" name="Picture 12">
             <a:extLst>
               <a:ext uri="{FF2B5EF4-FFF2-40B4-BE49-F238E27FC236}">
-                <a16:creationId xmlns="" xmlns:a16="http://schemas.microsoft.com/office/drawing/2014/main" id="{6C7DFF70-CCA0-4714-A8D4-3E24AC2445C7}"/>
+                <a16:creationId xmlns:a16="http://schemas.microsoft.com/office/drawing/2014/main" xmlns="" id="{6C7DFF70-CCA0-4714-A8D4-3E24AC2445C7}"/>
               </a:ext>
             </a:extLst>
           </p:cNvPr>
@@ -13335,7 +16020,7 @@
           <p:cNvPr id="2" name="Slide Number Placeholder 1">
             <a:extLst>
               <a:ext uri="{FF2B5EF4-FFF2-40B4-BE49-F238E27FC236}">
-                <a16:creationId xmlns="" xmlns:a16="http://schemas.microsoft.com/office/drawing/2014/main" id="{3A9F13B3-A864-47EA-9914-524B6CB023E9}"/>
+                <a16:creationId xmlns:a16="http://schemas.microsoft.com/office/drawing/2014/main" xmlns="" id="{3A9F13B3-A864-47EA-9914-524B6CB023E9}"/>
               </a:ext>
             </a:extLst>
           </p:cNvPr>
@@ -13565,7 +16250,7 @@
           <p:cNvPr id="4" name="Title 3">
             <a:extLst>
               <a:ext uri="{FF2B5EF4-FFF2-40B4-BE49-F238E27FC236}">
-                <a16:creationId xmlns="" xmlns:a16="http://schemas.microsoft.com/office/drawing/2014/main" id="{0D213B8E-B257-46B0-AD6E-8769531E79AF}"/>
+                <a16:creationId xmlns:a16="http://schemas.microsoft.com/office/drawing/2014/main" xmlns="" id="{0D213B8E-B257-46B0-AD6E-8769531E79AF}"/>
               </a:ext>
             </a:extLst>
           </p:cNvPr>
@@ -13600,13 +16285,7 @@
               <a:rPr lang="fa-IR" sz="5400" dirty="0" smtClean="0">
                 <a:cs typeface="B Titr" panose="00000700000000000000" pitchFamily="2" charset="-78"/>
               </a:rPr>
-              <a:t>فصل </a:t>
-            </a:r>
-            <a:r>
-              <a:rPr lang="fa-IR" sz="5400" dirty="0" smtClean="0">
-                <a:cs typeface="B Titr" panose="00000700000000000000" pitchFamily="2" charset="-78"/>
-              </a:rPr>
-              <a:t>سوم</a:t>
+              <a:t>فصل سوم</a:t>
             </a:r>
             <a:endParaRPr lang="en-US" sz="5400" dirty="0">
               <a:cs typeface="B Titr" panose="00000700000000000000" pitchFamily="2" charset="-78"/>
@@ -13619,7 +16298,7 @@
           <p:cNvPr id="5" name="Slide Number Placeholder 4">
             <a:extLst>
               <a:ext uri="{FF2B5EF4-FFF2-40B4-BE49-F238E27FC236}">
-                <a16:creationId xmlns="" xmlns:a16="http://schemas.microsoft.com/office/drawing/2014/main" id="{BD1A4646-3DBE-406A-A504-167B5A92F786}"/>
+                <a16:creationId xmlns:a16="http://schemas.microsoft.com/office/drawing/2014/main" xmlns="" id="{BD1A4646-3DBE-406A-A504-167B5A92F786}"/>
               </a:ext>
             </a:extLst>
           </p:cNvPr>
@@ -13649,7 +16328,7 @@
           <p:cNvPr id="6" name="Title 3">
             <a:extLst>
               <a:ext uri="{FF2B5EF4-FFF2-40B4-BE49-F238E27FC236}">
-                <a16:creationId xmlns="" xmlns:a16="http://schemas.microsoft.com/office/drawing/2014/main" id="{0D213B8E-B257-46B0-AD6E-8769531E79AF}"/>
+                <a16:creationId xmlns:a16="http://schemas.microsoft.com/office/drawing/2014/main" xmlns="" id="{0D213B8E-B257-46B0-AD6E-8769531E79AF}"/>
               </a:ext>
             </a:extLst>
           </p:cNvPr>
@@ -13904,7 +16583,7 @@
           <p:cNvPr id="8" name="Title 3">
             <a:extLst>
               <a:ext uri="{FF2B5EF4-FFF2-40B4-BE49-F238E27FC236}">
-                <a16:creationId xmlns="" xmlns:a16="http://schemas.microsoft.com/office/drawing/2014/main" id="{249FB50D-D3FF-4C9D-B418-705D4EA2D891}"/>
+                <a16:creationId xmlns:a16="http://schemas.microsoft.com/office/drawing/2014/main" xmlns="" id="{249FB50D-D3FF-4C9D-B418-705D4EA2D891}"/>
               </a:ext>
             </a:extLst>
           </p:cNvPr>
@@ -13980,7 +16659,7 @@
           <p:cNvPr id="9" name="Content Placeholder 2">
             <a:extLst>
               <a:ext uri="{FF2B5EF4-FFF2-40B4-BE49-F238E27FC236}">
-                <a16:creationId xmlns="" xmlns:a16="http://schemas.microsoft.com/office/drawing/2014/main" id="{7D394C99-B323-47B7-BCC2-501C0B3CAD6E}"/>
+                <a16:creationId xmlns:a16="http://schemas.microsoft.com/office/drawing/2014/main" xmlns="" id="{7D394C99-B323-47B7-BCC2-501C0B3CAD6E}"/>
               </a:ext>
             </a:extLst>
           </p:cNvPr>
@@ -14460,7 +17139,7 @@
           <p:cNvPr id="13" name="Picture 12">
             <a:extLst>
               <a:ext uri="{FF2B5EF4-FFF2-40B4-BE49-F238E27FC236}">
-                <a16:creationId xmlns="" xmlns:a16="http://schemas.microsoft.com/office/drawing/2014/main" id="{6C7DFF70-CCA0-4714-A8D4-3E24AC2445C7}"/>
+                <a16:creationId xmlns:a16="http://schemas.microsoft.com/office/drawing/2014/main" xmlns="" id="{6C7DFF70-CCA0-4714-A8D4-3E24AC2445C7}"/>
               </a:ext>
             </a:extLst>
           </p:cNvPr>
@@ -14490,7 +17169,7 @@
           <p:cNvPr id="2" name="Slide Number Placeholder 1">
             <a:extLst>
               <a:ext uri="{FF2B5EF4-FFF2-40B4-BE49-F238E27FC236}">
-                <a16:creationId xmlns="" xmlns:a16="http://schemas.microsoft.com/office/drawing/2014/main" id="{3A9F13B3-A864-47EA-9914-524B6CB023E9}"/>
+                <a16:creationId xmlns:a16="http://schemas.microsoft.com/office/drawing/2014/main" xmlns="" id="{3A9F13B3-A864-47EA-9914-524B6CB023E9}"/>
               </a:ext>
             </a:extLst>
           </p:cNvPr>
@@ -15654,6 +18333,23 @@
 </file>
 
 <file path=customXml/item1.xml><?xml version="1.0" encoding="utf-8"?>
+<?mso-contentType ?>
+<FormTemplates xmlns="http://schemas.microsoft.com/sharepoint/v3/contenttype/forms">
+  <Display>DocumentLibraryForm</Display>
+  <Edit>DocumentLibraryForm</Edit>
+  <New>DocumentLibraryForm</New>
+</FormTemplates>
+</file>
+
+<file path=customXml/item2.xml><?xml version="1.0" encoding="utf-8"?>
+<p:properties xmlns:p="http://schemas.microsoft.com/office/2006/metadata/properties" xmlns:xsi="http://www.w3.org/2001/XMLSchema-instance" xmlns:pc="http://schemas.microsoft.com/office/infopath/2007/PartnerControls">
+  <documentManagement>
+    <MediaServiceKeyPoints xmlns="71af3243-3dd4-4a8d-8c0d-dd76da1f02a5" xsi:nil="true"/>
+  </documentManagement>
+</p:properties>
+</file>
+
+<file path=customXml/item3.xml><?xml version="1.0" encoding="utf-8"?>
 <ct:contentTypeSchema xmlns:ct="http://schemas.microsoft.com/office/2006/metadata/contentType" xmlns:ma="http://schemas.microsoft.com/office/2006/metadata/properties/metaAttributes" ct:_="" ma:_="" ma:contentTypeName="Document" ma:contentTypeID="0x01010079F111ED35F8CC479449609E8A0923A6" ma:contentTypeVersion="11" ma:contentTypeDescription="Create a new document." ma:contentTypeScope="" ma:versionID="96291512c1ee715ab617f4c07df79fc1">
   <xsd:schema xmlns:xsd="http://www.w3.org/2001/XMLSchema" xmlns:xs="http://www.w3.org/2001/XMLSchema" xmlns:p="http://schemas.microsoft.com/office/2006/metadata/properties" xmlns:ns2="71af3243-3dd4-4a8d-8c0d-dd76da1f02a5" xmlns:ns3="16c05727-aa75-4e4a-9b5f-8a80a1165891" targetNamespace="http://schemas.microsoft.com/office/2006/metadata/properties" ma:root="true" ma:fieldsID="8256c27c40ca5c40ce1cf6c44f0205df" ns2:_="" ns3:_="">
     <xsd:import namespace="71af3243-3dd4-4a8d-8c0d-dd76da1f02a5"/>
@@ -15864,38 +18560,10 @@
 </ct:contentTypeSchema>
 </file>
 
-<file path=customXml/item2.xml><?xml version="1.0" encoding="utf-8"?>
-<p:properties xmlns:p="http://schemas.microsoft.com/office/2006/metadata/properties" xmlns:xsi="http://www.w3.org/2001/XMLSchema-instance" xmlns:pc="http://schemas.microsoft.com/office/infopath/2007/PartnerControls">
-  <documentManagement>
-    <MediaServiceKeyPoints xmlns="71af3243-3dd4-4a8d-8c0d-dd76da1f02a5" xsi:nil="true"/>
-  </documentManagement>
-</p:properties>
-</file>
-
-<file path=customXml/item3.xml><?xml version="1.0" encoding="utf-8"?>
-<?mso-contentType ?>
-<FormTemplates xmlns="http://schemas.microsoft.com/sharepoint/v3/contenttype/forms">
-  <Display>DocumentLibraryForm</Display>
-  <Edit>DocumentLibraryForm</Edit>
-  <New>DocumentLibraryForm</New>
-</FormTemplates>
-</file>
-
 <file path=customXml/itemProps1.xml><?xml version="1.0" encoding="utf-8"?>
-<ds:datastoreItem xmlns:ds="http://schemas.openxmlformats.org/officeDocument/2006/customXml" ds:itemID="{B1AD0D4C-03C4-489C-932A-66E2D74FA6D5}">
+<ds:datastoreItem xmlns:ds="http://schemas.openxmlformats.org/officeDocument/2006/customXml" ds:itemID="{3DC31EBE-A492-4CE5-9650-1E2C8FDDD7CE}">
   <ds:schemaRefs>
-    <ds:schemaRef ds:uri="http://schemas.microsoft.com/office/2006/metadata/contentType"/>
-    <ds:schemaRef ds:uri="http://schemas.microsoft.com/office/2006/metadata/properties/metaAttributes"/>
-    <ds:schemaRef ds:uri="http://www.w3.org/2001/XMLSchema"/>
-    <ds:schemaRef ds:uri="http://schemas.microsoft.com/office/2006/metadata/properties"/>
-    <ds:schemaRef ds:uri="71af3243-3dd4-4a8d-8c0d-dd76da1f02a5"/>
-    <ds:schemaRef ds:uri="16c05727-aa75-4e4a-9b5f-8a80a1165891"/>
-    <ds:schemaRef ds:uri="http://schemas.microsoft.com/office/2006/documentManagement/types"/>
-    <ds:schemaRef ds:uri="http://schemas.microsoft.com/office/infopath/2007/PartnerControls"/>
-    <ds:schemaRef ds:uri="http://schemas.openxmlformats.org/package/2006/metadata/core-properties"/>
-    <ds:schemaRef ds:uri="http://purl.org/dc/elements/1.1/"/>
-    <ds:schemaRef ds:uri="http://purl.org/dc/terms/"/>
-    <ds:schemaRef ds:uri="http://schemas.microsoft.com/internal/obd"/>
+    <ds:schemaRef ds:uri="http://schemas.microsoft.com/sharepoint/v3/contenttype/forms"/>
   </ds:schemaRefs>
 </ds:datastoreItem>
 </file>
@@ -15918,9 +18586,20 @@
 </file>
 
 <file path=customXml/itemProps3.xml><?xml version="1.0" encoding="utf-8"?>
-<ds:datastoreItem xmlns:ds="http://schemas.openxmlformats.org/officeDocument/2006/customXml" ds:itemID="{3DC31EBE-A492-4CE5-9650-1E2C8FDDD7CE}">
+<ds:datastoreItem xmlns:ds="http://schemas.openxmlformats.org/officeDocument/2006/customXml" ds:itemID="{B1AD0D4C-03C4-489C-932A-66E2D74FA6D5}">
   <ds:schemaRefs>
-    <ds:schemaRef ds:uri="http://schemas.microsoft.com/sharepoint/v3/contenttype/forms"/>
+    <ds:schemaRef ds:uri="http://schemas.microsoft.com/office/2006/metadata/contentType"/>
+    <ds:schemaRef ds:uri="http://schemas.microsoft.com/office/2006/metadata/properties/metaAttributes"/>
+    <ds:schemaRef ds:uri="http://www.w3.org/2001/XMLSchema"/>
+    <ds:schemaRef ds:uri="http://schemas.microsoft.com/office/2006/metadata/properties"/>
+    <ds:schemaRef ds:uri="71af3243-3dd4-4a8d-8c0d-dd76da1f02a5"/>
+    <ds:schemaRef ds:uri="16c05727-aa75-4e4a-9b5f-8a80a1165891"/>
+    <ds:schemaRef ds:uri="http://schemas.microsoft.com/office/2006/documentManagement/types"/>
+    <ds:schemaRef ds:uri="http://schemas.microsoft.com/office/infopath/2007/PartnerControls"/>
+    <ds:schemaRef ds:uri="http://schemas.openxmlformats.org/package/2006/metadata/core-properties"/>
+    <ds:schemaRef ds:uri="http://purl.org/dc/elements/1.1/"/>
+    <ds:schemaRef ds:uri="http://purl.org/dc/terms/"/>
+    <ds:schemaRef ds:uri="http://schemas.microsoft.com/internal/obd"/>
   </ds:schemaRefs>
 </ds:datastoreItem>
 </file>
--- a/PowerPoint.pptx
+++ b/PowerPoint.pptx
@@ -5,10 +5,10 @@
     <p:sldMasterId id="2147483648" r:id="rId4"/>
   </p:sldMasterIdLst>
   <p:notesMasterIdLst>
-    <p:notesMasterId r:id="rId27"/>
+    <p:notesMasterId r:id="rId28"/>
   </p:notesMasterIdLst>
   <p:handoutMasterIdLst>
-    <p:handoutMasterId r:id="rId28"/>
+    <p:handoutMasterId r:id="rId29"/>
   </p:handoutMasterIdLst>
   <p:sldIdLst>
     <p:sldId id="256" r:id="rId5"/>
@@ -30,14 +30,15 @@
     <p:sldId id="319" r:id="rId21"/>
     <p:sldId id="320" r:id="rId22"/>
     <p:sldId id="321" r:id="rId23"/>
-    <p:sldId id="310" r:id="rId24"/>
-    <p:sldId id="311" r:id="rId25"/>
-    <p:sldId id="302" r:id="rId26"/>
+    <p:sldId id="322" r:id="rId24"/>
+    <p:sldId id="310" r:id="rId25"/>
+    <p:sldId id="311" r:id="rId26"/>
+    <p:sldId id="302" r:id="rId27"/>
   </p:sldIdLst>
   <p:sldSz cx="9144000" cy="6858000" type="screen4x3"/>
   <p:notesSz cx="6858000" cy="9144000"/>
   <p:custDataLst>
-    <p:tags r:id="rId29"/>
+    <p:tags r:id="rId30"/>
   </p:custDataLst>
   <p:defaultTextStyle>
     <a:defPPr>
@@ -183,7 +184,7 @@
           <p:cNvPr id="2" name="Header Placeholder 1">
             <a:extLst>
               <a:ext uri="{FF2B5EF4-FFF2-40B4-BE49-F238E27FC236}">
-                <a16:creationId xmlns:a16="http://schemas.microsoft.com/office/drawing/2014/main" xmlns="" id="{643DAE18-FF53-43C8-B129-B2254E0CD35F}"/>
+                <a16:creationId xmlns="" xmlns:a16="http://schemas.microsoft.com/office/drawing/2014/main" id="{643DAE18-FF53-43C8-B129-B2254E0CD35F}"/>
               </a:ext>
             </a:extLst>
           </p:cNvPr>
@@ -220,7 +221,7 @@
           <p:cNvPr id="3" name="Date Placeholder 2">
             <a:extLst>
               <a:ext uri="{FF2B5EF4-FFF2-40B4-BE49-F238E27FC236}">
-                <a16:creationId xmlns:a16="http://schemas.microsoft.com/office/drawing/2014/main" xmlns="" id="{A84C594C-BB62-4D1A-AA15-460CAB02688B}"/>
+                <a16:creationId xmlns="" xmlns:a16="http://schemas.microsoft.com/office/drawing/2014/main" id="{A84C594C-BB62-4D1A-AA15-460CAB02688B}"/>
               </a:ext>
             </a:extLst>
           </p:cNvPr>
@@ -250,7 +251,7 @@
           <a:p>
             <a:fld id="{0BAB0719-0C0B-4FCD-8C42-A758D216E1BD}" type="datetimeFigureOut">
               <a:rPr lang="en-US" smtClean="0"/>
-              <a:t>6/3/2022</a:t>
+              <a:t>6/5/2022</a:t>
             </a:fld>
             <a:endParaRPr lang="en-US" dirty="0"/>
           </a:p>
@@ -261,7 +262,7 @@
           <p:cNvPr id="4" name="Footer Placeholder 3">
             <a:extLst>
               <a:ext uri="{FF2B5EF4-FFF2-40B4-BE49-F238E27FC236}">
-                <a16:creationId xmlns:a16="http://schemas.microsoft.com/office/drawing/2014/main" xmlns="" id="{377CD9E3-2F3C-4226-A22C-6BC586ACB341}"/>
+                <a16:creationId xmlns="" xmlns:a16="http://schemas.microsoft.com/office/drawing/2014/main" id="{377CD9E3-2F3C-4226-A22C-6BC586ACB341}"/>
               </a:ext>
             </a:extLst>
           </p:cNvPr>
@@ -298,7 +299,7 @@
           <p:cNvPr id="5" name="Slide Number Placeholder 4">
             <a:extLst>
               <a:ext uri="{FF2B5EF4-FFF2-40B4-BE49-F238E27FC236}">
-                <a16:creationId xmlns:a16="http://schemas.microsoft.com/office/drawing/2014/main" xmlns="" id="{257FA062-CF80-4049-B333-6A99FEE14BB9}"/>
+                <a16:creationId xmlns="" xmlns:a16="http://schemas.microsoft.com/office/drawing/2014/main" id="{257FA062-CF80-4049-B333-6A99FEE14BB9}"/>
               </a:ext>
             </a:extLst>
           </p:cNvPr>
@@ -428,7 +429,7 @@
             <a:fld id="{925A17EF-115B-4BB9-BF42-426DFD9E898A}" type="datetimeFigureOut">
               <a:rPr lang="en-US" smtClean="0"/>
               <a:pPr/>
-              <a:t>6/3/2022</a:t>
+              <a:t>6/5/2022</a:t>
             </a:fld>
             <a:endParaRPr lang="en-US" dirty="0"/>
           </a:p>
@@ -1623,7 +1624,7 @@
     </p:spTree>
     <p:extLst>
       <p:ext uri="{BB962C8B-B14F-4D97-AF65-F5344CB8AC3E}">
-        <p14:creationId xmlns:p14="http://schemas.microsoft.com/office/powerpoint/2010/main" val="567335045"/>
+        <p14:creationId xmlns:p14="http://schemas.microsoft.com/office/powerpoint/2010/main" val="2371606250"/>
       </p:ext>
     </p:extLst>
   </p:cSld>
@@ -1793,7 +1794,7 @@
     </p:spTree>
     <p:extLst>
       <p:ext uri="{BB962C8B-B14F-4D97-AF65-F5344CB8AC3E}">
-        <p14:creationId xmlns:p14="http://schemas.microsoft.com/office/powerpoint/2010/main" val="448719054"/>
+        <p14:creationId xmlns:p14="http://schemas.microsoft.com/office/powerpoint/2010/main" val="567335045"/>
       </p:ext>
     </p:extLst>
   </p:cSld>
@@ -1870,6 +1871,91 @@
               <a:rPr lang="en-US" smtClean="0"/>
               <a:pPr/>
               <a:t>22</a:t>
+            </a:fld>
+            <a:endParaRPr lang="en-US" dirty="0"/>
+          </a:p>
+        </p:txBody>
+      </p:sp>
+    </p:spTree>
+    <p:extLst>
+      <p:ext uri="{BB962C8B-B14F-4D97-AF65-F5344CB8AC3E}">
+        <p14:creationId xmlns:p14="http://schemas.microsoft.com/office/powerpoint/2010/main" val="448719054"/>
+      </p:ext>
+    </p:extLst>
+  </p:cSld>
+  <p:clrMapOvr>
+    <a:masterClrMapping/>
+  </p:clrMapOvr>
+</p:notes>
+</file>
+
+<file path=ppt/notesSlides/notesSlide22.xml><?xml version="1.0" encoding="utf-8"?>
+<p:notes xmlns:a="http://schemas.openxmlformats.org/drawingml/2006/main" xmlns:r="http://schemas.openxmlformats.org/officeDocument/2006/relationships" xmlns:p="http://schemas.openxmlformats.org/presentationml/2006/main">
+  <p:cSld>
+    <p:spTree>
+      <p:nvGrpSpPr>
+        <p:cNvPr id="1" name=""/>
+        <p:cNvGrpSpPr/>
+        <p:nvPr/>
+      </p:nvGrpSpPr>
+      <p:grpSpPr>
+        <a:xfrm>
+          <a:off x="0" y="0"/>
+          <a:ext cx="0" cy="0"/>
+          <a:chOff x="0" y="0"/>
+          <a:chExt cx="0" cy="0"/>
+        </a:xfrm>
+      </p:grpSpPr>
+      <p:sp>
+        <p:nvSpPr>
+          <p:cNvPr id="2" name="Slide Image Placeholder 1"/>
+          <p:cNvSpPr>
+            <a:spLocks noGrp="1" noRot="1" noChangeAspect="1"/>
+          </p:cNvSpPr>
+          <p:nvPr>
+            <p:ph type="sldImg"/>
+          </p:nvPr>
+        </p:nvSpPr>
+        <p:spPr/>
+      </p:sp>
+      <p:sp>
+        <p:nvSpPr>
+          <p:cNvPr id="3" name="Notes Placeholder 2"/>
+          <p:cNvSpPr>
+            <a:spLocks noGrp="1"/>
+          </p:cNvSpPr>
+          <p:nvPr>
+            <p:ph type="body" idx="1"/>
+          </p:nvPr>
+        </p:nvSpPr>
+        <p:spPr/>
+        <p:txBody>
+          <a:bodyPr/>
+          <a:lstStyle/>
+          <a:p>
+            <a:endParaRPr lang="en-US"/>
+          </a:p>
+        </p:txBody>
+      </p:sp>
+      <p:sp>
+        <p:nvSpPr>
+          <p:cNvPr id="4" name="Slide Number Placeholder 3"/>
+          <p:cNvSpPr>
+            <a:spLocks noGrp="1"/>
+          </p:cNvSpPr>
+          <p:nvPr>
+            <p:ph type="sldNum" sz="quarter" idx="5"/>
+          </p:nvPr>
+        </p:nvSpPr>
+        <p:spPr/>
+        <p:txBody>
+          <a:bodyPr/>
+          <a:lstStyle/>
+          <a:p>
+            <a:fld id="{7C4E7652-46AF-4259-BAE2-54978EA077CD}" type="slidenum">
+              <a:rPr lang="en-US" smtClean="0"/>
+              <a:pPr/>
+              <a:t>23</a:t>
             </a:fld>
             <a:endParaRPr lang="en-US" dirty="0"/>
           </a:p>
@@ -2563,7 +2649,7 @@
           <p:cNvPr id="10" name="Group 9">
             <a:extLst>
               <a:ext uri="{FF2B5EF4-FFF2-40B4-BE49-F238E27FC236}">
-                <a16:creationId xmlns:a16="http://schemas.microsoft.com/office/drawing/2014/main" xmlns="" id="{E770D99E-2869-438B-B483-1F6CCD5437EE}"/>
+                <a16:creationId xmlns="" xmlns:a16="http://schemas.microsoft.com/office/drawing/2014/main" id="{E770D99E-2869-438B-B483-1F6CCD5437EE}"/>
               </a:ext>
             </a:extLst>
           </p:cNvPr>
@@ -2583,7 +2669,7 @@
             <p:cNvPr id="11" name="Graphic 10">
               <a:extLst>
                 <a:ext uri="{FF2B5EF4-FFF2-40B4-BE49-F238E27FC236}">
-                  <a16:creationId xmlns:a16="http://schemas.microsoft.com/office/drawing/2014/main" xmlns="" id="{F66236F9-EA1F-4D2A-84DE-EC04F9972C4F}"/>
+                  <a16:creationId xmlns="" xmlns:a16="http://schemas.microsoft.com/office/drawing/2014/main" id="{F66236F9-EA1F-4D2A-84DE-EC04F9972C4F}"/>
                 </a:ext>
               </a:extLst>
             </p:cNvPr>
@@ -2603,7 +2689,7 @@
               </a:duotone>
               <a:extLst>
                 <a:ext uri="{96DAC541-7B7A-43D3-8B79-37D633B846F1}">
-                  <asvg:svgBlip xmlns:asvg="http://schemas.microsoft.com/office/drawing/2016/SVG/main" xmlns="" r:embed="rId4"/>
+                  <asvg:svgBlip xmlns="" xmlns:asvg="http://schemas.microsoft.com/office/drawing/2016/SVG/main" r:embed="rId4"/>
                 </a:ext>
               </a:extLst>
             </a:blip>
@@ -2626,7 +2712,7 @@
             <p:cNvPr id="13" name="Graphic 12">
               <a:extLst>
                 <a:ext uri="{FF2B5EF4-FFF2-40B4-BE49-F238E27FC236}">
-                  <a16:creationId xmlns:a16="http://schemas.microsoft.com/office/drawing/2014/main" xmlns="" id="{A14E049B-6FD4-487E-927B-506983629A35}"/>
+                  <a16:creationId xmlns="" xmlns:a16="http://schemas.microsoft.com/office/drawing/2014/main" id="{A14E049B-6FD4-487E-927B-506983629A35}"/>
                 </a:ext>
               </a:extLst>
             </p:cNvPr>
@@ -2646,7 +2732,7 @@
               </a:duotone>
               <a:extLst>
                 <a:ext uri="{96DAC541-7B7A-43D3-8B79-37D633B846F1}">
-                  <asvg:svgBlip xmlns:asvg="http://schemas.microsoft.com/office/drawing/2016/SVG/main" xmlns="" r:embed="rId7"/>
+                  <asvg:svgBlip xmlns="" xmlns:asvg="http://schemas.microsoft.com/office/drawing/2016/SVG/main" r:embed="rId7"/>
                 </a:ext>
               </a:extLst>
             </a:blip>
@@ -2669,7 +2755,7 @@
             <p:cNvPr id="14" name="Graphic 13">
               <a:extLst>
                 <a:ext uri="{FF2B5EF4-FFF2-40B4-BE49-F238E27FC236}">
-                  <a16:creationId xmlns:a16="http://schemas.microsoft.com/office/drawing/2014/main" xmlns="" id="{EF27E3F5-0D4D-492C-8A3E-50BC30CEFD28}"/>
+                  <a16:creationId xmlns="" xmlns:a16="http://schemas.microsoft.com/office/drawing/2014/main" id="{EF27E3F5-0D4D-492C-8A3E-50BC30CEFD28}"/>
                 </a:ext>
               </a:extLst>
             </p:cNvPr>
@@ -2689,7 +2775,7 @@
               </a:duotone>
               <a:extLst>
                 <a:ext uri="{96DAC541-7B7A-43D3-8B79-37D633B846F1}">
-                  <asvg:svgBlip xmlns:asvg="http://schemas.microsoft.com/office/drawing/2016/SVG/main" xmlns="" r:embed="rId9"/>
+                  <asvg:svgBlip xmlns="" xmlns:asvg="http://schemas.microsoft.com/office/drawing/2016/SVG/main" r:embed="rId9"/>
                 </a:ext>
               </a:extLst>
             </a:blip>
@@ -2712,7 +2798,7 @@
             <p:cNvPr id="15" name="Graphic 14">
               <a:extLst>
                 <a:ext uri="{FF2B5EF4-FFF2-40B4-BE49-F238E27FC236}">
-                  <a16:creationId xmlns:a16="http://schemas.microsoft.com/office/drawing/2014/main" xmlns="" id="{36D4FF91-8818-4598-AC9F-B8C2FA867C0F}"/>
+                  <a16:creationId xmlns="" xmlns:a16="http://schemas.microsoft.com/office/drawing/2014/main" id="{36D4FF91-8818-4598-AC9F-B8C2FA867C0F}"/>
                 </a:ext>
               </a:extLst>
             </p:cNvPr>
@@ -2732,7 +2818,7 @@
               </a:duotone>
               <a:extLst>
                 <a:ext uri="{96DAC541-7B7A-43D3-8B79-37D633B846F1}">
-                  <asvg:svgBlip xmlns:asvg="http://schemas.microsoft.com/office/drawing/2016/SVG/main" xmlns="" r:embed="rId11"/>
+                  <asvg:svgBlip xmlns="" xmlns:asvg="http://schemas.microsoft.com/office/drawing/2016/SVG/main" r:embed="rId11"/>
                 </a:ext>
               </a:extLst>
             </a:blip>
@@ -3115,7 +3201,7 @@
           <p:cNvPr id="11" name="Group 10">
             <a:extLst>
               <a:ext uri="{FF2B5EF4-FFF2-40B4-BE49-F238E27FC236}">
-                <a16:creationId xmlns:a16="http://schemas.microsoft.com/office/drawing/2014/main" xmlns="" id="{CABB0C64-AD16-4270-8323-3B986F4CAD10}"/>
+                <a16:creationId xmlns="" xmlns:a16="http://schemas.microsoft.com/office/drawing/2014/main" id="{CABB0C64-AD16-4270-8323-3B986F4CAD10}"/>
               </a:ext>
             </a:extLst>
           </p:cNvPr>
@@ -3135,7 +3221,7 @@
             <p:cNvPr id="12" name="Graphic 11">
               <a:extLst>
                 <a:ext uri="{FF2B5EF4-FFF2-40B4-BE49-F238E27FC236}">
-                  <a16:creationId xmlns:a16="http://schemas.microsoft.com/office/drawing/2014/main" xmlns="" id="{323EE1CF-2D6B-4E08-B98D-D9F9B9196806}"/>
+                  <a16:creationId xmlns="" xmlns:a16="http://schemas.microsoft.com/office/drawing/2014/main" id="{323EE1CF-2D6B-4E08-B98D-D9F9B9196806}"/>
                 </a:ext>
               </a:extLst>
             </p:cNvPr>
@@ -3148,7 +3234,7 @@
             <a:blip r:embed="rId2">
               <a:extLst>
                 <a:ext uri="{96DAC541-7B7A-43D3-8B79-37D633B846F1}">
-                  <asvg:svgBlip xmlns:asvg="http://schemas.microsoft.com/office/drawing/2016/SVG/main" xmlns="" r:embed="rId3"/>
+                  <asvg:svgBlip xmlns="" xmlns:asvg="http://schemas.microsoft.com/office/drawing/2016/SVG/main" r:embed="rId3"/>
                 </a:ext>
               </a:extLst>
             </a:blip>
@@ -3171,7 +3257,7 @@
             <p:cNvPr id="13" name="Graphic 12">
               <a:extLst>
                 <a:ext uri="{FF2B5EF4-FFF2-40B4-BE49-F238E27FC236}">
-                  <a16:creationId xmlns:a16="http://schemas.microsoft.com/office/drawing/2014/main" xmlns="" id="{2AA44434-8959-4391-901A-0B056114A270}"/>
+                  <a16:creationId xmlns="" xmlns:a16="http://schemas.microsoft.com/office/drawing/2014/main" id="{2AA44434-8959-4391-901A-0B056114A270}"/>
                 </a:ext>
               </a:extLst>
             </p:cNvPr>
@@ -3191,7 +3277,7 @@
               </a:duotone>
               <a:extLst>
                 <a:ext uri="{96DAC541-7B7A-43D3-8B79-37D633B846F1}">
-                  <asvg:svgBlip xmlns:asvg="http://schemas.microsoft.com/office/drawing/2016/SVG/main" xmlns="" r:embed="rId5"/>
+                  <asvg:svgBlip xmlns="" xmlns:asvg="http://schemas.microsoft.com/office/drawing/2016/SVG/main" r:embed="rId5"/>
                 </a:ext>
               </a:extLst>
             </a:blip>
@@ -3215,7 +3301,7 @@
           <p:cNvPr id="4" name="Slide Number Placeholder 3">
             <a:extLst>
               <a:ext uri="{FF2B5EF4-FFF2-40B4-BE49-F238E27FC236}">
-                <a16:creationId xmlns:a16="http://schemas.microsoft.com/office/drawing/2014/main" xmlns="" id="{04FC6F67-BAE4-413D-8066-1E361D58912A}"/>
+                <a16:creationId xmlns="" xmlns:a16="http://schemas.microsoft.com/office/drawing/2014/main" id="{04FC6F67-BAE4-413D-8066-1E361D58912A}"/>
               </a:ext>
             </a:extLst>
           </p:cNvPr>
@@ -3251,7 +3337,7 @@
           <p:cNvPr id="14" name="Content Placeholder 2">
             <a:extLst>
               <a:ext uri="{FF2B5EF4-FFF2-40B4-BE49-F238E27FC236}">
-                <a16:creationId xmlns:a16="http://schemas.microsoft.com/office/drawing/2014/main" xmlns="" id="{DF566D8F-E696-41DE-BA1C-A8D0C7F03EDA}"/>
+                <a16:creationId xmlns="" xmlns:a16="http://schemas.microsoft.com/office/drawing/2014/main" id="{DF566D8F-E696-41DE-BA1C-A8D0C7F03EDA}"/>
               </a:ext>
             </a:extLst>
           </p:cNvPr>
@@ -3311,7 +3397,7 @@
           <p:cNvPr id="10" name="Picture 9">
             <a:extLst>
               <a:ext uri="{FF2B5EF4-FFF2-40B4-BE49-F238E27FC236}">
-                <a16:creationId xmlns:a16="http://schemas.microsoft.com/office/drawing/2014/main" xmlns="" id="{229BCFD6-0FEA-470B-8D1B-2003D04546A9}"/>
+                <a16:creationId xmlns="" xmlns:a16="http://schemas.microsoft.com/office/drawing/2014/main" id="{229BCFD6-0FEA-470B-8D1B-2003D04546A9}"/>
               </a:ext>
             </a:extLst>
           </p:cNvPr>
@@ -3341,7 +3427,7 @@
           <p:cNvPr id="16" name="Title 1">
             <a:extLst>
               <a:ext uri="{FF2B5EF4-FFF2-40B4-BE49-F238E27FC236}">
-                <a16:creationId xmlns:a16="http://schemas.microsoft.com/office/drawing/2014/main" xmlns="" id="{46DBB272-DB65-45A5-B783-3A77775D8D95}"/>
+                <a16:creationId xmlns="" xmlns:a16="http://schemas.microsoft.com/office/drawing/2014/main" id="{46DBB272-DB65-45A5-B783-3A77775D8D95}"/>
               </a:ext>
             </a:extLst>
           </p:cNvPr>
@@ -3408,7 +3494,7 @@
           <p:cNvPr id="17" name="Title 3">
             <a:extLst>
               <a:ext uri="{FF2B5EF4-FFF2-40B4-BE49-F238E27FC236}">
-                <a16:creationId xmlns:a16="http://schemas.microsoft.com/office/drawing/2014/main" xmlns="" id="{CC871976-F98C-4912-A4AD-158D0A2D9CE3}"/>
+                <a16:creationId xmlns="" xmlns:a16="http://schemas.microsoft.com/office/drawing/2014/main" id="{CC871976-F98C-4912-A4AD-158D0A2D9CE3}"/>
               </a:ext>
             </a:extLst>
           </p:cNvPr>
@@ -3671,7 +3757,7 @@
           <p:cNvPr id="9" name="Slide Number Placeholder 6">
             <a:extLst>
               <a:ext uri="{FF2B5EF4-FFF2-40B4-BE49-F238E27FC236}">
-                <a16:creationId xmlns:a16="http://schemas.microsoft.com/office/drawing/2014/main" xmlns="" id="{B32CA5EA-865E-4EF0-89BB-61FD6EFE265C}"/>
+                <a16:creationId xmlns="" xmlns:a16="http://schemas.microsoft.com/office/drawing/2014/main" id="{B32CA5EA-865E-4EF0-89BB-61FD6EFE265C}"/>
               </a:ext>
             </a:extLst>
           </p:cNvPr>
@@ -3965,7 +4051,7 @@
           <p:cNvPr id="9" name="Slide Number Placeholder 6">
             <a:extLst>
               <a:ext uri="{FF2B5EF4-FFF2-40B4-BE49-F238E27FC236}">
-                <a16:creationId xmlns:a16="http://schemas.microsoft.com/office/drawing/2014/main" xmlns="" id="{BD5BE3E6-AFB3-460C-834B-D73EE2A7C06F}"/>
+                <a16:creationId xmlns="" xmlns:a16="http://schemas.microsoft.com/office/drawing/2014/main" id="{BD5BE3E6-AFB3-460C-834B-D73EE2A7C06F}"/>
               </a:ext>
             </a:extLst>
           </p:cNvPr>
@@ -4100,7 +4186,7 @@
           <p:cNvPr id="21" name="Graphic 20">
             <a:extLst>
               <a:ext uri="{FF2B5EF4-FFF2-40B4-BE49-F238E27FC236}">
-                <a16:creationId xmlns:a16="http://schemas.microsoft.com/office/drawing/2014/main" xmlns="" id="{41E45D2D-0469-4652-A090-C4D13F3C1502}"/>
+                <a16:creationId xmlns="" xmlns:a16="http://schemas.microsoft.com/office/drawing/2014/main" id="{41E45D2D-0469-4652-A090-C4D13F3C1502}"/>
               </a:ext>
             </a:extLst>
           </p:cNvPr>
@@ -4120,7 +4206,7 @@
             </a:duotone>
             <a:extLst>
               <a:ext uri="{96DAC541-7B7A-43D3-8B79-37D633B846F1}">
-                <asvg:svgBlip xmlns:asvg="http://schemas.microsoft.com/office/drawing/2016/SVG/main" xmlns="" r:embed="rId8"/>
+                <asvg:svgBlip xmlns="" xmlns:asvg="http://schemas.microsoft.com/office/drawing/2016/SVG/main" r:embed="rId8"/>
               </a:ext>
             </a:extLst>
           </a:blip>
@@ -4143,7 +4229,7 @@
           <p:cNvPr id="27" name="Graphic 26">
             <a:extLst>
               <a:ext uri="{FF2B5EF4-FFF2-40B4-BE49-F238E27FC236}">
-                <a16:creationId xmlns:a16="http://schemas.microsoft.com/office/drawing/2014/main" xmlns="" id="{16C04FF8-AE2F-4C75-8657-A2201B951971}"/>
+                <a16:creationId xmlns="" xmlns:a16="http://schemas.microsoft.com/office/drawing/2014/main" id="{16C04FF8-AE2F-4C75-8657-A2201B951971}"/>
               </a:ext>
             </a:extLst>
           </p:cNvPr>
@@ -4163,7 +4249,7 @@
             </a:duotone>
             <a:extLst>
               <a:ext uri="{96DAC541-7B7A-43D3-8B79-37D633B846F1}">
-                <asvg:svgBlip xmlns:asvg="http://schemas.microsoft.com/office/drawing/2016/SVG/main" xmlns="" r:embed="rId10"/>
+                <asvg:svgBlip xmlns="" xmlns:asvg="http://schemas.microsoft.com/office/drawing/2016/SVG/main" r:embed="rId10"/>
               </a:ext>
             </a:extLst>
           </a:blip>
@@ -4229,7 +4315,7 @@
           <p:cNvPr id="11" name="Title 1">
             <a:extLst>
               <a:ext uri="{FF2B5EF4-FFF2-40B4-BE49-F238E27FC236}">
-                <a16:creationId xmlns:a16="http://schemas.microsoft.com/office/drawing/2014/main" xmlns="" id="{46DBB272-DB65-45A5-B783-3A77775D8D95}"/>
+                <a16:creationId xmlns="" xmlns:a16="http://schemas.microsoft.com/office/drawing/2014/main" id="{46DBB272-DB65-45A5-B783-3A77775D8D95}"/>
               </a:ext>
             </a:extLst>
           </p:cNvPr>
@@ -4302,7 +4388,7 @@
           <p:cNvPr id="12" name="Picture 11">
             <a:extLst>
               <a:ext uri="{FF2B5EF4-FFF2-40B4-BE49-F238E27FC236}">
-                <a16:creationId xmlns:a16="http://schemas.microsoft.com/office/drawing/2014/main" xmlns="" id="{CDFF6DDB-A06E-4930-8214-DCBB47A399D1}"/>
+                <a16:creationId xmlns="" xmlns:a16="http://schemas.microsoft.com/office/drawing/2014/main" id="{CDFF6DDB-A06E-4930-8214-DCBB47A399D1}"/>
               </a:ext>
             </a:extLst>
           </p:cNvPr>
@@ -4332,7 +4418,7 @@
           <p:cNvPr id="15" name="Group 14">
             <a:extLst>
               <a:ext uri="{FF2B5EF4-FFF2-40B4-BE49-F238E27FC236}">
-                <a16:creationId xmlns:a16="http://schemas.microsoft.com/office/drawing/2014/main" xmlns="" id="{E2851BF9-D8D7-4D39-99D6-6ADB37445A93}"/>
+                <a16:creationId xmlns="" xmlns:a16="http://schemas.microsoft.com/office/drawing/2014/main" id="{E2851BF9-D8D7-4D39-99D6-6ADB37445A93}"/>
               </a:ext>
             </a:extLst>
           </p:cNvPr>
@@ -4352,7 +4438,7 @@
             <p:cNvPr id="16" name="Graphic 15">
               <a:extLst>
                 <a:ext uri="{FF2B5EF4-FFF2-40B4-BE49-F238E27FC236}">
-                  <a16:creationId xmlns:a16="http://schemas.microsoft.com/office/drawing/2014/main" xmlns="" id="{05DC98D5-D807-466C-9222-516E0DCFEE07}"/>
+                  <a16:creationId xmlns="" xmlns:a16="http://schemas.microsoft.com/office/drawing/2014/main" id="{05DC98D5-D807-466C-9222-516E0DCFEE07}"/>
                 </a:ext>
               </a:extLst>
             </p:cNvPr>
@@ -4365,7 +4451,7 @@
             <a:blip r:embed="rId12">
               <a:extLst>
                 <a:ext uri="{96DAC541-7B7A-43D3-8B79-37D633B846F1}">
-                  <asvg:svgBlip xmlns:asvg="http://schemas.microsoft.com/office/drawing/2016/SVG/main" xmlns="" r:embed="rId13"/>
+                  <asvg:svgBlip xmlns="" xmlns:asvg="http://schemas.microsoft.com/office/drawing/2016/SVG/main" r:embed="rId13"/>
                 </a:ext>
               </a:extLst>
             </a:blip>
@@ -4388,7 +4474,7 @@
             <p:cNvPr id="17" name="Graphic 16">
               <a:extLst>
                 <a:ext uri="{FF2B5EF4-FFF2-40B4-BE49-F238E27FC236}">
-                  <a16:creationId xmlns:a16="http://schemas.microsoft.com/office/drawing/2014/main" xmlns="" id="{B27FD9EB-99CD-4D90-8A0C-7912F994E69E}"/>
+                  <a16:creationId xmlns="" xmlns:a16="http://schemas.microsoft.com/office/drawing/2014/main" id="{B27FD9EB-99CD-4D90-8A0C-7912F994E69E}"/>
                 </a:ext>
               </a:extLst>
             </p:cNvPr>
@@ -4408,7 +4494,7 @@
               </a:duotone>
               <a:extLst>
                 <a:ext uri="{96DAC541-7B7A-43D3-8B79-37D633B846F1}">
-                  <asvg:svgBlip xmlns:asvg="http://schemas.microsoft.com/office/drawing/2016/SVG/main" xmlns="" r:embed="rId15"/>
+                  <asvg:svgBlip xmlns="" xmlns:asvg="http://schemas.microsoft.com/office/drawing/2016/SVG/main" r:embed="rId15"/>
                 </a:ext>
               </a:extLst>
             </a:blip>
@@ -4432,7 +4518,7 @@
           <p:cNvPr id="22" name="Title 3">
             <a:extLst>
               <a:ext uri="{FF2B5EF4-FFF2-40B4-BE49-F238E27FC236}">
-                <a16:creationId xmlns:a16="http://schemas.microsoft.com/office/drawing/2014/main" xmlns="" id="{CC871976-F98C-4912-A4AD-158D0A2D9CE3}"/>
+                <a16:creationId xmlns="" xmlns:a16="http://schemas.microsoft.com/office/drawing/2014/main" id="{CC871976-F98C-4912-A4AD-158D0A2D9CE3}"/>
               </a:ext>
             </a:extLst>
           </p:cNvPr>
@@ -4840,7 +4926,7 @@
           <p:cNvPr id="2" name="Title 1">
             <a:extLst>
               <a:ext uri="{FF2B5EF4-FFF2-40B4-BE49-F238E27FC236}">
-                <a16:creationId xmlns:a16="http://schemas.microsoft.com/office/drawing/2014/main" xmlns="" id="{01BDA835-FDD7-479B-B9C4-2B54D983457E}"/>
+                <a16:creationId xmlns="" xmlns:a16="http://schemas.microsoft.com/office/drawing/2014/main" id="{01BDA835-FDD7-479B-B9C4-2B54D983457E}"/>
               </a:ext>
             </a:extLst>
           </p:cNvPr>
@@ -5003,7 +5089,7 @@
           <p:cNvPr id="3" name="Subtitle 2">
             <a:extLst>
               <a:ext uri="{FF2B5EF4-FFF2-40B4-BE49-F238E27FC236}">
-                <a16:creationId xmlns:a16="http://schemas.microsoft.com/office/drawing/2014/main" xmlns="" id="{B31CB0E0-0553-4F76-B893-A9CC81A97AC6}"/>
+                <a16:creationId xmlns="" xmlns:a16="http://schemas.microsoft.com/office/drawing/2014/main" id="{B31CB0E0-0553-4F76-B893-A9CC81A97AC6}"/>
               </a:ext>
             </a:extLst>
           </p:cNvPr>
@@ -5193,7 +5279,7 @@
           <p:cNvPr id="8" name="Title 3">
             <a:extLst>
               <a:ext uri="{FF2B5EF4-FFF2-40B4-BE49-F238E27FC236}">
-                <a16:creationId xmlns:a16="http://schemas.microsoft.com/office/drawing/2014/main" xmlns="" id="{249FB50D-D3FF-4C9D-B418-705D4EA2D891}"/>
+                <a16:creationId xmlns="" xmlns:a16="http://schemas.microsoft.com/office/drawing/2014/main" id="{249FB50D-D3FF-4C9D-B418-705D4EA2D891}"/>
               </a:ext>
             </a:extLst>
           </p:cNvPr>
@@ -5267,7 +5353,7 @@
           <p:cNvPr id="9" name="Content Placeholder 2">
             <a:extLst>
               <a:ext uri="{FF2B5EF4-FFF2-40B4-BE49-F238E27FC236}">
-                <a16:creationId xmlns:a16="http://schemas.microsoft.com/office/drawing/2014/main" xmlns="" id="{7D394C99-B323-47B7-BCC2-501C0B3CAD6E}"/>
+                <a16:creationId xmlns="" xmlns:a16="http://schemas.microsoft.com/office/drawing/2014/main" id="{7D394C99-B323-47B7-BCC2-501C0B3CAD6E}"/>
               </a:ext>
             </a:extLst>
           </p:cNvPr>
@@ -6041,7 +6127,7 @@
           <p:cNvPr id="13" name="Picture 12">
             <a:extLst>
               <a:ext uri="{FF2B5EF4-FFF2-40B4-BE49-F238E27FC236}">
-                <a16:creationId xmlns:a16="http://schemas.microsoft.com/office/drawing/2014/main" xmlns="" id="{6C7DFF70-CCA0-4714-A8D4-3E24AC2445C7}"/>
+                <a16:creationId xmlns="" xmlns:a16="http://schemas.microsoft.com/office/drawing/2014/main" id="{6C7DFF70-CCA0-4714-A8D4-3E24AC2445C7}"/>
               </a:ext>
             </a:extLst>
           </p:cNvPr>
@@ -6071,7 +6157,7 @@
           <p:cNvPr id="2" name="Slide Number Placeholder 1">
             <a:extLst>
               <a:ext uri="{FF2B5EF4-FFF2-40B4-BE49-F238E27FC236}">
-                <a16:creationId xmlns:a16="http://schemas.microsoft.com/office/drawing/2014/main" xmlns="" id="{3A9F13B3-A864-47EA-9914-524B6CB023E9}"/>
+                <a16:creationId xmlns="" xmlns:a16="http://schemas.microsoft.com/office/drawing/2014/main" id="{3A9F13B3-A864-47EA-9914-524B6CB023E9}"/>
               </a:ext>
             </a:extLst>
           </p:cNvPr>
@@ -6349,7 +6435,7 @@
           <p:cNvPr id="8" name="Title 3">
             <a:extLst>
               <a:ext uri="{FF2B5EF4-FFF2-40B4-BE49-F238E27FC236}">
-                <a16:creationId xmlns:a16="http://schemas.microsoft.com/office/drawing/2014/main" xmlns="" id="{249FB50D-D3FF-4C9D-B418-705D4EA2D891}"/>
+                <a16:creationId xmlns="" xmlns:a16="http://schemas.microsoft.com/office/drawing/2014/main" id="{249FB50D-D3FF-4C9D-B418-705D4EA2D891}"/>
               </a:ext>
             </a:extLst>
           </p:cNvPr>
@@ -6423,7 +6509,7 @@
           <p:cNvPr id="9" name="Content Placeholder 2">
             <a:extLst>
               <a:ext uri="{FF2B5EF4-FFF2-40B4-BE49-F238E27FC236}">
-                <a16:creationId xmlns:a16="http://schemas.microsoft.com/office/drawing/2014/main" xmlns="" id="{7D394C99-B323-47B7-BCC2-501C0B3CAD6E}"/>
+                <a16:creationId xmlns="" xmlns:a16="http://schemas.microsoft.com/office/drawing/2014/main" id="{7D394C99-B323-47B7-BCC2-501C0B3CAD6E}"/>
               </a:ext>
             </a:extLst>
           </p:cNvPr>
@@ -6679,7 +6765,7 @@
           <p:cNvPr id="13" name="Picture 12">
             <a:extLst>
               <a:ext uri="{FF2B5EF4-FFF2-40B4-BE49-F238E27FC236}">
-                <a16:creationId xmlns:a16="http://schemas.microsoft.com/office/drawing/2014/main" xmlns="" id="{6C7DFF70-CCA0-4714-A8D4-3E24AC2445C7}"/>
+                <a16:creationId xmlns="" xmlns:a16="http://schemas.microsoft.com/office/drawing/2014/main" id="{6C7DFF70-CCA0-4714-A8D4-3E24AC2445C7}"/>
               </a:ext>
             </a:extLst>
           </p:cNvPr>
@@ -6709,7 +6795,7 @@
           <p:cNvPr id="2" name="Slide Number Placeholder 1">
             <a:extLst>
               <a:ext uri="{FF2B5EF4-FFF2-40B4-BE49-F238E27FC236}">
-                <a16:creationId xmlns:a16="http://schemas.microsoft.com/office/drawing/2014/main" xmlns="" id="{3A9F13B3-A864-47EA-9914-524B6CB023E9}"/>
+                <a16:creationId xmlns="" xmlns:a16="http://schemas.microsoft.com/office/drawing/2014/main" id="{3A9F13B3-A864-47EA-9914-524B6CB023E9}"/>
               </a:ext>
             </a:extLst>
           </p:cNvPr>
@@ -6967,7 +7053,7 @@
           <p:cNvPr id="8" name="Title 3">
             <a:extLst>
               <a:ext uri="{FF2B5EF4-FFF2-40B4-BE49-F238E27FC236}">
-                <a16:creationId xmlns:a16="http://schemas.microsoft.com/office/drawing/2014/main" xmlns="" id="{249FB50D-D3FF-4C9D-B418-705D4EA2D891}"/>
+                <a16:creationId xmlns="" xmlns:a16="http://schemas.microsoft.com/office/drawing/2014/main" id="{249FB50D-D3FF-4C9D-B418-705D4EA2D891}"/>
               </a:ext>
             </a:extLst>
           </p:cNvPr>
@@ -7041,7 +7127,7 @@
           <p:cNvPr id="9" name="Content Placeholder 2">
             <a:extLst>
               <a:ext uri="{FF2B5EF4-FFF2-40B4-BE49-F238E27FC236}">
-                <a16:creationId xmlns:a16="http://schemas.microsoft.com/office/drawing/2014/main" xmlns="" id="{7D394C99-B323-47B7-BCC2-501C0B3CAD6E}"/>
+                <a16:creationId xmlns="" xmlns:a16="http://schemas.microsoft.com/office/drawing/2014/main" id="{7D394C99-B323-47B7-BCC2-501C0B3CAD6E}"/>
               </a:ext>
             </a:extLst>
           </p:cNvPr>
@@ -7130,7 +7216,7 @@
           <p:cNvPr id="13" name="Picture 12">
             <a:extLst>
               <a:ext uri="{FF2B5EF4-FFF2-40B4-BE49-F238E27FC236}">
-                <a16:creationId xmlns:a16="http://schemas.microsoft.com/office/drawing/2014/main" xmlns="" id="{6C7DFF70-CCA0-4714-A8D4-3E24AC2445C7}"/>
+                <a16:creationId xmlns="" xmlns:a16="http://schemas.microsoft.com/office/drawing/2014/main" id="{6C7DFF70-CCA0-4714-A8D4-3E24AC2445C7}"/>
               </a:ext>
             </a:extLst>
           </p:cNvPr>
@@ -7160,7 +7246,7 @@
           <p:cNvPr id="2" name="Slide Number Placeholder 1">
             <a:extLst>
               <a:ext uri="{FF2B5EF4-FFF2-40B4-BE49-F238E27FC236}">
-                <a16:creationId xmlns:a16="http://schemas.microsoft.com/office/drawing/2014/main" xmlns="" id="{3A9F13B3-A864-47EA-9914-524B6CB023E9}"/>
+                <a16:creationId xmlns="" xmlns:a16="http://schemas.microsoft.com/office/drawing/2014/main" id="{3A9F13B3-A864-47EA-9914-524B6CB023E9}"/>
               </a:ext>
             </a:extLst>
           </p:cNvPr>
@@ -7414,7 +7500,7 @@
           <p:cNvPr id="8" name="Title 3">
             <a:extLst>
               <a:ext uri="{FF2B5EF4-FFF2-40B4-BE49-F238E27FC236}">
-                <a16:creationId xmlns:a16="http://schemas.microsoft.com/office/drawing/2014/main" xmlns="" id="{249FB50D-D3FF-4C9D-B418-705D4EA2D891}"/>
+                <a16:creationId xmlns="" xmlns:a16="http://schemas.microsoft.com/office/drawing/2014/main" id="{249FB50D-D3FF-4C9D-B418-705D4EA2D891}"/>
               </a:ext>
             </a:extLst>
           </p:cNvPr>
@@ -7577,7 +7663,7 @@
           <p:cNvPr id="9" name="Content Placeholder 2">
             <a:extLst>
               <a:ext uri="{FF2B5EF4-FFF2-40B4-BE49-F238E27FC236}">
-                <a16:creationId xmlns:a16="http://schemas.microsoft.com/office/drawing/2014/main" xmlns="" id="{7D394C99-B323-47B7-BCC2-501C0B3CAD6E}"/>
+                <a16:creationId xmlns="" xmlns:a16="http://schemas.microsoft.com/office/drawing/2014/main" id="{7D394C99-B323-47B7-BCC2-501C0B3CAD6E}"/>
               </a:ext>
             </a:extLst>
           </p:cNvPr>
@@ -8082,7 +8168,7 @@
           <p:cNvPr id="13" name="Picture 12">
             <a:extLst>
               <a:ext uri="{FF2B5EF4-FFF2-40B4-BE49-F238E27FC236}">
-                <a16:creationId xmlns:a16="http://schemas.microsoft.com/office/drawing/2014/main" xmlns="" id="{6C7DFF70-CCA0-4714-A8D4-3E24AC2445C7}"/>
+                <a16:creationId xmlns="" xmlns:a16="http://schemas.microsoft.com/office/drawing/2014/main" id="{6C7DFF70-CCA0-4714-A8D4-3E24AC2445C7}"/>
               </a:ext>
             </a:extLst>
           </p:cNvPr>
@@ -8112,7 +8198,7 @@
           <p:cNvPr id="2" name="Slide Number Placeholder 1">
             <a:extLst>
               <a:ext uri="{FF2B5EF4-FFF2-40B4-BE49-F238E27FC236}">
-                <a16:creationId xmlns:a16="http://schemas.microsoft.com/office/drawing/2014/main" xmlns="" id="{3A9F13B3-A864-47EA-9914-524B6CB023E9}"/>
+                <a16:creationId xmlns="" xmlns:a16="http://schemas.microsoft.com/office/drawing/2014/main" id="{3A9F13B3-A864-47EA-9914-524B6CB023E9}"/>
               </a:ext>
             </a:extLst>
           </p:cNvPr>
@@ -8342,7 +8428,7 @@
           <p:cNvPr id="8" name="Title 3">
             <a:extLst>
               <a:ext uri="{FF2B5EF4-FFF2-40B4-BE49-F238E27FC236}">
-                <a16:creationId xmlns:a16="http://schemas.microsoft.com/office/drawing/2014/main" xmlns="" id="{249FB50D-D3FF-4C9D-B418-705D4EA2D891}"/>
+                <a16:creationId xmlns="" xmlns:a16="http://schemas.microsoft.com/office/drawing/2014/main" id="{249FB50D-D3FF-4C9D-B418-705D4EA2D891}"/>
               </a:ext>
             </a:extLst>
           </p:cNvPr>
@@ -8441,7 +8527,7 @@
           <p:cNvPr id="9" name="Content Placeholder 2">
             <a:extLst>
               <a:ext uri="{FF2B5EF4-FFF2-40B4-BE49-F238E27FC236}">
-                <a16:creationId xmlns:a16="http://schemas.microsoft.com/office/drawing/2014/main" xmlns="" id="{7D394C99-B323-47B7-BCC2-501C0B3CAD6E}"/>
+                <a16:creationId xmlns="" xmlns:a16="http://schemas.microsoft.com/office/drawing/2014/main" id="{7D394C99-B323-47B7-BCC2-501C0B3CAD6E}"/>
               </a:ext>
             </a:extLst>
           </p:cNvPr>
@@ -9339,7 +9425,7 @@
           <p:cNvPr id="13" name="Picture 12">
             <a:extLst>
               <a:ext uri="{FF2B5EF4-FFF2-40B4-BE49-F238E27FC236}">
-                <a16:creationId xmlns:a16="http://schemas.microsoft.com/office/drawing/2014/main" xmlns="" id="{6C7DFF70-CCA0-4714-A8D4-3E24AC2445C7}"/>
+                <a16:creationId xmlns="" xmlns:a16="http://schemas.microsoft.com/office/drawing/2014/main" id="{6C7DFF70-CCA0-4714-A8D4-3E24AC2445C7}"/>
               </a:ext>
             </a:extLst>
           </p:cNvPr>
@@ -9369,7 +9455,7 @@
           <p:cNvPr id="2" name="Slide Number Placeholder 1">
             <a:extLst>
               <a:ext uri="{FF2B5EF4-FFF2-40B4-BE49-F238E27FC236}">
-                <a16:creationId xmlns:a16="http://schemas.microsoft.com/office/drawing/2014/main" xmlns="" id="{3A9F13B3-A864-47EA-9914-524B6CB023E9}"/>
+                <a16:creationId xmlns="" xmlns:a16="http://schemas.microsoft.com/office/drawing/2014/main" id="{3A9F13B3-A864-47EA-9914-524B6CB023E9}"/>
               </a:ext>
             </a:extLst>
           </p:cNvPr>
@@ -9599,7 +9685,7 @@
           <p:cNvPr id="8" name="Title 3">
             <a:extLst>
               <a:ext uri="{FF2B5EF4-FFF2-40B4-BE49-F238E27FC236}">
-                <a16:creationId xmlns:a16="http://schemas.microsoft.com/office/drawing/2014/main" xmlns="" id="{249FB50D-D3FF-4C9D-B418-705D4EA2D891}"/>
+                <a16:creationId xmlns="" xmlns:a16="http://schemas.microsoft.com/office/drawing/2014/main" id="{249FB50D-D3FF-4C9D-B418-705D4EA2D891}"/>
               </a:ext>
             </a:extLst>
           </p:cNvPr>
@@ -9673,7 +9759,7 @@
           <p:cNvPr id="9" name="Content Placeholder 2">
             <a:extLst>
               <a:ext uri="{FF2B5EF4-FFF2-40B4-BE49-F238E27FC236}">
-                <a16:creationId xmlns:a16="http://schemas.microsoft.com/office/drawing/2014/main" xmlns="" id="{7D394C99-B323-47B7-BCC2-501C0B3CAD6E}"/>
+                <a16:creationId xmlns="" xmlns:a16="http://schemas.microsoft.com/office/drawing/2014/main" id="{7D394C99-B323-47B7-BCC2-501C0B3CAD6E}"/>
               </a:ext>
             </a:extLst>
           </p:cNvPr>
@@ -9959,22 +10045,6 @@
               </a:rPr>
               <a:t> </a:t>
             </a:r>
-            <a:endParaRPr lang="en-US" sz="1800" dirty="0">
-              <a:ln w="0"/>
-              <a:solidFill>
-                <a:schemeClr val="bg2">
-                  <a:lumMod val="50000"/>
-                </a:schemeClr>
-              </a:solidFill>
-              <a:effectLst>
-                <a:outerShdw blurRad="38100" dist="25400" dir="5400000" algn="ctr" rotWithShape="0">
-                  <a:srgbClr val="6E747A">
-                    <a:alpha val="43000"/>
-                  </a:srgbClr>
-                </a:outerShdw>
-              </a:effectLst>
-              <a:cs typeface="B Nazanin" panose="00000400000000000000" pitchFamily="2" charset="-78"/>
-            </a:endParaRPr>
           </a:p>
         </p:txBody>
       </p:sp>
@@ -9983,7 +10053,7 @@
           <p:cNvPr id="13" name="Picture 12">
             <a:extLst>
               <a:ext uri="{FF2B5EF4-FFF2-40B4-BE49-F238E27FC236}">
-                <a16:creationId xmlns:a16="http://schemas.microsoft.com/office/drawing/2014/main" xmlns="" id="{6C7DFF70-CCA0-4714-A8D4-3E24AC2445C7}"/>
+                <a16:creationId xmlns="" xmlns:a16="http://schemas.microsoft.com/office/drawing/2014/main" id="{6C7DFF70-CCA0-4714-A8D4-3E24AC2445C7}"/>
               </a:ext>
             </a:extLst>
           </p:cNvPr>
@@ -10013,7 +10083,7 @@
           <p:cNvPr id="2" name="Slide Number Placeholder 1">
             <a:extLst>
               <a:ext uri="{FF2B5EF4-FFF2-40B4-BE49-F238E27FC236}">
-                <a16:creationId xmlns:a16="http://schemas.microsoft.com/office/drawing/2014/main" xmlns="" id="{3A9F13B3-A864-47EA-9914-524B6CB023E9}"/>
+                <a16:creationId xmlns="" xmlns:a16="http://schemas.microsoft.com/office/drawing/2014/main" id="{3A9F13B3-A864-47EA-9914-524B6CB023E9}"/>
               </a:ext>
             </a:extLst>
           </p:cNvPr>
@@ -10265,7 +10335,7 @@
           <p:cNvPr id="8" name="Title 3">
             <a:extLst>
               <a:ext uri="{FF2B5EF4-FFF2-40B4-BE49-F238E27FC236}">
-                <a16:creationId xmlns:a16="http://schemas.microsoft.com/office/drawing/2014/main" xmlns="" id="{249FB50D-D3FF-4C9D-B418-705D4EA2D891}"/>
+                <a16:creationId xmlns="" xmlns:a16="http://schemas.microsoft.com/office/drawing/2014/main" id="{249FB50D-D3FF-4C9D-B418-705D4EA2D891}"/>
               </a:ext>
             </a:extLst>
           </p:cNvPr>
@@ -10410,7 +10480,7 @@
           <p:cNvPr id="9" name="Content Placeholder 2">
             <a:extLst>
               <a:ext uri="{FF2B5EF4-FFF2-40B4-BE49-F238E27FC236}">
-                <a16:creationId xmlns:a16="http://schemas.microsoft.com/office/drawing/2014/main" xmlns="" id="{7D394C99-B323-47B7-BCC2-501C0B3CAD6E}"/>
+                <a16:creationId xmlns="" xmlns:a16="http://schemas.microsoft.com/office/drawing/2014/main" id="{7D394C99-B323-47B7-BCC2-501C0B3CAD6E}"/>
               </a:ext>
             </a:extLst>
           </p:cNvPr>
@@ -10606,7 +10676,7 @@
           <p:cNvPr id="13" name="Picture 12">
             <a:extLst>
               <a:ext uri="{FF2B5EF4-FFF2-40B4-BE49-F238E27FC236}">
-                <a16:creationId xmlns:a16="http://schemas.microsoft.com/office/drawing/2014/main" xmlns="" id="{6C7DFF70-CCA0-4714-A8D4-3E24AC2445C7}"/>
+                <a16:creationId xmlns="" xmlns:a16="http://schemas.microsoft.com/office/drawing/2014/main" id="{6C7DFF70-CCA0-4714-A8D4-3E24AC2445C7}"/>
               </a:ext>
             </a:extLst>
           </p:cNvPr>
@@ -10636,7 +10706,7 @@
           <p:cNvPr id="2" name="Slide Number Placeholder 1">
             <a:extLst>
               <a:ext uri="{FF2B5EF4-FFF2-40B4-BE49-F238E27FC236}">
-                <a16:creationId xmlns:a16="http://schemas.microsoft.com/office/drawing/2014/main" xmlns="" id="{3A9F13B3-A864-47EA-9914-524B6CB023E9}"/>
+                <a16:creationId xmlns="" xmlns:a16="http://schemas.microsoft.com/office/drawing/2014/main" id="{3A9F13B3-A864-47EA-9914-524B6CB023E9}"/>
               </a:ext>
             </a:extLst>
           </p:cNvPr>
@@ -10890,7 +10960,7 @@
           <p:cNvPr id="8" name="Title 3">
             <a:extLst>
               <a:ext uri="{FF2B5EF4-FFF2-40B4-BE49-F238E27FC236}">
-                <a16:creationId xmlns:a16="http://schemas.microsoft.com/office/drawing/2014/main" xmlns="" id="{249FB50D-D3FF-4C9D-B418-705D4EA2D891}"/>
+                <a16:creationId xmlns="" xmlns:a16="http://schemas.microsoft.com/office/drawing/2014/main" id="{249FB50D-D3FF-4C9D-B418-705D4EA2D891}"/>
               </a:ext>
             </a:extLst>
           </p:cNvPr>
@@ -10964,7 +11034,7 @@
           <p:cNvPr id="9" name="Content Placeholder 2">
             <a:extLst>
               <a:ext uri="{FF2B5EF4-FFF2-40B4-BE49-F238E27FC236}">
-                <a16:creationId xmlns:a16="http://schemas.microsoft.com/office/drawing/2014/main" xmlns="" id="{7D394C99-B323-47B7-BCC2-501C0B3CAD6E}"/>
+                <a16:creationId xmlns="" xmlns:a16="http://schemas.microsoft.com/office/drawing/2014/main" id="{7D394C99-B323-47B7-BCC2-501C0B3CAD6E}"/>
               </a:ext>
             </a:extLst>
           </p:cNvPr>
@@ -10992,25 +11062,303 @@
               <a:buChar char="q"/>
             </a:pPr>
             <a:r>
-              <a:rPr lang="fa-IR" dirty="0" smtClean="0">
-                <a:ln w="0"/>
-                <a:solidFill>
-                  <a:schemeClr val="bg2">
-                    <a:lumMod val="50000"/>
-                  </a:schemeClr>
-                </a:solidFill>
-                <a:effectLst>
-                  <a:outerShdw blurRad="38100" dist="25400" dir="5400000" algn="ctr" rotWithShape="0">
-                    <a:srgbClr val="6E747A">
-                      <a:alpha val="43000"/>
-                    </a:srgbClr>
-                  </a:outerShdw>
-                </a:effectLst>
-                <a:cs typeface="B Nazanin" panose="00000400000000000000" pitchFamily="2" charset="-78"/>
-              </a:rPr>
-              <a:t>...</a:t>
-            </a:r>
-            <a:endParaRPr lang="en-US" sz="2100" dirty="0">
+              <a:rPr lang="fa-IR" sz="1600" dirty="0">
+                <a:ln w="0"/>
+                <a:solidFill>
+                  <a:schemeClr val="bg2">
+                    <a:lumMod val="50000"/>
+                  </a:schemeClr>
+                </a:solidFill>
+                <a:effectLst>
+                  <a:outerShdw blurRad="38100" dist="25400" dir="5400000" algn="ctr" rotWithShape="0">
+                    <a:srgbClr val="6E747A">
+                      <a:alpha val="43000"/>
+                    </a:srgbClr>
+                  </a:outerShdw>
+                </a:effectLst>
+                <a:cs typeface="B Nazanin" panose="00000400000000000000" pitchFamily="2" charset="-78"/>
+              </a:rPr>
+              <a:t>مدل‌سازی اختلال‌هایی </a:t>
+            </a:r>
+            <a:r>
+              <a:rPr lang="fa-IR" sz="1600" dirty="0" smtClean="0">
+                <a:ln w="0"/>
+                <a:solidFill>
+                  <a:schemeClr val="bg2">
+                    <a:lumMod val="50000"/>
+                  </a:schemeClr>
+                </a:solidFill>
+                <a:effectLst>
+                  <a:outerShdw blurRad="38100" dist="25400" dir="5400000" algn="ctr" rotWithShape="0">
+                    <a:srgbClr val="6E747A">
+                      <a:alpha val="43000"/>
+                    </a:srgbClr>
+                  </a:outerShdw>
+                </a:effectLst>
+                <a:cs typeface="B Nazanin" panose="00000400000000000000" pitchFamily="2" charset="-78"/>
+              </a:rPr>
+              <a:t>توسط </a:t>
+            </a:r>
+            <a:r>
+              <a:rPr lang="fa-IR" sz="1600" dirty="0">
+                <a:ln w="0"/>
+                <a:solidFill>
+                  <a:schemeClr val="bg2">
+                    <a:lumMod val="50000"/>
+                  </a:schemeClr>
+                </a:solidFill>
+                <a:effectLst>
+                  <a:outerShdw blurRad="38100" dist="25400" dir="5400000" algn="ctr" rotWithShape="0">
+                    <a:srgbClr val="6E747A">
+                      <a:alpha val="43000"/>
+                    </a:srgbClr>
+                  </a:outerShdw>
+                </a:effectLst>
+                <a:cs typeface="B Nazanin" panose="00000400000000000000" pitchFamily="2" charset="-78"/>
+              </a:rPr>
+              <a:t>متخصصان حوزه در ابزار مدل‌سازی اختلال بخش </a:t>
+            </a:r>
+            <a:r>
+              <a:rPr lang="fa-IR" sz="1600" dirty="0" smtClean="0">
+                <a:ln w="0"/>
+                <a:solidFill>
+                  <a:schemeClr val="bg2">
+                    <a:lumMod val="50000"/>
+                  </a:schemeClr>
+                </a:solidFill>
+                <a:effectLst>
+                  <a:outerShdw blurRad="38100" dist="25400" dir="5400000" algn="ctr" rotWithShape="0">
+                    <a:srgbClr val="6E747A">
+                      <a:alpha val="43000"/>
+                    </a:srgbClr>
+                  </a:outerShdw>
+                </a:effectLst>
+                <a:cs typeface="B Nazanin" panose="00000400000000000000" pitchFamily="2" charset="-78"/>
+              </a:rPr>
+              <a:t>انجام می‌شود</a:t>
+            </a:r>
+          </a:p>
+          <a:p>
+            <a:pPr marL="406908" indent="-342900" algn="just">
+              <a:buFont typeface="Wingdings" panose="05000000000000000000" pitchFamily="2" charset="2"/>
+              <a:buChar char="q"/>
+            </a:pPr>
+            <a:r>
+              <a:rPr lang="fa-IR" sz="1600" dirty="0">
+                <a:ln w="0"/>
+                <a:solidFill>
+                  <a:schemeClr val="bg2">
+                    <a:lumMod val="50000"/>
+                  </a:schemeClr>
+                </a:solidFill>
+                <a:effectLst>
+                  <a:outerShdw blurRad="38100" dist="25400" dir="5400000" algn="ctr" rotWithShape="0">
+                    <a:srgbClr val="6E747A">
+                      <a:alpha val="43000"/>
+                    </a:srgbClr>
+                  </a:outerShdw>
+                </a:effectLst>
+                <a:cs typeface="B Nazanin" panose="00000400000000000000" pitchFamily="2" charset="-78"/>
+              </a:rPr>
+              <a:t>داده های نظارتی به رویدادهای </a:t>
+            </a:r>
+            <a:r>
+              <a:rPr lang="fa-IR" sz="1600" dirty="0" smtClean="0">
+                <a:ln w="0"/>
+                <a:solidFill>
+                  <a:schemeClr val="bg2">
+                    <a:lumMod val="50000"/>
+                  </a:schemeClr>
+                </a:solidFill>
+                <a:effectLst>
+                  <a:outerShdw blurRad="38100" dist="25400" dir="5400000" algn="ctr" rotWithShape="0">
+                    <a:srgbClr val="6E747A">
+                      <a:alpha val="43000"/>
+                    </a:srgbClr>
+                  </a:outerShdw>
+                </a:effectLst>
+                <a:cs typeface="B Nazanin" panose="00000400000000000000" pitchFamily="2" charset="-78"/>
+              </a:rPr>
+              <a:t>ورودی</a:t>
+            </a:r>
+            <a:r>
+              <a:rPr lang="en-US" sz="1600" dirty="0" smtClean="0">
+                <a:ln w="0"/>
+                <a:solidFill>
+                  <a:schemeClr val="bg2">
+                    <a:lumMod val="50000"/>
+                  </a:schemeClr>
+                </a:solidFill>
+                <a:effectLst>
+                  <a:outerShdw blurRad="38100" dist="25400" dir="5400000" algn="ctr" rotWithShape="0">
+                    <a:srgbClr val="6E747A">
+                      <a:alpha val="43000"/>
+                    </a:srgbClr>
+                  </a:outerShdw>
+                </a:effectLst>
+                <a:cs typeface="B Nazanin" panose="00000400000000000000" pitchFamily="2" charset="-78"/>
+              </a:rPr>
+              <a:t>CEP</a:t>
+            </a:r>
+            <a:r>
+              <a:rPr lang="fa-IR" sz="1600" dirty="0" smtClean="0">
+                <a:ln w="0"/>
+                <a:solidFill>
+                  <a:schemeClr val="bg2">
+                    <a:lumMod val="50000"/>
+                  </a:schemeClr>
+                </a:solidFill>
+                <a:effectLst>
+                  <a:outerShdw blurRad="38100" dist="25400" dir="5400000" algn="ctr" rotWithShape="0">
+                    <a:srgbClr val="6E747A">
+                      <a:alpha val="43000"/>
+                    </a:srgbClr>
+                  </a:outerShdw>
+                </a:effectLst>
+                <a:cs typeface="B Nazanin" panose="00000400000000000000" pitchFamily="2" charset="-78"/>
+              </a:rPr>
+              <a:t> تبدیل </a:t>
+            </a:r>
+            <a:r>
+              <a:rPr lang="fa-IR" sz="1600" dirty="0">
+                <a:ln w="0"/>
+                <a:solidFill>
+                  <a:schemeClr val="bg2">
+                    <a:lumMod val="50000"/>
+                  </a:schemeClr>
+                </a:solidFill>
+                <a:effectLst>
+                  <a:outerShdw blurRad="38100" dist="25400" dir="5400000" algn="ctr" rotWithShape="0">
+                    <a:srgbClr val="6E747A">
+                      <a:alpha val="43000"/>
+                    </a:srgbClr>
+                  </a:outerShdw>
+                </a:effectLst>
+                <a:cs typeface="B Nazanin" panose="00000400000000000000" pitchFamily="2" charset="-78"/>
+              </a:rPr>
+              <a:t>شده و به </a:t>
+            </a:r>
+            <a:r>
+              <a:rPr lang="fa-IR" sz="1600" dirty="0" smtClean="0">
+                <a:ln w="0"/>
+                <a:solidFill>
+                  <a:schemeClr val="bg2">
+                    <a:lumMod val="50000"/>
+                  </a:schemeClr>
+                </a:solidFill>
+                <a:effectLst>
+                  <a:outerShdw blurRad="38100" dist="25400" dir="5400000" algn="ctr" rotWithShape="0">
+                    <a:srgbClr val="6E747A">
+                      <a:alpha val="43000"/>
+                    </a:srgbClr>
+                  </a:outerShdw>
+                </a:effectLst>
+                <a:cs typeface="B Nazanin" panose="00000400000000000000" pitchFamily="2" charset="-78"/>
+              </a:rPr>
+              <a:t>موتور</a:t>
+            </a:r>
+            <a:r>
+              <a:rPr lang="en-US" sz="1600" dirty="0" smtClean="0">
+                <a:ln w="0"/>
+                <a:solidFill>
+                  <a:schemeClr val="bg2">
+                    <a:lumMod val="50000"/>
+                  </a:schemeClr>
+                </a:solidFill>
+                <a:effectLst>
+                  <a:outerShdw blurRad="38100" dist="25400" dir="5400000" algn="ctr" rotWithShape="0">
+                    <a:srgbClr val="6E747A">
+                      <a:alpha val="43000"/>
+                    </a:srgbClr>
+                  </a:outerShdw>
+                </a:effectLst>
+                <a:cs typeface="B Nazanin" panose="00000400000000000000" pitchFamily="2" charset="-78"/>
+              </a:rPr>
+              <a:t>CEP </a:t>
+            </a:r>
+            <a:r>
+              <a:rPr lang="fa-IR" sz="1600" dirty="0" smtClean="0">
+                <a:ln w="0"/>
+                <a:solidFill>
+                  <a:schemeClr val="bg2">
+                    <a:lumMod val="50000"/>
+                  </a:schemeClr>
+                </a:solidFill>
+                <a:effectLst>
+                  <a:outerShdw blurRad="38100" dist="25400" dir="5400000" algn="ctr" rotWithShape="0">
+                    <a:srgbClr val="6E747A">
+                      <a:alpha val="43000"/>
+                    </a:srgbClr>
+                  </a:outerShdw>
+                </a:effectLst>
+                <a:cs typeface="B Nazanin" panose="00000400000000000000" pitchFamily="2" charset="-78"/>
+              </a:rPr>
+              <a:t> ارسال </a:t>
+            </a:r>
+            <a:r>
+              <a:rPr lang="fa-IR" sz="1600" dirty="0">
+                <a:ln w="0"/>
+                <a:solidFill>
+                  <a:schemeClr val="bg2">
+                    <a:lumMod val="50000"/>
+                  </a:schemeClr>
+                </a:solidFill>
+                <a:effectLst>
+                  <a:outerShdw blurRad="38100" dist="25400" dir="5400000" algn="ctr" rotWithShape="0">
+                    <a:srgbClr val="6E747A">
+                      <a:alpha val="43000"/>
+                    </a:srgbClr>
+                  </a:outerShdw>
+                </a:effectLst>
+                <a:cs typeface="B Nazanin" panose="00000400000000000000" pitchFamily="2" charset="-78"/>
+              </a:rPr>
+              <a:t>می </a:t>
+            </a:r>
+            <a:r>
+              <a:rPr lang="fa-IR" sz="1600" dirty="0" smtClean="0">
+                <a:ln w="0"/>
+                <a:solidFill>
+                  <a:schemeClr val="bg2">
+                    <a:lumMod val="50000"/>
+                  </a:schemeClr>
+                </a:solidFill>
+                <a:effectLst>
+                  <a:outerShdw blurRad="38100" dist="25400" dir="5400000" algn="ctr" rotWithShape="0">
+                    <a:srgbClr val="6E747A">
+                      <a:alpha val="43000"/>
+                    </a:srgbClr>
+                  </a:outerShdw>
+                </a:effectLst>
+                <a:cs typeface="B Nazanin" panose="00000400000000000000" pitchFamily="2" charset="-78"/>
+              </a:rPr>
+              <a:t>شوند</a:t>
+            </a:r>
+          </a:p>
+          <a:p>
+            <a:pPr marL="406908" indent="-342900" algn="just">
+              <a:buFont typeface="Wingdings" panose="05000000000000000000" pitchFamily="2" charset="2"/>
+              <a:buChar char="q"/>
+            </a:pPr>
+            <a:r>
+              <a:rPr lang="fa-IR" sz="1600" dirty="0">
+                <a:ln w="0"/>
+                <a:solidFill>
+                  <a:schemeClr val="bg2">
+                    <a:lumMod val="50000"/>
+                  </a:schemeClr>
+                </a:solidFill>
+                <a:effectLst>
+                  <a:outerShdw blurRad="38100" dist="25400" dir="5400000" algn="ctr" rotWithShape="0">
+                    <a:srgbClr val="6E747A">
+                      <a:alpha val="43000"/>
+                    </a:srgbClr>
+                  </a:outerShdw>
+                </a:effectLst>
+                <a:cs typeface="B Nazanin" panose="00000400000000000000" pitchFamily="2" charset="-78"/>
+              </a:rPr>
+              <a:t>اعلان‌های مربوط به اختلالات </a:t>
+            </a:r>
+            <a:endParaRPr lang="fa-IR" sz="1600" dirty="0" smtClean="0">
               <a:ln w="0"/>
               <a:solidFill>
                 <a:schemeClr val="bg2">
@@ -11027,6 +11375,101 @@
               <a:cs typeface="B Nazanin" panose="00000400000000000000" pitchFamily="2" charset="-78"/>
             </a:endParaRPr>
           </a:p>
+          <a:p>
+            <a:pPr algn="just"/>
+            <a:r>
+              <a:rPr lang="fa-IR" sz="1600" dirty="0" smtClean="0">
+                <a:ln w="0"/>
+                <a:solidFill>
+                  <a:schemeClr val="bg2">
+                    <a:lumMod val="50000"/>
+                  </a:schemeClr>
+                </a:solidFill>
+                <a:effectLst>
+                  <a:outerShdw blurRad="38100" dist="25400" dir="5400000" algn="ctr" rotWithShape="0">
+                    <a:srgbClr val="6E747A">
+                      <a:alpha val="43000"/>
+                    </a:srgbClr>
+                  </a:outerShdw>
+                </a:effectLst>
+                <a:cs typeface="B Nazanin" panose="00000400000000000000" pitchFamily="2" charset="-78"/>
+              </a:rPr>
+              <a:t>به </a:t>
+            </a:r>
+            <a:r>
+              <a:rPr lang="fa-IR" sz="1600" dirty="0">
+                <a:ln w="0"/>
+                <a:solidFill>
+                  <a:schemeClr val="bg2">
+                    <a:lumMod val="50000"/>
+                  </a:schemeClr>
+                </a:solidFill>
+                <a:effectLst>
+                  <a:outerShdw blurRad="38100" dist="25400" dir="5400000" algn="ctr" rotWithShape="0">
+                    <a:srgbClr val="6E747A">
+                      <a:alpha val="43000"/>
+                    </a:srgbClr>
+                  </a:outerShdw>
+                </a:effectLst>
+                <a:cs typeface="B Nazanin" panose="00000400000000000000" pitchFamily="2" charset="-78"/>
+              </a:rPr>
+              <a:t>داشبورد </a:t>
+            </a:r>
+            <a:r>
+              <a:rPr lang="en-US" sz="1600" dirty="0" smtClean="0">
+                <a:ln w="0"/>
+                <a:solidFill>
+                  <a:schemeClr val="bg2">
+                    <a:lumMod val="50000"/>
+                  </a:schemeClr>
+                </a:solidFill>
+                <a:effectLst>
+                  <a:outerShdw blurRad="38100" dist="25400" dir="5400000" algn="ctr" rotWithShape="0">
+                    <a:srgbClr val="6E747A">
+                      <a:alpha val="43000"/>
+                    </a:srgbClr>
+                  </a:outerShdw>
+                </a:effectLst>
+                <a:cs typeface="B Nazanin" panose="00000400000000000000" pitchFamily="2" charset="-78"/>
+              </a:rPr>
+              <a:t> MBP </a:t>
+            </a:r>
+            <a:r>
+              <a:rPr lang="fa-IR" sz="1600" dirty="0" smtClean="0">
+                <a:ln w="0"/>
+                <a:solidFill>
+                  <a:schemeClr val="bg2">
+                    <a:lumMod val="50000"/>
+                  </a:schemeClr>
+                </a:solidFill>
+                <a:effectLst>
+                  <a:outerShdw blurRad="38100" dist="25400" dir="5400000" algn="ctr" rotWithShape="0">
+                    <a:srgbClr val="6E747A">
+                      <a:alpha val="43000"/>
+                    </a:srgbClr>
+                  </a:outerShdw>
+                </a:effectLst>
+                <a:cs typeface="B Nazanin" panose="00000400000000000000" pitchFamily="2" charset="-78"/>
+              </a:rPr>
+              <a:t>ارسال مي شود </a:t>
+            </a:r>
+            <a:endParaRPr lang="en-US" sz="1600" dirty="0">
+              <a:ln w="0"/>
+              <a:solidFill>
+                <a:schemeClr val="bg2">
+                  <a:lumMod val="50000"/>
+                </a:schemeClr>
+              </a:solidFill>
+              <a:effectLst>
+                <a:outerShdw blurRad="38100" dist="25400" dir="5400000" algn="ctr" rotWithShape="0">
+                  <a:srgbClr val="6E747A">
+                    <a:alpha val="43000"/>
+                  </a:srgbClr>
+                </a:outerShdw>
+              </a:effectLst>
+              <a:cs typeface="B Nazanin" panose="00000400000000000000" pitchFamily="2" charset="-78"/>
+            </a:endParaRPr>
+          </a:p>
         </p:txBody>
       </p:sp>
       <p:pic>
@@ -11034,7 +11477,7 @@
           <p:cNvPr id="13" name="Picture 12">
             <a:extLst>
               <a:ext uri="{FF2B5EF4-FFF2-40B4-BE49-F238E27FC236}">
-                <a16:creationId xmlns:a16="http://schemas.microsoft.com/office/drawing/2014/main" xmlns="" id="{6C7DFF70-CCA0-4714-A8D4-3E24AC2445C7}"/>
+                <a16:creationId xmlns="" xmlns:a16="http://schemas.microsoft.com/office/drawing/2014/main" id="{6C7DFF70-CCA0-4714-A8D4-3E24AC2445C7}"/>
               </a:ext>
             </a:extLst>
           </p:cNvPr>
@@ -11064,7 +11507,7 @@
           <p:cNvPr id="2" name="Slide Number Placeholder 1">
             <a:extLst>
               <a:ext uri="{FF2B5EF4-FFF2-40B4-BE49-F238E27FC236}">
-                <a16:creationId xmlns:a16="http://schemas.microsoft.com/office/drawing/2014/main" xmlns="" id="{3A9F13B3-A864-47EA-9914-524B6CB023E9}"/>
+                <a16:creationId xmlns="" xmlns:a16="http://schemas.microsoft.com/office/drawing/2014/main" id="{3A9F13B3-A864-47EA-9914-524B6CB023E9}"/>
               </a:ext>
             </a:extLst>
           </p:cNvPr>
@@ -11107,6 +11550,28 @@
           <a:xfrm>
             <a:off x="0" y="1219201"/>
             <a:ext cx="2531327" cy="1371600"/>
+          </a:xfrm>
+          <a:prstGeom prst="rect">
+            <a:avLst/>
+          </a:prstGeom>
+        </p:spPr>
+      </p:pic>
+      <p:pic>
+        <p:nvPicPr>
+          <p:cNvPr id="10" name="Picture 9"/>
+          <p:cNvPicPr/>
+          <p:nvPr/>
+        </p:nvPicPr>
+        <p:blipFill>
+          <a:blip r:embed="rId6"/>
+          <a:stretch>
+            <a:fillRect/>
+          </a:stretch>
+        </p:blipFill>
+        <p:spPr>
+          <a:xfrm>
+            <a:off x="381000" y="2736995"/>
+            <a:ext cx="6019800" cy="3762849"/>
           </a:xfrm>
           <a:prstGeom prst="rect">
             <a:avLst/>
@@ -11294,7 +11759,7 @@
           <p:cNvPr id="8" name="Title 3">
             <a:extLst>
               <a:ext uri="{FF2B5EF4-FFF2-40B4-BE49-F238E27FC236}">
-                <a16:creationId xmlns:a16="http://schemas.microsoft.com/office/drawing/2014/main" xmlns="" id="{249FB50D-D3FF-4C9D-B418-705D4EA2D891}"/>
+                <a16:creationId xmlns="" xmlns:a16="http://schemas.microsoft.com/office/drawing/2014/main" id="{249FB50D-D3FF-4C9D-B418-705D4EA2D891}"/>
               </a:ext>
             </a:extLst>
           </p:cNvPr>
@@ -11363,82 +11828,12 @@
           </a:p>
         </p:txBody>
       </p:sp>
-      <p:sp>
-        <p:nvSpPr>
-          <p:cNvPr id="9" name="Content Placeholder 2">
-            <a:extLst>
-              <a:ext uri="{FF2B5EF4-FFF2-40B4-BE49-F238E27FC236}">
-                <a16:creationId xmlns:a16="http://schemas.microsoft.com/office/drawing/2014/main" xmlns="" id="{7D394C99-B323-47B7-BCC2-501C0B3CAD6E}"/>
-              </a:ext>
-            </a:extLst>
-          </p:cNvPr>
-          <p:cNvSpPr>
-            <a:spLocks noGrp="1"/>
-          </p:cNvSpPr>
-          <p:nvPr>
-            <p:ph idx="1"/>
-          </p:nvPr>
-        </p:nvSpPr>
-        <p:spPr>
-          <a:xfrm>
-            <a:off x="762000" y="1752600"/>
-            <a:ext cx="8153400" cy="4800600"/>
-          </a:xfrm>
-        </p:spPr>
-        <p:txBody>
-          <a:bodyPr>
-            <a:normAutofit/>
-          </a:bodyPr>
-          <a:lstStyle/>
-          <a:p>
-            <a:pPr marL="406908" indent="-342900" algn="just">
-              <a:buFont typeface="Wingdings" panose="05000000000000000000" pitchFamily="2" charset="2"/>
-              <a:buChar char="q"/>
-            </a:pPr>
-            <a:r>
-              <a:rPr lang="fa-IR" dirty="0" smtClean="0">
-                <a:ln w="0"/>
-                <a:solidFill>
-                  <a:schemeClr val="bg2">
-                    <a:lumMod val="50000"/>
-                  </a:schemeClr>
-                </a:solidFill>
-                <a:effectLst>
-                  <a:outerShdw blurRad="38100" dist="25400" dir="5400000" algn="ctr" rotWithShape="0">
-                    <a:srgbClr val="6E747A">
-                      <a:alpha val="43000"/>
-                    </a:srgbClr>
-                  </a:outerShdw>
-                </a:effectLst>
-                <a:cs typeface="B Nazanin" panose="00000400000000000000" pitchFamily="2" charset="-78"/>
-              </a:rPr>
-              <a:t>..</a:t>
-            </a:r>
-            <a:endParaRPr lang="en-US" sz="2100" dirty="0">
-              <a:ln w="0"/>
-              <a:solidFill>
-                <a:schemeClr val="bg2">
-                  <a:lumMod val="50000"/>
-                </a:schemeClr>
-              </a:solidFill>
-              <a:effectLst>
-                <a:outerShdw blurRad="38100" dist="25400" dir="5400000" algn="ctr" rotWithShape="0">
-                  <a:srgbClr val="6E747A">
-                    <a:alpha val="43000"/>
-                  </a:srgbClr>
-                </a:outerShdw>
-              </a:effectLst>
-              <a:cs typeface="B Nazanin" panose="00000400000000000000" pitchFamily="2" charset="-78"/>
-            </a:endParaRPr>
-          </a:p>
-        </p:txBody>
-      </p:sp>
       <p:pic>
         <p:nvPicPr>
           <p:cNvPr id="13" name="Picture 12">
             <a:extLst>
               <a:ext uri="{FF2B5EF4-FFF2-40B4-BE49-F238E27FC236}">
-                <a16:creationId xmlns:a16="http://schemas.microsoft.com/office/drawing/2014/main" xmlns="" id="{6C7DFF70-CCA0-4714-A8D4-3E24AC2445C7}"/>
+                <a16:creationId xmlns="" xmlns:a16="http://schemas.microsoft.com/office/drawing/2014/main" id="{6C7DFF70-CCA0-4714-A8D4-3E24AC2445C7}"/>
               </a:ext>
             </a:extLst>
           </p:cNvPr>
@@ -11468,7 +11863,7 @@
           <p:cNvPr id="2" name="Slide Number Placeholder 1">
             <a:extLst>
               <a:ext uri="{FF2B5EF4-FFF2-40B4-BE49-F238E27FC236}">
-                <a16:creationId xmlns:a16="http://schemas.microsoft.com/office/drawing/2014/main" xmlns="" id="{3A9F13B3-A864-47EA-9914-524B6CB023E9}"/>
+                <a16:creationId xmlns="" xmlns:a16="http://schemas.microsoft.com/office/drawing/2014/main" id="{3A9F13B3-A864-47EA-9914-524B6CB023E9}"/>
               </a:ext>
             </a:extLst>
           </p:cNvPr>
@@ -11517,6 +11912,62 @@
           </a:prstGeom>
         </p:spPr>
       </p:pic>
+      <p:pic>
+        <p:nvPicPr>
+          <p:cNvPr id="10" name="Picture 9"/>
+          <p:cNvPicPr/>
+          <p:nvPr/>
+        </p:nvPicPr>
+        <p:blipFill>
+          <a:blip r:embed="rId6">
+            <a:extLst>
+              <a:ext uri="{28A0092B-C50C-407E-A947-70E740481C1C}">
+                <a14:useLocalDpi xmlns:a14="http://schemas.microsoft.com/office/drawing/2010/main" val="0"/>
+              </a:ext>
+            </a:extLst>
+          </a:blip>
+          <a:srcRect/>
+          <a:stretch>
+            <a:fillRect/>
+          </a:stretch>
+        </p:blipFill>
+        <p:spPr bwMode="auto">
+          <a:xfrm>
+            <a:off x="2093590" y="1676400"/>
+            <a:ext cx="6754586" cy="4815363"/>
+          </a:xfrm>
+          <a:prstGeom prst="rect">
+            <a:avLst/>
+          </a:prstGeom>
+          <a:noFill/>
+          <a:ln>
+            <a:noFill/>
+          </a:ln>
+        </p:spPr>
+      </p:pic>
+      <p:sp>
+        <p:nvSpPr>
+          <p:cNvPr id="3" name="Content Placeholder 2"/>
+          <p:cNvSpPr>
+            <a:spLocks noGrp="1"/>
+          </p:cNvSpPr>
+          <p:nvPr>
+            <p:ph idx="1"/>
+          </p:nvPr>
+        </p:nvSpPr>
+        <p:spPr/>
+        <p:txBody>
+          <a:bodyPr/>
+          <a:lstStyle/>
+          <a:p>
+            <a:r>
+              <a:rPr lang="fa-IR" dirty="0" smtClean="0"/>
+              <a:t> </a:t>
+            </a:r>
+            <a:endParaRPr lang="fa-IR" dirty="0"/>
+          </a:p>
+        </p:txBody>
+      </p:sp>
     </p:spTree>
     <p:custDataLst>
       <p:tags r:id="rId1"/>
@@ -11594,59 +12045,6 @@
                       </p:childTnLst>
                     </p:cTn>
                   </p:par>
-                  <p:par>
-                    <p:cTn id="8" fill="hold">
-                      <p:stCondLst>
-                        <p:cond delay="indefinite"/>
-                      </p:stCondLst>
-                      <p:childTnLst>
-                        <p:par>
-                          <p:cTn id="9" fill="hold">
-                            <p:stCondLst>
-                              <p:cond delay="0"/>
-                            </p:stCondLst>
-                            <p:childTnLst>
-                              <p:par>
-                                <p:cTn id="10" presetID="10" presetClass="entr" presetSubtype="0" fill="hold" grpId="0" nodeType="clickEffect">
-                                  <p:stCondLst>
-                                    <p:cond delay="0"/>
-                                  </p:stCondLst>
-                                  <p:childTnLst>
-                                    <p:set>
-                                      <p:cBhvr>
-                                        <p:cTn id="11" dur="1" fill="hold">
-                                          <p:stCondLst>
-                                            <p:cond delay="0"/>
-                                          </p:stCondLst>
-                                        </p:cTn>
-                                        <p:tgtEl>
-                                          <p:spTgt spid="9"/>
-                                        </p:tgtEl>
-                                        <p:attrNameLst>
-                                          <p:attrName>style.visibility</p:attrName>
-                                        </p:attrNameLst>
-                                      </p:cBhvr>
-                                      <p:to>
-                                        <p:strVal val="visible"/>
-                                      </p:to>
-                                    </p:set>
-                                    <p:animEffect transition="in" filter="fade">
-                                      <p:cBhvr>
-                                        <p:cTn id="12" dur="500"/>
-                                        <p:tgtEl>
-                                          <p:spTgt spid="9"/>
-                                        </p:tgtEl>
-                                      </p:cBhvr>
-                                    </p:animEffect>
-                                  </p:childTnLst>
-                                </p:cTn>
-                              </p:par>
-                            </p:childTnLst>
-                          </p:cTn>
-                        </p:par>
-                      </p:childTnLst>
-                    </p:cTn>
-                  </p:par>
                 </p:childTnLst>
               </p:cTn>
               <p:prevCondLst>
@@ -11670,7 +12068,6 @@
     </p:tnLst>
     <p:bldLst>
       <p:bldP spid="8" grpId="0"/>
-      <p:bldP spid="9" grpId="0"/>
     </p:bldLst>
   </p:timing>
 </p:sld>
@@ -11698,7 +12095,7 @@
           <p:cNvPr id="8" name="Title 3">
             <a:extLst>
               <a:ext uri="{FF2B5EF4-FFF2-40B4-BE49-F238E27FC236}">
-                <a16:creationId xmlns:a16="http://schemas.microsoft.com/office/drawing/2014/main" xmlns="" id="{249FB50D-D3FF-4C9D-B418-705D4EA2D891}"/>
+                <a16:creationId xmlns="" xmlns:a16="http://schemas.microsoft.com/office/drawing/2014/main" id="{249FB50D-D3FF-4C9D-B418-705D4EA2D891}"/>
               </a:ext>
             </a:extLst>
           </p:cNvPr>
@@ -11788,7 +12185,7 @@
           <p:cNvPr id="9" name="Content Placeholder 2">
             <a:extLst>
               <a:ext uri="{FF2B5EF4-FFF2-40B4-BE49-F238E27FC236}">
-                <a16:creationId xmlns:a16="http://schemas.microsoft.com/office/drawing/2014/main" xmlns="" id="{7D394C99-B323-47B7-BCC2-501C0B3CAD6E}"/>
+                <a16:creationId xmlns="" xmlns:a16="http://schemas.microsoft.com/office/drawing/2014/main" id="{7D394C99-B323-47B7-BCC2-501C0B3CAD6E}"/>
               </a:ext>
             </a:extLst>
           </p:cNvPr>
@@ -11816,25 +12213,390 @@
               <a:buChar char="q"/>
             </a:pPr>
             <a:r>
-              <a:rPr lang="fa-IR" dirty="0" smtClean="0">
-                <a:ln w="0"/>
-                <a:solidFill>
-                  <a:schemeClr val="bg2">
-                    <a:lumMod val="50000"/>
-                  </a:schemeClr>
-                </a:solidFill>
-                <a:effectLst>
-                  <a:outerShdw blurRad="38100" dist="25400" dir="5400000" algn="ctr" rotWithShape="0">
-                    <a:srgbClr val="6E747A">
-                      <a:alpha val="43000"/>
-                    </a:srgbClr>
-                  </a:outerShdw>
-                </a:effectLst>
-                <a:cs typeface="B Nazanin" panose="00000400000000000000" pitchFamily="2" charset="-78"/>
-              </a:rPr>
-              <a:t>..</a:t>
-            </a:r>
-            <a:endParaRPr lang="en-US" sz="2100" dirty="0">
+              <a:rPr lang="fa-IR" sz="1800" dirty="0">
+                <a:ln w="0"/>
+                <a:solidFill>
+                  <a:schemeClr val="bg2">
+                    <a:lumMod val="50000"/>
+                  </a:schemeClr>
+                </a:solidFill>
+                <a:effectLst>
+                  <a:outerShdw blurRad="38100" dist="25400" dir="5400000" algn="ctr" rotWithShape="0">
+                    <a:srgbClr val="6E747A">
+                      <a:alpha val="43000"/>
+                    </a:srgbClr>
+                  </a:outerShdw>
+                </a:effectLst>
+                <a:cs typeface="B Nazanin" panose="00000400000000000000" pitchFamily="2" charset="-78"/>
+              </a:rPr>
+              <a:t>هشت اصل </a:t>
+            </a:r>
+            <a:r>
+              <a:rPr lang="fa-IR" sz="1800" dirty="0" smtClean="0">
+                <a:ln w="0"/>
+                <a:solidFill>
+                  <a:schemeClr val="bg2">
+                    <a:lumMod val="50000"/>
+                  </a:schemeClr>
+                </a:solidFill>
+                <a:effectLst>
+                  <a:outerShdw blurRad="38100" dist="25400" dir="5400000" algn="ctr" rotWithShape="0">
+                    <a:srgbClr val="6E747A">
+                      <a:alpha val="43000"/>
+                    </a:srgbClr>
+                  </a:outerShdw>
+                </a:effectLst>
+                <a:cs typeface="B Nazanin" panose="00000400000000000000" pitchFamily="2" charset="-78"/>
+              </a:rPr>
+              <a:t>استاندارد</a:t>
+            </a:r>
+            <a:r>
+              <a:rPr lang="en-US" sz="1800" dirty="0" smtClean="0">
+                <a:ln w="0"/>
+                <a:solidFill>
+                  <a:schemeClr val="bg2">
+                    <a:lumMod val="50000"/>
+                  </a:schemeClr>
+                </a:solidFill>
+                <a:effectLst>
+                  <a:outerShdw blurRad="38100" dist="25400" dir="5400000" algn="ctr" rotWithShape="0">
+                    <a:srgbClr val="6E747A">
+                      <a:alpha val="43000"/>
+                    </a:srgbClr>
+                  </a:outerShdw>
+                </a:effectLst>
+                <a:cs typeface="B Nazanin" panose="00000400000000000000" pitchFamily="2" charset="-78"/>
+              </a:rPr>
+              <a:t>IEEE 1934-2018 </a:t>
+            </a:r>
+            <a:r>
+              <a:rPr lang="fa-IR" sz="1800" dirty="0" smtClean="0">
+                <a:ln w="0"/>
+                <a:solidFill>
+                  <a:schemeClr val="bg2">
+                    <a:lumMod val="50000"/>
+                  </a:schemeClr>
+                </a:solidFill>
+                <a:effectLst>
+                  <a:outerShdw blurRad="38100" dist="25400" dir="5400000" algn="ctr" rotWithShape="0">
+                    <a:srgbClr val="6E747A">
+                      <a:alpha val="43000"/>
+                    </a:srgbClr>
+                  </a:outerShdw>
+                </a:effectLst>
+                <a:cs typeface="B Nazanin" panose="00000400000000000000" pitchFamily="2" charset="-78"/>
+              </a:rPr>
+              <a:t> :</a:t>
+            </a:r>
+          </a:p>
+          <a:p>
+            <a:pPr marL="406908" indent="-342900" algn="just">
+              <a:buFont typeface="+mj-lt"/>
+              <a:buAutoNum type="arabicParenR"/>
+            </a:pPr>
+            <a:r>
+              <a:rPr lang="fa-IR" sz="1800" dirty="0" smtClean="0">
+                <a:ln w="0"/>
+                <a:solidFill>
+                  <a:schemeClr val="bg2">
+                    <a:lumMod val="50000"/>
+                  </a:schemeClr>
+                </a:solidFill>
+                <a:effectLst>
+                  <a:outerShdw blurRad="38100" dist="25400" dir="5400000" algn="ctr" rotWithShape="0">
+                    <a:srgbClr val="6E747A">
+                      <a:alpha val="43000"/>
+                    </a:srgbClr>
+                  </a:outerShdw>
+                </a:effectLst>
+                <a:cs typeface="B Nazanin" panose="00000400000000000000" pitchFamily="2" charset="-78"/>
+              </a:rPr>
+              <a:t>امنیت</a:t>
+            </a:r>
+          </a:p>
+          <a:p>
+            <a:pPr marL="406908" indent="-342900" algn="just">
+              <a:buFont typeface="+mj-lt"/>
+              <a:buAutoNum type="arabicParenR"/>
+            </a:pPr>
+            <a:r>
+              <a:rPr lang="fa-IR" sz="1800" dirty="0" smtClean="0">
+                <a:ln w="0"/>
+                <a:solidFill>
+                  <a:schemeClr val="bg2">
+                    <a:lumMod val="50000"/>
+                  </a:schemeClr>
+                </a:solidFill>
+                <a:effectLst>
+                  <a:outerShdw blurRad="38100" dist="25400" dir="5400000" algn="ctr" rotWithShape="0">
+                    <a:srgbClr val="6E747A">
+                      <a:alpha val="43000"/>
+                    </a:srgbClr>
+                  </a:outerShdw>
+                </a:effectLst>
+                <a:cs typeface="B Nazanin" panose="00000400000000000000" pitchFamily="2" charset="-78"/>
+              </a:rPr>
+              <a:t>مقیاس پذیری</a:t>
+            </a:r>
+          </a:p>
+          <a:p>
+            <a:pPr marL="406908" indent="-342900" algn="just">
+              <a:buFont typeface="+mj-lt"/>
+              <a:buAutoNum type="arabicParenR"/>
+            </a:pPr>
+            <a:r>
+              <a:rPr lang="fa-IR" sz="1800" dirty="0" smtClean="0">
+                <a:ln w="0"/>
+                <a:solidFill>
+                  <a:schemeClr val="bg2">
+                    <a:lumMod val="50000"/>
+                  </a:schemeClr>
+                </a:solidFill>
+                <a:effectLst>
+                  <a:outerShdw blurRad="38100" dist="25400" dir="5400000" algn="ctr" rotWithShape="0">
+                    <a:srgbClr val="6E747A">
+                      <a:alpha val="43000"/>
+                    </a:srgbClr>
+                  </a:outerShdw>
+                </a:effectLst>
+                <a:cs typeface="B Nazanin" panose="00000400000000000000" pitchFamily="2" charset="-78"/>
+              </a:rPr>
+              <a:t>باز بودن</a:t>
+            </a:r>
+          </a:p>
+          <a:p>
+            <a:pPr marL="406908" indent="-342900" algn="just">
+              <a:buFont typeface="+mj-lt"/>
+              <a:buAutoNum type="arabicParenR"/>
+            </a:pPr>
+            <a:r>
+              <a:rPr lang="fa-IR" sz="1800" dirty="0" smtClean="0">
+                <a:ln w="0"/>
+                <a:solidFill>
+                  <a:schemeClr val="bg2">
+                    <a:lumMod val="50000"/>
+                  </a:schemeClr>
+                </a:solidFill>
+                <a:effectLst>
+                  <a:outerShdw blurRad="38100" dist="25400" dir="5400000" algn="ctr" rotWithShape="0">
+                    <a:srgbClr val="6E747A">
+                      <a:alpha val="43000"/>
+                    </a:srgbClr>
+                  </a:outerShdw>
+                </a:effectLst>
+                <a:cs typeface="B Nazanin" panose="00000400000000000000" pitchFamily="2" charset="-78"/>
+              </a:rPr>
+              <a:t>استقلال</a:t>
+            </a:r>
+          </a:p>
+          <a:p>
+            <a:pPr marL="406908" indent="-342900" algn="just">
+              <a:buFont typeface="+mj-lt"/>
+              <a:buAutoNum type="arabicParenR"/>
+            </a:pPr>
+            <a:r>
+              <a:rPr lang="en-SG" sz="1800" dirty="0" smtClean="0">
+                <a:ln w="0"/>
+                <a:solidFill>
+                  <a:schemeClr val="bg2">
+                    <a:lumMod val="50000"/>
+                  </a:schemeClr>
+                </a:solidFill>
+                <a:effectLst>
+                  <a:outerShdw blurRad="38100" dist="25400" dir="5400000" algn="ctr" rotWithShape="0">
+                    <a:srgbClr val="6E747A">
+                      <a:alpha val="43000"/>
+                    </a:srgbClr>
+                  </a:outerShdw>
+                </a:effectLst>
+                <a:cs typeface="B Nazanin" panose="00000400000000000000" pitchFamily="2" charset="-78"/>
+              </a:rPr>
+              <a:t>RAS</a:t>
+            </a:r>
+            <a:r>
+              <a:rPr lang="fa-IR" sz="1800" dirty="0">
+                <a:ln w="0"/>
+                <a:solidFill>
+                  <a:schemeClr val="bg2">
+                    <a:lumMod val="50000"/>
+                  </a:schemeClr>
+                </a:solidFill>
+                <a:effectLst>
+                  <a:outerShdw blurRad="38100" dist="25400" dir="5400000" algn="ctr" rotWithShape="0">
+                    <a:srgbClr val="6E747A">
+                      <a:alpha val="43000"/>
+                    </a:srgbClr>
+                  </a:outerShdw>
+                </a:effectLst>
+                <a:cs typeface="B Nazanin" panose="00000400000000000000" pitchFamily="2" charset="-78"/>
+              </a:rPr>
+              <a:t> </a:t>
+            </a:r>
+            <a:r>
+              <a:rPr lang="fa-IR" sz="1800" dirty="0" smtClean="0">
+                <a:ln w="0"/>
+                <a:solidFill>
+                  <a:schemeClr val="bg2">
+                    <a:lumMod val="50000"/>
+                  </a:schemeClr>
+                </a:solidFill>
+                <a:effectLst>
+                  <a:outerShdw blurRad="38100" dist="25400" dir="5400000" algn="ctr" rotWithShape="0">
+                    <a:srgbClr val="6E747A">
+                      <a:alpha val="43000"/>
+                    </a:srgbClr>
+                  </a:outerShdw>
+                </a:effectLst>
+                <a:cs typeface="B Nazanin" panose="00000400000000000000" pitchFamily="2" charset="-78"/>
+              </a:rPr>
+              <a:t>: (قابلیت اطمینان - در </a:t>
+            </a:r>
+            <a:r>
+              <a:rPr lang="fa-IR" sz="1800" dirty="0">
+                <a:ln w="0"/>
+                <a:solidFill>
+                  <a:schemeClr val="bg2">
+                    <a:lumMod val="50000"/>
+                  </a:schemeClr>
+                </a:solidFill>
+                <a:effectLst>
+                  <a:outerShdw blurRad="38100" dist="25400" dir="5400000" algn="ctr" rotWithShape="0">
+                    <a:srgbClr val="6E747A">
+                      <a:alpha val="43000"/>
+                    </a:srgbClr>
+                  </a:outerShdw>
+                </a:effectLst>
+                <a:cs typeface="B Nazanin" panose="00000400000000000000" pitchFamily="2" charset="-78"/>
+              </a:rPr>
+              <a:t>دسترس </a:t>
+            </a:r>
+            <a:r>
+              <a:rPr lang="fa-IR" sz="1800" dirty="0" smtClean="0">
+                <a:ln w="0"/>
+                <a:solidFill>
+                  <a:schemeClr val="bg2">
+                    <a:lumMod val="50000"/>
+                  </a:schemeClr>
+                </a:solidFill>
+                <a:effectLst>
+                  <a:outerShdw blurRad="38100" dist="25400" dir="5400000" algn="ctr" rotWithShape="0">
+                    <a:srgbClr val="6E747A">
+                      <a:alpha val="43000"/>
+                    </a:srgbClr>
+                  </a:outerShdw>
+                </a:effectLst>
+                <a:cs typeface="B Nazanin" panose="00000400000000000000" pitchFamily="2" charset="-78"/>
+              </a:rPr>
+              <a:t>بودن - قابلیت </a:t>
+            </a:r>
+            <a:r>
+              <a:rPr lang="fa-IR" sz="1800" dirty="0">
+                <a:ln w="0"/>
+                <a:solidFill>
+                  <a:schemeClr val="bg2">
+                    <a:lumMod val="50000"/>
+                  </a:schemeClr>
+                </a:solidFill>
+                <a:effectLst>
+                  <a:outerShdw blurRad="38100" dist="25400" dir="5400000" algn="ctr" rotWithShape="0">
+                    <a:srgbClr val="6E747A">
+                      <a:alpha val="43000"/>
+                    </a:srgbClr>
+                  </a:outerShdw>
+                </a:effectLst>
+                <a:cs typeface="B Nazanin" panose="00000400000000000000" pitchFamily="2" charset="-78"/>
+              </a:rPr>
+              <a:t>سرویس </a:t>
+            </a:r>
+            <a:r>
+              <a:rPr lang="fa-IR" sz="1800" dirty="0" smtClean="0">
+                <a:ln w="0"/>
+                <a:solidFill>
+                  <a:schemeClr val="bg2">
+                    <a:lumMod val="50000"/>
+                  </a:schemeClr>
+                </a:solidFill>
+                <a:effectLst>
+                  <a:outerShdw blurRad="38100" dist="25400" dir="5400000" algn="ctr" rotWithShape="0">
+                    <a:srgbClr val="6E747A">
+                      <a:alpha val="43000"/>
+                    </a:srgbClr>
+                  </a:outerShdw>
+                </a:effectLst>
+                <a:cs typeface="B Nazanin" panose="00000400000000000000" pitchFamily="2" charset="-78"/>
+              </a:rPr>
+              <a:t>دهی)</a:t>
+            </a:r>
+          </a:p>
+          <a:p>
+            <a:pPr marL="406908" indent="-342900" algn="just">
+              <a:buFont typeface="+mj-lt"/>
+              <a:buAutoNum type="arabicParenR"/>
+            </a:pPr>
+            <a:r>
+              <a:rPr lang="fa-IR" sz="1800" dirty="0" smtClean="0">
+                <a:ln w="0"/>
+                <a:solidFill>
+                  <a:schemeClr val="bg2">
+                    <a:lumMod val="50000"/>
+                  </a:schemeClr>
+                </a:solidFill>
+                <a:effectLst>
+                  <a:outerShdw blurRad="38100" dist="25400" dir="5400000" algn="ctr" rotWithShape="0">
+                    <a:srgbClr val="6E747A">
+                      <a:alpha val="43000"/>
+                    </a:srgbClr>
+                  </a:outerShdw>
+                </a:effectLst>
+                <a:cs typeface="B Nazanin" panose="00000400000000000000" pitchFamily="2" charset="-78"/>
+              </a:rPr>
+              <a:t>چابکی</a:t>
+            </a:r>
+          </a:p>
+          <a:p>
+            <a:pPr marL="406908" indent="-342900" algn="just">
+              <a:buFont typeface="+mj-lt"/>
+              <a:buAutoNum type="arabicParenR"/>
+            </a:pPr>
+            <a:r>
+              <a:rPr lang="fa-IR" sz="1800" dirty="0" smtClean="0">
+                <a:ln w="0"/>
+                <a:solidFill>
+                  <a:schemeClr val="bg2">
+                    <a:lumMod val="50000"/>
+                  </a:schemeClr>
+                </a:solidFill>
+                <a:effectLst>
+                  <a:outerShdw blurRad="38100" dist="25400" dir="5400000" algn="ctr" rotWithShape="0">
+                    <a:srgbClr val="6E747A">
+                      <a:alpha val="43000"/>
+                    </a:srgbClr>
+                  </a:outerShdw>
+                </a:effectLst>
+                <a:cs typeface="B Nazanin" panose="00000400000000000000" pitchFamily="2" charset="-78"/>
+              </a:rPr>
+              <a:t>سلسله </a:t>
+            </a:r>
+            <a:r>
+              <a:rPr lang="fa-IR" sz="1800" dirty="0">
+                <a:ln w="0"/>
+                <a:solidFill>
+                  <a:schemeClr val="bg2">
+                    <a:lumMod val="50000"/>
+                  </a:schemeClr>
+                </a:solidFill>
+                <a:effectLst>
+                  <a:outerShdw blurRad="38100" dist="25400" dir="5400000" algn="ctr" rotWithShape="0">
+                    <a:srgbClr val="6E747A">
+                      <a:alpha val="43000"/>
+                    </a:srgbClr>
+                  </a:outerShdw>
+                </a:effectLst>
+                <a:cs typeface="B Nazanin" panose="00000400000000000000" pitchFamily="2" charset="-78"/>
+              </a:rPr>
+              <a:t>مراتب </a:t>
+            </a:r>
+            <a:endParaRPr lang="fa-IR" sz="1800" dirty="0" smtClean="0">
               <a:ln w="0"/>
               <a:solidFill>
                 <a:schemeClr val="bg2">
@@ -11851,6 +12613,66 @@
               <a:cs typeface="B Nazanin" panose="00000400000000000000" pitchFamily="2" charset="-78"/>
             </a:endParaRPr>
           </a:p>
+          <a:p>
+            <a:pPr marL="406908" indent="-342900" algn="just">
+              <a:buFont typeface="+mj-lt"/>
+              <a:buAutoNum type="arabicParenR"/>
+            </a:pPr>
+            <a:r>
+              <a:rPr lang="fa-IR" sz="1800" dirty="0" smtClean="0">
+                <a:ln w="0"/>
+                <a:solidFill>
+                  <a:schemeClr val="bg2">
+                    <a:lumMod val="50000"/>
+                  </a:schemeClr>
+                </a:solidFill>
+                <a:effectLst>
+                  <a:outerShdw blurRad="38100" dist="25400" dir="5400000" algn="ctr" rotWithShape="0">
+                    <a:srgbClr val="6E747A">
+                      <a:alpha val="43000"/>
+                    </a:srgbClr>
+                  </a:outerShdw>
+                </a:effectLst>
+                <a:cs typeface="B Nazanin" panose="00000400000000000000" pitchFamily="2" charset="-78"/>
+              </a:rPr>
+              <a:t>قابلیت </a:t>
+            </a:r>
+            <a:r>
+              <a:rPr lang="fa-IR" sz="1800" dirty="0">
+                <a:ln w="0"/>
+                <a:solidFill>
+                  <a:schemeClr val="bg2">
+                    <a:lumMod val="50000"/>
+                  </a:schemeClr>
+                </a:solidFill>
+                <a:effectLst>
+                  <a:outerShdw blurRad="38100" dist="25400" dir="5400000" algn="ctr" rotWithShape="0">
+                    <a:srgbClr val="6E747A">
+                      <a:alpha val="43000"/>
+                    </a:srgbClr>
+                  </a:outerShdw>
+                </a:effectLst>
+                <a:cs typeface="B Nazanin" panose="00000400000000000000" pitchFamily="2" charset="-78"/>
+              </a:rPr>
+              <a:t>برنامه ریزی</a:t>
+            </a:r>
+            <a:endParaRPr lang="en-US" sz="1800" dirty="0">
+              <a:ln w="0"/>
+              <a:solidFill>
+                <a:schemeClr val="bg2">
+                  <a:lumMod val="50000"/>
+                </a:schemeClr>
+              </a:solidFill>
+              <a:effectLst>
+                <a:outerShdw blurRad="38100" dist="25400" dir="5400000" algn="ctr" rotWithShape="0">
+                  <a:srgbClr val="6E747A">
+                    <a:alpha val="43000"/>
+                  </a:srgbClr>
+                </a:outerShdw>
+              </a:effectLst>
+              <a:cs typeface="B Nazanin" panose="00000400000000000000" pitchFamily="2" charset="-78"/>
+            </a:endParaRPr>
+          </a:p>
         </p:txBody>
       </p:sp>
       <p:pic>
@@ -11858,7 +12680,7 @@
           <p:cNvPr id="13" name="Picture 12">
             <a:extLst>
               <a:ext uri="{FF2B5EF4-FFF2-40B4-BE49-F238E27FC236}">
-                <a16:creationId xmlns:a16="http://schemas.microsoft.com/office/drawing/2014/main" xmlns="" id="{6C7DFF70-CCA0-4714-A8D4-3E24AC2445C7}"/>
+                <a16:creationId xmlns="" xmlns:a16="http://schemas.microsoft.com/office/drawing/2014/main" id="{6C7DFF70-CCA0-4714-A8D4-3E24AC2445C7}"/>
               </a:ext>
             </a:extLst>
           </p:cNvPr>
@@ -11888,7 +12710,7 @@
           <p:cNvPr id="2" name="Slide Number Placeholder 1">
             <a:extLst>
               <a:ext uri="{FF2B5EF4-FFF2-40B4-BE49-F238E27FC236}">
-                <a16:creationId xmlns:a16="http://schemas.microsoft.com/office/drawing/2014/main" xmlns="" id="{3A9F13B3-A864-47EA-9914-524B6CB023E9}"/>
+                <a16:creationId xmlns="" xmlns:a16="http://schemas.microsoft.com/office/drawing/2014/main" id="{3A9F13B3-A864-47EA-9914-524B6CB023E9}"/>
               </a:ext>
             </a:extLst>
           </p:cNvPr>
@@ -12118,7 +12940,7 @@
           <p:cNvPr id="3" name="Slide Number Placeholder 2">
             <a:extLst>
               <a:ext uri="{FF2B5EF4-FFF2-40B4-BE49-F238E27FC236}">
-                <a16:creationId xmlns:a16="http://schemas.microsoft.com/office/drawing/2014/main" xmlns="" id="{203347AF-DE76-4502-9835-68153ECAE565}"/>
+                <a16:creationId xmlns="" xmlns:a16="http://schemas.microsoft.com/office/drawing/2014/main" id="{203347AF-DE76-4502-9835-68153ECAE565}"/>
               </a:ext>
             </a:extLst>
           </p:cNvPr>
@@ -12148,7 +12970,7 @@
           <p:cNvPr id="4" name="Content Placeholder 3">
             <a:extLst>
               <a:ext uri="{FF2B5EF4-FFF2-40B4-BE49-F238E27FC236}">
-                <a16:creationId xmlns:a16="http://schemas.microsoft.com/office/drawing/2014/main" xmlns="" id="{C6A787AD-F76D-4189-A016-050512CE167C}"/>
+                <a16:creationId xmlns="" xmlns:a16="http://schemas.microsoft.com/office/drawing/2014/main" id="{C6A787AD-F76D-4189-A016-050512CE167C}"/>
               </a:ext>
             </a:extLst>
           </p:cNvPr>
@@ -12308,7 +13130,7 @@
           <p:cNvPr id="10" name="Picture 9">
             <a:extLst>
               <a:ext uri="{FF2B5EF4-FFF2-40B4-BE49-F238E27FC236}">
-                <a16:creationId xmlns:a16="http://schemas.microsoft.com/office/drawing/2014/main" xmlns="" id="{4DE097B0-34C9-48AE-B96C-AC8EBD14061F}"/>
+                <a16:creationId xmlns="" xmlns:a16="http://schemas.microsoft.com/office/drawing/2014/main" id="{4DE097B0-34C9-48AE-B96C-AC8EBD14061F}"/>
               </a:ext>
             </a:extLst>
           </p:cNvPr>
@@ -12338,7 +13160,7 @@
           <p:cNvPr id="2" name="TextBox 1">
             <a:extLst>
               <a:ext uri="{FF2B5EF4-FFF2-40B4-BE49-F238E27FC236}">
-                <a16:creationId xmlns:a16="http://schemas.microsoft.com/office/drawing/2014/main" xmlns="" id="{55CB02CB-1454-4C30-8942-0723AC0E202A}"/>
+                <a16:creationId xmlns="" xmlns:a16="http://schemas.microsoft.com/office/drawing/2014/main" id="{55CB02CB-1454-4C30-8942-0723AC0E202A}"/>
               </a:ext>
             </a:extLst>
           </p:cNvPr>
@@ -12437,10 +13259,728 @@
       </p:grpSpPr>
       <p:sp>
         <p:nvSpPr>
+          <p:cNvPr id="8" name="Title 3">
+            <a:extLst>
+              <a:ext uri="{FF2B5EF4-FFF2-40B4-BE49-F238E27FC236}">
+                <a16:creationId xmlns="" xmlns:a16="http://schemas.microsoft.com/office/drawing/2014/main" id="{249FB50D-D3FF-4C9D-B418-705D4EA2D891}"/>
+              </a:ext>
+            </a:extLst>
+          </p:cNvPr>
+          <p:cNvSpPr txBox="1">
+            <a:spLocks/>
+          </p:cNvSpPr>
+          <p:nvPr/>
+        </p:nvSpPr>
+        <p:spPr>
+          <a:xfrm>
+            <a:off x="3581401" y="1064387"/>
+            <a:ext cx="5487966" cy="688213"/>
+          </a:xfrm>
+          <a:prstGeom prst="rect">
+            <a:avLst/>
+          </a:prstGeom>
+        </p:spPr>
+        <p:txBody>
+          <a:bodyPr vert="horz" lIns="0" rIns="0" anchor="ctr">
+            <a:noAutofit/>
+          </a:bodyPr>
+          <a:lstStyle>
+            <a:lvl1pPr marL="182880" algn="r" rtl="1" eaLnBrk="1" latinLnBrk="0" hangingPunct="1">
+              <a:spcBef>
+                <a:spcPct val="0"/>
+              </a:spcBef>
+              <a:buNone/>
+              <a:defRPr sz="4000" b="1" kern="1200">
+                <a:ln w="6350">
+                  <a:noFill/>
+                </a:ln>
+                <a:solidFill>
+                  <a:schemeClr val="accent1"/>
+                </a:solidFill>
+                <a:effectLst/>
+                <a:latin typeface="+mj-lt"/>
+                <a:ea typeface="+mj-ea"/>
+                <a:cs typeface="+mj-cs"/>
+              </a:defRPr>
+            </a:lvl1pPr>
+          </a:lstStyle>
+          <a:p>
+            <a:pPr marL="406908" indent="-342900" algn="just">
+              <a:buFont typeface="Wingdings" panose="05000000000000000000" pitchFamily="2" charset="2"/>
+              <a:buChar char="q"/>
+            </a:pPr>
+            <a:r>
+              <a:rPr lang="fa-IR" sz="2400" dirty="0">
+                <a:ln w="0"/>
+                <a:solidFill>
+                  <a:schemeClr val="bg2">
+                    <a:lumMod val="50000"/>
+                  </a:schemeClr>
+                </a:solidFill>
+                <a:effectLst>
+                  <a:outerShdw blurRad="38100" dist="25400" dir="5400000" algn="ctr" rotWithShape="0">
+                    <a:srgbClr val="6E747A">
+                      <a:alpha val="43000"/>
+                    </a:srgbClr>
+                  </a:outerShdw>
+                </a:effectLst>
+                <a:cs typeface="B Nazanin" panose="00000400000000000000" pitchFamily="2" charset="-78"/>
+              </a:rPr>
+              <a:t>ملاحضات بيشتر و پاسخ به سوالات تحقیق</a:t>
+            </a:r>
+            <a:endParaRPr lang="en-US" sz="2800" dirty="0">
+              <a:ln w="0"/>
+              <a:solidFill>
+                <a:schemeClr val="bg2">
+                  <a:lumMod val="50000"/>
+                </a:schemeClr>
+              </a:solidFill>
+              <a:effectLst>
+                <a:outerShdw blurRad="38100" dist="25400" dir="5400000" algn="ctr" rotWithShape="0">
+                  <a:srgbClr val="6E747A">
+                    <a:alpha val="43000"/>
+                  </a:srgbClr>
+                </a:outerShdw>
+              </a:effectLst>
+              <a:cs typeface="B Nazanin" panose="00000400000000000000" pitchFamily="2" charset="-78"/>
+            </a:endParaRPr>
+          </a:p>
+        </p:txBody>
+      </p:sp>
+      <p:sp>
+        <p:nvSpPr>
+          <p:cNvPr id="9" name="Content Placeholder 2">
+            <a:extLst>
+              <a:ext uri="{FF2B5EF4-FFF2-40B4-BE49-F238E27FC236}">
+                <a16:creationId xmlns="" xmlns:a16="http://schemas.microsoft.com/office/drawing/2014/main" id="{7D394C99-B323-47B7-BCC2-501C0B3CAD6E}"/>
+              </a:ext>
+            </a:extLst>
+          </p:cNvPr>
+          <p:cNvSpPr>
+            <a:spLocks noGrp="1"/>
+          </p:cNvSpPr>
+          <p:nvPr>
+            <p:ph idx="1"/>
+          </p:nvPr>
+        </p:nvSpPr>
+        <p:spPr>
+          <a:xfrm>
+            <a:off x="762000" y="1752600"/>
+            <a:ext cx="8153400" cy="4800600"/>
+          </a:xfrm>
+        </p:spPr>
+        <p:txBody>
+          <a:bodyPr>
+            <a:normAutofit/>
+          </a:bodyPr>
+          <a:lstStyle/>
+          <a:p>
+            <a:pPr algn="just"/>
+            <a:r>
+              <a:rPr lang="fa-IR" sz="2400" dirty="0" smtClean="0">
+                <a:ln w="0"/>
+                <a:solidFill>
+                  <a:schemeClr val="bg2">
+                    <a:lumMod val="50000"/>
+                  </a:schemeClr>
+                </a:solidFill>
+                <a:effectLst>
+                  <a:outerShdw blurRad="38100" dist="25400" dir="5400000" algn="ctr" rotWithShape="0">
+                    <a:srgbClr val="6E747A">
+                      <a:alpha val="43000"/>
+                    </a:srgbClr>
+                  </a:outerShdw>
+                </a:effectLst>
+                <a:cs typeface="B Nazanin" panose="00000400000000000000" pitchFamily="2" charset="-78"/>
+              </a:rPr>
+              <a:t>سوالات تحقيق :</a:t>
+            </a:r>
+          </a:p>
+          <a:p>
+            <a:pPr marL="406908" indent="-342900" algn="just">
+              <a:buFont typeface="Wingdings" panose="05000000000000000000" pitchFamily="2" charset="2"/>
+              <a:buChar char="q"/>
+            </a:pPr>
+            <a:r>
+              <a:rPr lang="fa-IR" sz="1800" dirty="0" smtClean="0">
+                <a:ln w="0"/>
+                <a:solidFill>
+                  <a:schemeClr val="bg2">
+                    <a:lumMod val="50000"/>
+                  </a:schemeClr>
+                </a:solidFill>
+                <a:effectLst>
+                  <a:outerShdw blurRad="38100" dist="25400" dir="5400000" algn="ctr" rotWithShape="0">
+                    <a:srgbClr val="6E747A">
+                      <a:alpha val="43000"/>
+                    </a:srgbClr>
+                  </a:outerShdw>
+                </a:effectLst>
+                <a:cs typeface="B Nazanin" panose="00000400000000000000" pitchFamily="2" charset="-78"/>
+              </a:rPr>
+              <a:t>چگونه </a:t>
+            </a:r>
+            <a:r>
+              <a:rPr lang="fa-IR" sz="1800" dirty="0">
+                <a:ln w="0"/>
+                <a:solidFill>
+                  <a:schemeClr val="bg2">
+                    <a:lumMod val="50000"/>
+                  </a:schemeClr>
+                </a:solidFill>
+                <a:effectLst>
+                  <a:outerShdw blurRad="38100" dist="25400" dir="5400000" algn="ctr" rotWithShape="0">
+                    <a:srgbClr val="6E747A">
+                      <a:alpha val="43000"/>
+                    </a:srgbClr>
+                  </a:outerShdw>
+                </a:effectLst>
+                <a:cs typeface="B Nazanin" panose="00000400000000000000" pitchFamily="2" charset="-78"/>
+              </a:rPr>
+              <a:t>بايد پردازش مناسب براي انواع جريان داده در محيط </a:t>
+            </a:r>
+            <a:r>
+              <a:rPr lang="en-US" sz="1800" dirty="0" smtClean="0">
+                <a:ln w="0"/>
+                <a:solidFill>
+                  <a:schemeClr val="bg2">
+                    <a:lumMod val="50000"/>
+                  </a:schemeClr>
+                </a:solidFill>
+                <a:effectLst>
+                  <a:outerShdw blurRad="38100" dist="25400" dir="5400000" algn="ctr" rotWithShape="0">
+                    <a:srgbClr val="6E747A">
+                      <a:alpha val="43000"/>
+                    </a:srgbClr>
+                  </a:outerShdw>
+                </a:effectLst>
+                <a:cs typeface="B Nazanin" panose="00000400000000000000" pitchFamily="2" charset="-78"/>
+              </a:rPr>
+              <a:t> </a:t>
+            </a:r>
+            <a:r>
+              <a:rPr lang="en-US" sz="1800" dirty="0" err="1" smtClean="0">
+                <a:ln w="0"/>
+                <a:solidFill>
+                  <a:schemeClr val="bg2">
+                    <a:lumMod val="50000"/>
+                  </a:schemeClr>
+                </a:solidFill>
+                <a:effectLst>
+                  <a:outerShdw blurRad="38100" dist="25400" dir="5400000" algn="ctr" rotWithShape="0">
+                    <a:srgbClr val="6E747A">
+                      <a:alpha val="43000"/>
+                    </a:srgbClr>
+                  </a:outerShdw>
+                </a:effectLst>
+                <a:cs typeface="B Nazanin" panose="00000400000000000000" pitchFamily="2" charset="-78"/>
+              </a:rPr>
+              <a:t>IoT</a:t>
+            </a:r>
+            <a:r>
+              <a:rPr lang="en-US" sz="1800" dirty="0" smtClean="0">
+                <a:ln w="0"/>
+                <a:solidFill>
+                  <a:schemeClr val="bg2">
+                    <a:lumMod val="50000"/>
+                  </a:schemeClr>
+                </a:solidFill>
+                <a:effectLst>
+                  <a:outerShdw blurRad="38100" dist="25400" dir="5400000" algn="ctr" rotWithShape="0">
+                    <a:srgbClr val="6E747A">
+                      <a:alpha val="43000"/>
+                    </a:srgbClr>
+                  </a:outerShdw>
+                </a:effectLst>
+                <a:cs typeface="B Nazanin" panose="00000400000000000000" pitchFamily="2" charset="-78"/>
+              </a:rPr>
+              <a:t> </a:t>
+            </a:r>
+            <a:r>
+              <a:rPr lang="fa-IR" sz="1800" dirty="0">
+                <a:ln w="0"/>
+                <a:solidFill>
+                  <a:schemeClr val="bg2">
+                    <a:lumMod val="50000"/>
+                  </a:schemeClr>
+                </a:solidFill>
+                <a:effectLst>
+                  <a:outerShdw blurRad="38100" dist="25400" dir="5400000" algn="ctr" rotWithShape="0">
+                    <a:srgbClr val="6E747A">
+                      <a:alpha val="43000"/>
+                    </a:srgbClr>
+                  </a:outerShdw>
+                </a:effectLst>
+                <a:cs typeface="B Nazanin" panose="00000400000000000000" pitchFamily="2" charset="-78"/>
+              </a:rPr>
+              <a:t>را تشخيص داد؟</a:t>
+            </a:r>
+          </a:p>
+          <a:p>
+            <a:pPr marL="406908" indent="-342900" algn="just">
+              <a:buFont typeface="Wingdings" panose="05000000000000000000" pitchFamily="2" charset="2"/>
+              <a:buChar char="q"/>
+            </a:pPr>
+            <a:r>
+              <a:rPr lang="fa-IR" sz="1800" dirty="0" smtClean="0">
+                <a:ln w="0"/>
+                <a:solidFill>
+                  <a:schemeClr val="bg2">
+                    <a:lumMod val="50000"/>
+                  </a:schemeClr>
+                </a:solidFill>
+                <a:effectLst>
+                  <a:outerShdw blurRad="38100" dist="25400" dir="5400000" algn="ctr" rotWithShape="0">
+                    <a:srgbClr val="6E747A">
+                      <a:alpha val="43000"/>
+                    </a:srgbClr>
+                  </a:outerShdw>
+                </a:effectLst>
+                <a:cs typeface="B Nazanin" panose="00000400000000000000" pitchFamily="2" charset="-78"/>
+              </a:rPr>
+              <a:t>چگونه </a:t>
+            </a:r>
+            <a:r>
+              <a:rPr lang="fa-IR" sz="1800" dirty="0">
+                <a:ln w="0"/>
+                <a:solidFill>
+                  <a:schemeClr val="bg2">
+                    <a:lumMod val="50000"/>
+                  </a:schemeClr>
+                </a:solidFill>
+                <a:effectLst>
+                  <a:outerShdw blurRad="38100" dist="25400" dir="5400000" algn="ctr" rotWithShape="0">
+                    <a:srgbClr val="6E747A">
+                      <a:alpha val="43000"/>
+                    </a:srgbClr>
+                  </a:outerShdw>
+                </a:effectLst>
+                <a:cs typeface="B Nazanin" panose="00000400000000000000" pitchFamily="2" charset="-78"/>
+              </a:rPr>
+              <a:t>مي توان اپراتورهاي پردازش جريان داده را در محيط هاي ناهمگن و پويا اجرا كرد؟</a:t>
+            </a:r>
+          </a:p>
+          <a:p>
+            <a:pPr marL="406908" indent="-342900" algn="just">
+              <a:buFont typeface="Wingdings" panose="05000000000000000000" pitchFamily="2" charset="2"/>
+              <a:buChar char="q"/>
+            </a:pPr>
+            <a:r>
+              <a:rPr lang="fa-IR" sz="1800" dirty="0" smtClean="0">
+                <a:ln w="0"/>
+                <a:solidFill>
+                  <a:schemeClr val="bg2">
+                    <a:lumMod val="50000"/>
+                  </a:schemeClr>
+                </a:solidFill>
+                <a:effectLst>
+                  <a:outerShdw blurRad="38100" dist="25400" dir="5400000" algn="ctr" rotWithShape="0">
+                    <a:srgbClr val="6E747A">
+                      <a:alpha val="43000"/>
+                    </a:srgbClr>
+                  </a:outerShdw>
+                </a:effectLst>
+                <a:cs typeface="B Nazanin" panose="00000400000000000000" pitchFamily="2" charset="-78"/>
+              </a:rPr>
+              <a:t>چگونه </a:t>
+            </a:r>
+            <a:r>
+              <a:rPr lang="fa-IR" sz="1800" dirty="0">
+                <a:ln w="0"/>
+                <a:solidFill>
+                  <a:schemeClr val="bg2">
+                    <a:lumMod val="50000"/>
+                  </a:schemeClr>
+                </a:solidFill>
+                <a:effectLst>
+                  <a:outerShdw blurRad="38100" dist="25400" dir="5400000" algn="ctr" rotWithShape="0">
+                    <a:srgbClr val="6E747A">
+                      <a:alpha val="43000"/>
+                    </a:srgbClr>
+                  </a:outerShdw>
+                </a:effectLst>
+                <a:cs typeface="B Nazanin" panose="00000400000000000000" pitchFamily="2" charset="-78"/>
+              </a:rPr>
+              <a:t>مي توان مدل مناسب در محيط </a:t>
+            </a:r>
+            <a:r>
+              <a:rPr lang="en-US" sz="1800" dirty="0" err="1">
+                <a:ln w="0"/>
+                <a:solidFill>
+                  <a:schemeClr val="bg2">
+                    <a:lumMod val="50000"/>
+                  </a:schemeClr>
+                </a:solidFill>
+                <a:effectLst>
+                  <a:outerShdw blurRad="38100" dist="25400" dir="5400000" algn="ctr" rotWithShape="0">
+                    <a:srgbClr val="6E747A">
+                      <a:alpha val="43000"/>
+                    </a:srgbClr>
+                  </a:outerShdw>
+                </a:effectLst>
+                <a:cs typeface="B Nazanin" panose="00000400000000000000" pitchFamily="2" charset="-78"/>
+              </a:rPr>
+              <a:t>IoT</a:t>
+            </a:r>
+            <a:r>
+              <a:rPr lang="en-US" sz="1800" dirty="0">
+                <a:ln w="0"/>
+                <a:solidFill>
+                  <a:schemeClr val="bg2">
+                    <a:lumMod val="50000"/>
+                  </a:schemeClr>
+                </a:solidFill>
+                <a:effectLst>
+                  <a:outerShdw blurRad="38100" dist="25400" dir="5400000" algn="ctr" rotWithShape="0">
+                    <a:srgbClr val="6E747A">
+                      <a:alpha val="43000"/>
+                    </a:srgbClr>
+                  </a:outerShdw>
+                </a:effectLst>
+                <a:cs typeface="B Nazanin" panose="00000400000000000000" pitchFamily="2" charset="-78"/>
+              </a:rPr>
+              <a:t> </a:t>
+            </a:r>
+            <a:r>
+              <a:rPr lang="fa-IR" sz="1800" dirty="0" smtClean="0">
+                <a:ln w="0"/>
+                <a:solidFill>
+                  <a:schemeClr val="bg2">
+                    <a:lumMod val="50000"/>
+                  </a:schemeClr>
+                </a:solidFill>
+                <a:effectLst>
+                  <a:outerShdw blurRad="38100" dist="25400" dir="5400000" algn="ctr" rotWithShape="0">
+                    <a:srgbClr val="6E747A">
+                      <a:alpha val="43000"/>
+                    </a:srgbClr>
+                  </a:outerShdw>
+                </a:effectLst>
+                <a:cs typeface="B Nazanin" panose="00000400000000000000" pitchFamily="2" charset="-78"/>
+              </a:rPr>
+              <a:t> را </a:t>
+            </a:r>
+            <a:r>
+              <a:rPr lang="fa-IR" sz="1800" dirty="0">
+                <a:ln w="0"/>
+                <a:solidFill>
+                  <a:schemeClr val="bg2">
+                    <a:lumMod val="50000"/>
+                  </a:schemeClr>
+                </a:solidFill>
+                <a:effectLst>
+                  <a:outerShdw blurRad="38100" dist="25400" dir="5400000" algn="ctr" rotWithShape="0">
+                    <a:srgbClr val="6E747A">
+                      <a:alpha val="43000"/>
+                    </a:srgbClr>
+                  </a:outerShdw>
+                </a:effectLst>
+                <a:cs typeface="B Nazanin" panose="00000400000000000000" pitchFamily="2" charset="-78"/>
+              </a:rPr>
+              <a:t>طراحي، اجرا و كارائي اين مدل را تضمين كرد؟</a:t>
+            </a:r>
+          </a:p>
+          <a:p>
+            <a:pPr marL="406908" indent="-342900" algn="just">
+              <a:buFont typeface="Wingdings" panose="05000000000000000000" pitchFamily="2" charset="2"/>
+              <a:buChar char="q"/>
+            </a:pPr>
+            <a:endParaRPr lang="en-US" sz="1800" dirty="0">
+              <a:ln w="0"/>
+              <a:solidFill>
+                <a:schemeClr val="bg2">
+                  <a:lumMod val="50000"/>
+                </a:schemeClr>
+              </a:solidFill>
+              <a:effectLst>
+                <a:outerShdw blurRad="38100" dist="25400" dir="5400000" algn="ctr" rotWithShape="0">
+                  <a:srgbClr val="6E747A">
+                    <a:alpha val="43000"/>
+                  </a:srgbClr>
+                </a:outerShdw>
+              </a:effectLst>
+              <a:cs typeface="B Nazanin" panose="00000400000000000000" pitchFamily="2" charset="-78"/>
+            </a:endParaRPr>
+          </a:p>
+        </p:txBody>
+      </p:sp>
+      <p:pic>
+        <p:nvPicPr>
+          <p:cNvPr id="13" name="Picture 12">
+            <a:extLst>
+              <a:ext uri="{FF2B5EF4-FFF2-40B4-BE49-F238E27FC236}">
+                <a16:creationId xmlns="" xmlns:a16="http://schemas.microsoft.com/office/drawing/2014/main" id="{6C7DFF70-CCA0-4714-A8D4-3E24AC2445C7}"/>
+              </a:ext>
+            </a:extLst>
+          </p:cNvPr>
+          <p:cNvPicPr>
+            <a:picLocks noChangeAspect="1"/>
+          </p:cNvPicPr>
+          <p:nvPr/>
+        </p:nvPicPr>
+        <p:blipFill>
+          <a:blip r:embed="rId4"/>
+          <a:stretch>
+            <a:fillRect/>
+          </a:stretch>
+        </p:blipFill>
+        <p:spPr>
+          <a:xfrm>
+            <a:off x="8191500" y="79991"/>
+            <a:ext cx="877866" cy="1124447"/>
+          </a:xfrm>
+          <a:prstGeom prst="rect">
+            <a:avLst/>
+          </a:prstGeom>
+        </p:spPr>
+      </p:pic>
+      <p:sp>
+        <p:nvSpPr>
+          <p:cNvPr id="2" name="Slide Number Placeholder 1">
+            <a:extLst>
+              <a:ext uri="{FF2B5EF4-FFF2-40B4-BE49-F238E27FC236}">
+                <a16:creationId xmlns="" xmlns:a16="http://schemas.microsoft.com/office/drawing/2014/main" id="{3A9F13B3-A864-47EA-9914-524B6CB023E9}"/>
+              </a:ext>
+            </a:extLst>
+          </p:cNvPr>
+          <p:cNvSpPr>
+            <a:spLocks noGrp="1"/>
+          </p:cNvSpPr>
+          <p:nvPr>
+            <p:ph type="sldNum" sz="quarter" idx="11"/>
+          </p:nvPr>
+        </p:nvSpPr>
+        <p:spPr/>
+        <p:txBody>
+          <a:bodyPr/>
+          <a:lstStyle/>
+          <a:p>
+            <a:fld id="{49598980-D22C-4904-9F8F-3DB09B2ECD84}" type="slidenum">
+              <a:rPr lang="en-US" smtClean="0"/>
+              <a:pPr/>
+              <a:t>20</a:t>
+            </a:fld>
+            <a:endParaRPr lang="en-US" dirty="0"/>
+          </a:p>
+        </p:txBody>
+      </p:sp>
+      <p:pic>
+        <p:nvPicPr>
+          <p:cNvPr id="7" name="Picture 6"/>
+          <p:cNvPicPr>
+            <a:picLocks noChangeAspect="1"/>
+          </p:cNvPicPr>
+          <p:nvPr/>
+        </p:nvPicPr>
+        <p:blipFill>
+          <a:blip r:embed="rId5">
+            <a:clrChange>
+              <a:clrFrom>
+                <a:srgbClr val="FFFFFF"/>
+              </a:clrFrom>
+              <a:clrTo>
+                <a:srgbClr val="FFFFFF">
+                  <a:alpha val="0"/>
+                </a:srgbClr>
+              </a:clrTo>
+            </a:clrChange>
+          </a:blip>
+          <a:stretch>
+            <a:fillRect/>
+          </a:stretch>
+        </p:blipFill>
+        <p:spPr>
+          <a:xfrm>
+            <a:off x="0" y="1219201"/>
+            <a:ext cx="2531327" cy="1371600"/>
+          </a:xfrm>
+          <a:prstGeom prst="rect">
+            <a:avLst/>
+          </a:prstGeom>
+        </p:spPr>
+      </p:pic>
+    </p:spTree>
+    <p:custDataLst>
+      <p:tags r:id="rId1"/>
+    </p:custDataLst>
+    <p:extLst>
+      <p:ext uri="{BB962C8B-B14F-4D97-AF65-F5344CB8AC3E}">
+        <p14:creationId xmlns:p14="http://schemas.microsoft.com/office/powerpoint/2010/main" val="1845025924"/>
+      </p:ext>
+    </p:extLst>
+  </p:cSld>
+  <p:clrMapOvr>
+    <a:masterClrMapping/>
+  </p:clrMapOvr>
+  <p:timing>
+    <p:tnLst>
+      <p:par>
+        <p:cTn id="1" dur="indefinite" restart="never" nodeType="tmRoot">
+          <p:childTnLst>
+            <p:seq concurrent="1" nextAc="seek">
+              <p:cTn id="2" dur="indefinite" nodeType="mainSeq">
+                <p:childTnLst>
+                  <p:par>
+                    <p:cTn id="3" fill="hold">
+                      <p:stCondLst>
+                        <p:cond delay="indefinite"/>
+                        <p:cond evt="onBegin" delay="0">
+                          <p:tn val="2"/>
+                        </p:cond>
+                      </p:stCondLst>
+                      <p:childTnLst>
+                        <p:par>
+                          <p:cTn id="4" fill="hold">
+                            <p:stCondLst>
+                              <p:cond delay="0"/>
+                            </p:stCondLst>
+                            <p:childTnLst>
+                              <p:par>
+                                <p:cTn id="5" presetID="10" presetClass="entr" presetSubtype="0" fill="hold" grpId="0" nodeType="withEffect">
+                                  <p:stCondLst>
+                                    <p:cond delay="0"/>
+                                  </p:stCondLst>
+                                  <p:childTnLst>
+                                    <p:set>
+                                      <p:cBhvr>
+                                        <p:cTn id="6" dur="1" fill="hold">
+                                          <p:stCondLst>
+                                            <p:cond delay="0"/>
+                                          </p:stCondLst>
+                                        </p:cTn>
+                                        <p:tgtEl>
+                                          <p:spTgt spid="8"/>
+                                        </p:tgtEl>
+                                        <p:attrNameLst>
+                                          <p:attrName>style.visibility</p:attrName>
+                                        </p:attrNameLst>
+                                      </p:cBhvr>
+                                      <p:to>
+                                        <p:strVal val="visible"/>
+                                      </p:to>
+                                    </p:set>
+                                    <p:animEffect transition="in" filter="fade">
+                                      <p:cBhvr>
+                                        <p:cTn id="7" dur="500"/>
+                                        <p:tgtEl>
+                                          <p:spTgt spid="8"/>
+                                        </p:tgtEl>
+                                      </p:cBhvr>
+                                    </p:animEffect>
+                                  </p:childTnLst>
+                                </p:cTn>
+                              </p:par>
+                            </p:childTnLst>
+                          </p:cTn>
+                        </p:par>
+                      </p:childTnLst>
+                    </p:cTn>
+                  </p:par>
+                  <p:par>
+                    <p:cTn id="8" fill="hold">
+                      <p:stCondLst>
+                        <p:cond delay="indefinite"/>
+                      </p:stCondLst>
+                      <p:childTnLst>
+                        <p:par>
+                          <p:cTn id="9" fill="hold">
+                            <p:stCondLst>
+                              <p:cond delay="0"/>
+                            </p:stCondLst>
+                            <p:childTnLst>
+                              <p:par>
+                                <p:cTn id="10" presetID="10" presetClass="entr" presetSubtype="0" fill="hold" grpId="0" nodeType="clickEffect">
+                                  <p:stCondLst>
+                                    <p:cond delay="0"/>
+                                  </p:stCondLst>
+                                  <p:childTnLst>
+                                    <p:set>
+                                      <p:cBhvr>
+                                        <p:cTn id="11" dur="1" fill="hold">
+                                          <p:stCondLst>
+                                            <p:cond delay="0"/>
+                                          </p:stCondLst>
+                                        </p:cTn>
+                                        <p:tgtEl>
+                                          <p:spTgt spid="9"/>
+                                        </p:tgtEl>
+                                        <p:attrNameLst>
+                                          <p:attrName>style.visibility</p:attrName>
+                                        </p:attrNameLst>
+                                      </p:cBhvr>
+                                      <p:to>
+                                        <p:strVal val="visible"/>
+                                      </p:to>
+                                    </p:set>
+                                    <p:animEffect transition="in" filter="fade">
+                                      <p:cBhvr>
+                                        <p:cTn id="12" dur="500"/>
+                                        <p:tgtEl>
+                                          <p:spTgt spid="9"/>
+                                        </p:tgtEl>
+                                      </p:cBhvr>
+                                    </p:animEffect>
+                                  </p:childTnLst>
+                                </p:cTn>
+                              </p:par>
+                            </p:childTnLst>
+                          </p:cTn>
+                        </p:par>
+                      </p:childTnLst>
+                    </p:cTn>
+                  </p:par>
+                </p:childTnLst>
+              </p:cTn>
+              <p:prevCondLst>
+                <p:cond evt="onPrev" delay="0">
+                  <p:tgtEl>
+                    <p:sldTgt/>
+                  </p:tgtEl>
+                </p:cond>
+              </p:prevCondLst>
+              <p:nextCondLst>
+                <p:cond evt="onNext" delay="0">
+                  <p:tgtEl>
+                    <p:sldTgt/>
+                  </p:tgtEl>
+                </p:cond>
+              </p:nextCondLst>
+            </p:seq>
+          </p:childTnLst>
+        </p:cTn>
+      </p:par>
+    </p:tnLst>
+    <p:bldLst>
+      <p:bldP spid="8" grpId="0"/>
+      <p:bldP spid="9" grpId="0"/>
+    </p:bldLst>
+  </p:timing>
+</p:sld>
+</file>
+
+<file path=ppt/slides/slide21.xml><?xml version="1.0" encoding="utf-8"?>
+<p:sld xmlns:a="http://schemas.openxmlformats.org/drawingml/2006/main" xmlns:r="http://schemas.openxmlformats.org/officeDocument/2006/relationships" xmlns:p="http://schemas.openxmlformats.org/presentationml/2006/main">
+  <p:cSld>
+    <p:spTree>
+      <p:nvGrpSpPr>
+        <p:cNvPr id="1" name=""/>
+        <p:cNvGrpSpPr/>
+        <p:nvPr/>
+      </p:nvGrpSpPr>
+      <p:grpSpPr>
+        <a:xfrm>
+          <a:off x="0" y="0"/>
+          <a:ext cx="0" cy="0"/>
+          <a:chOff x="0" y="0"/>
+          <a:chExt cx="0" cy="0"/>
+        </a:xfrm>
+      </p:grpSpPr>
+      <p:sp>
+        <p:nvSpPr>
           <p:cNvPr id="4" name="Title 3">
             <a:extLst>
               <a:ext uri="{FF2B5EF4-FFF2-40B4-BE49-F238E27FC236}">
-                <a16:creationId xmlns:a16="http://schemas.microsoft.com/office/drawing/2014/main" xmlns="" id="{0D213B8E-B257-46B0-AD6E-8769531E79AF}"/>
+                <a16:creationId xmlns="" xmlns:a16="http://schemas.microsoft.com/office/drawing/2014/main" id="{0D213B8E-B257-46B0-AD6E-8769531E79AF}"/>
               </a:ext>
             </a:extLst>
           </p:cNvPr>
@@ -12488,7 +14028,7 @@
           <p:cNvPr id="5" name="Slide Number Placeholder 4">
             <a:extLst>
               <a:ext uri="{FF2B5EF4-FFF2-40B4-BE49-F238E27FC236}">
-                <a16:creationId xmlns:a16="http://schemas.microsoft.com/office/drawing/2014/main" xmlns="" id="{BD1A4646-3DBE-406A-A504-167B5A92F786}"/>
+                <a16:creationId xmlns="" xmlns:a16="http://schemas.microsoft.com/office/drawing/2014/main" id="{BD1A4646-3DBE-406A-A504-167B5A92F786}"/>
               </a:ext>
             </a:extLst>
           </p:cNvPr>
@@ -12507,7 +14047,7 @@
             <a:fld id="{49598980-D22C-4904-9F8F-3DB09B2ECD84}" type="slidenum">
               <a:rPr lang="en-US" smtClean="0"/>
               <a:pPr/>
-              <a:t>20</a:t>
+              <a:t>21</a:t>
             </a:fld>
             <a:endParaRPr lang="en-US" dirty="0"/>
           </a:p>
@@ -12518,7 +14058,7 @@
           <p:cNvPr id="6" name="Title 3">
             <a:extLst>
               <a:ext uri="{FF2B5EF4-FFF2-40B4-BE49-F238E27FC236}">
-                <a16:creationId xmlns:a16="http://schemas.microsoft.com/office/drawing/2014/main" xmlns="" id="{0D213B8E-B257-46B0-AD6E-8769531E79AF}"/>
+                <a16:creationId xmlns="" xmlns:a16="http://schemas.microsoft.com/office/drawing/2014/main" id="{0D213B8E-B257-46B0-AD6E-8769531E79AF}"/>
               </a:ext>
             </a:extLst>
           </p:cNvPr>
@@ -12751,7 +14291,7 @@
 </p:sld>
 </file>
 
-<file path=ppt/slides/slide21.xml><?xml version="1.0" encoding="utf-8"?>
+<file path=ppt/slides/slide22.xml><?xml version="1.0" encoding="utf-8"?>
 <p:sld xmlns:a="http://schemas.openxmlformats.org/drawingml/2006/main" xmlns:r="http://schemas.openxmlformats.org/officeDocument/2006/relationships" xmlns:p="http://schemas.openxmlformats.org/presentationml/2006/main">
   <p:cSld>
     <p:spTree>
@@ -12773,7 +14313,7 @@
           <p:cNvPr id="8" name="Title 3">
             <a:extLst>
               <a:ext uri="{FF2B5EF4-FFF2-40B4-BE49-F238E27FC236}">
-                <a16:creationId xmlns:a16="http://schemas.microsoft.com/office/drawing/2014/main" xmlns="" id="{249FB50D-D3FF-4C9D-B418-705D4EA2D891}"/>
+                <a16:creationId xmlns="" xmlns:a16="http://schemas.microsoft.com/office/drawing/2014/main" id="{249FB50D-D3FF-4C9D-B418-705D4EA2D891}"/>
               </a:ext>
             </a:extLst>
           </p:cNvPr>
@@ -12849,7 +14389,7 @@
           <p:cNvPr id="9" name="Content Placeholder 2">
             <a:extLst>
               <a:ext uri="{FF2B5EF4-FFF2-40B4-BE49-F238E27FC236}">
-                <a16:creationId xmlns:a16="http://schemas.microsoft.com/office/drawing/2014/main" xmlns="" id="{7D394C99-B323-47B7-BCC2-501C0B3CAD6E}"/>
+                <a16:creationId xmlns="" xmlns:a16="http://schemas.microsoft.com/office/drawing/2014/main" id="{7D394C99-B323-47B7-BCC2-501C0B3CAD6E}"/>
               </a:ext>
             </a:extLst>
           </p:cNvPr>
@@ -13092,7 +14632,7 @@
           <p:cNvPr id="13" name="Picture 12">
             <a:extLst>
               <a:ext uri="{FF2B5EF4-FFF2-40B4-BE49-F238E27FC236}">
-                <a16:creationId xmlns:a16="http://schemas.microsoft.com/office/drawing/2014/main" xmlns="" id="{6C7DFF70-CCA0-4714-A8D4-3E24AC2445C7}"/>
+                <a16:creationId xmlns="" xmlns:a16="http://schemas.microsoft.com/office/drawing/2014/main" id="{6C7DFF70-CCA0-4714-A8D4-3E24AC2445C7}"/>
               </a:ext>
             </a:extLst>
           </p:cNvPr>
@@ -13122,7 +14662,7 @@
           <p:cNvPr id="2" name="Slide Number Placeholder 1">
             <a:extLst>
               <a:ext uri="{FF2B5EF4-FFF2-40B4-BE49-F238E27FC236}">
-                <a16:creationId xmlns:a16="http://schemas.microsoft.com/office/drawing/2014/main" xmlns="" id="{3A9F13B3-A864-47EA-9914-524B6CB023E9}"/>
+                <a16:creationId xmlns="" xmlns:a16="http://schemas.microsoft.com/office/drawing/2014/main" id="{3A9F13B3-A864-47EA-9914-524B6CB023E9}"/>
               </a:ext>
             </a:extLst>
           </p:cNvPr>
@@ -13141,7 +14681,7 @@
             <a:fld id="{49598980-D22C-4904-9F8F-3DB09B2ECD84}" type="slidenum">
               <a:rPr lang="en-US" smtClean="0"/>
               <a:pPr/>
-              <a:t>21</a:t>
+              <a:t>22</a:t>
             </a:fld>
             <a:endParaRPr lang="en-US" dirty="0"/>
           </a:p>
@@ -13330,7 +14870,7 @@
 </p:sld>
 </file>
 
-<file path=ppt/slides/slide22.xml><?xml version="1.0" encoding="utf-8"?>
+<file path=ppt/slides/slide23.xml><?xml version="1.0" encoding="utf-8"?>
 <p:sld xmlns:a="http://schemas.openxmlformats.org/drawingml/2006/main" xmlns:r="http://schemas.openxmlformats.org/officeDocument/2006/relationships" xmlns:p="http://schemas.openxmlformats.org/presentationml/2006/main">
   <p:cSld>
     <p:spTree>
@@ -13352,7 +14892,7 @@
           <p:cNvPr id="4" name="Title 3">
             <a:extLst>
               <a:ext uri="{FF2B5EF4-FFF2-40B4-BE49-F238E27FC236}">
-                <a16:creationId xmlns:a16="http://schemas.microsoft.com/office/drawing/2014/main" xmlns="" id="{9657C57D-9BE8-43B5-A97D-E73655A33FEB}"/>
+                <a16:creationId xmlns="" xmlns:a16="http://schemas.microsoft.com/office/drawing/2014/main" id="{9657C57D-9BE8-43B5-A97D-E73655A33FEB}"/>
               </a:ext>
             </a:extLst>
           </p:cNvPr>
@@ -13446,7 +14986,7 @@
           <p:cNvPr id="4" name="Title 3">
             <a:extLst>
               <a:ext uri="{FF2B5EF4-FFF2-40B4-BE49-F238E27FC236}">
-                <a16:creationId xmlns:a16="http://schemas.microsoft.com/office/drawing/2014/main" xmlns="" id="{0D213B8E-B257-46B0-AD6E-8769531E79AF}"/>
+                <a16:creationId xmlns="" xmlns:a16="http://schemas.microsoft.com/office/drawing/2014/main" id="{0D213B8E-B257-46B0-AD6E-8769531E79AF}"/>
               </a:ext>
             </a:extLst>
           </p:cNvPr>
@@ -13494,7 +15034,7 @@
           <p:cNvPr id="5" name="Slide Number Placeholder 4">
             <a:extLst>
               <a:ext uri="{FF2B5EF4-FFF2-40B4-BE49-F238E27FC236}">
-                <a16:creationId xmlns:a16="http://schemas.microsoft.com/office/drawing/2014/main" xmlns="" id="{BD1A4646-3DBE-406A-A504-167B5A92F786}"/>
+                <a16:creationId xmlns="" xmlns:a16="http://schemas.microsoft.com/office/drawing/2014/main" id="{BD1A4646-3DBE-406A-A504-167B5A92F786}"/>
               </a:ext>
             </a:extLst>
           </p:cNvPr>
@@ -13524,7 +15064,7 @@
           <p:cNvPr id="6" name="Title 3">
             <a:extLst>
               <a:ext uri="{FF2B5EF4-FFF2-40B4-BE49-F238E27FC236}">
-                <a16:creationId xmlns:a16="http://schemas.microsoft.com/office/drawing/2014/main" xmlns="" id="{0D213B8E-B257-46B0-AD6E-8769531E79AF}"/>
+                <a16:creationId xmlns="" xmlns:a16="http://schemas.microsoft.com/office/drawing/2014/main" id="{0D213B8E-B257-46B0-AD6E-8769531E79AF}"/>
               </a:ext>
             </a:extLst>
           </p:cNvPr>
@@ -13799,7 +15339,7 @@
           <p:cNvPr id="8" name="Title 3">
             <a:extLst>
               <a:ext uri="{FF2B5EF4-FFF2-40B4-BE49-F238E27FC236}">
-                <a16:creationId xmlns:a16="http://schemas.microsoft.com/office/drawing/2014/main" xmlns="" id="{249FB50D-D3FF-4C9D-B418-705D4EA2D891}"/>
+                <a16:creationId xmlns="" xmlns:a16="http://schemas.microsoft.com/office/drawing/2014/main" id="{249FB50D-D3FF-4C9D-B418-705D4EA2D891}"/>
               </a:ext>
             </a:extLst>
           </p:cNvPr>
@@ -13875,7 +15415,7 @@
           <p:cNvPr id="9" name="Content Placeholder 2">
             <a:extLst>
               <a:ext uri="{FF2B5EF4-FFF2-40B4-BE49-F238E27FC236}">
-                <a16:creationId xmlns:a16="http://schemas.microsoft.com/office/drawing/2014/main" xmlns="" id="{7D394C99-B323-47B7-BCC2-501C0B3CAD6E}"/>
+                <a16:creationId xmlns="" xmlns:a16="http://schemas.microsoft.com/office/drawing/2014/main" id="{7D394C99-B323-47B7-BCC2-501C0B3CAD6E}"/>
               </a:ext>
             </a:extLst>
           </p:cNvPr>
@@ -14206,7 +15746,7 @@
           <p:cNvPr id="13" name="Picture 12">
             <a:extLst>
               <a:ext uri="{FF2B5EF4-FFF2-40B4-BE49-F238E27FC236}">
-                <a16:creationId xmlns:a16="http://schemas.microsoft.com/office/drawing/2014/main" xmlns="" id="{6C7DFF70-CCA0-4714-A8D4-3E24AC2445C7}"/>
+                <a16:creationId xmlns="" xmlns:a16="http://schemas.microsoft.com/office/drawing/2014/main" id="{6C7DFF70-CCA0-4714-A8D4-3E24AC2445C7}"/>
               </a:ext>
             </a:extLst>
           </p:cNvPr>
@@ -14236,7 +15776,7 @@
           <p:cNvPr id="2" name="Slide Number Placeholder 1">
             <a:extLst>
               <a:ext uri="{FF2B5EF4-FFF2-40B4-BE49-F238E27FC236}">
-                <a16:creationId xmlns:a16="http://schemas.microsoft.com/office/drawing/2014/main" xmlns="" id="{3A9F13B3-A864-47EA-9914-524B6CB023E9}"/>
+                <a16:creationId xmlns="" xmlns:a16="http://schemas.microsoft.com/office/drawing/2014/main" id="{3A9F13B3-A864-47EA-9914-524B6CB023E9}"/>
               </a:ext>
             </a:extLst>
           </p:cNvPr>
@@ -14486,7 +16026,7 @@
           <p:cNvPr id="4" name="Title 3">
             <a:extLst>
               <a:ext uri="{FF2B5EF4-FFF2-40B4-BE49-F238E27FC236}">
-                <a16:creationId xmlns:a16="http://schemas.microsoft.com/office/drawing/2014/main" xmlns="" id="{0D213B8E-B257-46B0-AD6E-8769531E79AF}"/>
+                <a16:creationId xmlns="" xmlns:a16="http://schemas.microsoft.com/office/drawing/2014/main" id="{0D213B8E-B257-46B0-AD6E-8769531E79AF}"/>
               </a:ext>
             </a:extLst>
           </p:cNvPr>
@@ -14534,7 +16074,7 @@
           <p:cNvPr id="5" name="Slide Number Placeholder 4">
             <a:extLst>
               <a:ext uri="{FF2B5EF4-FFF2-40B4-BE49-F238E27FC236}">
-                <a16:creationId xmlns:a16="http://schemas.microsoft.com/office/drawing/2014/main" xmlns="" id="{BD1A4646-3DBE-406A-A504-167B5A92F786}"/>
+                <a16:creationId xmlns="" xmlns:a16="http://schemas.microsoft.com/office/drawing/2014/main" id="{BD1A4646-3DBE-406A-A504-167B5A92F786}"/>
               </a:ext>
             </a:extLst>
           </p:cNvPr>
@@ -14564,7 +16104,7 @@
           <p:cNvPr id="6" name="Title 3">
             <a:extLst>
               <a:ext uri="{FF2B5EF4-FFF2-40B4-BE49-F238E27FC236}">
-                <a16:creationId xmlns:a16="http://schemas.microsoft.com/office/drawing/2014/main" xmlns="" id="{0D213B8E-B257-46B0-AD6E-8769531E79AF}"/>
+                <a16:creationId xmlns="" xmlns:a16="http://schemas.microsoft.com/office/drawing/2014/main" id="{0D213B8E-B257-46B0-AD6E-8769531E79AF}"/>
               </a:ext>
             </a:extLst>
           </p:cNvPr>
@@ -14819,7 +16359,7 @@
           <p:cNvPr id="8" name="Title 3">
             <a:extLst>
               <a:ext uri="{FF2B5EF4-FFF2-40B4-BE49-F238E27FC236}">
-                <a16:creationId xmlns:a16="http://schemas.microsoft.com/office/drawing/2014/main" xmlns="" id="{249FB50D-D3FF-4C9D-B418-705D4EA2D891}"/>
+                <a16:creationId xmlns="" xmlns:a16="http://schemas.microsoft.com/office/drawing/2014/main" id="{249FB50D-D3FF-4C9D-B418-705D4EA2D891}"/>
               </a:ext>
             </a:extLst>
           </p:cNvPr>
@@ -14895,7 +16435,7 @@
           <p:cNvPr id="9" name="Content Placeholder 2">
             <a:extLst>
               <a:ext uri="{FF2B5EF4-FFF2-40B4-BE49-F238E27FC236}">
-                <a16:creationId xmlns:a16="http://schemas.microsoft.com/office/drawing/2014/main" xmlns="" id="{7D394C99-B323-47B7-BCC2-501C0B3CAD6E}"/>
+                <a16:creationId xmlns="" xmlns:a16="http://schemas.microsoft.com/office/drawing/2014/main" id="{7D394C99-B323-47B7-BCC2-501C0B3CAD6E}"/>
               </a:ext>
             </a:extLst>
           </p:cNvPr>
@@ -15332,7 +16872,7 @@
           <p:cNvPr id="13" name="Picture 12">
             <a:extLst>
               <a:ext uri="{FF2B5EF4-FFF2-40B4-BE49-F238E27FC236}">
-                <a16:creationId xmlns:a16="http://schemas.microsoft.com/office/drawing/2014/main" xmlns="" id="{6C7DFF70-CCA0-4714-A8D4-3E24AC2445C7}"/>
+                <a16:creationId xmlns="" xmlns:a16="http://schemas.microsoft.com/office/drawing/2014/main" id="{6C7DFF70-CCA0-4714-A8D4-3E24AC2445C7}"/>
               </a:ext>
             </a:extLst>
           </p:cNvPr>
@@ -15362,7 +16902,7 @@
           <p:cNvPr id="2" name="Slide Number Placeholder 1">
             <a:extLst>
               <a:ext uri="{FF2B5EF4-FFF2-40B4-BE49-F238E27FC236}">
-                <a16:creationId xmlns:a16="http://schemas.microsoft.com/office/drawing/2014/main" xmlns="" id="{3A9F13B3-A864-47EA-9914-524B6CB023E9}"/>
+                <a16:creationId xmlns="" xmlns:a16="http://schemas.microsoft.com/office/drawing/2014/main" id="{3A9F13B3-A864-47EA-9914-524B6CB023E9}"/>
               </a:ext>
             </a:extLst>
           </p:cNvPr>
@@ -15592,7 +17132,7 @@
           <p:cNvPr id="8" name="Title 3">
             <a:extLst>
               <a:ext uri="{FF2B5EF4-FFF2-40B4-BE49-F238E27FC236}">
-                <a16:creationId xmlns:a16="http://schemas.microsoft.com/office/drawing/2014/main" xmlns="" id="{249FB50D-D3FF-4C9D-B418-705D4EA2D891}"/>
+                <a16:creationId xmlns="" xmlns:a16="http://schemas.microsoft.com/office/drawing/2014/main" id="{249FB50D-D3FF-4C9D-B418-705D4EA2D891}"/>
               </a:ext>
             </a:extLst>
           </p:cNvPr>
@@ -15668,7 +17208,7 @@
           <p:cNvPr id="9" name="Content Placeholder 2">
             <a:extLst>
               <a:ext uri="{FF2B5EF4-FFF2-40B4-BE49-F238E27FC236}">
-                <a16:creationId xmlns:a16="http://schemas.microsoft.com/office/drawing/2014/main" xmlns="" id="{7D394C99-B323-47B7-BCC2-501C0B3CAD6E}"/>
+                <a16:creationId xmlns="" xmlns:a16="http://schemas.microsoft.com/office/drawing/2014/main" id="{7D394C99-B323-47B7-BCC2-501C0B3CAD6E}"/>
               </a:ext>
             </a:extLst>
           </p:cNvPr>
@@ -15990,7 +17530,7 @@
           <p:cNvPr id="13" name="Picture 12">
             <a:extLst>
               <a:ext uri="{FF2B5EF4-FFF2-40B4-BE49-F238E27FC236}">
-                <a16:creationId xmlns:a16="http://schemas.microsoft.com/office/drawing/2014/main" xmlns="" id="{6C7DFF70-CCA0-4714-A8D4-3E24AC2445C7}"/>
+                <a16:creationId xmlns="" xmlns:a16="http://schemas.microsoft.com/office/drawing/2014/main" id="{6C7DFF70-CCA0-4714-A8D4-3E24AC2445C7}"/>
               </a:ext>
             </a:extLst>
           </p:cNvPr>
@@ -16020,7 +17560,7 @@
           <p:cNvPr id="2" name="Slide Number Placeholder 1">
             <a:extLst>
               <a:ext uri="{FF2B5EF4-FFF2-40B4-BE49-F238E27FC236}">
-                <a16:creationId xmlns:a16="http://schemas.microsoft.com/office/drawing/2014/main" xmlns="" id="{3A9F13B3-A864-47EA-9914-524B6CB023E9}"/>
+                <a16:creationId xmlns="" xmlns:a16="http://schemas.microsoft.com/office/drawing/2014/main" id="{3A9F13B3-A864-47EA-9914-524B6CB023E9}"/>
               </a:ext>
             </a:extLst>
           </p:cNvPr>
@@ -16250,7 +17790,7 @@
           <p:cNvPr id="4" name="Title 3">
             <a:extLst>
               <a:ext uri="{FF2B5EF4-FFF2-40B4-BE49-F238E27FC236}">
-                <a16:creationId xmlns:a16="http://schemas.microsoft.com/office/drawing/2014/main" xmlns="" id="{0D213B8E-B257-46B0-AD6E-8769531E79AF}"/>
+                <a16:creationId xmlns="" xmlns:a16="http://schemas.microsoft.com/office/drawing/2014/main" id="{0D213B8E-B257-46B0-AD6E-8769531E79AF}"/>
               </a:ext>
             </a:extLst>
           </p:cNvPr>
@@ -16298,7 +17838,7 @@
           <p:cNvPr id="5" name="Slide Number Placeholder 4">
             <a:extLst>
               <a:ext uri="{FF2B5EF4-FFF2-40B4-BE49-F238E27FC236}">
-                <a16:creationId xmlns:a16="http://schemas.microsoft.com/office/drawing/2014/main" xmlns="" id="{BD1A4646-3DBE-406A-A504-167B5A92F786}"/>
+                <a16:creationId xmlns="" xmlns:a16="http://schemas.microsoft.com/office/drawing/2014/main" id="{BD1A4646-3DBE-406A-A504-167B5A92F786}"/>
               </a:ext>
             </a:extLst>
           </p:cNvPr>
@@ -16328,7 +17868,7 @@
           <p:cNvPr id="6" name="Title 3">
             <a:extLst>
               <a:ext uri="{FF2B5EF4-FFF2-40B4-BE49-F238E27FC236}">
-                <a16:creationId xmlns:a16="http://schemas.microsoft.com/office/drawing/2014/main" xmlns="" id="{0D213B8E-B257-46B0-AD6E-8769531E79AF}"/>
+                <a16:creationId xmlns="" xmlns:a16="http://schemas.microsoft.com/office/drawing/2014/main" id="{0D213B8E-B257-46B0-AD6E-8769531E79AF}"/>
               </a:ext>
             </a:extLst>
           </p:cNvPr>
@@ -16583,7 +18123,7 @@
           <p:cNvPr id="8" name="Title 3">
             <a:extLst>
               <a:ext uri="{FF2B5EF4-FFF2-40B4-BE49-F238E27FC236}">
-                <a16:creationId xmlns:a16="http://schemas.microsoft.com/office/drawing/2014/main" xmlns="" id="{249FB50D-D3FF-4C9D-B418-705D4EA2D891}"/>
+                <a16:creationId xmlns="" xmlns:a16="http://schemas.microsoft.com/office/drawing/2014/main" id="{249FB50D-D3FF-4C9D-B418-705D4EA2D891}"/>
               </a:ext>
             </a:extLst>
           </p:cNvPr>
@@ -16659,7 +18199,7 @@
           <p:cNvPr id="9" name="Content Placeholder 2">
             <a:extLst>
               <a:ext uri="{FF2B5EF4-FFF2-40B4-BE49-F238E27FC236}">
-                <a16:creationId xmlns:a16="http://schemas.microsoft.com/office/drawing/2014/main" xmlns="" id="{7D394C99-B323-47B7-BCC2-501C0B3CAD6E}"/>
+                <a16:creationId xmlns="" xmlns:a16="http://schemas.microsoft.com/office/drawing/2014/main" id="{7D394C99-B323-47B7-BCC2-501C0B3CAD6E}"/>
               </a:ext>
             </a:extLst>
           </p:cNvPr>
@@ -17139,7 +18679,7 @@
           <p:cNvPr id="13" name="Picture 12">
             <a:extLst>
               <a:ext uri="{FF2B5EF4-FFF2-40B4-BE49-F238E27FC236}">
-                <a16:creationId xmlns:a16="http://schemas.microsoft.com/office/drawing/2014/main" xmlns="" id="{6C7DFF70-CCA0-4714-A8D4-3E24AC2445C7}"/>
+                <a16:creationId xmlns="" xmlns:a16="http://schemas.microsoft.com/office/drawing/2014/main" id="{6C7DFF70-CCA0-4714-A8D4-3E24AC2445C7}"/>
               </a:ext>
             </a:extLst>
           </p:cNvPr>
@@ -17169,7 +18709,7 @@
           <p:cNvPr id="2" name="Slide Number Placeholder 1">
             <a:extLst>
               <a:ext uri="{FF2B5EF4-FFF2-40B4-BE49-F238E27FC236}">
-                <a16:creationId xmlns:a16="http://schemas.microsoft.com/office/drawing/2014/main" xmlns="" id="{3A9F13B3-A864-47EA-9914-524B6CB023E9}"/>
+                <a16:creationId xmlns="" xmlns:a16="http://schemas.microsoft.com/office/drawing/2014/main" id="{3A9F13B3-A864-47EA-9914-524B6CB023E9}"/>
               </a:ext>
             </a:extLst>
           </p:cNvPr>
@@ -17470,17 +19010,23 @@
 
 <file path=ppt/tags/tag20.xml><?xml version="1.0" encoding="utf-8"?>
 <p:tagLst xmlns:a="http://schemas.openxmlformats.org/drawingml/2006/main" xmlns:r="http://schemas.openxmlformats.org/officeDocument/2006/relationships" xmlns:p="http://schemas.openxmlformats.org/presentationml/2006/main">
-  <p:tag name="GENSWF_SLIDE_UID" val="{08B0411B-8CE6-451E-A379-67286781B423}:257"/>
+  <p:tag name="GENSWF_SLIDE_UID" val="{445ECAE4-15B5-49F1-B3AD-E6CDC3966633}:259"/>
 </p:tagLst>
 </file>
 
 <file path=ppt/tags/tag21.xml><?xml version="1.0" encoding="utf-8"?>
 <p:tagLst xmlns:a="http://schemas.openxmlformats.org/drawingml/2006/main" xmlns:r="http://schemas.openxmlformats.org/officeDocument/2006/relationships" xmlns:p="http://schemas.openxmlformats.org/presentationml/2006/main">
+  <p:tag name="GENSWF_SLIDE_UID" val="{08B0411B-8CE6-451E-A379-67286781B423}:257"/>
+</p:tagLst>
+</file>
+
+<file path=ppt/tags/tag22.xml><?xml version="1.0" encoding="utf-8"?>
+<p:tagLst xmlns:a="http://schemas.openxmlformats.org/drawingml/2006/main" xmlns:r="http://schemas.openxmlformats.org/officeDocument/2006/relationships" xmlns:p="http://schemas.openxmlformats.org/presentationml/2006/main">
   <p:tag name="GENSWF_SLIDE_UID" val="{445ECAE4-15B5-49F1-B3AD-E6CDC3966633}:259"/>
 </p:tagLst>
 </file>
 
-<file path=ppt/tags/tag22.xml><?xml version="1.0" encoding="utf-8"?>
+<file path=ppt/tags/tag23.xml><?xml version="1.0" encoding="utf-8"?>
 <p:tagLst xmlns:a="http://schemas.openxmlformats.org/drawingml/2006/main" xmlns:r="http://schemas.openxmlformats.org/officeDocument/2006/relationships" xmlns:p="http://schemas.openxmlformats.org/presentationml/2006/main">
   <p:tag name="GENSWF_SLIDE_UID" val="{48A528A1-B38A-4972-8838-CCCE4A461F72}:302"/>
 </p:tagLst>
@@ -18333,23 +19879,6 @@
 </file>
 
 <file path=customXml/item1.xml><?xml version="1.0" encoding="utf-8"?>
-<?mso-contentType ?>
-<FormTemplates xmlns="http://schemas.microsoft.com/sharepoint/v3/contenttype/forms">
-  <Display>DocumentLibraryForm</Display>
-  <Edit>DocumentLibraryForm</Edit>
-  <New>DocumentLibraryForm</New>
-</FormTemplates>
-</file>
-
-<file path=customXml/item2.xml><?xml version="1.0" encoding="utf-8"?>
-<p:properties xmlns:p="http://schemas.microsoft.com/office/2006/metadata/properties" xmlns:xsi="http://www.w3.org/2001/XMLSchema-instance" xmlns:pc="http://schemas.microsoft.com/office/infopath/2007/PartnerControls">
-  <documentManagement>
-    <MediaServiceKeyPoints xmlns="71af3243-3dd4-4a8d-8c0d-dd76da1f02a5" xsi:nil="true"/>
-  </documentManagement>
-</p:properties>
-</file>
-
-<file path=customXml/item3.xml><?xml version="1.0" encoding="utf-8"?>
 <ct:contentTypeSchema xmlns:ct="http://schemas.microsoft.com/office/2006/metadata/contentType" xmlns:ma="http://schemas.microsoft.com/office/2006/metadata/properties/metaAttributes" ct:_="" ma:_="" ma:contentTypeName="Document" ma:contentTypeID="0x01010079F111ED35F8CC479449609E8A0923A6" ma:contentTypeVersion="11" ma:contentTypeDescription="Create a new document." ma:contentTypeScope="" ma:versionID="96291512c1ee715ab617f4c07df79fc1">
   <xsd:schema xmlns:xsd="http://www.w3.org/2001/XMLSchema" xmlns:xs="http://www.w3.org/2001/XMLSchema" xmlns:p="http://schemas.microsoft.com/office/2006/metadata/properties" xmlns:ns2="71af3243-3dd4-4a8d-8c0d-dd76da1f02a5" xmlns:ns3="16c05727-aa75-4e4a-9b5f-8a80a1165891" targetNamespace="http://schemas.microsoft.com/office/2006/metadata/properties" ma:root="true" ma:fieldsID="8256c27c40ca5c40ce1cf6c44f0205df" ns2:_="" ns3:_="">
     <xsd:import namespace="71af3243-3dd4-4a8d-8c0d-dd76da1f02a5"/>
@@ -18560,10 +20089,38 @@
 </ct:contentTypeSchema>
 </file>
 
+<file path=customXml/item2.xml><?xml version="1.0" encoding="utf-8"?>
+<p:properties xmlns:p="http://schemas.microsoft.com/office/2006/metadata/properties" xmlns:xsi="http://www.w3.org/2001/XMLSchema-instance" xmlns:pc="http://schemas.microsoft.com/office/infopath/2007/PartnerControls">
+  <documentManagement>
+    <MediaServiceKeyPoints xmlns="71af3243-3dd4-4a8d-8c0d-dd76da1f02a5" xsi:nil="true"/>
+  </documentManagement>
+</p:properties>
+</file>
+
+<file path=customXml/item3.xml><?xml version="1.0" encoding="utf-8"?>
+<?mso-contentType ?>
+<FormTemplates xmlns="http://schemas.microsoft.com/sharepoint/v3/contenttype/forms">
+  <Display>DocumentLibraryForm</Display>
+  <Edit>DocumentLibraryForm</Edit>
+  <New>DocumentLibraryForm</New>
+</FormTemplates>
+</file>
+
 <file path=customXml/itemProps1.xml><?xml version="1.0" encoding="utf-8"?>
-<ds:datastoreItem xmlns:ds="http://schemas.openxmlformats.org/officeDocument/2006/customXml" ds:itemID="{3DC31EBE-A492-4CE5-9650-1E2C8FDDD7CE}">
+<ds:datastoreItem xmlns:ds="http://schemas.openxmlformats.org/officeDocument/2006/customXml" ds:itemID="{B1AD0D4C-03C4-489C-932A-66E2D74FA6D5}">
   <ds:schemaRefs>
-    <ds:schemaRef ds:uri="http://schemas.microsoft.com/sharepoint/v3/contenttype/forms"/>
+    <ds:schemaRef ds:uri="http://schemas.microsoft.com/office/2006/metadata/contentType"/>
+    <ds:schemaRef ds:uri="http://schemas.microsoft.com/office/2006/metadata/properties/metaAttributes"/>
+    <ds:schemaRef ds:uri="http://www.w3.org/2001/XMLSchema"/>
+    <ds:schemaRef ds:uri="http://schemas.microsoft.com/office/2006/metadata/properties"/>
+    <ds:schemaRef ds:uri="71af3243-3dd4-4a8d-8c0d-dd76da1f02a5"/>
+    <ds:schemaRef ds:uri="16c05727-aa75-4e4a-9b5f-8a80a1165891"/>
+    <ds:schemaRef ds:uri="http://schemas.microsoft.com/office/2006/documentManagement/types"/>
+    <ds:schemaRef ds:uri="http://schemas.microsoft.com/office/infopath/2007/PartnerControls"/>
+    <ds:schemaRef ds:uri="http://schemas.openxmlformats.org/package/2006/metadata/core-properties"/>
+    <ds:schemaRef ds:uri="http://purl.org/dc/elements/1.1/"/>
+    <ds:schemaRef ds:uri="http://purl.org/dc/terms/"/>
+    <ds:schemaRef ds:uri="http://schemas.microsoft.com/internal/obd"/>
   </ds:schemaRefs>
 </ds:datastoreItem>
 </file>
@@ -18586,20 +20143,9 @@
 </file>
 
 <file path=customXml/itemProps3.xml><?xml version="1.0" encoding="utf-8"?>
-<ds:datastoreItem xmlns:ds="http://schemas.openxmlformats.org/officeDocument/2006/customXml" ds:itemID="{B1AD0D4C-03C4-489C-932A-66E2D74FA6D5}">
+<ds:datastoreItem xmlns:ds="http://schemas.openxmlformats.org/officeDocument/2006/customXml" ds:itemID="{3DC31EBE-A492-4CE5-9650-1E2C8FDDD7CE}">
   <ds:schemaRefs>
-    <ds:schemaRef ds:uri="http://schemas.microsoft.com/office/2006/metadata/contentType"/>
-    <ds:schemaRef ds:uri="http://schemas.microsoft.com/office/2006/metadata/properties/metaAttributes"/>
-    <ds:schemaRef ds:uri="http://www.w3.org/2001/XMLSchema"/>
-    <ds:schemaRef ds:uri="http://schemas.microsoft.com/office/2006/metadata/properties"/>
-    <ds:schemaRef ds:uri="71af3243-3dd4-4a8d-8c0d-dd76da1f02a5"/>
-    <ds:schemaRef ds:uri="16c05727-aa75-4e4a-9b5f-8a80a1165891"/>
-    <ds:schemaRef ds:uri="http://schemas.microsoft.com/office/2006/documentManagement/types"/>
-    <ds:schemaRef ds:uri="http://schemas.microsoft.com/office/infopath/2007/PartnerControls"/>
-    <ds:schemaRef ds:uri="http://schemas.openxmlformats.org/package/2006/metadata/core-properties"/>
-    <ds:schemaRef ds:uri="http://purl.org/dc/elements/1.1/"/>
-    <ds:schemaRef ds:uri="http://purl.org/dc/terms/"/>
-    <ds:schemaRef ds:uri="http://schemas.microsoft.com/internal/obd"/>
+    <ds:schemaRef ds:uri="http://schemas.microsoft.com/sharepoint/v3/contenttype/forms"/>
   </ds:schemaRefs>
 </ds:datastoreItem>
 </file>
--- a/PowerPoint.pptx
+++ b/PowerPoint.pptx
@@ -184,7 +184,7 @@
           <p:cNvPr id="2" name="Header Placeholder 1">
             <a:extLst>
               <a:ext uri="{FF2B5EF4-FFF2-40B4-BE49-F238E27FC236}">
-                <a16:creationId xmlns="" xmlns:a16="http://schemas.microsoft.com/office/drawing/2014/main" id="{643DAE18-FF53-43C8-B129-B2254E0CD35F}"/>
+                <a16:creationId xmlns:a16="http://schemas.microsoft.com/office/drawing/2014/main" xmlns="" id="{643DAE18-FF53-43C8-B129-B2254E0CD35F}"/>
               </a:ext>
             </a:extLst>
           </p:cNvPr>
@@ -221,7 +221,7 @@
           <p:cNvPr id="3" name="Date Placeholder 2">
             <a:extLst>
               <a:ext uri="{FF2B5EF4-FFF2-40B4-BE49-F238E27FC236}">
-                <a16:creationId xmlns="" xmlns:a16="http://schemas.microsoft.com/office/drawing/2014/main" id="{A84C594C-BB62-4D1A-AA15-460CAB02688B}"/>
+                <a16:creationId xmlns:a16="http://schemas.microsoft.com/office/drawing/2014/main" xmlns="" id="{A84C594C-BB62-4D1A-AA15-460CAB02688B}"/>
               </a:ext>
             </a:extLst>
           </p:cNvPr>
@@ -251,7 +251,7 @@
           <a:p>
             <a:fld id="{0BAB0719-0C0B-4FCD-8C42-A758D216E1BD}" type="datetimeFigureOut">
               <a:rPr lang="en-US" smtClean="0"/>
-              <a:t>6/5/2022</a:t>
+              <a:t>6/6/2022</a:t>
             </a:fld>
             <a:endParaRPr lang="en-US" dirty="0"/>
           </a:p>
@@ -262,7 +262,7 @@
           <p:cNvPr id="4" name="Footer Placeholder 3">
             <a:extLst>
               <a:ext uri="{FF2B5EF4-FFF2-40B4-BE49-F238E27FC236}">
-                <a16:creationId xmlns="" xmlns:a16="http://schemas.microsoft.com/office/drawing/2014/main" id="{377CD9E3-2F3C-4226-A22C-6BC586ACB341}"/>
+                <a16:creationId xmlns:a16="http://schemas.microsoft.com/office/drawing/2014/main" xmlns="" id="{377CD9E3-2F3C-4226-A22C-6BC586ACB341}"/>
               </a:ext>
             </a:extLst>
           </p:cNvPr>
@@ -299,7 +299,7 @@
           <p:cNvPr id="5" name="Slide Number Placeholder 4">
             <a:extLst>
               <a:ext uri="{FF2B5EF4-FFF2-40B4-BE49-F238E27FC236}">
-                <a16:creationId xmlns="" xmlns:a16="http://schemas.microsoft.com/office/drawing/2014/main" id="{257FA062-CF80-4049-B333-6A99FEE14BB9}"/>
+                <a16:creationId xmlns:a16="http://schemas.microsoft.com/office/drawing/2014/main" xmlns="" id="{257FA062-CF80-4049-B333-6A99FEE14BB9}"/>
               </a:ext>
             </a:extLst>
           </p:cNvPr>
@@ -429,7 +429,7 @@
             <a:fld id="{925A17EF-115B-4BB9-BF42-426DFD9E898A}" type="datetimeFigureOut">
               <a:rPr lang="en-US" smtClean="0"/>
               <a:pPr/>
-              <a:t>6/5/2022</a:t>
+              <a:t>6/6/2022</a:t>
             </a:fld>
             <a:endParaRPr lang="en-US" dirty="0"/>
           </a:p>
@@ -2595,7 +2595,7 @@
           <p:nvPr userDrawn="1"/>
         </p:nvPicPr>
         <p:blipFill>
-          <a:blip r:embed="rId2">
+          <a:blip r:embed="rId2" cstate="email">
             <a:clrChange>
               <a:clrFrom>
                 <a:srgbClr val="ECEAEB"/>
@@ -2615,7 +2615,7 @@
             </a:duotone>
             <a:extLst>
               <a:ext uri="{28A0092B-C50C-407E-A947-70E740481C1C}">
-                <a14:useLocalDpi xmlns:a14="http://schemas.microsoft.com/office/drawing/2010/main" val="0"/>
+                <a14:useLocalDpi xmlns:a14="http://schemas.microsoft.com/office/drawing/2010/main"/>
               </a:ext>
             </a:extLst>
           </a:blip>
@@ -2649,7 +2649,7 @@
           <p:cNvPr id="10" name="Group 9">
             <a:extLst>
               <a:ext uri="{FF2B5EF4-FFF2-40B4-BE49-F238E27FC236}">
-                <a16:creationId xmlns="" xmlns:a16="http://schemas.microsoft.com/office/drawing/2014/main" id="{E770D99E-2869-438B-B483-1F6CCD5437EE}"/>
+                <a16:creationId xmlns:a16="http://schemas.microsoft.com/office/drawing/2014/main" xmlns="" id="{E770D99E-2869-438B-B483-1F6CCD5437EE}"/>
               </a:ext>
             </a:extLst>
           </p:cNvPr>
@@ -2669,7 +2669,7 @@
             <p:cNvPr id="11" name="Graphic 10">
               <a:extLst>
                 <a:ext uri="{FF2B5EF4-FFF2-40B4-BE49-F238E27FC236}">
-                  <a16:creationId xmlns="" xmlns:a16="http://schemas.microsoft.com/office/drawing/2014/main" id="{F66236F9-EA1F-4D2A-84DE-EC04F9972C4F}"/>
+                  <a16:creationId xmlns:a16="http://schemas.microsoft.com/office/drawing/2014/main" xmlns="" id="{F66236F9-EA1F-4D2A-84DE-EC04F9972C4F}"/>
                 </a:ext>
               </a:extLst>
             </p:cNvPr>
@@ -2679,7 +2679,7 @@
             <p:nvPr userDrawn="1"/>
           </p:nvPicPr>
           <p:blipFill>
-            <a:blip r:embed="rId3">
+            <a:blip r:embed="rId3" cstate="email">
               <a:duotone>
                 <a:schemeClr val="accent5">
                   <a:shade val="45000"/>
@@ -2688,8 +2688,11 @@
                 <a:prstClr val="white"/>
               </a:duotone>
               <a:extLst>
+                <a:ext uri="{28A0092B-C50C-407E-A947-70E740481C1C}">
+                  <a14:useLocalDpi xmlns:a14="http://schemas.microsoft.com/office/drawing/2010/main"/>
+                </a:ext>
                 <a:ext uri="{96DAC541-7B7A-43D3-8B79-37D633B846F1}">
-                  <asvg:svgBlip xmlns="" xmlns:asvg="http://schemas.microsoft.com/office/drawing/2016/SVG/main" r:embed="rId4"/>
+                  <asvg:svgBlip xmlns:asvg="http://schemas.microsoft.com/office/drawing/2016/SVG/main" xmlns="" r:embed="rId4"/>
                 </a:ext>
               </a:extLst>
             </a:blip>
@@ -2712,7 +2715,7 @@
             <p:cNvPr id="13" name="Graphic 12">
               <a:extLst>
                 <a:ext uri="{FF2B5EF4-FFF2-40B4-BE49-F238E27FC236}">
-                  <a16:creationId xmlns="" xmlns:a16="http://schemas.microsoft.com/office/drawing/2014/main" id="{A14E049B-6FD4-487E-927B-506983629A35}"/>
+                  <a16:creationId xmlns:a16="http://schemas.microsoft.com/office/drawing/2014/main" xmlns="" id="{A14E049B-6FD4-487E-927B-506983629A35}"/>
                 </a:ext>
               </a:extLst>
             </p:cNvPr>
@@ -2722,7 +2725,7 @@
             <p:nvPr userDrawn="1"/>
           </p:nvPicPr>
           <p:blipFill>
-            <a:blip r:embed="rId5">
+            <a:blip r:embed="rId5" cstate="email">
               <a:duotone>
                 <a:schemeClr val="accent5">
                   <a:shade val="45000"/>
@@ -2731,8 +2734,11 @@
                 <a:prstClr val="white"/>
               </a:duotone>
               <a:extLst>
+                <a:ext uri="{28A0092B-C50C-407E-A947-70E740481C1C}">
+                  <a14:useLocalDpi xmlns:a14="http://schemas.microsoft.com/office/drawing/2010/main"/>
+                </a:ext>
                 <a:ext uri="{96DAC541-7B7A-43D3-8B79-37D633B846F1}">
-                  <asvg:svgBlip xmlns="" xmlns:asvg="http://schemas.microsoft.com/office/drawing/2016/SVG/main" r:embed="rId7"/>
+                  <asvg:svgBlip xmlns:asvg="http://schemas.microsoft.com/office/drawing/2016/SVG/main" xmlns="" r:embed="rId7"/>
                 </a:ext>
               </a:extLst>
             </a:blip>
@@ -2755,7 +2761,7 @@
             <p:cNvPr id="14" name="Graphic 13">
               <a:extLst>
                 <a:ext uri="{FF2B5EF4-FFF2-40B4-BE49-F238E27FC236}">
-                  <a16:creationId xmlns="" xmlns:a16="http://schemas.microsoft.com/office/drawing/2014/main" id="{EF27E3F5-0D4D-492C-8A3E-50BC30CEFD28}"/>
+                  <a16:creationId xmlns:a16="http://schemas.microsoft.com/office/drawing/2014/main" xmlns="" id="{EF27E3F5-0D4D-492C-8A3E-50BC30CEFD28}"/>
                 </a:ext>
               </a:extLst>
             </p:cNvPr>
@@ -2765,7 +2771,7 @@
             <p:nvPr userDrawn="1"/>
           </p:nvPicPr>
           <p:blipFill>
-            <a:blip r:embed="rId8">
+            <a:blip r:embed="rId8" cstate="email">
               <a:duotone>
                 <a:schemeClr val="accent5">
                   <a:shade val="45000"/>
@@ -2774,8 +2780,11 @@
                 <a:prstClr val="white"/>
               </a:duotone>
               <a:extLst>
+                <a:ext uri="{28A0092B-C50C-407E-A947-70E740481C1C}">
+                  <a14:useLocalDpi xmlns:a14="http://schemas.microsoft.com/office/drawing/2010/main"/>
+                </a:ext>
                 <a:ext uri="{96DAC541-7B7A-43D3-8B79-37D633B846F1}">
-                  <asvg:svgBlip xmlns="" xmlns:asvg="http://schemas.microsoft.com/office/drawing/2016/SVG/main" r:embed="rId9"/>
+                  <asvg:svgBlip xmlns:asvg="http://schemas.microsoft.com/office/drawing/2016/SVG/main" xmlns="" r:embed="rId9"/>
                 </a:ext>
               </a:extLst>
             </a:blip>
@@ -2798,7 +2807,7 @@
             <p:cNvPr id="15" name="Graphic 14">
               <a:extLst>
                 <a:ext uri="{FF2B5EF4-FFF2-40B4-BE49-F238E27FC236}">
-                  <a16:creationId xmlns="" xmlns:a16="http://schemas.microsoft.com/office/drawing/2014/main" id="{36D4FF91-8818-4598-AC9F-B8C2FA867C0F}"/>
+                  <a16:creationId xmlns:a16="http://schemas.microsoft.com/office/drawing/2014/main" xmlns="" id="{36D4FF91-8818-4598-AC9F-B8C2FA867C0F}"/>
                 </a:ext>
               </a:extLst>
             </p:cNvPr>
@@ -2808,7 +2817,7 @@
             <p:nvPr userDrawn="1"/>
           </p:nvPicPr>
           <p:blipFill>
-            <a:blip r:embed="rId10">
+            <a:blip r:embed="rId10" cstate="email">
               <a:duotone>
                 <a:schemeClr val="accent5">
                   <a:shade val="45000"/>
@@ -2817,8 +2826,11 @@
                 <a:prstClr val="white"/>
               </a:duotone>
               <a:extLst>
+                <a:ext uri="{28A0092B-C50C-407E-A947-70E740481C1C}">
+                  <a14:useLocalDpi xmlns:a14="http://schemas.microsoft.com/office/drawing/2010/main"/>
+                </a:ext>
                 <a:ext uri="{96DAC541-7B7A-43D3-8B79-37D633B846F1}">
-                  <asvg:svgBlip xmlns="" xmlns:asvg="http://schemas.microsoft.com/office/drawing/2016/SVG/main" r:embed="rId11"/>
+                  <asvg:svgBlip xmlns:asvg="http://schemas.microsoft.com/office/drawing/2016/SVG/main" xmlns="" r:embed="rId11"/>
                 </a:ext>
               </a:extLst>
             </a:blip>
@@ -3201,7 +3213,7 @@
           <p:cNvPr id="11" name="Group 10">
             <a:extLst>
               <a:ext uri="{FF2B5EF4-FFF2-40B4-BE49-F238E27FC236}">
-                <a16:creationId xmlns="" xmlns:a16="http://schemas.microsoft.com/office/drawing/2014/main" id="{CABB0C64-AD16-4270-8323-3B986F4CAD10}"/>
+                <a16:creationId xmlns:a16="http://schemas.microsoft.com/office/drawing/2014/main" xmlns="" id="{CABB0C64-AD16-4270-8323-3B986F4CAD10}"/>
               </a:ext>
             </a:extLst>
           </p:cNvPr>
@@ -3221,7 +3233,7 @@
             <p:cNvPr id="12" name="Graphic 11">
               <a:extLst>
                 <a:ext uri="{FF2B5EF4-FFF2-40B4-BE49-F238E27FC236}">
-                  <a16:creationId xmlns="" xmlns:a16="http://schemas.microsoft.com/office/drawing/2014/main" id="{323EE1CF-2D6B-4E08-B98D-D9F9B9196806}"/>
+                  <a16:creationId xmlns:a16="http://schemas.microsoft.com/office/drawing/2014/main" xmlns="" id="{323EE1CF-2D6B-4E08-B98D-D9F9B9196806}"/>
                 </a:ext>
               </a:extLst>
             </p:cNvPr>
@@ -3234,7 +3246,7 @@
             <a:blip r:embed="rId2">
               <a:extLst>
                 <a:ext uri="{96DAC541-7B7A-43D3-8B79-37D633B846F1}">
-                  <asvg:svgBlip xmlns="" xmlns:asvg="http://schemas.microsoft.com/office/drawing/2016/SVG/main" r:embed="rId3"/>
+                  <asvg:svgBlip xmlns:asvg="http://schemas.microsoft.com/office/drawing/2016/SVG/main" xmlns="" r:embed="rId3"/>
                 </a:ext>
               </a:extLst>
             </a:blip>
@@ -3257,7 +3269,7 @@
             <p:cNvPr id="13" name="Graphic 12">
               <a:extLst>
                 <a:ext uri="{FF2B5EF4-FFF2-40B4-BE49-F238E27FC236}">
-                  <a16:creationId xmlns="" xmlns:a16="http://schemas.microsoft.com/office/drawing/2014/main" id="{2AA44434-8959-4391-901A-0B056114A270}"/>
+                  <a16:creationId xmlns:a16="http://schemas.microsoft.com/office/drawing/2014/main" xmlns="" id="{2AA44434-8959-4391-901A-0B056114A270}"/>
                 </a:ext>
               </a:extLst>
             </p:cNvPr>
@@ -3277,7 +3289,7 @@
               </a:duotone>
               <a:extLst>
                 <a:ext uri="{96DAC541-7B7A-43D3-8B79-37D633B846F1}">
-                  <asvg:svgBlip xmlns="" xmlns:asvg="http://schemas.microsoft.com/office/drawing/2016/SVG/main" r:embed="rId5"/>
+                  <asvg:svgBlip xmlns:asvg="http://schemas.microsoft.com/office/drawing/2016/SVG/main" xmlns="" r:embed="rId5"/>
                 </a:ext>
               </a:extLst>
             </a:blip>
@@ -3301,7 +3313,7 @@
           <p:cNvPr id="4" name="Slide Number Placeholder 3">
             <a:extLst>
               <a:ext uri="{FF2B5EF4-FFF2-40B4-BE49-F238E27FC236}">
-                <a16:creationId xmlns="" xmlns:a16="http://schemas.microsoft.com/office/drawing/2014/main" id="{04FC6F67-BAE4-413D-8066-1E361D58912A}"/>
+                <a16:creationId xmlns:a16="http://schemas.microsoft.com/office/drawing/2014/main" xmlns="" id="{04FC6F67-BAE4-413D-8066-1E361D58912A}"/>
               </a:ext>
             </a:extLst>
           </p:cNvPr>
@@ -3337,7 +3349,7 @@
           <p:cNvPr id="14" name="Content Placeholder 2">
             <a:extLst>
               <a:ext uri="{FF2B5EF4-FFF2-40B4-BE49-F238E27FC236}">
-                <a16:creationId xmlns="" xmlns:a16="http://schemas.microsoft.com/office/drawing/2014/main" id="{DF566D8F-E696-41DE-BA1C-A8D0C7F03EDA}"/>
+                <a16:creationId xmlns:a16="http://schemas.microsoft.com/office/drawing/2014/main" xmlns="" id="{DF566D8F-E696-41DE-BA1C-A8D0C7F03EDA}"/>
               </a:ext>
             </a:extLst>
           </p:cNvPr>
@@ -3397,7 +3409,7 @@
           <p:cNvPr id="10" name="Picture 9">
             <a:extLst>
               <a:ext uri="{FF2B5EF4-FFF2-40B4-BE49-F238E27FC236}">
-                <a16:creationId xmlns="" xmlns:a16="http://schemas.microsoft.com/office/drawing/2014/main" id="{229BCFD6-0FEA-470B-8D1B-2003D04546A9}"/>
+                <a16:creationId xmlns:a16="http://schemas.microsoft.com/office/drawing/2014/main" xmlns="" id="{229BCFD6-0FEA-470B-8D1B-2003D04546A9}"/>
               </a:ext>
             </a:extLst>
           </p:cNvPr>
@@ -3407,7 +3419,13 @@
           <p:nvPr userDrawn="1"/>
         </p:nvPicPr>
         <p:blipFill>
-          <a:blip r:embed="rId6"/>
+          <a:blip r:embed="rId6" cstate="email">
+            <a:extLst>
+              <a:ext uri="{28A0092B-C50C-407E-A947-70E740481C1C}">
+                <a14:useLocalDpi xmlns:a14="http://schemas.microsoft.com/office/drawing/2010/main"/>
+              </a:ext>
+            </a:extLst>
+          </a:blip>
           <a:stretch>
             <a:fillRect/>
           </a:stretch>
@@ -3427,7 +3445,7 @@
           <p:cNvPr id="16" name="Title 1">
             <a:extLst>
               <a:ext uri="{FF2B5EF4-FFF2-40B4-BE49-F238E27FC236}">
-                <a16:creationId xmlns="" xmlns:a16="http://schemas.microsoft.com/office/drawing/2014/main" id="{46DBB272-DB65-45A5-B783-3A77775D8D95}"/>
+                <a16:creationId xmlns:a16="http://schemas.microsoft.com/office/drawing/2014/main" xmlns="" id="{46DBB272-DB65-45A5-B783-3A77775D8D95}"/>
               </a:ext>
             </a:extLst>
           </p:cNvPr>
@@ -3494,7 +3512,7 @@
           <p:cNvPr id="17" name="Title 3">
             <a:extLst>
               <a:ext uri="{FF2B5EF4-FFF2-40B4-BE49-F238E27FC236}">
-                <a16:creationId xmlns="" xmlns:a16="http://schemas.microsoft.com/office/drawing/2014/main" id="{CC871976-F98C-4912-A4AD-158D0A2D9CE3}"/>
+                <a16:creationId xmlns:a16="http://schemas.microsoft.com/office/drawing/2014/main" xmlns="" id="{CC871976-F98C-4912-A4AD-158D0A2D9CE3}"/>
               </a:ext>
             </a:extLst>
           </p:cNvPr>
@@ -3757,7 +3775,7 @@
           <p:cNvPr id="9" name="Slide Number Placeholder 6">
             <a:extLst>
               <a:ext uri="{FF2B5EF4-FFF2-40B4-BE49-F238E27FC236}">
-                <a16:creationId xmlns="" xmlns:a16="http://schemas.microsoft.com/office/drawing/2014/main" id="{B32CA5EA-865E-4EF0-89BB-61FD6EFE265C}"/>
+                <a16:creationId xmlns:a16="http://schemas.microsoft.com/office/drawing/2014/main" xmlns="" id="{B32CA5EA-865E-4EF0-89BB-61FD6EFE265C}"/>
               </a:ext>
             </a:extLst>
           </p:cNvPr>
@@ -4051,7 +4069,7 @@
           <p:cNvPr id="9" name="Slide Number Placeholder 6">
             <a:extLst>
               <a:ext uri="{FF2B5EF4-FFF2-40B4-BE49-F238E27FC236}">
-                <a16:creationId xmlns="" xmlns:a16="http://schemas.microsoft.com/office/drawing/2014/main" id="{BD5BE3E6-AFB3-460C-834B-D73EE2A7C06F}"/>
+                <a16:creationId xmlns:a16="http://schemas.microsoft.com/office/drawing/2014/main" xmlns="" id="{BD5BE3E6-AFB3-460C-834B-D73EE2A7C06F}"/>
               </a:ext>
             </a:extLst>
           </p:cNvPr>
@@ -4186,7 +4204,7 @@
           <p:cNvPr id="21" name="Graphic 20">
             <a:extLst>
               <a:ext uri="{FF2B5EF4-FFF2-40B4-BE49-F238E27FC236}">
-                <a16:creationId xmlns="" xmlns:a16="http://schemas.microsoft.com/office/drawing/2014/main" id="{41E45D2D-0469-4652-A090-C4D13F3C1502}"/>
+                <a16:creationId xmlns:a16="http://schemas.microsoft.com/office/drawing/2014/main" xmlns="" id="{41E45D2D-0469-4652-A090-C4D13F3C1502}"/>
               </a:ext>
             </a:extLst>
           </p:cNvPr>
@@ -4206,7 +4224,7 @@
             </a:duotone>
             <a:extLst>
               <a:ext uri="{96DAC541-7B7A-43D3-8B79-37D633B846F1}">
-                <asvg:svgBlip xmlns="" xmlns:asvg="http://schemas.microsoft.com/office/drawing/2016/SVG/main" r:embed="rId8"/>
+                <asvg:svgBlip xmlns:asvg="http://schemas.microsoft.com/office/drawing/2016/SVG/main" xmlns="" r:embed="rId8"/>
               </a:ext>
             </a:extLst>
           </a:blip>
@@ -4229,7 +4247,7 @@
           <p:cNvPr id="27" name="Graphic 26">
             <a:extLst>
               <a:ext uri="{FF2B5EF4-FFF2-40B4-BE49-F238E27FC236}">
-                <a16:creationId xmlns="" xmlns:a16="http://schemas.microsoft.com/office/drawing/2014/main" id="{16C04FF8-AE2F-4C75-8657-A2201B951971}"/>
+                <a16:creationId xmlns:a16="http://schemas.microsoft.com/office/drawing/2014/main" xmlns="" id="{16C04FF8-AE2F-4C75-8657-A2201B951971}"/>
               </a:ext>
             </a:extLst>
           </p:cNvPr>
@@ -4249,7 +4267,7 @@
             </a:duotone>
             <a:extLst>
               <a:ext uri="{96DAC541-7B7A-43D3-8B79-37D633B846F1}">
-                <asvg:svgBlip xmlns="" xmlns:asvg="http://schemas.microsoft.com/office/drawing/2016/SVG/main" r:embed="rId10"/>
+                <asvg:svgBlip xmlns:asvg="http://schemas.microsoft.com/office/drawing/2016/SVG/main" xmlns="" r:embed="rId10"/>
               </a:ext>
             </a:extLst>
           </a:blip>
@@ -4315,7 +4333,7 @@
           <p:cNvPr id="11" name="Title 1">
             <a:extLst>
               <a:ext uri="{FF2B5EF4-FFF2-40B4-BE49-F238E27FC236}">
-                <a16:creationId xmlns="" xmlns:a16="http://schemas.microsoft.com/office/drawing/2014/main" id="{46DBB272-DB65-45A5-B783-3A77775D8D95}"/>
+                <a16:creationId xmlns:a16="http://schemas.microsoft.com/office/drawing/2014/main" xmlns="" id="{46DBB272-DB65-45A5-B783-3A77775D8D95}"/>
               </a:ext>
             </a:extLst>
           </p:cNvPr>
@@ -4388,7 +4406,7 @@
           <p:cNvPr id="12" name="Picture 11">
             <a:extLst>
               <a:ext uri="{FF2B5EF4-FFF2-40B4-BE49-F238E27FC236}">
-                <a16:creationId xmlns="" xmlns:a16="http://schemas.microsoft.com/office/drawing/2014/main" id="{CDFF6DDB-A06E-4930-8214-DCBB47A399D1}"/>
+                <a16:creationId xmlns:a16="http://schemas.microsoft.com/office/drawing/2014/main" xmlns="" id="{CDFF6DDB-A06E-4930-8214-DCBB47A399D1}"/>
               </a:ext>
             </a:extLst>
           </p:cNvPr>
@@ -4418,7 +4436,7 @@
           <p:cNvPr id="15" name="Group 14">
             <a:extLst>
               <a:ext uri="{FF2B5EF4-FFF2-40B4-BE49-F238E27FC236}">
-                <a16:creationId xmlns="" xmlns:a16="http://schemas.microsoft.com/office/drawing/2014/main" id="{E2851BF9-D8D7-4D39-99D6-6ADB37445A93}"/>
+                <a16:creationId xmlns:a16="http://schemas.microsoft.com/office/drawing/2014/main" xmlns="" id="{E2851BF9-D8D7-4D39-99D6-6ADB37445A93}"/>
               </a:ext>
             </a:extLst>
           </p:cNvPr>
@@ -4438,7 +4456,7 @@
             <p:cNvPr id="16" name="Graphic 15">
               <a:extLst>
                 <a:ext uri="{FF2B5EF4-FFF2-40B4-BE49-F238E27FC236}">
-                  <a16:creationId xmlns="" xmlns:a16="http://schemas.microsoft.com/office/drawing/2014/main" id="{05DC98D5-D807-466C-9222-516E0DCFEE07}"/>
+                  <a16:creationId xmlns:a16="http://schemas.microsoft.com/office/drawing/2014/main" xmlns="" id="{05DC98D5-D807-466C-9222-516E0DCFEE07}"/>
                 </a:ext>
               </a:extLst>
             </p:cNvPr>
@@ -4451,7 +4469,7 @@
             <a:blip r:embed="rId12">
               <a:extLst>
                 <a:ext uri="{96DAC541-7B7A-43D3-8B79-37D633B846F1}">
-                  <asvg:svgBlip xmlns="" xmlns:asvg="http://schemas.microsoft.com/office/drawing/2016/SVG/main" r:embed="rId13"/>
+                  <asvg:svgBlip xmlns:asvg="http://schemas.microsoft.com/office/drawing/2016/SVG/main" xmlns="" r:embed="rId13"/>
                 </a:ext>
               </a:extLst>
             </a:blip>
@@ -4474,7 +4492,7 @@
             <p:cNvPr id="17" name="Graphic 16">
               <a:extLst>
                 <a:ext uri="{FF2B5EF4-FFF2-40B4-BE49-F238E27FC236}">
-                  <a16:creationId xmlns="" xmlns:a16="http://schemas.microsoft.com/office/drawing/2014/main" id="{B27FD9EB-99CD-4D90-8A0C-7912F994E69E}"/>
+                  <a16:creationId xmlns:a16="http://schemas.microsoft.com/office/drawing/2014/main" xmlns="" id="{B27FD9EB-99CD-4D90-8A0C-7912F994E69E}"/>
                 </a:ext>
               </a:extLst>
             </p:cNvPr>
@@ -4494,7 +4512,7 @@
               </a:duotone>
               <a:extLst>
                 <a:ext uri="{96DAC541-7B7A-43D3-8B79-37D633B846F1}">
-                  <asvg:svgBlip xmlns="" xmlns:asvg="http://schemas.microsoft.com/office/drawing/2016/SVG/main" r:embed="rId15"/>
+                  <asvg:svgBlip xmlns:asvg="http://schemas.microsoft.com/office/drawing/2016/SVG/main" xmlns="" r:embed="rId15"/>
                 </a:ext>
               </a:extLst>
             </a:blip>
@@ -4518,7 +4536,7 @@
           <p:cNvPr id="22" name="Title 3">
             <a:extLst>
               <a:ext uri="{FF2B5EF4-FFF2-40B4-BE49-F238E27FC236}">
-                <a16:creationId xmlns="" xmlns:a16="http://schemas.microsoft.com/office/drawing/2014/main" id="{CC871976-F98C-4912-A4AD-158D0A2D9CE3}"/>
+                <a16:creationId xmlns:a16="http://schemas.microsoft.com/office/drawing/2014/main" xmlns="" id="{CC871976-F98C-4912-A4AD-158D0A2D9CE3}"/>
               </a:ext>
             </a:extLst>
           </p:cNvPr>
@@ -4926,7 +4944,7 @@
           <p:cNvPr id="2" name="Title 1">
             <a:extLst>
               <a:ext uri="{FF2B5EF4-FFF2-40B4-BE49-F238E27FC236}">
-                <a16:creationId xmlns="" xmlns:a16="http://schemas.microsoft.com/office/drawing/2014/main" id="{01BDA835-FDD7-479B-B9C4-2B54D983457E}"/>
+                <a16:creationId xmlns:a16="http://schemas.microsoft.com/office/drawing/2014/main" xmlns="" id="{01BDA835-FDD7-479B-B9C4-2B54D983457E}"/>
               </a:ext>
             </a:extLst>
           </p:cNvPr>
@@ -5089,7 +5107,7 @@
           <p:cNvPr id="3" name="Subtitle 2">
             <a:extLst>
               <a:ext uri="{FF2B5EF4-FFF2-40B4-BE49-F238E27FC236}">
-                <a16:creationId xmlns="" xmlns:a16="http://schemas.microsoft.com/office/drawing/2014/main" id="{B31CB0E0-0553-4F76-B893-A9CC81A97AC6}"/>
+                <a16:creationId xmlns:a16="http://schemas.microsoft.com/office/drawing/2014/main" xmlns="" id="{B31CB0E0-0553-4F76-B893-A9CC81A97AC6}"/>
               </a:ext>
             </a:extLst>
           </p:cNvPr>
@@ -5279,7 +5297,7 @@
           <p:cNvPr id="8" name="Title 3">
             <a:extLst>
               <a:ext uri="{FF2B5EF4-FFF2-40B4-BE49-F238E27FC236}">
-                <a16:creationId xmlns="" xmlns:a16="http://schemas.microsoft.com/office/drawing/2014/main" id="{249FB50D-D3FF-4C9D-B418-705D4EA2D891}"/>
+                <a16:creationId xmlns:a16="http://schemas.microsoft.com/office/drawing/2014/main" xmlns="" id="{249FB50D-D3FF-4C9D-B418-705D4EA2D891}"/>
               </a:ext>
             </a:extLst>
           </p:cNvPr>
@@ -5353,7 +5371,7 @@
           <p:cNvPr id="9" name="Content Placeholder 2">
             <a:extLst>
               <a:ext uri="{FF2B5EF4-FFF2-40B4-BE49-F238E27FC236}">
-                <a16:creationId xmlns="" xmlns:a16="http://schemas.microsoft.com/office/drawing/2014/main" id="{7D394C99-B323-47B7-BCC2-501C0B3CAD6E}"/>
+                <a16:creationId xmlns:a16="http://schemas.microsoft.com/office/drawing/2014/main" xmlns="" id="{7D394C99-B323-47B7-BCC2-501C0B3CAD6E}"/>
               </a:ext>
             </a:extLst>
           </p:cNvPr>
@@ -6127,7 +6145,7 @@
           <p:cNvPr id="13" name="Picture 12">
             <a:extLst>
               <a:ext uri="{FF2B5EF4-FFF2-40B4-BE49-F238E27FC236}">
-                <a16:creationId xmlns="" xmlns:a16="http://schemas.microsoft.com/office/drawing/2014/main" id="{6C7DFF70-CCA0-4714-A8D4-3E24AC2445C7}"/>
+                <a16:creationId xmlns:a16="http://schemas.microsoft.com/office/drawing/2014/main" xmlns="" id="{6C7DFF70-CCA0-4714-A8D4-3E24AC2445C7}"/>
               </a:ext>
             </a:extLst>
           </p:cNvPr>
@@ -6157,7 +6175,7 @@
           <p:cNvPr id="2" name="Slide Number Placeholder 1">
             <a:extLst>
               <a:ext uri="{FF2B5EF4-FFF2-40B4-BE49-F238E27FC236}">
-                <a16:creationId xmlns="" xmlns:a16="http://schemas.microsoft.com/office/drawing/2014/main" id="{3A9F13B3-A864-47EA-9914-524B6CB023E9}"/>
+                <a16:creationId xmlns:a16="http://schemas.microsoft.com/office/drawing/2014/main" xmlns="" id="{3A9F13B3-A864-47EA-9914-524B6CB023E9}"/>
               </a:ext>
             </a:extLst>
           </p:cNvPr>
@@ -6215,7 +6233,13 @@
           <p:nvPr/>
         </p:nvPicPr>
         <p:blipFill>
-          <a:blip r:embed="rId6"/>
+          <a:blip r:embed="rId6" cstate="email">
+            <a:extLst>
+              <a:ext uri="{28A0092B-C50C-407E-A947-70E740481C1C}">
+                <a14:useLocalDpi xmlns:a14="http://schemas.microsoft.com/office/drawing/2010/main"/>
+              </a:ext>
+            </a:extLst>
+          </a:blip>
           <a:stretch>
             <a:fillRect/>
           </a:stretch>
@@ -6239,7 +6263,13 @@
           <p:nvPr/>
         </p:nvPicPr>
         <p:blipFill>
-          <a:blip r:embed="rId7"/>
+          <a:blip r:embed="rId7" cstate="email">
+            <a:extLst>
+              <a:ext uri="{28A0092B-C50C-407E-A947-70E740481C1C}">
+                <a14:useLocalDpi xmlns:a14="http://schemas.microsoft.com/office/drawing/2010/main"/>
+              </a:ext>
+            </a:extLst>
+          </a:blip>
           <a:stretch>
             <a:fillRect/>
           </a:stretch>
@@ -6435,7 +6465,7 @@
           <p:cNvPr id="8" name="Title 3">
             <a:extLst>
               <a:ext uri="{FF2B5EF4-FFF2-40B4-BE49-F238E27FC236}">
-                <a16:creationId xmlns="" xmlns:a16="http://schemas.microsoft.com/office/drawing/2014/main" id="{249FB50D-D3FF-4C9D-B418-705D4EA2D891}"/>
+                <a16:creationId xmlns:a16="http://schemas.microsoft.com/office/drawing/2014/main" xmlns="" id="{249FB50D-D3FF-4C9D-B418-705D4EA2D891}"/>
               </a:ext>
             </a:extLst>
           </p:cNvPr>
@@ -6509,7 +6539,7 @@
           <p:cNvPr id="9" name="Content Placeholder 2">
             <a:extLst>
               <a:ext uri="{FF2B5EF4-FFF2-40B4-BE49-F238E27FC236}">
-                <a16:creationId xmlns="" xmlns:a16="http://schemas.microsoft.com/office/drawing/2014/main" id="{7D394C99-B323-47B7-BCC2-501C0B3CAD6E}"/>
+                <a16:creationId xmlns:a16="http://schemas.microsoft.com/office/drawing/2014/main" xmlns="" id="{7D394C99-B323-47B7-BCC2-501C0B3CAD6E}"/>
               </a:ext>
             </a:extLst>
           </p:cNvPr>
@@ -6765,7 +6795,7 @@
           <p:cNvPr id="13" name="Picture 12">
             <a:extLst>
               <a:ext uri="{FF2B5EF4-FFF2-40B4-BE49-F238E27FC236}">
-                <a16:creationId xmlns="" xmlns:a16="http://schemas.microsoft.com/office/drawing/2014/main" id="{6C7DFF70-CCA0-4714-A8D4-3E24AC2445C7}"/>
+                <a16:creationId xmlns:a16="http://schemas.microsoft.com/office/drawing/2014/main" xmlns="" id="{6C7DFF70-CCA0-4714-A8D4-3E24AC2445C7}"/>
               </a:ext>
             </a:extLst>
           </p:cNvPr>
@@ -6795,7 +6825,7 @@
           <p:cNvPr id="2" name="Slide Number Placeholder 1">
             <a:extLst>
               <a:ext uri="{FF2B5EF4-FFF2-40B4-BE49-F238E27FC236}">
-                <a16:creationId xmlns="" xmlns:a16="http://schemas.microsoft.com/office/drawing/2014/main" id="{3A9F13B3-A864-47EA-9914-524B6CB023E9}"/>
+                <a16:creationId xmlns:a16="http://schemas.microsoft.com/office/drawing/2014/main" xmlns="" id="{3A9F13B3-A864-47EA-9914-524B6CB023E9}"/>
               </a:ext>
             </a:extLst>
           </p:cNvPr>
@@ -6851,10 +6881,10 @@
           <p:nvPr/>
         </p:nvPicPr>
         <p:blipFill>
-          <a:blip r:embed="rId6">
+          <a:blip r:embed="rId6" cstate="email">
             <a:extLst>
               <a:ext uri="{28A0092B-C50C-407E-A947-70E740481C1C}">
-                <a14:useLocalDpi xmlns:a14="http://schemas.microsoft.com/office/drawing/2010/main" val="0"/>
+                <a14:useLocalDpi xmlns:a14="http://schemas.microsoft.com/office/drawing/2010/main"/>
               </a:ext>
             </a:extLst>
           </a:blip>
@@ -7053,7 +7083,7 @@
           <p:cNvPr id="8" name="Title 3">
             <a:extLst>
               <a:ext uri="{FF2B5EF4-FFF2-40B4-BE49-F238E27FC236}">
-                <a16:creationId xmlns="" xmlns:a16="http://schemas.microsoft.com/office/drawing/2014/main" id="{249FB50D-D3FF-4C9D-B418-705D4EA2D891}"/>
+                <a16:creationId xmlns:a16="http://schemas.microsoft.com/office/drawing/2014/main" xmlns="" id="{249FB50D-D3FF-4C9D-B418-705D4EA2D891}"/>
               </a:ext>
             </a:extLst>
           </p:cNvPr>
@@ -7127,7 +7157,7 @@
           <p:cNvPr id="9" name="Content Placeholder 2">
             <a:extLst>
               <a:ext uri="{FF2B5EF4-FFF2-40B4-BE49-F238E27FC236}">
-                <a16:creationId xmlns="" xmlns:a16="http://schemas.microsoft.com/office/drawing/2014/main" id="{7D394C99-B323-47B7-BCC2-501C0B3CAD6E}"/>
+                <a16:creationId xmlns:a16="http://schemas.microsoft.com/office/drawing/2014/main" xmlns="" id="{7D394C99-B323-47B7-BCC2-501C0B3CAD6E}"/>
               </a:ext>
             </a:extLst>
           </p:cNvPr>
@@ -7216,7 +7246,7 @@
           <p:cNvPr id="13" name="Picture 12">
             <a:extLst>
               <a:ext uri="{FF2B5EF4-FFF2-40B4-BE49-F238E27FC236}">
-                <a16:creationId xmlns="" xmlns:a16="http://schemas.microsoft.com/office/drawing/2014/main" id="{6C7DFF70-CCA0-4714-A8D4-3E24AC2445C7}"/>
+                <a16:creationId xmlns:a16="http://schemas.microsoft.com/office/drawing/2014/main" xmlns="" id="{6C7DFF70-CCA0-4714-A8D4-3E24AC2445C7}"/>
               </a:ext>
             </a:extLst>
           </p:cNvPr>
@@ -7246,7 +7276,7 @@
           <p:cNvPr id="2" name="Slide Number Placeholder 1">
             <a:extLst>
               <a:ext uri="{FF2B5EF4-FFF2-40B4-BE49-F238E27FC236}">
-                <a16:creationId xmlns="" xmlns:a16="http://schemas.microsoft.com/office/drawing/2014/main" id="{3A9F13B3-A864-47EA-9914-524B6CB023E9}"/>
+                <a16:creationId xmlns:a16="http://schemas.microsoft.com/office/drawing/2014/main" xmlns="" id="{3A9F13B3-A864-47EA-9914-524B6CB023E9}"/>
               </a:ext>
             </a:extLst>
           </p:cNvPr>
@@ -7500,7 +7530,7 @@
           <p:cNvPr id="8" name="Title 3">
             <a:extLst>
               <a:ext uri="{FF2B5EF4-FFF2-40B4-BE49-F238E27FC236}">
-                <a16:creationId xmlns="" xmlns:a16="http://schemas.microsoft.com/office/drawing/2014/main" id="{249FB50D-D3FF-4C9D-B418-705D4EA2D891}"/>
+                <a16:creationId xmlns:a16="http://schemas.microsoft.com/office/drawing/2014/main" xmlns="" id="{249FB50D-D3FF-4C9D-B418-705D4EA2D891}"/>
               </a:ext>
             </a:extLst>
           </p:cNvPr>
@@ -7663,7 +7693,7 @@
           <p:cNvPr id="9" name="Content Placeholder 2">
             <a:extLst>
               <a:ext uri="{FF2B5EF4-FFF2-40B4-BE49-F238E27FC236}">
-                <a16:creationId xmlns="" xmlns:a16="http://schemas.microsoft.com/office/drawing/2014/main" id="{7D394C99-B323-47B7-BCC2-501C0B3CAD6E}"/>
+                <a16:creationId xmlns:a16="http://schemas.microsoft.com/office/drawing/2014/main" xmlns="" id="{7D394C99-B323-47B7-BCC2-501C0B3CAD6E}"/>
               </a:ext>
             </a:extLst>
           </p:cNvPr>
@@ -8168,7 +8198,7 @@
           <p:cNvPr id="13" name="Picture 12">
             <a:extLst>
               <a:ext uri="{FF2B5EF4-FFF2-40B4-BE49-F238E27FC236}">
-                <a16:creationId xmlns="" xmlns:a16="http://schemas.microsoft.com/office/drawing/2014/main" id="{6C7DFF70-CCA0-4714-A8D4-3E24AC2445C7}"/>
+                <a16:creationId xmlns:a16="http://schemas.microsoft.com/office/drawing/2014/main" xmlns="" id="{6C7DFF70-CCA0-4714-A8D4-3E24AC2445C7}"/>
               </a:ext>
             </a:extLst>
           </p:cNvPr>
@@ -8198,7 +8228,7 @@
           <p:cNvPr id="2" name="Slide Number Placeholder 1">
             <a:extLst>
               <a:ext uri="{FF2B5EF4-FFF2-40B4-BE49-F238E27FC236}">
-                <a16:creationId xmlns="" xmlns:a16="http://schemas.microsoft.com/office/drawing/2014/main" id="{3A9F13B3-A864-47EA-9914-524B6CB023E9}"/>
+                <a16:creationId xmlns:a16="http://schemas.microsoft.com/office/drawing/2014/main" xmlns="" id="{3A9F13B3-A864-47EA-9914-524B6CB023E9}"/>
               </a:ext>
             </a:extLst>
           </p:cNvPr>
@@ -8428,7 +8458,7 @@
           <p:cNvPr id="8" name="Title 3">
             <a:extLst>
               <a:ext uri="{FF2B5EF4-FFF2-40B4-BE49-F238E27FC236}">
-                <a16:creationId xmlns="" xmlns:a16="http://schemas.microsoft.com/office/drawing/2014/main" id="{249FB50D-D3FF-4C9D-B418-705D4EA2D891}"/>
+                <a16:creationId xmlns:a16="http://schemas.microsoft.com/office/drawing/2014/main" xmlns="" id="{249FB50D-D3FF-4C9D-B418-705D4EA2D891}"/>
               </a:ext>
             </a:extLst>
           </p:cNvPr>
@@ -8527,7 +8557,7 @@
           <p:cNvPr id="9" name="Content Placeholder 2">
             <a:extLst>
               <a:ext uri="{FF2B5EF4-FFF2-40B4-BE49-F238E27FC236}">
-                <a16:creationId xmlns="" xmlns:a16="http://schemas.microsoft.com/office/drawing/2014/main" id="{7D394C99-B323-47B7-BCC2-501C0B3CAD6E}"/>
+                <a16:creationId xmlns:a16="http://schemas.microsoft.com/office/drawing/2014/main" xmlns="" id="{7D394C99-B323-47B7-BCC2-501C0B3CAD6E}"/>
               </a:ext>
             </a:extLst>
           </p:cNvPr>
@@ -9425,7 +9455,7 @@
           <p:cNvPr id="13" name="Picture 12">
             <a:extLst>
               <a:ext uri="{FF2B5EF4-FFF2-40B4-BE49-F238E27FC236}">
-                <a16:creationId xmlns="" xmlns:a16="http://schemas.microsoft.com/office/drawing/2014/main" id="{6C7DFF70-CCA0-4714-A8D4-3E24AC2445C7}"/>
+                <a16:creationId xmlns:a16="http://schemas.microsoft.com/office/drawing/2014/main" xmlns="" id="{6C7DFF70-CCA0-4714-A8D4-3E24AC2445C7}"/>
               </a:ext>
             </a:extLst>
           </p:cNvPr>
@@ -9455,7 +9485,7 @@
           <p:cNvPr id="2" name="Slide Number Placeholder 1">
             <a:extLst>
               <a:ext uri="{FF2B5EF4-FFF2-40B4-BE49-F238E27FC236}">
-                <a16:creationId xmlns="" xmlns:a16="http://schemas.microsoft.com/office/drawing/2014/main" id="{3A9F13B3-A864-47EA-9914-524B6CB023E9}"/>
+                <a16:creationId xmlns:a16="http://schemas.microsoft.com/office/drawing/2014/main" xmlns="" id="{3A9F13B3-A864-47EA-9914-524B6CB023E9}"/>
               </a:ext>
             </a:extLst>
           </p:cNvPr>
@@ -9685,7 +9715,7 @@
           <p:cNvPr id="8" name="Title 3">
             <a:extLst>
               <a:ext uri="{FF2B5EF4-FFF2-40B4-BE49-F238E27FC236}">
-                <a16:creationId xmlns="" xmlns:a16="http://schemas.microsoft.com/office/drawing/2014/main" id="{249FB50D-D3FF-4C9D-B418-705D4EA2D891}"/>
+                <a16:creationId xmlns:a16="http://schemas.microsoft.com/office/drawing/2014/main" xmlns="" id="{249FB50D-D3FF-4C9D-B418-705D4EA2D891}"/>
               </a:ext>
             </a:extLst>
           </p:cNvPr>
@@ -9759,7 +9789,7 @@
           <p:cNvPr id="9" name="Content Placeholder 2">
             <a:extLst>
               <a:ext uri="{FF2B5EF4-FFF2-40B4-BE49-F238E27FC236}">
-                <a16:creationId xmlns="" xmlns:a16="http://schemas.microsoft.com/office/drawing/2014/main" id="{7D394C99-B323-47B7-BCC2-501C0B3CAD6E}"/>
+                <a16:creationId xmlns:a16="http://schemas.microsoft.com/office/drawing/2014/main" xmlns="" id="{7D394C99-B323-47B7-BCC2-501C0B3CAD6E}"/>
               </a:ext>
             </a:extLst>
           </p:cNvPr>
@@ -10053,7 +10083,7 @@
           <p:cNvPr id="13" name="Picture 12">
             <a:extLst>
               <a:ext uri="{FF2B5EF4-FFF2-40B4-BE49-F238E27FC236}">
-                <a16:creationId xmlns="" xmlns:a16="http://schemas.microsoft.com/office/drawing/2014/main" id="{6C7DFF70-CCA0-4714-A8D4-3E24AC2445C7}"/>
+                <a16:creationId xmlns:a16="http://schemas.microsoft.com/office/drawing/2014/main" xmlns="" id="{6C7DFF70-CCA0-4714-A8D4-3E24AC2445C7}"/>
               </a:ext>
             </a:extLst>
           </p:cNvPr>
@@ -10083,7 +10113,7 @@
           <p:cNvPr id="2" name="Slide Number Placeholder 1">
             <a:extLst>
               <a:ext uri="{FF2B5EF4-FFF2-40B4-BE49-F238E27FC236}">
-                <a16:creationId xmlns="" xmlns:a16="http://schemas.microsoft.com/office/drawing/2014/main" id="{3A9F13B3-A864-47EA-9914-524B6CB023E9}"/>
+                <a16:creationId xmlns:a16="http://schemas.microsoft.com/office/drawing/2014/main" xmlns="" id="{3A9F13B3-A864-47EA-9914-524B6CB023E9}"/>
               </a:ext>
             </a:extLst>
           </p:cNvPr>
@@ -10335,7 +10365,7 @@
           <p:cNvPr id="8" name="Title 3">
             <a:extLst>
               <a:ext uri="{FF2B5EF4-FFF2-40B4-BE49-F238E27FC236}">
-                <a16:creationId xmlns="" xmlns:a16="http://schemas.microsoft.com/office/drawing/2014/main" id="{249FB50D-D3FF-4C9D-B418-705D4EA2D891}"/>
+                <a16:creationId xmlns:a16="http://schemas.microsoft.com/office/drawing/2014/main" xmlns="" id="{249FB50D-D3FF-4C9D-B418-705D4EA2D891}"/>
               </a:ext>
             </a:extLst>
           </p:cNvPr>
@@ -10480,7 +10510,7 @@
           <p:cNvPr id="9" name="Content Placeholder 2">
             <a:extLst>
               <a:ext uri="{FF2B5EF4-FFF2-40B4-BE49-F238E27FC236}">
-                <a16:creationId xmlns="" xmlns:a16="http://schemas.microsoft.com/office/drawing/2014/main" id="{7D394C99-B323-47B7-BCC2-501C0B3CAD6E}"/>
+                <a16:creationId xmlns:a16="http://schemas.microsoft.com/office/drawing/2014/main" xmlns="" id="{7D394C99-B323-47B7-BCC2-501C0B3CAD6E}"/>
               </a:ext>
             </a:extLst>
           </p:cNvPr>
@@ -10676,7 +10706,7 @@
           <p:cNvPr id="13" name="Picture 12">
             <a:extLst>
               <a:ext uri="{FF2B5EF4-FFF2-40B4-BE49-F238E27FC236}">
-                <a16:creationId xmlns="" xmlns:a16="http://schemas.microsoft.com/office/drawing/2014/main" id="{6C7DFF70-CCA0-4714-A8D4-3E24AC2445C7}"/>
+                <a16:creationId xmlns:a16="http://schemas.microsoft.com/office/drawing/2014/main" xmlns="" id="{6C7DFF70-CCA0-4714-A8D4-3E24AC2445C7}"/>
               </a:ext>
             </a:extLst>
           </p:cNvPr>
@@ -10706,7 +10736,7 @@
           <p:cNvPr id="2" name="Slide Number Placeholder 1">
             <a:extLst>
               <a:ext uri="{FF2B5EF4-FFF2-40B4-BE49-F238E27FC236}">
-                <a16:creationId xmlns="" xmlns:a16="http://schemas.microsoft.com/office/drawing/2014/main" id="{3A9F13B3-A864-47EA-9914-524B6CB023E9}"/>
+                <a16:creationId xmlns:a16="http://schemas.microsoft.com/office/drawing/2014/main" xmlns="" id="{3A9F13B3-A864-47EA-9914-524B6CB023E9}"/>
               </a:ext>
             </a:extLst>
           </p:cNvPr>
@@ -10960,7 +10990,7 @@
           <p:cNvPr id="8" name="Title 3">
             <a:extLst>
               <a:ext uri="{FF2B5EF4-FFF2-40B4-BE49-F238E27FC236}">
-                <a16:creationId xmlns="" xmlns:a16="http://schemas.microsoft.com/office/drawing/2014/main" id="{249FB50D-D3FF-4C9D-B418-705D4EA2D891}"/>
+                <a16:creationId xmlns:a16="http://schemas.microsoft.com/office/drawing/2014/main" xmlns="" id="{249FB50D-D3FF-4C9D-B418-705D4EA2D891}"/>
               </a:ext>
             </a:extLst>
           </p:cNvPr>
@@ -11034,7 +11064,7 @@
           <p:cNvPr id="9" name="Content Placeholder 2">
             <a:extLst>
               <a:ext uri="{FF2B5EF4-FFF2-40B4-BE49-F238E27FC236}">
-                <a16:creationId xmlns="" xmlns:a16="http://schemas.microsoft.com/office/drawing/2014/main" id="{7D394C99-B323-47B7-BCC2-501C0B3CAD6E}"/>
+                <a16:creationId xmlns:a16="http://schemas.microsoft.com/office/drawing/2014/main" xmlns="" id="{7D394C99-B323-47B7-BCC2-501C0B3CAD6E}"/>
               </a:ext>
             </a:extLst>
           </p:cNvPr>
@@ -11477,7 +11507,7 @@
           <p:cNvPr id="13" name="Picture 12">
             <a:extLst>
               <a:ext uri="{FF2B5EF4-FFF2-40B4-BE49-F238E27FC236}">
-                <a16:creationId xmlns="" xmlns:a16="http://schemas.microsoft.com/office/drawing/2014/main" id="{6C7DFF70-CCA0-4714-A8D4-3E24AC2445C7}"/>
+                <a16:creationId xmlns:a16="http://schemas.microsoft.com/office/drawing/2014/main" xmlns="" id="{6C7DFF70-CCA0-4714-A8D4-3E24AC2445C7}"/>
               </a:ext>
             </a:extLst>
           </p:cNvPr>
@@ -11507,7 +11537,7 @@
           <p:cNvPr id="2" name="Slide Number Placeholder 1">
             <a:extLst>
               <a:ext uri="{FF2B5EF4-FFF2-40B4-BE49-F238E27FC236}">
-                <a16:creationId xmlns="" xmlns:a16="http://schemas.microsoft.com/office/drawing/2014/main" id="{3A9F13B3-A864-47EA-9914-524B6CB023E9}"/>
+                <a16:creationId xmlns:a16="http://schemas.microsoft.com/office/drawing/2014/main" xmlns="" id="{3A9F13B3-A864-47EA-9914-524B6CB023E9}"/>
               </a:ext>
             </a:extLst>
           </p:cNvPr>
@@ -11563,7 +11593,13 @@
           <p:nvPr/>
         </p:nvPicPr>
         <p:blipFill>
-          <a:blip r:embed="rId6"/>
+          <a:blip r:embed="rId6" cstate="email">
+            <a:extLst>
+              <a:ext uri="{28A0092B-C50C-407E-A947-70E740481C1C}">
+                <a14:useLocalDpi xmlns:a14="http://schemas.microsoft.com/office/drawing/2010/main"/>
+              </a:ext>
+            </a:extLst>
+          </a:blip>
           <a:stretch>
             <a:fillRect/>
           </a:stretch>
@@ -11759,7 +11795,7 @@
           <p:cNvPr id="8" name="Title 3">
             <a:extLst>
               <a:ext uri="{FF2B5EF4-FFF2-40B4-BE49-F238E27FC236}">
-                <a16:creationId xmlns="" xmlns:a16="http://schemas.microsoft.com/office/drawing/2014/main" id="{249FB50D-D3FF-4C9D-B418-705D4EA2D891}"/>
+                <a16:creationId xmlns:a16="http://schemas.microsoft.com/office/drawing/2014/main" xmlns="" id="{249FB50D-D3FF-4C9D-B418-705D4EA2D891}"/>
               </a:ext>
             </a:extLst>
           </p:cNvPr>
@@ -11833,7 +11869,7 @@
           <p:cNvPr id="13" name="Picture 12">
             <a:extLst>
               <a:ext uri="{FF2B5EF4-FFF2-40B4-BE49-F238E27FC236}">
-                <a16:creationId xmlns="" xmlns:a16="http://schemas.microsoft.com/office/drawing/2014/main" id="{6C7DFF70-CCA0-4714-A8D4-3E24AC2445C7}"/>
+                <a16:creationId xmlns:a16="http://schemas.microsoft.com/office/drawing/2014/main" xmlns="" id="{6C7DFF70-CCA0-4714-A8D4-3E24AC2445C7}"/>
               </a:ext>
             </a:extLst>
           </p:cNvPr>
@@ -11863,7 +11899,7 @@
           <p:cNvPr id="2" name="Slide Number Placeholder 1">
             <a:extLst>
               <a:ext uri="{FF2B5EF4-FFF2-40B4-BE49-F238E27FC236}">
-                <a16:creationId xmlns="" xmlns:a16="http://schemas.microsoft.com/office/drawing/2014/main" id="{3A9F13B3-A864-47EA-9914-524B6CB023E9}"/>
+                <a16:creationId xmlns:a16="http://schemas.microsoft.com/office/drawing/2014/main" xmlns="" id="{3A9F13B3-A864-47EA-9914-524B6CB023E9}"/>
               </a:ext>
             </a:extLst>
           </p:cNvPr>
@@ -11919,10 +11955,10 @@
           <p:nvPr/>
         </p:nvPicPr>
         <p:blipFill>
-          <a:blip r:embed="rId6">
+          <a:blip r:embed="rId6" cstate="email">
             <a:extLst>
               <a:ext uri="{28A0092B-C50C-407E-A947-70E740481C1C}">
-                <a14:useLocalDpi xmlns:a14="http://schemas.microsoft.com/office/drawing/2010/main" val="0"/>
+                <a14:useLocalDpi xmlns:a14="http://schemas.microsoft.com/office/drawing/2010/main"/>
               </a:ext>
             </a:extLst>
           </a:blip>
@@ -12095,7 +12131,7 @@
           <p:cNvPr id="8" name="Title 3">
             <a:extLst>
               <a:ext uri="{FF2B5EF4-FFF2-40B4-BE49-F238E27FC236}">
-                <a16:creationId xmlns="" xmlns:a16="http://schemas.microsoft.com/office/drawing/2014/main" id="{249FB50D-D3FF-4C9D-B418-705D4EA2D891}"/>
+                <a16:creationId xmlns:a16="http://schemas.microsoft.com/office/drawing/2014/main" xmlns="" id="{249FB50D-D3FF-4C9D-B418-705D4EA2D891}"/>
               </a:ext>
             </a:extLst>
           </p:cNvPr>
@@ -12185,7 +12221,7 @@
           <p:cNvPr id="9" name="Content Placeholder 2">
             <a:extLst>
               <a:ext uri="{FF2B5EF4-FFF2-40B4-BE49-F238E27FC236}">
-                <a16:creationId xmlns="" xmlns:a16="http://schemas.microsoft.com/office/drawing/2014/main" id="{7D394C99-B323-47B7-BCC2-501C0B3CAD6E}"/>
+                <a16:creationId xmlns:a16="http://schemas.microsoft.com/office/drawing/2014/main" xmlns="" id="{7D394C99-B323-47B7-BCC2-501C0B3CAD6E}"/>
               </a:ext>
             </a:extLst>
           </p:cNvPr>
@@ -12680,7 +12716,7 @@
           <p:cNvPr id="13" name="Picture 12">
             <a:extLst>
               <a:ext uri="{FF2B5EF4-FFF2-40B4-BE49-F238E27FC236}">
-                <a16:creationId xmlns="" xmlns:a16="http://schemas.microsoft.com/office/drawing/2014/main" id="{6C7DFF70-CCA0-4714-A8D4-3E24AC2445C7}"/>
+                <a16:creationId xmlns:a16="http://schemas.microsoft.com/office/drawing/2014/main" xmlns="" id="{6C7DFF70-CCA0-4714-A8D4-3E24AC2445C7}"/>
               </a:ext>
             </a:extLst>
           </p:cNvPr>
@@ -12710,7 +12746,7 @@
           <p:cNvPr id="2" name="Slide Number Placeholder 1">
             <a:extLst>
               <a:ext uri="{FF2B5EF4-FFF2-40B4-BE49-F238E27FC236}">
-                <a16:creationId xmlns="" xmlns:a16="http://schemas.microsoft.com/office/drawing/2014/main" id="{3A9F13B3-A864-47EA-9914-524B6CB023E9}"/>
+                <a16:creationId xmlns:a16="http://schemas.microsoft.com/office/drawing/2014/main" xmlns="" id="{3A9F13B3-A864-47EA-9914-524B6CB023E9}"/>
               </a:ext>
             </a:extLst>
           </p:cNvPr>
@@ -12940,7 +12976,7 @@
           <p:cNvPr id="3" name="Slide Number Placeholder 2">
             <a:extLst>
               <a:ext uri="{FF2B5EF4-FFF2-40B4-BE49-F238E27FC236}">
-                <a16:creationId xmlns="" xmlns:a16="http://schemas.microsoft.com/office/drawing/2014/main" id="{203347AF-DE76-4502-9835-68153ECAE565}"/>
+                <a16:creationId xmlns:a16="http://schemas.microsoft.com/office/drawing/2014/main" xmlns="" id="{203347AF-DE76-4502-9835-68153ECAE565}"/>
               </a:ext>
             </a:extLst>
           </p:cNvPr>
@@ -12970,7 +13006,7 @@
           <p:cNvPr id="4" name="Content Placeholder 3">
             <a:extLst>
               <a:ext uri="{FF2B5EF4-FFF2-40B4-BE49-F238E27FC236}">
-                <a16:creationId xmlns="" xmlns:a16="http://schemas.microsoft.com/office/drawing/2014/main" id="{C6A787AD-F76D-4189-A016-050512CE167C}"/>
+                <a16:creationId xmlns:a16="http://schemas.microsoft.com/office/drawing/2014/main" xmlns="" id="{C6A787AD-F76D-4189-A016-050512CE167C}"/>
               </a:ext>
             </a:extLst>
           </p:cNvPr>
@@ -13130,7 +13166,7 @@
           <p:cNvPr id="10" name="Picture 9">
             <a:extLst>
               <a:ext uri="{FF2B5EF4-FFF2-40B4-BE49-F238E27FC236}">
-                <a16:creationId xmlns="" xmlns:a16="http://schemas.microsoft.com/office/drawing/2014/main" id="{4DE097B0-34C9-48AE-B96C-AC8EBD14061F}"/>
+                <a16:creationId xmlns:a16="http://schemas.microsoft.com/office/drawing/2014/main" xmlns="" id="{4DE097B0-34C9-48AE-B96C-AC8EBD14061F}"/>
               </a:ext>
             </a:extLst>
           </p:cNvPr>
@@ -13140,7 +13176,13 @@
           <p:nvPr/>
         </p:nvPicPr>
         <p:blipFill>
-          <a:blip r:embed="rId2"/>
+          <a:blip r:embed="rId2" cstate="email">
+            <a:extLst>
+              <a:ext uri="{28A0092B-C50C-407E-A947-70E740481C1C}">
+                <a14:useLocalDpi xmlns:a14="http://schemas.microsoft.com/office/drawing/2010/main"/>
+              </a:ext>
+            </a:extLst>
+          </a:blip>
           <a:stretch>
             <a:fillRect/>
           </a:stretch>
@@ -13160,7 +13202,7 @@
           <p:cNvPr id="2" name="TextBox 1">
             <a:extLst>
               <a:ext uri="{FF2B5EF4-FFF2-40B4-BE49-F238E27FC236}">
-                <a16:creationId xmlns="" xmlns:a16="http://schemas.microsoft.com/office/drawing/2014/main" id="{55CB02CB-1454-4C30-8942-0723AC0E202A}"/>
+                <a16:creationId xmlns:a16="http://schemas.microsoft.com/office/drawing/2014/main" xmlns="" id="{55CB02CB-1454-4C30-8942-0723AC0E202A}"/>
               </a:ext>
             </a:extLst>
           </p:cNvPr>
@@ -13262,7 +13304,7 @@
           <p:cNvPr id="8" name="Title 3">
             <a:extLst>
               <a:ext uri="{FF2B5EF4-FFF2-40B4-BE49-F238E27FC236}">
-                <a16:creationId xmlns="" xmlns:a16="http://schemas.microsoft.com/office/drawing/2014/main" id="{249FB50D-D3FF-4C9D-B418-705D4EA2D891}"/>
+                <a16:creationId xmlns:a16="http://schemas.microsoft.com/office/drawing/2014/main" xmlns="" id="{249FB50D-D3FF-4C9D-B418-705D4EA2D891}"/>
               </a:ext>
             </a:extLst>
           </p:cNvPr>
@@ -13352,7 +13394,7 @@
           <p:cNvPr id="9" name="Content Placeholder 2">
             <a:extLst>
               <a:ext uri="{FF2B5EF4-FFF2-40B4-BE49-F238E27FC236}">
-                <a16:creationId xmlns="" xmlns:a16="http://schemas.microsoft.com/office/drawing/2014/main" id="{7D394C99-B323-47B7-BCC2-501C0B3CAD6E}"/>
+                <a16:creationId xmlns:a16="http://schemas.microsoft.com/office/drawing/2014/main" xmlns="" id="{7D394C99-B323-47B7-BCC2-501C0B3CAD6E}"/>
               </a:ext>
             </a:extLst>
           </p:cNvPr>
@@ -13709,7 +13751,7 @@
           <p:cNvPr id="13" name="Picture 12">
             <a:extLst>
               <a:ext uri="{FF2B5EF4-FFF2-40B4-BE49-F238E27FC236}">
-                <a16:creationId xmlns="" xmlns:a16="http://schemas.microsoft.com/office/drawing/2014/main" id="{6C7DFF70-CCA0-4714-A8D4-3E24AC2445C7}"/>
+                <a16:creationId xmlns:a16="http://schemas.microsoft.com/office/drawing/2014/main" xmlns="" id="{6C7DFF70-CCA0-4714-A8D4-3E24AC2445C7}"/>
               </a:ext>
             </a:extLst>
           </p:cNvPr>
@@ -13739,7 +13781,7 @@
           <p:cNvPr id="2" name="Slide Number Placeholder 1">
             <a:extLst>
               <a:ext uri="{FF2B5EF4-FFF2-40B4-BE49-F238E27FC236}">
-                <a16:creationId xmlns="" xmlns:a16="http://schemas.microsoft.com/office/drawing/2014/main" id="{3A9F13B3-A864-47EA-9914-524B6CB023E9}"/>
+                <a16:creationId xmlns:a16="http://schemas.microsoft.com/office/drawing/2014/main" xmlns="" id="{3A9F13B3-A864-47EA-9914-524B6CB023E9}"/>
               </a:ext>
             </a:extLst>
           </p:cNvPr>
@@ -13980,7 +14022,7 @@
           <p:cNvPr id="4" name="Title 3">
             <a:extLst>
               <a:ext uri="{FF2B5EF4-FFF2-40B4-BE49-F238E27FC236}">
-                <a16:creationId xmlns="" xmlns:a16="http://schemas.microsoft.com/office/drawing/2014/main" id="{0D213B8E-B257-46B0-AD6E-8769531E79AF}"/>
+                <a16:creationId xmlns:a16="http://schemas.microsoft.com/office/drawing/2014/main" xmlns="" id="{0D213B8E-B257-46B0-AD6E-8769531E79AF}"/>
               </a:ext>
             </a:extLst>
           </p:cNvPr>
@@ -14028,7 +14070,7 @@
           <p:cNvPr id="5" name="Slide Number Placeholder 4">
             <a:extLst>
               <a:ext uri="{FF2B5EF4-FFF2-40B4-BE49-F238E27FC236}">
-                <a16:creationId xmlns="" xmlns:a16="http://schemas.microsoft.com/office/drawing/2014/main" id="{BD1A4646-3DBE-406A-A504-167B5A92F786}"/>
+                <a16:creationId xmlns:a16="http://schemas.microsoft.com/office/drawing/2014/main" xmlns="" id="{BD1A4646-3DBE-406A-A504-167B5A92F786}"/>
               </a:ext>
             </a:extLst>
           </p:cNvPr>
@@ -14058,7 +14100,7 @@
           <p:cNvPr id="6" name="Title 3">
             <a:extLst>
               <a:ext uri="{FF2B5EF4-FFF2-40B4-BE49-F238E27FC236}">
-                <a16:creationId xmlns="" xmlns:a16="http://schemas.microsoft.com/office/drawing/2014/main" id="{0D213B8E-B257-46B0-AD6E-8769531E79AF}"/>
+                <a16:creationId xmlns:a16="http://schemas.microsoft.com/office/drawing/2014/main" xmlns="" id="{0D213B8E-B257-46B0-AD6E-8769531E79AF}"/>
               </a:ext>
             </a:extLst>
           </p:cNvPr>
@@ -14135,7 +14177,13 @@
           <p:nvPr/>
         </p:nvPicPr>
         <p:blipFill>
-          <a:blip r:embed="rId4"/>
+          <a:blip r:embed="rId4" cstate="email">
+            <a:extLst>
+              <a:ext uri="{28A0092B-C50C-407E-A947-70E740481C1C}">
+                <a14:useLocalDpi xmlns:a14="http://schemas.microsoft.com/office/drawing/2010/main"/>
+              </a:ext>
+            </a:extLst>
+          </a:blip>
           <a:stretch>
             <a:fillRect/>
           </a:stretch>
@@ -14313,7 +14361,7 @@
           <p:cNvPr id="8" name="Title 3">
             <a:extLst>
               <a:ext uri="{FF2B5EF4-FFF2-40B4-BE49-F238E27FC236}">
-                <a16:creationId xmlns="" xmlns:a16="http://schemas.microsoft.com/office/drawing/2014/main" id="{249FB50D-D3FF-4C9D-B418-705D4EA2D891}"/>
+                <a16:creationId xmlns:a16="http://schemas.microsoft.com/office/drawing/2014/main" xmlns="" id="{249FB50D-D3FF-4C9D-B418-705D4EA2D891}"/>
               </a:ext>
             </a:extLst>
           </p:cNvPr>
@@ -14389,7 +14437,7 @@
           <p:cNvPr id="9" name="Content Placeholder 2">
             <a:extLst>
               <a:ext uri="{FF2B5EF4-FFF2-40B4-BE49-F238E27FC236}">
-                <a16:creationId xmlns="" xmlns:a16="http://schemas.microsoft.com/office/drawing/2014/main" id="{7D394C99-B323-47B7-BCC2-501C0B3CAD6E}"/>
+                <a16:creationId xmlns:a16="http://schemas.microsoft.com/office/drawing/2014/main" xmlns="" id="{7D394C99-B323-47B7-BCC2-501C0B3CAD6E}"/>
               </a:ext>
             </a:extLst>
           </p:cNvPr>
@@ -14632,7 +14680,7 @@
           <p:cNvPr id="13" name="Picture 12">
             <a:extLst>
               <a:ext uri="{FF2B5EF4-FFF2-40B4-BE49-F238E27FC236}">
-                <a16:creationId xmlns="" xmlns:a16="http://schemas.microsoft.com/office/drawing/2014/main" id="{6C7DFF70-CCA0-4714-A8D4-3E24AC2445C7}"/>
+                <a16:creationId xmlns:a16="http://schemas.microsoft.com/office/drawing/2014/main" xmlns="" id="{6C7DFF70-CCA0-4714-A8D4-3E24AC2445C7}"/>
               </a:ext>
             </a:extLst>
           </p:cNvPr>
@@ -14662,7 +14710,7 @@
           <p:cNvPr id="2" name="Slide Number Placeholder 1">
             <a:extLst>
               <a:ext uri="{FF2B5EF4-FFF2-40B4-BE49-F238E27FC236}">
-                <a16:creationId xmlns="" xmlns:a16="http://schemas.microsoft.com/office/drawing/2014/main" id="{3A9F13B3-A864-47EA-9914-524B6CB023E9}"/>
+                <a16:creationId xmlns:a16="http://schemas.microsoft.com/office/drawing/2014/main" xmlns="" id="{3A9F13B3-A864-47EA-9914-524B6CB023E9}"/>
               </a:ext>
             </a:extLst>
           </p:cNvPr>
@@ -14892,7 +14940,7 @@
           <p:cNvPr id="4" name="Title 3">
             <a:extLst>
               <a:ext uri="{FF2B5EF4-FFF2-40B4-BE49-F238E27FC236}">
-                <a16:creationId xmlns="" xmlns:a16="http://schemas.microsoft.com/office/drawing/2014/main" id="{9657C57D-9BE8-43B5-A97D-E73655A33FEB}"/>
+                <a16:creationId xmlns:a16="http://schemas.microsoft.com/office/drawing/2014/main" xmlns="" id="{9657C57D-9BE8-43B5-A97D-E73655A33FEB}"/>
               </a:ext>
             </a:extLst>
           </p:cNvPr>
@@ -14986,7 +15034,7 @@
           <p:cNvPr id="4" name="Title 3">
             <a:extLst>
               <a:ext uri="{FF2B5EF4-FFF2-40B4-BE49-F238E27FC236}">
-                <a16:creationId xmlns="" xmlns:a16="http://schemas.microsoft.com/office/drawing/2014/main" id="{0D213B8E-B257-46B0-AD6E-8769531E79AF}"/>
+                <a16:creationId xmlns:a16="http://schemas.microsoft.com/office/drawing/2014/main" xmlns="" id="{0D213B8E-B257-46B0-AD6E-8769531E79AF}"/>
               </a:ext>
             </a:extLst>
           </p:cNvPr>
@@ -15034,7 +15082,7 @@
           <p:cNvPr id="5" name="Slide Number Placeholder 4">
             <a:extLst>
               <a:ext uri="{FF2B5EF4-FFF2-40B4-BE49-F238E27FC236}">
-                <a16:creationId xmlns="" xmlns:a16="http://schemas.microsoft.com/office/drawing/2014/main" id="{BD1A4646-3DBE-406A-A504-167B5A92F786}"/>
+                <a16:creationId xmlns:a16="http://schemas.microsoft.com/office/drawing/2014/main" xmlns="" id="{BD1A4646-3DBE-406A-A504-167B5A92F786}"/>
               </a:ext>
             </a:extLst>
           </p:cNvPr>
@@ -15064,7 +15112,7 @@
           <p:cNvPr id="6" name="Title 3">
             <a:extLst>
               <a:ext uri="{FF2B5EF4-FFF2-40B4-BE49-F238E27FC236}">
-                <a16:creationId xmlns="" xmlns:a16="http://schemas.microsoft.com/office/drawing/2014/main" id="{0D213B8E-B257-46B0-AD6E-8769531E79AF}"/>
+                <a16:creationId xmlns:a16="http://schemas.microsoft.com/office/drawing/2014/main" xmlns="" id="{0D213B8E-B257-46B0-AD6E-8769531E79AF}"/>
               </a:ext>
             </a:extLst>
           </p:cNvPr>
@@ -15339,7 +15387,7 @@
           <p:cNvPr id="8" name="Title 3">
             <a:extLst>
               <a:ext uri="{FF2B5EF4-FFF2-40B4-BE49-F238E27FC236}">
-                <a16:creationId xmlns="" xmlns:a16="http://schemas.microsoft.com/office/drawing/2014/main" id="{249FB50D-D3FF-4C9D-B418-705D4EA2D891}"/>
+                <a16:creationId xmlns:a16="http://schemas.microsoft.com/office/drawing/2014/main" xmlns="" id="{249FB50D-D3FF-4C9D-B418-705D4EA2D891}"/>
               </a:ext>
             </a:extLst>
           </p:cNvPr>
@@ -15415,7 +15463,7 @@
           <p:cNvPr id="9" name="Content Placeholder 2">
             <a:extLst>
               <a:ext uri="{FF2B5EF4-FFF2-40B4-BE49-F238E27FC236}">
-                <a16:creationId xmlns="" xmlns:a16="http://schemas.microsoft.com/office/drawing/2014/main" id="{7D394C99-B323-47B7-BCC2-501C0B3CAD6E}"/>
+                <a16:creationId xmlns:a16="http://schemas.microsoft.com/office/drawing/2014/main" xmlns="" id="{7D394C99-B323-47B7-BCC2-501C0B3CAD6E}"/>
               </a:ext>
             </a:extLst>
           </p:cNvPr>
@@ -15746,7 +15794,7 @@
           <p:cNvPr id="13" name="Picture 12">
             <a:extLst>
               <a:ext uri="{FF2B5EF4-FFF2-40B4-BE49-F238E27FC236}">
-                <a16:creationId xmlns="" xmlns:a16="http://schemas.microsoft.com/office/drawing/2014/main" id="{6C7DFF70-CCA0-4714-A8D4-3E24AC2445C7}"/>
+                <a16:creationId xmlns:a16="http://schemas.microsoft.com/office/drawing/2014/main" xmlns="" id="{6C7DFF70-CCA0-4714-A8D4-3E24AC2445C7}"/>
               </a:ext>
             </a:extLst>
           </p:cNvPr>
@@ -15776,7 +15824,7 @@
           <p:cNvPr id="2" name="Slide Number Placeholder 1">
             <a:extLst>
               <a:ext uri="{FF2B5EF4-FFF2-40B4-BE49-F238E27FC236}">
-                <a16:creationId xmlns="" xmlns:a16="http://schemas.microsoft.com/office/drawing/2014/main" id="{3A9F13B3-A864-47EA-9914-524B6CB023E9}"/>
+                <a16:creationId xmlns:a16="http://schemas.microsoft.com/office/drawing/2014/main" xmlns="" id="{3A9F13B3-A864-47EA-9914-524B6CB023E9}"/>
               </a:ext>
             </a:extLst>
           </p:cNvPr>
@@ -16026,7 +16074,7 @@
           <p:cNvPr id="4" name="Title 3">
             <a:extLst>
               <a:ext uri="{FF2B5EF4-FFF2-40B4-BE49-F238E27FC236}">
-                <a16:creationId xmlns="" xmlns:a16="http://schemas.microsoft.com/office/drawing/2014/main" id="{0D213B8E-B257-46B0-AD6E-8769531E79AF}"/>
+                <a16:creationId xmlns:a16="http://schemas.microsoft.com/office/drawing/2014/main" xmlns="" id="{0D213B8E-B257-46B0-AD6E-8769531E79AF}"/>
               </a:ext>
             </a:extLst>
           </p:cNvPr>
@@ -16074,7 +16122,7 @@
           <p:cNvPr id="5" name="Slide Number Placeholder 4">
             <a:extLst>
               <a:ext uri="{FF2B5EF4-FFF2-40B4-BE49-F238E27FC236}">
-                <a16:creationId xmlns="" xmlns:a16="http://schemas.microsoft.com/office/drawing/2014/main" id="{BD1A4646-3DBE-406A-A504-167B5A92F786}"/>
+                <a16:creationId xmlns:a16="http://schemas.microsoft.com/office/drawing/2014/main" xmlns="" id="{BD1A4646-3DBE-406A-A504-167B5A92F786}"/>
               </a:ext>
             </a:extLst>
           </p:cNvPr>
@@ -16104,7 +16152,7 @@
           <p:cNvPr id="6" name="Title 3">
             <a:extLst>
               <a:ext uri="{FF2B5EF4-FFF2-40B4-BE49-F238E27FC236}">
-                <a16:creationId xmlns="" xmlns:a16="http://schemas.microsoft.com/office/drawing/2014/main" id="{0D213B8E-B257-46B0-AD6E-8769531E79AF}"/>
+                <a16:creationId xmlns:a16="http://schemas.microsoft.com/office/drawing/2014/main" xmlns="" id="{0D213B8E-B257-46B0-AD6E-8769531E79AF}"/>
               </a:ext>
             </a:extLst>
           </p:cNvPr>
@@ -16359,7 +16407,7 @@
           <p:cNvPr id="8" name="Title 3">
             <a:extLst>
               <a:ext uri="{FF2B5EF4-FFF2-40B4-BE49-F238E27FC236}">
-                <a16:creationId xmlns="" xmlns:a16="http://schemas.microsoft.com/office/drawing/2014/main" id="{249FB50D-D3FF-4C9D-B418-705D4EA2D891}"/>
+                <a16:creationId xmlns:a16="http://schemas.microsoft.com/office/drawing/2014/main" xmlns="" id="{249FB50D-D3FF-4C9D-B418-705D4EA2D891}"/>
               </a:ext>
             </a:extLst>
           </p:cNvPr>
@@ -16435,7 +16483,7 @@
           <p:cNvPr id="9" name="Content Placeholder 2">
             <a:extLst>
               <a:ext uri="{FF2B5EF4-FFF2-40B4-BE49-F238E27FC236}">
-                <a16:creationId xmlns="" xmlns:a16="http://schemas.microsoft.com/office/drawing/2014/main" id="{7D394C99-B323-47B7-BCC2-501C0B3CAD6E}"/>
+                <a16:creationId xmlns:a16="http://schemas.microsoft.com/office/drawing/2014/main" xmlns="" id="{7D394C99-B323-47B7-BCC2-501C0B3CAD6E}"/>
               </a:ext>
             </a:extLst>
           </p:cNvPr>
@@ -16872,7 +16920,7 @@
           <p:cNvPr id="13" name="Picture 12">
             <a:extLst>
               <a:ext uri="{FF2B5EF4-FFF2-40B4-BE49-F238E27FC236}">
-                <a16:creationId xmlns="" xmlns:a16="http://schemas.microsoft.com/office/drawing/2014/main" id="{6C7DFF70-CCA0-4714-A8D4-3E24AC2445C7}"/>
+                <a16:creationId xmlns:a16="http://schemas.microsoft.com/office/drawing/2014/main" xmlns="" id="{6C7DFF70-CCA0-4714-A8D4-3E24AC2445C7}"/>
               </a:ext>
             </a:extLst>
           </p:cNvPr>
@@ -16902,7 +16950,7 @@
           <p:cNvPr id="2" name="Slide Number Placeholder 1">
             <a:extLst>
               <a:ext uri="{FF2B5EF4-FFF2-40B4-BE49-F238E27FC236}">
-                <a16:creationId xmlns="" xmlns:a16="http://schemas.microsoft.com/office/drawing/2014/main" id="{3A9F13B3-A864-47EA-9914-524B6CB023E9}"/>
+                <a16:creationId xmlns:a16="http://schemas.microsoft.com/office/drawing/2014/main" xmlns="" id="{3A9F13B3-A864-47EA-9914-524B6CB023E9}"/>
               </a:ext>
             </a:extLst>
           </p:cNvPr>
@@ -17132,7 +17180,7 @@
           <p:cNvPr id="8" name="Title 3">
             <a:extLst>
               <a:ext uri="{FF2B5EF4-FFF2-40B4-BE49-F238E27FC236}">
-                <a16:creationId xmlns="" xmlns:a16="http://schemas.microsoft.com/office/drawing/2014/main" id="{249FB50D-D3FF-4C9D-B418-705D4EA2D891}"/>
+                <a16:creationId xmlns:a16="http://schemas.microsoft.com/office/drawing/2014/main" xmlns="" id="{249FB50D-D3FF-4C9D-B418-705D4EA2D891}"/>
               </a:ext>
             </a:extLst>
           </p:cNvPr>
@@ -17208,7 +17256,7 @@
           <p:cNvPr id="9" name="Content Placeholder 2">
             <a:extLst>
               <a:ext uri="{FF2B5EF4-FFF2-40B4-BE49-F238E27FC236}">
-                <a16:creationId xmlns="" xmlns:a16="http://schemas.microsoft.com/office/drawing/2014/main" id="{7D394C99-B323-47B7-BCC2-501C0B3CAD6E}"/>
+                <a16:creationId xmlns:a16="http://schemas.microsoft.com/office/drawing/2014/main" xmlns="" id="{7D394C99-B323-47B7-BCC2-501C0B3CAD6E}"/>
               </a:ext>
             </a:extLst>
           </p:cNvPr>
@@ -17530,7 +17578,7 @@
           <p:cNvPr id="13" name="Picture 12">
             <a:extLst>
               <a:ext uri="{FF2B5EF4-FFF2-40B4-BE49-F238E27FC236}">
-                <a16:creationId xmlns="" xmlns:a16="http://schemas.microsoft.com/office/drawing/2014/main" id="{6C7DFF70-CCA0-4714-A8D4-3E24AC2445C7}"/>
+                <a16:creationId xmlns:a16="http://schemas.microsoft.com/office/drawing/2014/main" xmlns="" id="{6C7DFF70-CCA0-4714-A8D4-3E24AC2445C7}"/>
               </a:ext>
             </a:extLst>
           </p:cNvPr>
@@ -17560,7 +17608,7 @@
           <p:cNvPr id="2" name="Slide Number Placeholder 1">
             <a:extLst>
               <a:ext uri="{FF2B5EF4-FFF2-40B4-BE49-F238E27FC236}">
-                <a16:creationId xmlns="" xmlns:a16="http://schemas.microsoft.com/office/drawing/2014/main" id="{3A9F13B3-A864-47EA-9914-524B6CB023E9}"/>
+                <a16:creationId xmlns:a16="http://schemas.microsoft.com/office/drawing/2014/main" xmlns="" id="{3A9F13B3-A864-47EA-9914-524B6CB023E9}"/>
               </a:ext>
             </a:extLst>
           </p:cNvPr>
@@ -17790,7 +17838,7 @@
           <p:cNvPr id="4" name="Title 3">
             <a:extLst>
               <a:ext uri="{FF2B5EF4-FFF2-40B4-BE49-F238E27FC236}">
-                <a16:creationId xmlns="" xmlns:a16="http://schemas.microsoft.com/office/drawing/2014/main" id="{0D213B8E-B257-46B0-AD6E-8769531E79AF}"/>
+                <a16:creationId xmlns:a16="http://schemas.microsoft.com/office/drawing/2014/main" xmlns="" id="{0D213B8E-B257-46B0-AD6E-8769531E79AF}"/>
               </a:ext>
             </a:extLst>
           </p:cNvPr>
@@ -17838,7 +17886,7 @@
           <p:cNvPr id="5" name="Slide Number Placeholder 4">
             <a:extLst>
               <a:ext uri="{FF2B5EF4-FFF2-40B4-BE49-F238E27FC236}">
-                <a16:creationId xmlns="" xmlns:a16="http://schemas.microsoft.com/office/drawing/2014/main" id="{BD1A4646-3DBE-406A-A504-167B5A92F786}"/>
+                <a16:creationId xmlns:a16="http://schemas.microsoft.com/office/drawing/2014/main" xmlns="" id="{BD1A4646-3DBE-406A-A504-167B5A92F786}"/>
               </a:ext>
             </a:extLst>
           </p:cNvPr>
@@ -17868,7 +17916,7 @@
           <p:cNvPr id="6" name="Title 3">
             <a:extLst>
               <a:ext uri="{FF2B5EF4-FFF2-40B4-BE49-F238E27FC236}">
-                <a16:creationId xmlns="" xmlns:a16="http://schemas.microsoft.com/office/drawing/2014/main" id="{0D213B8E-B257-46B0-AD6E-8769531E79AF}"/>
+                <a16:creationId xmlns:a16="http://schemas.microsoft.com/office/drawing/2014/main" xmlns="" id="{0D213B8E-B257-46B0-AD6E-8769531E79AF}"/>
               </a:ext>
             </a:extLst>
           </p:cNvPr>
@@ -17945,7 +17993,13 @@
           <p:nvPr/>
         </p:nvPicPr>
         <p:blipFill>
-          <a:blip r:embed="rId4"/>
+          <a:blip r:embed="rId4" cstate="email">
+            <a:extLst>
+              <a:ext uri="{28A0092B-C50C-407E-A947-70E740481C1C}">
+                <a14:useLocalDpi xmlns:a14="http://schemas.microsoft.com/office/drawing/2010/main"/>
+              </a:ext>
+            </a:extLst>
+          </a:blip>
           <a:stretch>
             <a:fillRect/>
           </a:stretch>
@@ -18123,7 +18177,7 @@
           <p:cNvPr id="8" name="Title 3">
             <a:extLst>
               <a:ext uri="{FF2B5EF4-FFF2-40B4-BE49-F238E27FC236}">
-                <a16:creationId xmlns="" xmlns:a16="http://schemas.microsoft.com/office/drawing/2014/main" id="{249FB50D-D3FF-4C9D-B418-705D4EA2D891}"/>
+                <a16:creationId xmlns:a16="http://schemas.microsoft.com/office/drawing/2014/main" xmlns="" id="{249FB50D-D3FF-4C9D-B418-705D4EA2D891}"/>
               </a:ext>
             </a:extLst>
           </p:cNvPr>
@@ -18199,7 +18253,7 @@
           <p:cNvPr id="9" name="Content Placeholder 2">
             <a:extLst>
               <a:ext uri="{FF2B5EF4-FFF2-40B4-BE49-F238E27FC236}">
-                <a16:creationId xmlns="" xmlns:a16="http://schemas.microsoft.com/office/drawing/2014/main" id="{7D394C99-B323-47B7-BCC2-501C0B3CAD6E}"/>
+                <a16:creationId xmlns:a16="http://schemas.microsoft.com/office/drawing/2014/main" xmlns="" id="{7D394C99-B323-47B7-BCC2-501C0B3CAD6E}"/>
               </a:ext>
             </a:extLst>
           </p:cNvPr>
@@ -18679,7 +18733,7 @@
           <p:cNvPr id="13" name="Picture 12">
             <a:extLst>
               <a:ext uri="{FF2B5EF4-FFF2-40B4-BE49-F238E27FC236}">
-                <a16:creationId xmlns="" xmlns:a16="http://schemas.microsoft.com/office/drawing/2014/main" id="{6C7DFF70-CCA0-4714-A8D4-3E24AC2445C7}"/>
+                <a16:creationId xmlns:a16="http://schemas.microsoft.com/office/drawing/2014/main" xmlns="" id="{6C7DFF70-CCA0-4714-A8D4-3E24AC2445C7}"/>
               </a:ext>
             </a:extLst>
           </p:cNvPr>
@@ -18709,7 +18763,7 @@
           <p:cNvPr id="2" name="Slide Number Placeholder 1">
             <a:extLst>
               <a:ext uri="{FF2B5EF4-FFF2-40B4-BE49-F238E27FC236}">
-                <a16:creationId xmlns="" xmlns:a16="http://schemas.microsoft.com/office/drawing/2014/main" id="{3A9F13B3-A864-47EA-9914-524B6CB023E9}"/>
+                <a16:creationId xmlns:a16="http://schemas.microsoft.com/office/drawing/2014/main" xmlns="" id="{3A9F13B3-A864-47EA-9914-524B6CB023E9}"/>
               </a:ext>
             </a:extLst>
           </p:cNvPr>
@@ -19879,6 +19933,23 @@
 </file>
 
 <file path=customXml/item1.xml><?xml version="1.0" encoding="utf-8"?>
+<?mso-contentType ?>
+<FormTemplates xmlns="http://schemas.microsoft.com/sharepoint/v3/contenttype/forms">
+  <Display>DocumentLibraryForm</Display>
+  <Edit>DocumentLibraryForm</Edit>
+  <New>DocumentLibraryForm</New>
+</FormTemplates>
+</file>
+
+<file path=customXml/item2.xml><?xml version="1.0" encoding="utf-8"?>
+<p:properties xmlns:p="http://schemas.microsoft.com/office/2006/metadata/properties" xmlns:xsi="http://www.w3.org/2001/XMLSchema-instance" xmlns:pc="http://schemas.microsoft.com/office/infopath/2007/PartnerControls">
+  <documentManagement>
+    <MediaServiceKeyPoints xmlns="71af3243-3dd4-4a8d-8c0d-dd76da1f02a5" xsi:nil="true"/>
+  </documentManagement>
+</p:properties>
+</file>
+
+<file path=customXml/item3.xml><?xml version="1.0" encoding="utf-8"?>
 <ct:contentTypeSchema xmlns:ct="http://schemas.microsoft.com/office/2006/metadata/contentType" xmlns:ma="http://schemas.microsoft.com/office/2006/metadata/properties/metaAttributes" ct:_="" ma:_="" ma:contentTypeName="Document" ma:contentTypeID="0x01010079F111ED35F8CC479449609E8A0923A6" ma:contentTypeVersion="11" ma:contentTypeDescription="Create a new document." ma:contentTypeScope="" ma:versionID="96291512c1ee715ab617f4c07df79fc1">
   <xsd:schema xmlns:xsd="http://www.w3.org/2001/XMLSchema" xmlns:xs="http://www.w3.org/2001/XMLSchema" xmlns:p="http://schemas.microsoft.com/office/2006/metadata/properties" xmlns:ns2="71af3243-3dd4-4a8d-8c0d-dd76da1f02a5" xmlns:ns3="16c05727-aa75-4e4a-9b5f-8a80a1165891" targetNamespace="http://schemas.microsoft.com/office/2006/metadata/properties" ma:root="true" ma:fieldsID="8256c27c40ca5c40ce1cf6c44f0205df" ns2:_="" ns3:_="">
     <xsd:import namespace="71af3243-3dd4-4a8d-8c0d-dd76da1f02a5"/>
@@ -20089,38 +20160,10 @@
 </ct:contentTypeSchema>
 </file>
 
-<file path=customXml/item2.xml><?xml version="1.0" encoding="utf-8"?>
-<p:properties xmlns:p="http://schemas.microsoft.com/office/2006/metadata/properties" xmlns:xsi="http://www.w3.org/2001/XMLSchema-instance" xmlns:pc="http://schemas.microsoft.com/office/infopath/2007/PartnerControls">
-  <documentManagement>
-    <MediaServiceKeyPoints xmlns="71af3243-3dd4-4a8d-8c0d-dd76da1f02a5" xsi:nil="true"/>
-  </documentManagement>
-</p:properties>
-</file>
-
-<file path=customXml/item3.xml><?xml version="1.0" encoding="utf-8"?>
-<?mso-contentType ?>
-<FormTemplates xmlns="http://schemas.microsoft.com/sharepoint/v3/contenttype/forms">
-  <Display>DocumentLibraryForm</Display>
-  <Edit>DocumentLibraryForm</Edit>
-  <New>DocumentLibraryForm</New>
-</FormTemplates>
-</file>
-
 <file path=customXml/itemProps1.xml><?xml version="1.0" encoding="utf-8"?>
-<ds:datastoreItem xmlns:ds="http://schemas.openxmlformats.org/officeDocument/2006/customXml" ds:itemID="{B1AD0D4C-03C4-489C-932A-66E2D74FA6D5}">
+<ds:datastoreItem xmlns:ds="http://schemas.openxmlformats.org/officeDocument/2006/customXml" ds:itemID="{3DC31EBE-A492-4CE5-9650-1E2C8FDDD7CE}">
   <ds:schemaRefs>
-    <ds:schemaRef ds:uri="http://schemas.microsoft.com/office/2006/metadata/contentType"/>
-    <ds:schemaRef ds:uri="http://schemas.microsoft.com/office/2006/metadata/properties/metaAttributes"/>
-    <ds:schemaRef ds:uri="http://www.w3.org/2001/XMLSchema"/>
-    <ds:schemaRef ds:uri="http://schemas.microsoft.com/office/2006/metadata/properties"/>
-    <ds:schemaRef ds:uri="71af3243-3dd4-4a8d-8c0d-dd76da1f02a5"/>
-    <ds:schemaRef ds:uri="16c05727-aa75-4e4a-9b5f-8a80a1165891"/>
-    <ds:schemaRef ds:uri="http://schemas.microsoft.com/office/2006/documentManagement/types"/>
-    <ds:schemaRef ds:uri="http://schemas.microsoft.com/office/infopath/2007/PartnerControls"/>
-    <ds:schemaRef ds:uri="http://schemas.openxmlformats.org/package/2006/metadata/core-properties"/>
-    <ds:schemaRef ds:uri="http://purl.org/dc/elements/1.1/"/>
-    <ds:schemaRef ds:uri="http://purl.org/dc/terms/"/>
-    <ds:schemaRef ds:uri="http://schemas.microsoft.com/internal/obd"/>
+    <ds:schemaRef ds:uri="http://schemas.microsoft.com/sharepoint/v3/contenttype/forms"/>
   </ds:schemaRefs>
 </ds:datastoreItem>
 </file>
@@ -20143,9 +20186,20 @@
 </file>
 
 <file path=customXml/itemProps3.xml><?xml version="1.0" encoding="utf-8"?>
-<ds:datastoreItem xmlns:ds="http://schemas.openxmlformats.org/officeDocument/2006/customXml" ds:itemID="{3DC31EBE-A492-4CE5-9650-1E2C8FDDD7CE}">
+<ds:datastoreItem xmlns:ds="http://schemas.openxmlformats.org/officeDocument/2006/customXml" ds:itemID="{B1AD0D4C-03C4-489C-932A-66E2D74FA6D5}">
   <ds:schemaRefs>
-    <ds:schemaRef ds:uri="http://schemas.microsoft.com/sharepoint/v3/contenttype/forms"/>
+    <ds:schemaRef ds:uri="http://schemas.microsoft.com/office/2006/metadata/contentType"/>
+    <ds:schemaRef ds:uri="http://schemas.microsoft.com/office/2006/metadata/properties/metaAttributes"/>
+    <ds:schemaRef ds:uri="http://www.w3.org/2001/XMLSchema"/>
+    <ds:schemaRef ds:uri="http://schemas.microsoft.com/office/2006/metadata/properties"/>
+    <ds:schemaRef ds:uri="71af3243-3dd4-4a8d-8c0d-dd76da1f02a5"/>
+    <ds:schemaRef ds:uri="16c05727-aa75-4e4a-9b5f-8a80a1165891"/>
+    <ds:schemaRef ds:uri="http://schemas.microsoft.com/office/2006/documentManagement/types"/>
+    <ds:schemaRef ds:uri="http://schemas.microsoft.com/office/infopath/2007/PartnerControls"/>
+    <ds:schemaRef ds:uri="http://schemas.openxmlformats.org/package/2006/metadata/core-properties"/>
+    <ds:schemaRef ds:uri="http://purl.org/dc/elements/1.1/"/>
+    <ds:schemaRef ds:uri="http://purl.org/dc/terms/"/>
+    <ds:schemaRef ds:uri="http://schemas.microsoft.com/internal/obd"/>
   </ds:schemaRefs>
 </ds:datastoreItem>
 </file>